--- a/CSPastPresentFuture.pptx
+++ b/CSPastPresentFuture.pptx
@@ -5,7 +5,7 @@
     <p:sldMasterId id="2147483672" r:id="rId1"/>
   </p:sldMasterIdLst>
   <p:notesMasterIdLst>
-    <p:notesMasterId r:id="rId10"/>
+    <p:notesMasterId r:id="rId11"/>
   </p:notesMasterIdLst>
   <p:sldIdLst>
     <p:sldId id="286" r:id="rId2"/>
@@ -14,8 +14,9 @@
     <p:sldId id="314" r:id="rId5"/>
     <p:sldId id="317" r:id="rId6"/>
     <p:sldId id="318" r:id="rId7"/>
-    <p:sldId id="263" r:id="rId8"/>
-    <p:sldId id="287" r:id="rId9"/>
+    <p:sldId id="319" r:id="rId8"/>
+    <p:sldId id="263" r:id="rId9"/>
+    <p:sldId id="287" r:id="rId10"/>
   </p:sldIdLst>
   <p:sldSz cx="12192000" cy="6858000"/>
   <p:notesSz cx="6858000" cy="9144000"/>
@@ -4640,7 +4641,7 @@
         <a:p>
           <a:r>
             <a:rPr lang="en-US" dirty="0"/>
-            <a:t>C# 9:</a:t>
+            <a:t>Top Level Statements</a:t>
           </a:r>
         </a:p>
       </dgm:t>
@@ -4693,85 +4694,6 @@
       </dgm:t>
     </dgm:pt>
     <dgm:pt modelId="{99AE02DB-E0B5-417E-9974-FF9C4B539FD3}" type="sibTrans" cxnId="{489E3D08-4CD7-41BA-8C1E-CB4DA1788484}">
-      <dgm:prSet/>
-      <dgm:spPr/>
-      <dgm:t>
-        <a:bodyPr/>
-        <a:lstStyle/>
-        <a:p>
-          <a:endParaRPr lang="en-US"/>
-        </a:p>
-      </dgm:t>
-    </dgm:pt>
-    <dgm:pt modelId="{F4983B85-03D1-43A9-BE09-E3ADA2851DE1}">
-      <dgm:prSet/>
-      <dgm:spPr/>
-      <dgm:t>
-        <a:bodyPr/>
-        <a:lstStyle/>
-        <a:p>
-          <a:r>
-            <a:rPr lang="en-US" dirty="0"/>
-            <a:t>Target Type New</a:t>
-          </a:r>
-        </a:p>
-      </dgm:t>
-    </dgm:pt>
-    <dgm:pt modelId="{B601BCC3-2640-4F4A-933B-5AF872D28298}" type="parTrans" cxnId="{C66F16D8-42E8-4DB5-B54E-C38F2635D16F}">
-      <dgm:prSet/>
-      <dgm:spPr/>
-      <dgm:t>
-        <a:bodyPr/>
-        <a:lstStyle/>
-        <a:p>
-          <a:endParaRPr lang="en-US"/>
-        </a:p>
-      </dgm:t>
-    </dgm:pt>
-    <dgm:pt modelId="{9702492F-4ED4-44DD-9726-C12E8E993787}" type="sibTrans" cxnId="{C66F16D8-42E8-4DB5-B54E-C38F2635D16F}">
-      <dgm:prSet/>
-      <dgm:spPr/>
-      <dgm:t>
-        <a:bodyPr/>
-        <a:lstStyle/>
-        <a:p>
-          <a:endParaRPr lang="en-US"/>
-        </a:p>
-      </dgm:t>
-    </dgm:pt>
-    <dgm:pt modelId="{2847F389-EFC7-4678-91B4-456F77F6A487}">
-      <dgm:prSet/>
-      <dgm:spPr/>
-      <dgm:t>
-        <a:bodyPr/>
-        <a:lstStyle/>
-        <a:p>
-          <a:r>
-            <a:rPr lang="en-US" dirty="0"/>
-            <a:t>Top Level Statements</a:t>
-          </a:r>
-          <a:br>
-            <a:rPr lang="en-US" dirty="0"/>
-          </a:br>
-          <a:r>
-            <a:rPr lang="en-US" dirty="0"/>
-            <a:t>Records</a:t>
-          </a:r>
-        </a:p>
-      </dgm:t>
-    </dgm:pt>
-    <dgm:pt modelId="{9B0F2493-2EBE-4167-AC04-5D2F9E44CB75}" type="parTrans" cxnId="{7933C3DF-8CBC-4851-A715-49731D1AA7F8}">
-      <dgm:prSet/>
-      <dgm:spPr/>
-      <dgm:t>
-        <a:bodyPr/>
-        <a:lstStyle/>
-        <a:p>
-          <a:endParaRPr lang="en-US"/>
-        </a:p>
-      </dgm:t>
-    </dgm:pt>
-    <dgm:pt modelId="{04B6AC97-9873-4B3F-8FA0-CDA76912DFAA}" type="sibTrans" cxnId="{7933C3DF-8CBC-4851-A715-49731D1AA7F8}">
       <dgm:prSet/>
       <dgm:spPr/>
       <dgm:t>
@@ -4926,26 +4848,30 @@
         </a:p>
       </dgm:t>
     </dgm:pt>
-    <dgm:pt modelId="{803DF5FC-62EC-40E9-A11C-A8AABA36E779}">
+    <dgm:pt modelId="{D2FD0874-34C4-4F7C-AF88-1F4DDB740976}">
       <dgm:prSet/>
       <dgm:spPr/>
       <dgm:t>
         <a:bodyPr/>
         <a:lstStyle/>
         <a:p>
+          <a:pPr>
+            <a:buFont typeface="Arial" panose="020B0604020202020204" pitchFamily="34" charset="0"/>
+            <a:buChar char="•"/>
+          </a:pPr>
           <a:r>
-            <a:rPr lang="en-US" dirty="0"/>
-            <a:t>Skip locals </a:t>
-          </a:r>
-          <a:r>
-            <a:rPr lang="en-US" dirty="0" err="1"/>
-            <a:t>init</a:t>
+            <a:rPr lang="en-US">
+              <a:solidFill>
+                <a:schemeClr val="bg1"/>
+              </a:solidFill>
+            </a:rPr>
+            <a:t>Target Type New</a:t>
           </a:r>
           <a:endParaRPr lang="en-US" dirty="0"/>
         </a:p>
       </dgm:t>
     </dgm:pt>
-    <dgm:pt modelId="{5D30D80F-DE18-4480-B566-A16A0CFC6F20}" type="parTrans" cxnId="{DB9264CA-22FB-40DD-A7A6-BD186ADB5FDF}">
+    <dgm:pt modelId="{2028A81E-52C5-4302-A855-635EB4FE4913}" type="parTrans" cxnId="{FDEDDEC4-008D-4B99-8CF2-A2BCF65D7CB0}">
       <dgm:prSet/>
       <dgm:spPr/>
       <dgm:t>
@@ -4956,7 +4882,7 @@
         </a:p>
       </dgm:t>
     </dgm:pt>
-    <dgm:pt modelId="{1A88D806-B3F4-4500-8035-AAF8CAE3323C}" type="sibTrans" cxnId="{DB9264CA-22FB-40DD-A7A6-BD186ADB5FDF}">
+    <dgm:pt modelId="{98755838-4C1D-4184-AC42-811DC573DE73}" type="sibTrans" cxnId="{FDEDDEC4-008D-4B99-8CF2-A2BCF65D7CB0}">
       <dgm:prSet/>
       <dgm:spPr/>
       <dgm:t>
@@ -4967,7 +4893,7 @@
         </a:p>
       </dgm:t>
     </dgm:pt>
-    <dgm:pt modelId="{C60E097D-AA76-4BF7-9C3D-8170A5E36F6C}">
+    <dgm:pt modelId="{0988BA2C-33F6-469D-ABE9-6ECDA0B19777}">
       <dgm:prSet/>
       <dgm:spPr/>
       <dgm:t>
@@ -4976,17 +4902,12 @@
         <a:p>
           <a:r>
             <a:rPr lang="en-US" dirty="0"/>
-            <a:t>Native </a:t>
+            <a:t>Records</a:t>
           </a:r>
-          <a:r>
-            <a:rPr lang="en-US" dirty="0" err="1"/>
-            <a:t>ints</a:t>
-          </a:r>
-          <a:endParaRPr lang="en-US" dirty="0"/>
         </a:p>
       </dgm:t>
     </dgm:pt>
-    <dgm:pt modelId="{45B37770-CD98-4A79-9A26-B602ECCDA6A9}" type="parTrans" cxnId="{3C3A5BAB-15B1-405B-B7B2-7AE40A3FAA18}">
+    <dgm:pt modelId="{3572250B-D2EE-492D-9015-4F209D1D714C}" type="parTrans" cxnId="{76F2C466-9278-4CD5-821D-1144500973E3}">
       <dgm:prSet/>
       <dgm:spPr/>
       <dgm:t>
@@ -4997,237 +4918,7 @@
         </a:p>
       </dgm:t>
     </dgm:pt>
-    <dgm:pt modelId="{9EA57C41-5194-4789-AB9D-E4610F7586CC}" type="sibTrans" cxnId="{3C3A5BAB-15B1-405B-B7B2-7AE40A3FAA18}">
-      <dgm:prSet/>
-      <dgm:spPr/>
-      <dgm:t>
-        <a:bodyPr/>
-        <a:lstStyle/>
-        <a:p>
-          <a:endParaRPr lang="en-US"/>
-        </a:p>
-      </dgm:t>
-    </dgm:pt>
-    <dgm:pt modelId="{317F8F53-8FE8-40E0-A447-E41E0904521F}">
-      <dgm:prSet/>
-      <dgm:spPr/>
-      <dgm:t>
-        <a:bodyPr/>
-        <a:lstStyle/>
-        <a:p>
-          <a:r>
-            <a:rPr lang="en-US" dirty="0"/>
-            <a:t>Attributes on local functions</a:t>
-          </a:r>
-        </a:p>
-      </dgm:t>
-    </dgm:pt>
-    <dgm:pt modelId="{FFFB41DA-5E14-4F71-8BE3-AB9665C0C4B7}" type="parTrans" cxnId="{359A4428-4F2E-4981-A303-A1EE0300BDC5}">
-      <dgm:prSet/>
-      <dgm:spPr/>
-      <dgm:t>
-        <a:bodyPr/>
-        <a:lstStyle/>
-        <a:p>
-          <a:endParaRPr lang="en-US"/>
-        </a:p>
-      </dgm:t>
-    </dgm:pt>
-    <dgm:pt modelId="{B49F7313-94C2-4F46-976D-1A3694221939}" type="sibTrans" cxnId="{359A4428-4F2E-4981-A303-A1EE0300BDC5}">
-      <dgm:prSet/>
-      <dgm:spPr/>
-      <dgm:t>
-        <a:bodyPr/>
-        <a:lstStyle/>
-        <a:p>
-          <a:endParaRPr lang="en-US"/>
-        </a:p>
-      </dgm:t>
-    </dgm:pt>
-    <dgm:pt modelId="{33A37AF0-BD67-478C-A1B6-CECFF7670089}">
-      <dgm:prSet/>
-      <dgm:spPr/>
-      <dgm:t>
-        <a:bodyPr/>
-        <a:lstStyle/>
-        <a:p>
-          <a:r>
-            <a:rPr lang="en-US" dirty="0"/>
-            <a:t>Function pointers</a:t>
-          </a:r>
-        </a:p>
-      </dgm:t>
-    </dgm:pt>
-    <dgm:pt modelId="{DB480371-87BE-4687-BE19-016D1B254F2D}" type="parTrans" cxnId="{EC819047-918A-4F4A-952E-1A093C85E0B6}">
-      <dgm:prSet/>
-      <dgm:spPr/>
-      <dgm:t>
-        <a:bodyPr/>
-        <a:lstStyle/>
-        <a:p>
-          <a:endParaRPr lang="en-US"/>
-        </a:p>
-      </dgm:t>
-    </dgm:pt>
-    <dgm:pt modelId="{F2A61A8C-04C5-4F78-BFD2-4DE0CCBC52C7}" type="sibTrans" cxnId="{EC819047-918A-4F4A-952E-1A093C85E0B6}">
-      <dgm:prSet/>
-      <dgm:spPr/>
-      <dgm:t>
-        <a:bodyPr/>
-        <a:lstStyle/>
-        <a:p>
-          <a:endParaRPr lang="en-US"/>
-        </a:p>
-      </dgm:t>
-    </dgm:pt>
-    <dgm:pt modelId="{DA1964D9-3681-4A2C-BC7E-0679C5C170B3}">
-      <dgm:prSet/>
-      <dgm:spPr/>
-      <dgm:t>
-        <a:bodyPr/>
-        <a:lstStyle/>
-        <a:p>
-          <a:r>
-            <a:rPr lang="en-US" dirty="0"/>
-            <a:t>Pattern matching improvements</a:t>
-          </a:r>
-        </a:p>
-      </dgm:t>
-    </dgm:pt>
-    <dgm:pt modelId="{35517268-AA21-41B7-81CD-BE857C270831}" type="parTrans" cxnId="{DBEC4A4D-3648-4227-B3BD-97D18F9AAB1B}">
-      <dgm:prSet/>
-      <dgm:spPr/>
-      <dgm:t>
-        <a:bodyPr/>
-        <a:lstStyle/>
-        <a:p>
-          <a:endParaRPr lang="en-US"/>
-        </a:p>
-      </dgm:t>
-    </dgm:pt>
-    <dgm:pt modelId="{422831EE-77C6-49D6-94A4-C278F34C6883}" type="sibTrans" cxnId="{DBEC4A4D-3648-4227-B3BD-97D18F9AAB1B}">
-      <dgm:prSet/>
-      <dgm:spPr/>
-      <dgm:t>
-        <a:bodyPr/>
-        <a:lstStyle/>
-        <a:p>
-          <a:endParaRPr lang="en-US"/>
-        </a:p>
-      </dgm:t>
-    </dgm:pt>
-    <dgm:pt modelId="{DBE08A27-5DBB-4A9D-ABF3-6EA100931741}">
-      <dgm:prSet/>
-      <dgm:spPr/>
-      <dgm:t>
-        <a:bodyPr/>
-        <a:lstStyle/>
-        <a:p>
-          <a:r>
-            <a:rPr lang="en-US" dirty="0" err="1"/>
-            <a:t>Taarget</a:t>
-          </a:r>
-          <a:r>
-            <a:rPr lang="en-US" dirty="0"/>
-            <a:t> type </a:t>
-          </a:r>
-          <a:r>
-            <a:rPr lang="en-US" dirty="0" err="1"/>
-            <a:t>conitional</a:t>
-          </a:r>
-          <a:endParaRPr lang="en-US" dirty="0"/>
-        </a:p>
-      </dgm:t>
-    </dgm:pt>
-    <dgm:pt modelId="{FA1F1546-A063-4171-8599-47B8FE0C7561}" type="parTrans" cxnId="{30CBBFBD-F867-43D1-985A-37EBAEDE355B}">
-      <dgm:prSet/>
-      <dgm:spPr/>
-      <dgm:t>
-        <a:bodyPr/>
-        <a:lstStyle/>
-        <a:p>
-          <a:endParaRPr lang="en-US"/>
-        </a:p>
-      </dgm:t>
-    </dgm:pt>
-    <dgm:pt modelId="{01F3BB34-4170-4703-9C30-2FF74E179715}" type="sibTrans" cxnId="{30CBBFBD-F867-43D1-985A-37EBAEDE355B}">
-      <dgm:prSet/>
-      <dgm:spPr/>
-      <dgm:t>
-        <a:bodyPr/>
-        <a:lstStyle/>
-        <a:p>
-          <a:endParaRPr lang="en-US"/>
-        </a:p>
-      </dgm:t>
-    </dgm:pt>
-    <dgm:pt modelId="{411FB585-30BF-48A2-BCEF-C84E708BE53E}">
-      <dgm:prSet/>
-      <dgm:spPr/>
-      <dgm:t>
-        <a:bodyPr/>
-        <a:lstStyle/>
-        <a:p>
-          <a:r>
-            <a:rPr lang="en-US" dirty="0"/>
-            <a:t>Covariant returns</a:t>
-          </a:r>
-        </a:p>
-      </dgm:t>
-    </dgm:pt>
-    <dgm:pt modelId="{55BBE039-6E9C-4FEC-A912-9CC6C70DD558}" type="parTrans" cxnId="{CF29DE29-B9C6-404C-8FB2-F8FE7854FBE7}">
-      <dgm:prSet/>
-      <dgm:spPr/>
-      <dgm:t>
-        <a:bodyPr/>
-        <a:lstStyle/>
-        <a:p>
-          <a:endParaRPr lang="en-US"/>
-        </a:p>
-      </dgm:t>
-    </dgm:pt>
-    <dgm:pt modelId="{C0129936-EF9A-4E79-8996-08653788AD2A}" type="sibTrans" cxnId="{CF29DE29-B9C6-404C-8FB2-F8FE7854FBE7}">
-      <dgm:prSet/>
-      <dgm:spPr/>
-      <dgm:t>
-        <a:bodyPr/>
-        <a:lstStyle/>
-        <a:p>
-          <a:endParaRPr lang="en-US"/>
-        </a:p>
-      </dgm:t>
-    </dgm:pt>
-    <dgm:pt modelId="{009A7F54-64A4-45C2-877D-AE62DBC51AE6}">
-      <dgm:prSet/>
-      <dgm:spPr/>
-      <dgm:t>
-        <a:bodyPr/>
-        <a:lstStyle/>
-        <a:p>
-          <a:r>
-            <a:rPr lang="en-US" dirty="0"/>
-            <a:t>Extension </a:t>
-          </a:r>
-          <a:r>
-            <a:rPr lang="en-US" dirty="0" err="1"/>
-            <a:t>GetEnumerator</a:t>
-          </a:r>
-          <a:endParaRPr lang="en-US" dirty="0"/>
-        </a:p>
-      </dgm:t>
-    </dgm:pt>
-    <dgm:pt modelId="{20C99283-3807-4390-B2A6-6BDDBE20B3DD}" type="parTrans" cxnId="{BEF102AD-6D17-4A1C-B312-C06A6A9137E2}">
-      <dgm:prSet/>
-      <dgm:spPr/>
-      <dgm:t>
-        <a:bodyPr/>
-        <a:lstStyle/>
-        <a:p>
-          <a:endParaRPr lang="en-US"/>
-        </a:p>
-      </dgm:t>
-    </dgm:pt>
-    <dgm:pt modelId="{7999BD59-D1E3-43D9-B288-EFA32084D7F7}" type="sibTrans" cxnId="{BEF102AD-6D17-4A1C-B312-C06A6A9137E2}">
+    <dgm:pt modelId="{8C921FD2-B0BD-4FD3-9D1F-726249F235AB}" type="sibTrans" cxnId="{76F2C466-9278-4CD5-821D-1144500973E3}">
       <dgm:prSet/>
       <dgm:spPr/>
       <dgm:t>
@@ -5272,37 +4963,21 @@
   </dgm:ptLst>
   <dgm:cxnLst>
     <dgm:cxn modelId="{489E3D08-4CD7-41BA-8C1E-CB4DA1788484}" srcId="{55AF256D-980F-4EAC-BDE3-A1B7BB810149}" destId="{BAD07A50-BB9B-4058-A6B8-3F500B5DC8AC}" srcOrd="6" destOrd="0" parTransId="{B05C9C49-E6D0-4DE2-9935-59A82164DF19}" sibTransId="{99AE02DB-E0B5-417E-9974-FF9C4B539FD3}"/>
-    <dgm:cxn modelId="{823F970A-7FF6-43D0-BC14-AE229433C4B1}" type="presOf" srcId="{317F8F53-8FE8-40E0-A447-E41E0904521F}" destId="{99404815-EBB5-40EA-B4FB-18C60F71A14A}" srcOrd="0" destOrd="10" presId="urn:microsoft.com/office/officeart/2005/8/layout/chevron2"/>
-    <dgm:cxn modelId="{359A4428-4F2E-4981-A303-A1EE0300BDC5}" srcId="{55AF256D-980F-4EAC-BDE3-A1B7BB810149}" destId="{317F8F53-8FE8-40E0-A447-E41E0904521F}" srcOrd="10" destOrd="0" parTransId="{FFFB41DA-5E14-4F71-8BE3-AB9665C0C4B7}" sibTransId="{B49F7313-94C2-4F46-976D-1A3694221939}"/>
-    <dgm:cxn modelId="{CF29DE29-B9C6-404C-8FB2-F8FE7854FBE7}" srcId="{55AF256D-980F-4EAC-BDE3-A1B7BB810149}" destId="{411FB585-30BF-48A2-BCEF-C84E708BE53E}" srcOrd="14" destOrd="0" parTransId="{55BBE039-6E9C-4FEC-A912-9CC6C70DD558}" sibTransId="{C0129936-EF9A-4E79-8996-08653788AD2A}"/>
+    <dgm:cxn modelId="{D054D41B-3CBB-4217-8B56-AC657F6A424B}" type="presOf" srcId="{D2FD0874-34C4-4F7C-AF88-1F4DDB740976}" destId="{99404815-EBB5-40EA-B4FB-18C60F71A14A}" srcOrd="0" destOrd="7" presId="urn:microsoft.com/office/officeart/2005/8/layout/chevron2"/>
     <dgm:cxn modelId="{0C3B6F2C-FC7D-432A-9C28-77B4A1C9C28E}" srcId="{EE40FFF8-103D-4F45-B85F-403984910D7F}" destId="{55AF256D-980F-4EAC-BDE3-A1B7BB810149}" srcOrd="0" destOrd="0" parTransId="{748A717C-599F-4C3A-B811-C08F8B1B0759}" sibTransId="{A0FA65F2-48E1-4C84-8387-4B40ABD643EF}"/>
     <dgm:cxn modelId="{BF7D8D2E-44B4-4C46-997D-194F89DCBAAA}" srcId="{55AF256D-980F-4EAC-BDE3-A1B7BB810149}" destId="{C9FBC63F-CDED-4761-96FF-FFA93DBFA544}" srcOrd="5" destOrd="0" parTransId="{F7499AFC-3320-40E9-A12C-783F414A0497}" sibTransId="{6F1021D3-47C9-42ED-A6A0-97280195F3B0}"/>
-    <dgm:cxn modelId="{0F2AC930-6BF6-40A1-9604-BA02383DBEE6}" type="presOf" srcId="{DA1964D9-3681-4A2C-BC7E-0679C5C170B3}" destId="{99404815-EBB5-40EA-B4FB-18C60F71A14A}" srcOrd="0" destOrd="12" presId="urn:microsoft.com/office/officeart/2005/8/layout/chevron2"/>
     <dgm:cxn modelId="{0103D843-07BC-46D7-B5CF-881EB1990E31}" type="presOf" srcId="{55AF256D-980F-4EAC-BDE3-A1B7BB810149}" destId="{FF38E5F5-B2ED-46F9-98AC-B8A051288B43}" srcOrd="0" destOrd="0" presId="urn:microsoft.com/office/officeart/2005/8/layout/chevron2"/>
-    <dgm:cxn modelId="{EC819047-918A-4F4A-952E-1A093C85E0B6}" srcId="{55AF256D-980F-4EAC-BDE3-A1B7BB810149}" destId="{33A37AF0-BD67-478C-A1B6-CECFF7670089}" srcOrd="11" destOrd="0" parTransId="{DB480371-87BE-4687-BE19-016D1B254F2D}" sibTransId="{F2A61A8C-04C5-4F78-BFD2-4DE0CCBC52C7}"/>
-    <dgm:cxn modelId="{DBEC4A4D-3648-4227-B3BD-97D18F9AAB1B}" srcId="{55AF256D-980F-4EAC-BDE3-A1B7BB810149}" destId="{DA1964D9-3681-4A2C-BC7E-0679C5C170B3}" srcOrd="12" destOrd="0" parTransId="{35517268-AA21-41B7-81CD-BE857C270831}" sibTransId="{422831EE-77C6-49D6-94A4-C278F34C6883}"/>
+    <dgm:cxn modelId="{76F2C466-9278-4CD5-821D-1144500973E3}" srcId="{55AF256D-980F-4EAC-BDE3-A1B7BB810149}" destId="{0988BA2C-33F6-469D-ABE9-6ECDA0B19777}" srcOrd="1" destOrd="0" parTransId="{3572250B-D2EE-492D-9015-4F209D1D714C}" sibTransId="{8C921FD2-B0BD-4FD3-9D1F-726249F235AB}"/>
     <dgm:cxn modelId="{1AE8C36E-8DF0-4CC1-B93E-246E9DA4A922}" srcId="{55AF256D-980F-4EAC-BDE3-A1B7BB810149}" destId="{3D9B7437-4B89-4763-BEAF-E9DA24406548}" srcOrd="4" destOrd="0" parTransId="{00D7B9DF-EEE2-424F-94F4-72F4315DD350}" sibTransId="{1A973A3E-417D-464F-A4A3-31C44B5CE944}"/>
     <dgm:cxn modelId="{A3561080-316C-45BC-994A-8BCC717FB0D2}" type="presOf" srcId="{9B86685F-3164-4EB7-BC23-02FF7CB9F9C4}" destId="{99404815-EBB5-40EA-B4FB-18C60F71A14A}" srcOrd="0" destOrd="3" presId="urn:microsoft.com/office/officeart/2005/8/layout/chevron2"/>
-    <dgm:cxn modelId="{30BFF28C-9406-41AA-A020-B178266AB776}" type="presOf" srcId="{2847F389-EFC7-4678-91B4-456F77F6A487}" destId="{99404815-EBB5-40EA-B4FB-18C60F71A14A}" srcOrd="0" destOrd="1" presId="urn:microsoft.com/office/officeart/2005/8/layout/chevron2"/>
     <dgm:cxn modelId="{E9A48897-FD3B-4D5C-AF4C-539633DD8EB4}" srcId="{55AF256D-980F-4EAC-BDE3-A1B7BB810149}" destId="{9B86685F-3164-4EB7-BC23-02FF7CB9F9C4}" srcOrd="3" destOrd="0" parTransId="{B85B798D-D852-4C83-8E83-2005D14494E6}" sibTransId="{A6D54504-08B1-448B-866B-AC899E52CDBE}"/>
-    <dgm:cxn modelId="{4C081A98-2553-414D-90A6-46204D2779B5}" type="presOf" srcId="{411FB585-30BF-48A2-BCEF-C84E708BE53E}" destId="{99404815-EBB5-40EA-B4FB-18C60F71A14A}" srcOrd="0" destOrd="14" presId="urn:microsoft.com/office/officeart/2005/8/layout/chevron2"/>
-    <dgm:cxn modelId="{49FE0C9C-5AA5-4739-9A64-9BC0D960FFCA}" type="presOf" srcId="{009A7F54-64A4-45C2-877D-AE62DBC51AE6}" destId="{99404815-EBB5-40EA-B4FB-18C60F71A14A}" srcOrd="0" destOrd="15" presId="urn:microsoft.com/office/officeart/2005/8/layout/chevron2"/>
     <dgm:cxn modelId="{3FEC02A6-3B33-4CA3-A1B8-B28E86AA8748}" type="presOf" srcId="{EE40FFF8-103D-4F45-B85F-403984910D7F}" destId="{C0F71877-8D45-45C6-ADEB-A07688B38294}" srcOrd="0" destOrd="0" presId="urn:microsoft.com/office/officeart/2005/8/layout/chevron2"/>
     <dgm:cxn modelId="{D57638AA-AE0F-4496-926D-933C5E25A75F}" type="presOf" srcId="{BAD07A50-BB9B-4058-A6B8-3F500B5DC8AC}" destId="{99404815-EBB5-40EA-B4FB-18C60F71A14A}" srcOrd="0" destOrd="6" presId="urn:microsoft.com/office/officeart/2005/8/layout/chevron2"/>
-    <dgm:cxn modelId="{3C3A5BAB-15B1-405B-B7B2-7AE40A3FAA18}" srcId="{55AF256D-980F-4EAC-BDE3-A1B7BB810149}" destId="{C60E097D-AA76-4BF7-9C3D-8170A5E36F6C}" srcOrd="9" destOrd="0" parTransId="{45B37770-CD98-4A79-9A26-B602ECCDA6A9}" sibTransId="{9EA57C41-5194-4789-AB9D-E4610F7586CC}"/>
-    <dgm:cxn modelId="{BEF102AD-6D17-4A1C-B312-C06A6A9137E2}" srcId="{55AF256D-980F-4EAC-BDE3-A1B7BB810149}" destId="{009A7F54-64A4-45C2-877D-AE62DBC51AE6}" srcOrd="15" destOrd="0" parTransId="{20C99283-3807-4390-B2A6-6BDDBE20B3DD}" sibTransId="{7999BD59-D1E3-43D9-B288-EFA32084D7F7}"/>
-    <dgm:cxn modelId="{CA53FEB3-9707-45B5-B77B-E67B9E244D64}" type="presOf" srcId="{DBE08A27-5DBB-4A9D-ABF3-6EA100931741}" destId="{99404815-EBB5-40EA-B4FB-18C60F71A14A}" srcOrd="0" destOrd="13" presId="urn:microsoft.com/office/officeart/2005/8/layout/chevron2"/>
     <dgm:cxn modelId="{BC1C17BC-81E7-4417-BDC2-4E24C9072DC5}" type="presOf" srcId="{F0059595-A576-4026-BD3A-1F9BB3C8BB17}" destId="{99404815-EBB5-40EA-B4FB-18C60F71A14A}" srcOrd="0" destOrd="2" presId="urn:microsoft.com/office/officeart/2005/8/layout/chevron2"/>
-    <dgm:cxn modelId="{30CBBFBD-F867-43D1-985A-37EBAEDE355B}" srcId="{55AF256D-980F-4EAC-BDE3-A1B7BB810149}" destId="{DBE08A27-5DBB-4A9D-ABF3-6EA100931741}" srcOrd="13" destOrd="0" parTransId="{FA1F1546-A063-4171-8599-47B8FE0C7561}" sibTransId="{01F3BB34-4170-4703-9C30-2FF74E179715}"/>
     <dgm:cxn modelId="{666D1BBF-240A-4EF6-8BA4-2FBEB73B37FC}" type="presOf" srcId="{C9FBC63F-CDED-4761-96FF-FFA93DBFA544}" destId="{99404815-EBB5-40EA-B4FB-18C60F71A14A}" srcOrd="0" destOrd="5" presId="urn:microsoft.com/office/officeart/2005/8/layout/chevron2"/>
-    <dgm:cxn modelId="{BA3F25C3-1BC9-47EF-ACD9-657ACC0CCA29}" type="presOf" srcId="{33A37AF0-BD67-478C-A1B6-CECFF7670089}" destId="{99404815-EBB5-40EA-B4FB-18C60F71A14A}" srcOrd="0" destOrd="11" presId="urn:microsoft.com/office/officeart/2005/8/layout/chevron2"/>
-    <dgm:cxn modelId="{DB9264CA-22FB-40DD-A7A6-BD186ADB5FDF}" srcId="{55AF256D-980F-4EAC-BDE3-A1B7BB810149}" destId="{803DF5FC-62EC-40E9-A11C-A8AABA36E779}" srcOrd="8" destOrd="0" parTransId="{5D30D80F-DE18-4480-B566-A16A0CFC6F20}" sibTransId="{1A88D806-B3F4-4500-8035-AAF8CAE3323C}"/>
-    <dgm:cxn modelId="{BCB6B2D6-67BB-4F43-97F3-6318BE4D9D43}" type="presOf" srcId="{F4983B85-03D1-43A9-BE09-E3ADA2851DE1}" destId="{99404815-EBB5-40EA-B4FB-18C60F71A14A}" srcOrd="0" destOrd="7" presId="urn:microsoft.com/office/officeart/2005/8/layout/chevron2"/>
-    <dgm:cxn modelId="{C66F16D8-42E8-4DB5-B54E-C38F2635D16F}" srcId="{55AF256D-980F-4EAC-BDE3-A1B7BB810149}" destId="{F4983B85-03D1-43A9-BE09-E3ADA2851DE1}" srcOrd="7" destOrd="0" parTransId="{B601BCC3-2640-4F4A-933B-5AF872D28298}" sibTransId="{9702492F-4ED4-44DD-9726-C12E8E993787}"/>
-    <dgm:cxn modelId="{1C526BDC-854E-4B9B-A037-E9F496F572AA}" type="presOf" srcId="{803DF5FC-62EC-40E9-A11C-A8AABA36E779}" destId="{99404815-EBB5-40EA-B4FB-18C60F71A14A}" srcOrd="0" destOrd="8" presId="urn:microsoft.com/office/officeart/2005/8/layout/chevron2"/>
+    <dgm:cxn modelId="{FDEDDEC4-008D-4B99-8CF2-A2BCF65D7CB0}" srcId="{55AF256D-980F-4EAC-BDE3-A1B7BB810149}" destId="{D2FD0874-34C4-4F7C-AF88-1F4DDB740976}" srcOrd="7" destOrd="0" parTransId="{2028A81E-52C5-4302-A855-635EB4FE4913}" sibTransId="{98755838-4C1D-4184-AC42-811DC573DE73}"/>
+    <dgm:cxn modelId="{BEAFC5CE-F9EF-44A5-A5C2-975240228F77}" type="presOf" srcId="{0988BA2C-33F6-469D-ABE9-6ECDA0B19777}" destId="{99404815-EBB5-40EA-B4FB-18C60F71A14A}" srcOrd="0" destOrd="1" presId="urn:microsoft.com/office/officeart/2005/8/layout/chevron2"/>
     <dgm:cxn modelId="{FFA0F3DE-0CC2-41C2-92C6-199856AAC9BA}" srcId="{55AF256D-980F-4EAC-BDE3-A1B7BB810149}" destId="{F0059595-A576-4026-BD3A-1F9BB3C8BB17}" srcOrd="2" destOrd="0" parTransId="{59902B44-63D8-41FC-A853-1F29959BCAC8}" sibTransId="{62DDD756-23C4-455C-AA2D-F834CE6BC506}"/>
-    <dgm:cxn modelId="{7933C3DF-8CBC-4851-A715-49731D1AA7F8}" srcId="{55AF256D-980F-4EAC-BDE3-A1B7BB810149}" destId="{2847F389-EFC7-4678-91B4-456F77F6A487}" srcOrd="1" destOrd="0" parTransId="{9B0F2493-2EBE-4167-AC04-5D2F9E44CB75}" sibTransId="{04B6AC97-9873-4B3F-8FA0-CDA76912DFAA}"/>
-    <dgm:cxn modelId="{F79315E4-1D8A-4A21-9371-8E14435DAF4E}" type="presOf" srcId="{C60E097D-AA76-4BF7-9C3D-8170A5E36F6C}" destId="{99404815-EBB5-40EA-B4FB-18C60F71A14A}" srcOrd="0" destOrd="9" presId="urn:microsoft.com/office/officeart/2005/8/layout/chevron2"/>
     <dgm:cxn modelId="{DCD357E6-3B99-4AC3-A81E-1D8E5B28EA4A}" type="presOf" srcId="{329A6205-D92F-4A22-8653-055AF4549D01}" destId="{99404815-EBB5-40EA-B4FB-18C60F71A14A}" srcOrd="0" destOrd="0" presId="urn:microsoft.com/office/officeart/2005/8/layout/chevron2"/>
     <dgm:cxn modelId="{A58080E9-33CB-4C07-920E-0A056786FE89}" srcId="{55AF256D-980F-4EAC-BDE3-A1B7BB810149}" destId="{329A6205-D92F-4A22-8653-055AF4549D01}" srcOrd="0" destOrd="0" parTransId="{BEC259D7-C0D1-4807-BF6D-B18A5084B23F}" sibTransId="{26A8870A-A98F-4E04-8A52-D7615622D8D3}"/>
     <dgm:cxn modelId="{24BCA4EA-2FC7-416D-9201-D2999F38A2E1}" type="presOf" srcId="{3D9B7437-4B89-4763-BEAF-E9DA24406548}" destId="{99404815-EBB5-40EA-B4FB-18C60F71A14A}" srcOrd="0" destOrd="4" presId="urn:microsoft.com/office/officeart/2005/8/layout/chevron2"/>
@@ -7929,12 +7604,12 @@
         <a:fontRef idx="minor"/>
       </dsp:style>
       <dsp:txBody>
-        <a:bodyPr spcFirstLastPara="0" vert="horz" wrap="square" lIns="85344" tIns="7620" rIns="7620" bIns="7620" numCol="1" spcCol="1270" anchor="ctr" anchorCtr="0">
+        <a:bodyPr spcFirstLastPara="0" vert="horz" wrap="square" lIns="184912" tIns="16510" rIns="16510" bIns="16510" numCol="1" spcCol="1270" anchor="ctr" anchorCtr="0">
           <a:noAutofit/>
         </a:bodyPr>
         <a:lstStyle/>
         <a:p>
-          <a:pPr marL="114300" lvl="1" indent="-114300" algn="l" defTabSz="533400">
+          <a:pPr marL="228600" lvl="1" indent="-228600" algn="l" defTabSz="1155700">
             <a:lnSpc>
               <a:spcPct val="90000"/>
             </a:lnSpc>
@@ -7947,12 +7622,12 @@
             <a:buChar char="•"/>
           </a:pPr>
           <a:r>
-            <a:rPr lang="en-US" sz="1200" kern="1200" dirty="0"/>
-            <a:t>C# 9:</a:t>
+            <a:rPr lang="en-US" sz="2600" kern="1200" dirty="0"/>
+            <a:t>Top Level Statements</a:t>
           </a:r>
         </a:p>
         <a:p>
-          <a:pPr marL="114300" lvl="1" indent="-114300" algn="l" defTabSz="533400">
+          <a:pPr marL="228600" lvl="1" indent="-228600" algn="l" defTabSz="1155700">
             <a:lnSpc>
               <a:spcPct val="90000"/>
             </a:lnSpc>
@@ -7965,19 +7640,12 @@
             <a:buChar char="•"/>
           </a:pPr>
           <a:r>
-            <a:rPr lang="en-US" sz="1200" kern="1200" dirty="0"/>
-            <a:t>Top Level Statements</a:t>
-          </a:r>
-          <a:br>
-            <a:rPr lang="en-US" sz="1200" kern="1200" dirty="0"/>
-          </a:br>
-          <a:r>
-            <a:rPr lang="en-US" sz="1200" kern="1200" dirty="0"/>
+            <a:rPr lang="en-US" sz="2600" kern="1200" dirty="0"/>
             <a:t>Records</a:t>
           </a:r>
         </a:p>
         <a:p>
-          <a:pPr marL="114300" lvl="1" indent="-114300" algn="l" defTabSz="533400">
+          <a:pPr marL="228600" lvl="1" indent="-228600" algn="l" defTabSz="1155700">
             <a:lnSpc>
               <a:spcPct val="90000"/>
             </a:lnSpc>
@@ -7990,12 +7658,12 @@
             <a:buChar char="•"/>
           </a:pPr>
           <a:r>
-            <a:rPr lang="en-US" sz="1200" kern="1200" dirty="0"/>
+            <a:rPr lang="en-US" sz="2600" kern="1200" dirty="0"/>
             <a:t>Code Generators</a:t>
           </a:r>
         </a:p>
         <a:p>
-          <a:pPr marL="114300" lvl="1" indent="-114300" algn="l" defTabSz="533400">
+          <a:pPr marL="228600" lvl="1" indent="-228600" algn="l" defTabSz="1155700">
             <a:lnSpc>
               <a:spcPct val="90000"/>
             </a:lnSpc>
@@ -8008,12 +7676,12 @@
             <a:buChar char="•"/>
           </a:pPr>
           <a:r>
-            <a:rPr lang="en-US" sz="1200" kern="1200" dirty="0"/>
+            <a:rPr lang="en-US" sz="2600" kern="1200" dirty="0"/>
             <a:t>Lambda discards</a:t>
           </a:r>
         </a:p>
         <a:p>
-          <a:pPr marL="114300" lvl="1" indent="-114300" algn="l" defTabSz="533400">
+          <a:pPr marL="228600" lvl="1" indent="-228600" algn="l" defTabSz="1155700">
             <a:lnSpc>
               <a:spcPct val="90000"/>
             </a:lnSpc>
@@ -8026,12 +7694,12 @@
             <a:buChar char="•"/>
           </a:pPr>
           <a:r>
-            <a:rPr lang="en-US" sz="1200" kern="1200" dirty="0"/>
+            <a:rPr lang="en-US" sz="2600" kern="1200" dirty="0"/>
             <a:t>Static lambdas</a:t>
           </a:r>
         </a:p>
         <a:p>
-          <a:pPr marL="114300" lvl="1" indent="-114300" algn="l" defTabSz="533400">
+          <a:pPr marL="228600" lvl="1" indent="-228600" algn="l" defTabSz="1155700">
             <a:lnSpc>
               <a:spcPct val="90000"/>
             </a:lnSpc>
@@ -8044,12 +7712,12 @@
             <a:buChar char="•"/>
           </a:pPr>
           <a:r>
-            <a:rPr lang="en-US" sz="1200" kern="1200" dirty="0"/>
+            <a:rPr lang="en-US" sz="2600" kern="1200" dirty="0"/>
             <a:t>Module Initializers</a:t>
           </a:r>
         </a:p>
         <a:p>
-          <a:pPr marL="114300" lvl="1" indent="-114300" algn="l" defTabSz="533400">
+          <a:pPr marL="228600" lvl="1" indent="-228600" algn="l" defTabSz="1155700">
             <a:lnSpc>
               <a:spcPct val="90000"/>
             </a:lnSpc>
@@ -8062,12 +7730,12 @@
             <a:buChar char="•"/>
           </a:pPr>
           <a:r>
-            <a:rPr lang="en-US" sz="1200" kern="1200" dirty="0"/>
+            <a:rPr lang="en-US" sz="2600" kern="1200" dirty="0"/>
             <a:t>Extending Partial</a:t>
           </a:r>
         </a:p>
         <a:p>
-          <a:pPr marL="114300" lvl="1" indent="-114300" algn="l" defTabSz="533400">
+          <a:pPr marL="228600" lvl="1" indent="-228600" algn="l" defTabSz="1155700">
             <a:lnSpc>
               <a:spcPct val="90000"/>
             </a:lnSpc>
@@ -8077,180 +7745,18 @@
             <a:spcAft>
               <a:spcPct val="15000"/>
             </a:spcAft>
+            <a:buFont typeface="Arial" panose="020B0604020202020204" pitchFamily="34" charset="0"/>
             <a:buChar char="•"/>
           </a:pPr>
           <a:r>
-            <a:rPr lang="en-US" sz="1200" kern="1200" dirty="0"/>
+            <a:rPr lang="en-US" sz="2600" kern="1200">
+              <a:solidFill>
+                <a:schemeClr val="bg1"/>
+              </a:solidFill>
+            </a:rPr>
             <a:t>Target Type New</a:t>
           </a:r>
-        </a:p>
-        <a:p>
-          <a:pPr marL="114300" lvl="1" indent="-114300" algn="l" defTabSz="533400">
-            <a:lnSpc>
-              <a:spcPct val="90000"/>
-            </a:lnSpc>
-            <a:spcBef>
-              <a:spcPct val="0"/>
-            </a:spcBef>
-            <a:spcAft>
-              <a:spcPct val="15000"/>
-            </a:spcAft>
-            <a:buChar char="•"/>
-          </a:pPr>
-          <a:r>
-            <a:rPr lang="en-US" sz="1200" kern="1200" dirty="0"/>
-            <a:t>Skip locals </a:t>
-          </a:r>
-          <a:r>
-            <a:rPr lang="en-US" sz="1200" kern="1200" dirty="0" err="1"/>
-            <a:t>init</a:t>
-          </a:r>
-          <a:endParaRPr lang="en-US" sz="1200" kern="1200" dirty="0"/>
-        </a:p>
-        <a:p>
-          <a:pPr marL="114300" lvl="1" indent="-114300" algn="l" defTabSz="533400">
-            <a:lnSpc>
-              <a:spcPct val="90000"/>
-            </a:lnSpc>
-            <a:spcBef>
-              <a:spcPct val="0"/>
-            </a:spcBef>
-            <a:spcAft>
-              <a:spcPct val="15000"/>
-            </a:spcAft>
-            <a:buChar char="•"/>
-          </a:pPr>
-          <a:r>
-            <a:rPr lang="en-US" sz="1200" kern="1200" dirty="0"/>
-            <a:t>Native </a:t>
-          </a:r>
-          <a:r>
-            <a:rPr lang="en-US" sz="1200" kern="1200" dirty="0" err="1"/>
-            <a:t>ints</a:t>
-          </a:r>
-          <a:endParaRPr lang="en-US" sz="1200" kern="1200" dirty="0"/>
-        </a:p>
-        <a:p>
-          <a:pPr marL="114300" lvl="1" indent="-114300" algn="l" defTabSz="533400">
-            <a:lnSpc>
-              <a:spcPct val="90000"/>
-            </a:lnSpc>
-            <a:spcBef>
-              <a:spcPct val="0"/>
-            </a:spcBef>
-            <a:spcAft>
-              <a:spcPct val="15000"/>
-            </a:spcAft>
-            <a:buChar char="•"/>
-          </a:pPr>
-          <a:r>
-            <a:rPr lang="en-US" sz="1200" kern="1200" dirty="0"/>
-            <a:t>Attributes on local functions</a:t>
-          </a:r>
-        </a:p>
-        <a:p>
-          <a:pPr marL="114300" lvl="1" indent="-114300" algn="l" defTabSz="533400">
-            <a:lnSpc>
-              <a:spcPct val="90000"/>
-            </a:lnSpc>
-            <a:spcBef>
-              <a:spcPct val="0"/>
-            </a:spcBef>
-            <a:spcAft>
-              <a:spcPct val="15000"/>
-            </a:spcAft>
-            <a:buChar char="•"/>
-          </a:pPr>
-          <a:r>
-            <a:rPr lang="en-US" sz="1200" kern="1200" dirty="0"/>
-            <a:t>Function pointers</a:t>
-          </a:r>
-        </a:p>
-        <a:p>
-          <a:pPr marL="114300" lvl="1" indent="-114300" algn="l" defTabSz="533400">
-            <a:lnSpc>
-              <a:spcPct val="90000"/>
-            </a:lnSpc>
-            <a:spcBef>
-              <a:spcPct val="0"/>
-            </a:spcBef>
-            <a:spcAft>
-              <a:spcPct val="15000"/>
-            </a:spcAft>
-            <a:buChar char="•"/>
-          </a:pPr>
-          <a:r>
-            <a:rPr lang="en-US" sz="1200" kern="1200" dirty="0"/>
-            <a:t>Pattern matching improvements</a:t>
-          </a:r>
-        </a:p>
-        <a:p>
-          <a:pPr marL="114300" lvl="1" indent="-114300" algn="l" defTabSz="533400">
-            <a:lnSpc>
-              <a:spcPct val="90000"/>
-            </a:lnSpc>
-            <a:spcBef>
-              <a:spcPct val="0"/>
-            </a:spcBef>
-            <a:spcAft>
-              <a:spcPct val="15000"/>
-            </a:spcAft>
-            <a:buChar char="•"/>
-          </a:pPr>
-          <a:r>
-            <a:rPr lang="en-US" sz="1200" kern="1200" dirty="0" err="1"/>
-            <a:t>Taarget</a:t>
-          </a:r>
-          <a:r>
-            <a:rPr lang="en-US" sz="1200" kern="1200" dirty="0"/>
-            <a:t> type </a:t>
-          </a:r>
-          <a:r>
-            <a:rPr lang="en-US" sz="1200" kern="1200" dirty="0" err="1"/>
-            <a:t>conitional</a:t>
-          </a:r>
-          <a:endParaRPr lang="en-US" sz="1200" kern="1200" dirty="0"/>
-        </a:p>
-        <a:p>
-          <a:pPr marL="114300" lvl="1" indent="-114300" algn="l" defTabSz="533400">
-            <a:lnSpc>
-              <a:spcPct val="90000"/>
-            </a:lnSpc>
-            <a:spcBef>
-              <a:spcPct val="0"/>
-            </a:spcBef>
-            <a:spcAft>
-              <a:spcPct val="15000"/>
-            </a:spcAft>
-            <a:buChar char="•"/>
-          </a:pPr>
-          <a:r>
-            <a:rPr lang="en-US" sz="1200" kern="1200" dirty="0"/>
-            <a:t>Covariant returns</a:t>
-          </a:r>
-        </a:p>
-        <a:p>
-          <a:pPr marL="114300" lvl="1" indent="-114300" algn="l" defTabSz="533400">
-            <a:lnSpc>
-              <a:spcPct val="90000"/>
-            </a:lnSpc>
-            <a:spcBef>
-              <a:spcPct val="0"/>
-            </a:spcBef>
-            <a:spcAft>
-              <a:spcPct val="15000"/>
-            </a:spcAft>
-            <a:buChar char="•"/>
-          </a:pPr>
-          <a:r>
-            <a:rPr lang="en-US" sz="1200" kern="1200" dirty="0"/>
-            <a:t>Extension </a:t>
-          </a:r>
-          <a:r>
-            <a:rPr lang="en-US" sz="1200" kern="1200" dirty="0" err="1"/>
-            <a:t>GetEnumerator</a:t>
-          </a:r>
-          <a:endParaRPr lang="en-US" sz="1200" kern="1200" dirty="0"/>
+          <a:endParaRPr lang="en-US" sz="2600" kern="1200" dirty="0"/>
         </a:p>
       </dsp:txBody>
       <dsp:txXfrm rot="-5400000">
@@ -13826,7 +13332,7 @@
           <a:p>
             <a:fld id="{FC81B089-160E-404A-8C73-8674F1782EA4}" type="datetimeFigureOut">
               <a:rPr lang="en-US" smtClean="0"/>
-              <a:t>9/12/2021</a:t>
+              <a:t>9/17/2021</a:t>
             </a:fld>
             <a:endParaRPr lang="en-US"/>
           </a:p>
@@ -16894,7 +16400,7 @@
           <a:p>
             <a:fld id="{D2B62928-2648-4210-B25C-2BD7B5FE2C7B}" type="datetimeFigureOut">
               <a:rPr lang="en-US" smtClean="0"/>
-              <a:t>9/12/2021</a:t>
+              <a:t>9/17/2021</a:t>
             </a:fld>
             <a:endParaRPr lang="en-US"/>
           </a:p>
@@ -17405,7 +16911,7 @@
           <a:p>
             <a:fld id="{D2B62928-2648-4210-B25C-2BD7B5FE2C7B}" type="datetimeFigureOut">
               <a:rPr lang="en-US" smtClean="0"/>
-              <a:t>9/12/2021</a:t>
+              <a:t>9/17/2021</a:t>
             </a:fld>
             <a:endParaRPr lang="en-US"/>
           </a:p>
@@ -17578,7 +17084,7 @@
           <a:p>
             <a:fld id="{D2B62928-2648-4210-B25C-2BD7B5FE2C7B}" type="datetimeFigureOut">
               <a:rPr lang="en-US" smtClean="0"/>
-              <a:t>9/12/2021</a:t>
+              <a:t>9/17/2021</a:t>
             </a:fld>
             <a:endParaRPr lang="en-US"/>
           </a:p>
@@ -17742,7 +17248,7 @@
           <a:p>
             <a:fld id="{D2B62928-2648-4210-B25C-2BD7B5FE2C7B}" type="datetimeFigureOut">
               <a:rPr lang="en-US" smtClean="0"/>
-              <a:t>9/12/2021</a:t>
+              <a:t>9/17/2021</a:t>
             </a:fld>
             <a:endParaRPr lang="en-US"/>
           </a:p>
@@ -20865,7 +20371,7 @@
           <a:p>
             <a:fld id="{D2B62928-2648-4210-B25C-2BD7B5FE2C7B}" type="datetimeFigureOut">
               <a:rPr lang="en-US" smtClean="0"/>
-              <a:t>9/12/2021</a:t>
+              <a:t>9/17/2021</a:t>
             </a:fld>
             <a:endParaRPr lang="en-US"/>
           </a:p>
@@ -21145,7 +20651,7 @@
           <a:p>
             <a:fld id="{D2B62928-2648-4210-B25C-2BD7B5FE2C7B}" type="datetimeFigureOut">
               <a:rPr lang="en-US" smtClean="0"/>
-              <a:t>9/12/2021</a:t>
+              <a:t>9/17/2021</a:t>
             </a:fld>
             <a:endParaRPr lang="en-US"/>
           </a:p>
@@ -21559,7 +21065,7 @@
           <a:p>
             <a:fld id="{D2B62928-2648-4210-B25C-2BD7B5FE2C7B}" type="datetimeFigureOut">
               <a:rPr lang="en-US" smtClean="0"/>
-              <a:t>9/12/2021</a:t>
+              <a:t>9/17/2021</a:t>
             </a:fld>
             <a:endParaRPr lang="en-US"/>
           </a:p>
@@ -21671,7 +21177,7 @@
           <a:p>
             <a:fld id="{D2B62928-2648-4210-B25C-2BD7B5FE2C7B}" type="datetimeFigureOut">
               <a:rPr lang="en-US" smtClean="0"/>
-              <a:t>9/12/2021</a:t>
+              <a:t>9/17/2021</a:t>
             </a:fld>
             <a:endParaRPr lang="en-US"/>
           </a:p>
@@ -21761,7 +21267,7 @@
           <a:p>
             <a:fld id="{D2B62928-2648-4210-B25C-2BD7B5FE2C7B}" type="datetimeFigureOut">
               <a:rPr lang="en-US" smtClean="0"/>
-              <a:t>9/12/2021</a:t>
+              <a:t>9/17/2021</a:t>
             </a:fld>
             <a:endParaRPr lang="en-US"/>
           </a:p>
@@ -21936,7 +21442,7 @@
           <a:p>
             <a:fld id="{D2B62928-2648-4210-B25C-2BD7B5FE2C7B}" type="datetimeFigureOut">
               <a:rPr lang="en-US" smtClean="0"/>
-              <a:t>9/12/2021</a:t>
+              <a:t>9/17/2021</a:t>
             </a:fld>
             <a:endParaRPr lang="en-US"/>
           </a:p>
@@ -22421,7 +21927,7 @@
           <a:p>
             <a:fld id="{D2B62928-2648-4210-B25C-2BD7B5FE2C7B}" type="datetimeFigureOut">
               <a:rPr lang="en-US" smtClean="0"/>
-              <a:t>9/12/2021</a:t>
+              <a:t>9/17/2021</a:t>
             </a:fld>
             <a:endParaRPr lang="en-US"/>
           </a:p>
@@ -22973,7 +22479,7 @@
           <a:p>
             <a:fld id="{D2B62928-2648-4210-B25C-2BD7B5FE2C7B}" type="datetimeFigureOut">
               <a:rPr lang="en-US" smtClean="0"/>
-              <a:t>9/12/2021</a:t>
+              <a:t>9/17/2021</a:t>
             </a:fld>
             <a:endParaRPr lang="en-US"/>
           </a:p>
@@ -23477,13 +22983,13 @@
               </a:rPr>
             </a:br>
             <a:r>
-              <a:rPr lang="en-US" dirty="0">
+              <a:rPr lang="en-US" sz="3600" dirty="0">
                 <a:solidFill>
                   <a:schemeClr val="tx1"/>
                 </a:solidFill>
-                <a:hlinkClick r:id="rId3"/>
+                <a:latin typeface="Segoe UI" panose="020B0502040204020203" pitchFamily="34" charset="0"/>
               </a:rPr>
-              <a:t>https://github.com/jwooley/RoslynAndYou</a:t>
+              <a:t>https://github.com/jwooley/CSVersions</a:t>
             </a:r>
             <a:br>
               <a:rPr lang="en-US" dirty="0">
@@ -23497,17 +23003,8 @@
                 <a:solidFill>
                   <a:schemeClr val="tx1"/>
                 </a:solidFill>
-                <a:hlinkClick r:id="rId4"/>
               </a:rPr>
-              <a:t>https://jwooley.github.io/</a:t>
-            </a:r>
-            <a:r>
-              <a:rPr lang="en-US" dirty="0">
-                <a:solidFill>
-                  <a:schemeClr val="tx1"/>
-                </a:solidFill>
-              </a:rPr>
-              <a:t> </a:t>
+              <a:t>https://jwooley.github.io/ </a:t>
             </a:r>
           </a:p>
         </p:txBody>
@@ -23521,7 +23018,7 @@
           <p:nvPr/>
         </p:nvPicPr>
         <p:blipFill>
-          <a:blip r:embed="rId5" cstate="print">
+          <a:blip r:embed="rId3" cstate="print">
             <a:extLst>
               <a:ext uri="{28A0092B-C50C-407E-A947-70E740481C1C}">
                 <a14:useLocalDpi xmlns:a14="http://schemas.microsoft.com/office/drawing/2010/main" val="0"/>
@@ -23562,7 +23059,7 @@
           <p:nvPr/>
         </p:nvPicPr>
         <p:blipFill>
-          <a:blip r:embed="rId6">
+          <a:blip r:embed="rId4">
             <a:extLst>
               <a:ext uri="{28A0092B-C50C-407E-A947-70E740481C1C}">
                 <a14:useLocalDpi xmlns:a14="http://schemas.microsoft.com/office/drawing/2010/main" val="0"/>
@@ -23843,6 +23340,36 @@
           </a:p>
         </p:txBody>
       </p:sp>
+      <p:pic>
+        <p:nvPicPr>
+          <p:cNvPr id="10" name="Picture 9">
+            <a:extLst>
+              <a:ext uri="{FF2B5EF4-FFF2-40B4-BE49-F238E27FC236}">
+                <a16:creationId xmlns:a16="http://schemas.microsoft.com/office/drawing/2014/main" id="{3CB934DF-A375-4CF4-9006-A23354D7231E}"/>
+              </a:ext>
+            </a:extLst>
+          </p:cNvPr>
+          <p:cNvPicPr>
+            <a:picLocks noChangeAspect="1"/>
+          </p:cNvPicPr>
+          <p:nvPr/>
+        </p:nvPicPr>
+        <p:blipFill>
+          <a:blip r:embed="rId5"/>
+          <a:stretch>
+            <a:fillRect/>
+          </a:stretch>
+        </p:blipFill>
+        <p:spPr>
+          <a:xfrm>
+            <a:off x="228600" y="272532"/>
+            <a:ext cx="1447925" cy="1493649"/>
+          </a:xfrm>
+          <a:prstGeom prst="rect">
+            <a:avLst/>
+          </a:prstGeom>
+        </p:spPr>
+      </p:pic>
     </p:spTree>
     <p:extLst>
       <p:ext uri="{BB962C8B-B14F-4D97-AF65-F5344CB8AC3E}">
@@ -31414,7 +30941,7 @@
           <p:nvPr>
             <p:extLst>
               <p:ext uri="{D42A27DB-BD31-4B8C-83A1-F6EECF244321}">
-                <p14:modId xmlns:p14="http://schemas.microsoft.com/office/powerpoint/2010/main" val="855142015"/>
+                <p14:modId xmlns:p14="http://schemas.microsoft.com/office/powerpoint/2010/main" val="1124531836"/>
               </p:ext>
             </p:extLst>
           </p:nvPr>
@@ -31494,6 +31021,189 @@
               <a:rPr lang="en-US" sz="2400" dirty="0"/>
               <a:t>https://github.com/dotnet/roslyn/blob/master/docs/Language%20Feature%20Status.md</a:t>
             </a:r>
+          </a:p>
+        </p:txBody>
+      </p:sp>
+      <p:sp>
+        <p:nvSpPr>
+          <p:cNvPr id="7" name="TextBox 6">
+            <a:extLst>
+              <a:ext uri="{FF2B5EF4-FFF2-40B4-BE49-F238E27FC236}">
+                <a16:creationId xmlns:a16="http://schemas.microsoft.com/office/drawing/2014/main" id="{B078C727-5FBF-4BAA-BAF4-B3DED558F212}"/>
+              </a:ext>
+            </a:extLst>
+          </p:cNvPr>
+          <p:cNvSpPr txBox="1"/>
+          <p:nvPr/>
+        </p:nvSpPr>
+        <p:spPr>
+          <a:xfrm>
+            <a:off x="7687902" y="1295400"/>
+            <a:ext cx="4263218" cy="3416320"/>
+          </a:xfrm>
+          <a:prstGeom prst="rect">
+            <a:avLst/>
+          </a:prstGeom>
+          <a:noFill/>
+        </p:spPr>
+        <p:txBody>
+          <a:bodyPr wrap="none" rtlCol="0">
+            <a:spAutoFit/>
+          </a:bodyPr>
+          <a:lstStyle/>
+          <a:p>
+            <a:pPr marL="285750" lvl="0" indent="-285750">
+              <a:buFont typeface="Arial" panose="020B0604020202020204" pitchFamily="34" charset="0"/>
+              <a:buChar char="•"/>
+            </a:pPr>
+            <a:r>
+              <a:rPr lang="en-US" sz="2400" dirty="0">
+                <a:solidFill>
+                  <a:schemeClr val="bg1"/>
+                </a:solidFill>
+              </a:rPr>
+              <a:t>Skip locals </a:t>
+            </a:r>
+            <a:r>
+              <a:rPr lang="en-US" sz="2400" dirty="0" err="1">
+                <a:solidFill>
+                  <a:schemeClr val="bg1"/>
+                </a:solidFill>
+              </a:rPr>
+              <a:t>init</a:t>
+            </a:r>
+            <a:endParaRPr lang="en-US" sz="2400" dirty="0">
+              <a:solidFill>
+                <a:schemeClr val="bg1"/>
+              </a:solidFill>
+            </a:endParaRPr>
+          </a:p>
+          <a:p>
+            <a:pPr marL="285750" lvl="0" indent="-285750">
+              <a:buFont typeface="Arial" panose="020B0604020202020204" pitchFamily="34" charset="0"/>
+              <a:buChar char="•"/>
+            </a:pPr>
+            <a:r>
+              <a:rPr lang="en-US" sz="2400" dirty="0">
+                <a:solidFill>
+                  <a:schemeClr val="bg1"/>
+                </a:solidFill>
+              </a:rPr>
+              <a:t>Native </a:t>
+            </a:r>
+            <a:r>
+              <a:rPr lang="en-US" sz="2400" dirty="0" err="1">
+                <a:solidFill>
+                  <a:schemeClr val="bg1"/>
+                </a:solidFill>
+              </a:rPr>
+              <a:t>ints</a:t>
+            </a:r>
+            <a:endParaRPr lang="en-US" sz="2400" dirty="0">
+              <a:solidFill>
+                <a:schemeClr val="bg1"/>
+              </a:solidFill>
+            </a:endParaRPr>
+          </a:p>
+          <a:p>
+            <a:pPr marL="285750" lvl="0" indent="-285750">
+              <a:buFont typeface="Arial" panose="020B0604020202020204" pitchFamily="34" charset="0"/>
+              <a:buChar char="•"/>
+            </a:pPr>
+            <a:r>
+              <a:rPr lang="en-US" sz="2400" dirty="0">
+                <a:solidFill>
+                  <a:schemeClr val="bg1"/>
+                </a:solidFill>
+              </a:rPr>
+              <a:t>Attributes on local functions</a:t>
+            </a:r>
+          </a:p>
+          <a:p>
+            <a:pPr marL="285750" lvl="0" indent="-285750">
+              <a:buFont typeface="Arial" panose="020B0604020202020204" pitchFamily="34" charset="0"/>
+              <a:buChar char="•"/>
+            </a:pPr>
+            <a:r>
+              <a:rPr lang="en-US" sz="2400" dirty="0">
+                <a:solidFill>
+                  <a:schemeClr val="bg1"/>
+                </a:solidFill>
+              </a:rPr>
+              <a:t>Function pointers</a:t>
+            </a:r>
+          </a:p>
+          <a:p>
+            <a:pPr marL="285750" lvl="0" indent="-285750">
+              <a:buFont typeface="Arial" panose="020B0604020202020204" pitchFamily="34" charset="0"/>
+              <a:buChar char="•"/>
+            </a:pPr>
+            <a:r>
+              <a:rPr lang="en-US" sz="2400" dirty="0">
+                <a:solidFill>
+                  <a:schemeClr val="bg1"/>
+                </a:solidFill>
+              </a:rPr>
+              <a:t>Pattern matching improvements</a:t>
+            </a:r>
+          </a:p>
+          <a:p>
+            <a:pPr marL="285750" lvl="0" indent="-285750">
+              <a:buFont typeface="Arial" panose="020B0604020202020204" pitchFamily="34" charset="0"/>
+              <a:buChar char="•"/>
+            </a:pPr>
+            <a:r>
+              <a:rPr lang="en-US" sz="2400" dirty="0">
+                <a:solidFill>
+                  <a:schemeClr val="bg1"/>
+                </a:solidFill>
+              </a:rPr>
+              <a:t>Target type conditional</a:t>
+            </a:r>
+          </a:p>
+          <a:p>
+            <a:pPr marL="285750" lvl="0" indent="-285750">
+              <a:buFont typeface="Arial" panose="020B0604020202020204" pitchFamily="34" charset="0"/>
+              <a:buChar char="•"/>
+            </a:pPr>
+            <a:r>
+              <a:rPr lang="en-US" sz="2400" dirty="0">
+                <a:solidFill>
+                  <a:schemeClr val="bg1"/>
+                </a:solidFill>
+              </a:rPr>
+              <a:t>Covariant returns</a:t>
+            </a:r>
+          </a:p>
+          <a:p>
+            <a:pPr marL="285750" lvl="0" indent="-285750">
+              <a:buFont typeface="Arial" panose="020B0604020202020204" pitchFamily="34" charset="0"/>
+              <a:buChar char="•"/>
+            </a:pPr>
+            <a:r>
+              <a:rPr lang="en-US" sz="2400" dirty="0">
+                <a:solidFill>
+                  <a:schemeClr val="bg1"/>
+                </a:solidFill>
+              </a:rPr>
+              <a:t>Extension </a:t>
+            </a:r>
+            <a:r>
+              <a:rPr lang="en-US" sz="2400" dirty="0" err="1">
+                <a:solidFill>
+                  <a:schemeClr val="bg1"/>
+                </a:solidFill>
+              </a:rPr>
+              <a:t>GetEnumerator</a:t>
+            </a:r>
+            <a:endParaRPr lang="en-US" sz="2400" dirty="0">
+              <a:solidFill>
+                <a:schemeClr val="bg1"/>
+              </a:solidFill>
+            </a:endParaRPr>
+          </a:p>
+          <a:p>
+            <a:endParaRPr lang="en-US" sz="2400" dirty="0"/>
           </a:p>
         </p:txBody>
       </p:sp>
@@ -31676,6 +31386,167 @@
       </p:grpSpPr>
       <p:sp>
         <p:nvSpPr>
+          <p:cNvPr id="2" name="Title 1">
+            <a:extLst>
+              <a:ext uri="{FF2B5EF4-FFF2-40B4-BE49-F238E27FC236}">
+                <a16:creationId xmlns:a16="http://schemas.microsoft.com/office/drawing/2014/main" id="{036A813A-9010-4D99-890D-4186FF7570F1}"/>
+              </a:ext>
+            </a:extLst>
+          </p:cNvPr>
+          <p:cNvSpPr>
+            <a:spLocks noGrp="1"/>
+          </p:cNvSpPr>
+          <p:nvPr>
+            <p:ph type="title"/>
+          </p:nvPr>
+        </p:nvSpPr>
+        <p:spPr/>
+        <p:txBody>
+          <a:bodyPr/>
+          <a:lstStyle/>
+          <a:p>
+            <a:r>
+              <a:rPr lang="en-US" dirty="0"/>
+              <a:t>Source Generators</a:t>
+            </a:r>
+          </a:p>
+        </p:txBody>
+      </p:sp>
+      <p:sp>
+        <p:nvSpPr>
+          <p:cNvPr id="3" name="Content Placeholder 2">
+            <a:extLst>
+              <a:ext uri="{FF2B5EF4-FFF2-40B4-BE49-F238E27FC236}">
+                <a16:creationId xmlns:a16="http://schemas.microsoft.com/office/drawing/2014/main" id="{19CE1827-E58C-4A5E-8D7C-44812CD21A11}"/>
+              </a:ext>
+            </a:extLst>
+          </p:cNvPr>
+          <p:cNvSpPr>
+            <a:spLocks noGrp="1"/>
+          </p:cNvSpPr>
+          <p:nvPr>
+            <p:ph idx="1"/>
+          </p:nvPr>
+        </p:nvSpPr>
+        <p:spPr>
+          <a:solidFill>
+            <a:schemeClr val="tx1"/>
+          </a:solidFill>
+        </p:spPr>
+        <p:txBody>
+          <a:bodyPr/>
+          <a:lstStyle/>
+          <a:p>
+            <a:r>
+              <a:rPr lang="en-US" dirty="0">
+                <a:solidFill>
+                  <a:schemeClr val="bg1"/>
+                </a:solidFill>
+              </a:rPr>
+              <a:t>Docs</a:t>
+            </a:r>
+            <a:br>
+              <a:rPr lang="en-US" dirty="0"/>
+            </a:br>
+            <a:r>
+              <a:rPr lang="en-US" dirty="0">
+                <a:hlinkClick r:id="rId2"/>
+              </a:rPr>
+              <a:t>https://docs.microsoft.com/en-us/dotnet/csharp/roslyn-sdk/source-generators-overview</a:t>
+            </a:r>
+            <a:r>
+              <a:rPr lang="en-US" dirty="0"/>
+              <a:t> </a:t>
+            </a:r>
+          </a:p>
+          <a:p>
+            <a:r>
+              <a:rPr lang="en-US" dirty="0">
+                <a:solidFill>
+                  <a:schemeClr val="bg1"/>
+                </a:solidFill>
+              </a:rPr>
+              <a:t>Samples:</a:t>
+            </a:r>
+            <a:br>
+              <a:rPr lang="en-US" dirty="0"/>
+            </a:br>
+            <a:r>
+              <a:rPr lang="en-US" dirty="0"/>
+              <a:t> </a:t>
+            </a:r>
+            <a:r>
+              <a:rPr lang="en-US" dirty="0">
+                <a:hlinkClick r:id="rId3"/>
+              </a:rPr>
+              <a:t>https://github.com/dotnet/roslyn-sdk/tree/main/samples/CSharp/SourceGenerators</a:t>
+            </a:r>
+            <a:r>
+              <a:rPr lang="en-US" dirty="0"/>
+              <a:t> </a:t>
+            </a:r>
+          </a:p>
+          <a:p>
+            <a:r>
+              <a:rPr lang="en-US" dirty="0">
+                <a:solidFill>
+                  <a:schemeClr val="bg1"/>
+                </a:solidFill>
+              </a:rPr>
+              <a:t>Cookbook:</a:t>
+            </a:r>
+            <a:br>
+              <a:rPr lang="en-US" dirty="0"/>
+            </a:br>
+            <a:r>
+              <a:rPr lang="en-US" dirty="0"/>
+              <a:t> </a:t>
+            </a:r>
+            <a:r>
+              <a:rPr lang="en-US" dirty="0">
+                <a:hlinkClick r:id="rId4"/>
+              </a:rPr>
+              <a:t>https://github.com/dotnet/roslyn/blob/main/docs/features/source-generators.cookbook.md</a:t>
+            </a:r>
+            <a:r>
+              <a:rPr lang="en-US" dirty="0"/>
+              <a:t> </a:t>
+            </a:r>
+          </a:p>
+        </p:txBody>
+      </p:sp>
+    </p:spTree>
+    <p:extLst>
+      <p:ext uri="{BB962C8B-B14F-4D97-AF65-F5344CB8AC3E}">
+        <p14:creationId xmlns:p14="http://schemas.microsoft.com/office/powerpoint/2010/main" val="8947122"/>
+      </p:ext>
+    </p:extLst>
+  </p:cSld>
+  <p:clrMapOvr>
+    <a:masterClrMapping/>
+  </p:clrMapOvr>
+</p:sld>
+</file>
+
+<file path=ppt/slides/slide8.xml><?xml version="1.0" encoding="utf-8"?>
+<p:sld xmlns:a="http://schemas.openxmlformats.org/drawingml/2006/main" xmlns:r="http://schemas.openxmlformats.org/officeDocument/2006/relationships" xmlns:p="http://schemas.openxmlformats.org/presentationml/2006/main">
+  <p:cSld>
+    <p:spTree>
+      <p:nvGrpSpPr>
+        <p:cNvPr id="1" name=""/>
+        <p:cNvGrpSpPr/>
+        <p:nvPr/>
+      </p:nvGrpSpPr>
+      <p:grpSpPr>
+        <a:xfrm>
+          <a:off x="0" y="0"/>
+          <a:ext cx="0" cy="0"/>
+          <a:chOff x="0" y="0"/>
+          <a:chExt cx="0" cy="0"/>
+        </a:xfrm>
+      </p:grpSpPr>
+      <p:sp>
+        <p:nvSpPr>
           <p:cNvPr id="2" name="Title 1"/>
           <p:cNvSpPr>
             <a:spLocks noGrp="1"/>
@@ -31708,9 +31579,7 @@
         </p:nvSpPr>
         <p:spPr>
           <a:solidFill>
-            <a:schemeClr val="tx1">
-              <a:lumMod val="85000"/>
-            </a:schemeClr>
+            <a:schemeClr val="tx1"/>
           </a:solidFill>
         </p:spPr>
         <p:txBody>
@@ -32000,7 +31869,7 @@
                 </a:solidFill>
                 <a:hlinkClick r:id="rId9"/>
               </a:rPr>
-              <a:t>https://github.com/jwooley/RoslynAndYou</a:t>
+              <a:t>https://github.com/jwooley/CSVersions</a:t>
             </a:r>
             <a:r>
               <a:rPr lang="en-US" cap="small" dirty="0">
@@ -32063,7 +31932,7 @@
 </p:sld>
 </file>
 
-<file path=ppt/slides/slide8.xml><?xml version="1.0" encoding="utf-8"?>
+<file path=ppt/slides/slide9.xml><?xml version="1.0" encoding="utf-8"?>
 <p:sld xmlns:a="http://schemas.openxmlformats.org/drawingml/2006/main" xmlns:r="http://schemas.openxmlformats.org/officeDocument/2006/relationships" xmlns:p="http://schemas.openxmlformats.org/presentationml/2006/main">
   <p:cSld>
     <p:spTree>
@@ -32550,7 +32419,16 @@
                 <a:latin typeface="Segoe UI" panose="020B0502040204020203" pitchFamily="34" charset="0"/>
                 <a:hlinkClick r:id="rId6"/>
               </a:rPr>
-              <a:t>https://github.com/jwooley/RoslynAndYou</a:t>
+              <a:t>https://github.com/jwooley/CSVersions</a:t>
+            </a:r>
+            <a:r>
+              <a:rPr lang="en-US" sz="2200" dirty="0">
+                <a:solidFill>
+                  <a:schemeClr val="tx1"/>
+                </a:solidFill>
+                <a:latin typeface="Segoe UI" panose="020B0502040204020203" pitchFamily="34" charset="0"/>
+              </a:rPr>
+              <a:t> </a:t>
             </a:r>
             <a:br>
               <a:rPr lang="en-US" sz="2200" dirty="0">

--- a/CSPastPresentFuture.pptx
+++ b/CSPastPresentFuture.pptx
@@ -5,18 +5,19 @@
     <p:sldMasterId id="2147483672" r:id="rId1"/>
   </p:sldMasterIdLst>
   <p:notesMasterIdLst>
-    <p:notesMasterId r:id="rId11"/>
+    <p:notesMasterId r:id="rId12"/>
   </p:notesMasterIdLst>
   <p:sldIdLst>
     <p:sldId id="286" r:id="rId2"/>
     <p:sldId id="313" r:id="rId3"/>
     <p:sldId id="308" r:id="rId4"/>
-    <p:sldId id="314" r:id="rId5"/>
-    <p:sldId id="317" r:id="rId6"/>
-    <p:sldId id="318" r:id="rId7"/>
-    <p:sldId id="319" r:id="rId8"/>
-    <p:sldId id="263" r:id="rId9"/>
-    <p:sldId id="287" r:id="rId10"/>
+    <p:sldId id="323" r:id="rId5"/>
+    <p:sldId id="314" r:id="rId6"/>
+    <p:sldId id="317" r:id="rId7"/>
+    <p:sldId id="318" r:id="rId8"/>
+    <p:sldId id="319" r:id="rId9"/>
+    <p:sldId id="263" r:id="rId10"/>
+    <p:sldId id="287" r:id="rId11"/>
   </p:sldIdLst>
   <p:sldSz cx="12192000" cy="6858000"/>
   <p:notesSz cx="6858000" cy="9144000"/>
@@ -2376,6 +2377,753 @@
 </file>
 
 <file path=ppt/diagrams/colors4.xml><?xml version="1.0" encoding="utf-8"?>
+<dgm:colorsDef xmlns:dgm="http://schemas.openxmlformats.org/drawingml/2006/diagram" xmlns:a="http://schemas.openxmlformats.org/drawingml/2006/main" uniqueId="urn:microsoft.com/office/officeart/2005/8/colors/accent1_2">
+  <dgm:title val=""/>
+  <dgm:desc val=""/>
+  <dgm:catLst>
+    <dgm:cat type="accent1" pri="11200"/>
+  </dgm:catLst>
+  <dgm:styleLbl name="node0">
+    <dgm:fillClrLst meth="repeat">
+      <a:schemeClr val="accent1"/>
+    </dgm:fillClrLst>
+    <dgm:linClrLst meth="repeat">
+      <a:schemeClr val="lt1"/>
+    </dgm:linClrLst>
+    <dgm:effectClrLst/>
+    <dgm:txLinClrLst/>
+    <dgm:txFillClrLst/>
+    <dgm:txEffectClrLst/>
+  </dgm:styleLbl>
+  <dgm:styleLbl name="alignNode1">
+    <dgm:fillClrLst meth="repeat">
+      <a:schemeClr val="accent1"/>
+    </dgm:fillClrLst>
+    <dgm:linClrLst meth="repeat">
+      <a:schemeClr val="accent1"/>
+    </dgm:linClrLst>
+    <dgm:effectClrLst/>
+    <dgm:txLinClrLst/>
+    <dgm:txFillClrLst/>
+    <dgm:txEffectClrLst/>
+  </dgm:styleLbl>
+  <dgm:styleLbl name="node1">
+    <dgm:fillClrLst meth="repeat">
+      <a:schemeClr val="accent1"/>
+    </dgm:fillClrLst>
+    <dgm:linClrLst meth="repeat">
+      <a:schemeClr val="lt1"/>
+    </dgm:linClrLst>
+    <dgm:effectClrLst/>
+    <dgm:txLinClrLst/>
+    <dgm:txFillClrLst/>
+    <dgm:txEffectClrLst/>
+  </dgm:styleLbl>
+  <dgm:styleLbl name="lnNode1">
+    <dgm:fillClrLst meth="repeat">
+      <a:schemeClr val="accent1"/>
+    </dgm:fillClrLst>
+    <dgm:linClrLst meth="repeat">
+      <a:schemeClr val="lt1"/>
+    </dgm:linClrLst>
+    <dgm:effectClrLst/>
+    <dgm:txLinClrLst/>
+    <dgm:txFillClrLst/>
+    <dgm:txEffectClrLst/>
+  </dgm:styleLbl>
+  <dgm:styleLbl name="vennNode1">
+    <dgm:fillClrLst meth="repeat">
+      <a:schemeClr val="accent1">
+        <a:alpha val="50000"/>
+      </a:schemeClr>
+    </dgm:fillClrLst>
+    <dgm:linClrLst meth="repeat">
+      <a:schemeClr val="lt1"/>
+    </dgm:linClrLst>
+    <dgm:effectClrLst/>
+    <dgm:txLinClrLst/>
+    <dgm:txFillClrLst/>
+    <dgm:txEffectClrLst/>
+  </dgm:styleLbl>
+  <dgm:styleLbl name="node2">
+    <dgm:fillClrLst meth="repeat">
+      <a:schemeClr val="accent1"/>
+    </dgm:fillClrLst>
+    <dgm:linClrLst meth="repeat">
+      <a:schemeClr val="lt1"/>
+    </dgm:linClrLst>
+    <dgm:effectClrLst/>
+    <dgm:txLinClrLst/>
+    <dgm:txFillClrLst/>
+    <dgm:txEffectClrLst/>
+  </dgm:styleLbl>
+  <dgm:styleLbl name="node3">
+    <dgm:fillClrLst meth="repeat">
+      <a:schemeClr val="accent1"/>
+    </dgm:fillClrLst>
+    <dgm:linClrLst meth="repeat">
+      <a:schemeClr val="lt1"/>
+    </dgm:linClrLst>
+    <dgm:effectClrLst/>
+    <dgm:txLinClrLst/>
+    <dgm:txFillClrLst/>
+    <dgm:txEffectClrLst/>
+  </dgm:styleLbl>
+  <dgm:styleLbl name="node4">
+    <dgm:fillClrLst meth="repeat">
+      <a:schemeClr val="accent1"/>
+    </dgm:fillClrLst>
+    <dgm:linClrLst meth="repeat">
+      <a:schemeClr val="lt1"/>
+    </dgm:linClrLst>
+    <dgm:effectClrLst/>
+    <dgm:txLinClrLst/>
+    <dgm:txFillClrLst/>
+    <dgm:txEffectClrLst/>
+  </dgm:styleLbl>
+  <dgm:styleLbl name="fgImgPlace1">
+    <dgm:fillClrLst meth="repeat">
+      <a:schemeClr val="accent1">
+        <a:tint val="50000"/>
+      </a:schemeClr>
+    </dgm:fillClrLst>
+    <dgm:linClrLst meth="repeat">
+      <a:schemeClr val="lt1"/>
+    </dgm:linClrLst>
+    <dgm:effectClrLst/>
+    <dgm:txLinClrLst/>
+    <dgm:txFillClrLst meth="repeat">
+      <a:schemeClr val="lt1"/>
+    </dgm:txFillClrLst>
+    <dgm:txEffectClrLst/>
+  </dgm:styleLbl>
+  <dgm:styleLbl name="alignImgPlace1">
+    <dgm:fillClrLst meth="repeat">
+      <a:schemeClr val="accent1">
+        <a:tint val="50000"/>
+      </a:schemeClr>
+    </dgm:fillClrLst>
+    <dgm:linClrLst meth="repeat">
+      <a:schemeClr val="lt1"/>
+    </dgm:linClrLst>
+    <dgm:effectClrLst/>
+    <dgm:txLinClrLst/>
+    <dgm:txFillClrLst meth="repeat">
+      <a:schemeClr val="lt1"/>
+    </dgm:txFillClrLst>
+    <dgm:txEffectClrLst/>
+  </dgm:styleLbl>
+  <dgm:styleLbl name="bgImgPlace1">
+    <dgm:fillClrLst meth="repeat">
+      <a:schemeClr val="accent1">
+        <a:tint val="50000"/>
+      </a:schemeClr>
+    </dgm:fillClrLst>
+    <dgm:linClrLst meth="repeat">
+      <a:schemeClr val="lt1"/>
+    </dgm:linClrLst>
+    <dgm:effectClrLst/>
+    <dgm:txLinClrLst/>
+    <dgm:txFillClrLst meth="repeat">
+      <a:schemeClr val="lt1"/>
+    </dgm:txFillClrLst>
+    <dgm:txEffectClrLst/>
+  </dgm:styleLbl>
+  <dgm:styleLbl name="sibTrans2D1">
+    <dgm:fillClrLst meth="repeat">
+      <a:schemeClr val="accent1">
+        <a:tint val="60000"/>
+      </a:schemeClr>
+    </dgm:fillClrLst>
+    <dgm:linClrLst meth="repeat">
+      <a:schemeClr val="accent1">
+        <a:tint val="60000"/>
+      </a:schemeClr>
+    </dgm:linClrLst>
+    <dgm:effectClrLst/>
+    <dgm:txLinClrLst/>
+    <dgm:txFillClrLst/>
+    <dgm:txEffectClrLst/>
+  </dgm:styleLbl>
+  <dgm:styleLbl name="fgSibTrans2D1">
+    <dgm:fillClrLst meth="repeat">
+      <a:schemeClr val="accent1">
+        <a:tint val="60000"/>
+      </a:schemeClr>
+    </dgm:fillClrLst>
+    <dgm:linClrLst meth="repeat">
+      <a:schemeClr val="accent1">
+        <a:tint val="60000"/>
+      </a:schemeClr>
+    </dgm:linClrLst>
+    <dgm:effectClrLst/>
+    <dgm:txLinClrLst/>
+    <dgm:txFillClrLst/>
+    <dgm:txEffectClrLst/>
+  </dgm:styleLbl>
+  <dgm:styleLbl name="bgSibTrans2D1">
+    <dgm:fillClrLst meth="repeat">
+      <a:schemeClr val="accent1">
+        <a:tint val="60000"/>
+      </a:schemeClr>
+    </dgm:fillClrLst>
+    <dgm:linClrLst meth="repeat">
+      <a:schemeClr val="accent1">
+        <a:tint val="60000"/>
+      </a:schemeClr>
+    </dgm:linClrLst>
+    <dgm:effectClrLst/>
+    <dgm:txLinClrLst/>
+    <dgm:txFillClrLst/>
+    <dgm:txEffectClrLst/>
+  </dgm:styleLbl>
+  <dgm:styleLbl name="sibTrans1D1">
+    <dgm:fillClrLst meth="repeat">
+      <a:schemeClr val="accent1"/>
+    </dgm:fillClrLst>
+    <dgm:linClrLst meth="repeat">
+      <a:schemeClr val="accent1"/>
+    </dgm:linClrLst>
+    <dgm:effectClrLst/>
+    <dgm:txLinClrLst/>
+    <dgm:txFillClrLst meth="repeat">
+      <a:schemeClr val="tx1"/>
+    </dgm:txFillClrLst>
+    <dgm:txEffectClrLst/>
+  </dgm:styleLbl>
+  <dgm:styleLbl name="callout">
+    <dgm:fillClrLst meth="repeat">
+      <a:schemeClr val="accent1"/>
+    </dgm:fillClrLst>
+    <dgm:linClrLst meth="repeat">
+      <a:schemeClr val="accent1">
+        <a:tint val="50000"/>
+      </a:schemeClr>
+    </dgm:linClrLst>
+    <dgm:effectClrLst/>
+    <dgm:txLinClrLst/>
+    <dgm:txFillClrLst meth="repeat">
+      <a:schemeClr val="tx1"/>
+    </dgm:txFillClrLst>
+    <dgm:txEffectClrLst/>
+  </dgm:styleLbl>
+  <dgm:styleLbl name="asst0">
+    <dgm:fillClrLst meth="repeat">
+      <a:schemeClr val="accent1"/>
+    </dgm:fillClrLst>
+    <dgm:linClrLst meth="repeat">
+      <a:schemeClr val="lt1"/>
+    </dgm:linClrLst>
+    <dgm:effectClrLst/>
+    <dgm:txLinClrLst/>
+    <dgm:txFillClrLst/>
+    <dgm:txEffectClrLst/>
+  </dgm:styleLbl>
+  <dgm:styleLbl name="asst1">
+    <dgm:fillClrLst meth="repeat">
+      <a:schemeClr val="accent1"/>
+    </dgm:fillClrLst>
+    <dgm:linClrLst meth="repeat">
+      <a:schemeClr val="lt1"/>
+    </dgm:linClrLst>
+    <dgm:effectClrLst/>
+    <dgm:txLinClrLst/>
+    <dgm:txFillClrLst/>
+    <dgm:txEffectClrLst/>
+  </dgm:styleLbl>
+  <dgm:styleLbl name="asst2">
+    <dgm:fillClrLst meth="repeat">
+      <a:schemeClr val="accent1"/>
+    </dgm:fillClrLst>
+    <dgm:linClrLst meth="repeat">
+      <a:schemeClr val="lt1"/>
+    </dgm:linClrLst>
+    <dgm:effectClrLst/>
+    <dgm:txLinClrLst/>
+    <dgm:txFillClrLst/>
+    <dgm:txEffectClrLst/>
+  </dgm:styleLbl>
+  <dgm:styleLbl name="asst3">
+    <dgm:fillClrLst meth="repeat">
+      <a:schemeClr val="accent1"/>
+    </dgm:fillClrLst>
+    <dgm:linClrLst meth="repeat">
+      <a:schemeClr val="lt1"/>
+    </dgm:linClrLst>
+    <dgm:effectClrLst/>
+    <dgm:txLinClrLst/>
+    <dgm:txFillClrLst/>
+    <dgm:txEffectClrLst/>
+  </dgm:styleLbl>
+  <dgm:styleLbl name="asst4">
+    <dgm:fillClrLst meth="repeat">
+      <a:schemeClr val="accent1"/>
+    </dgm:fillClrLst>
+    <dgm:linClrLst meth="repeat">
+      <a:schemeClr val="lt1"/>
+    </dgm:linClrLst>
+    <dgm:effectClrLst/>
+    <dgm:txLinClrLst/>
+    <dgm:txFillClrLst/>
+    <dgm:txEffectClrLst/>
+  </dgm:styleLbl>
+  <dgm:styleLbl name="parChTrans2D1">
+    <dgm:fillClrLst meth="repeat">
+      <a:schemeClr val="accent1">
+        <a:tint val="60000"/>
+      </a:schemeClr>
+    </dgm:fillClrLst>
+    <dgm:linClrLst meth="repeat">
+      <a:schemeClr val="accent1">
+        <a:tint val="60000"/>
+      </a:schemeClr>
+    </dgm:linClrLst>
+    <dgm:effectClrLst/>
+    <dgm:txLinClrLst/>
+    <dgm:txFillClrLst meth="repeat">
+      <a:schemeClr val="lt1"/>
+    </dgm:txFillClrLst>
+    <dgm:txEffectClrLst/>
+  </dgm:styleLbl>
+  <dgm:styleLbl name="parChTrans2D2">
+    <dgm:fillClrLst meth="repeat">
+      <a:schemeClr val="accent1"/>
+    </dgm:fillClrLst>
+    <dgm:linClrLst meth="repeat">
+      <a:schemeClr val="accent1"/>
+    </dgm:linClrLst>
+    <dgm:effectClrLst/>
+    <dgm:txLinClrLst/>
+    <dgm:txFillClrLst meth="repeat">
+      <a:schemeClr val="lt1"/>
+    </dgm:txFillClrLst>
+    <dgm:txEffectClrLst/>
+  </dgm:styleLbl>
+  <dgm:styleLbl name="parChTrans2D3">
+    <dgm:fillClrLst meth="repeat">
+      <a:schemeClr val="accent1"/>
+    </dgm:fillClrLst>
+    <dgm:linClrLst meth="repeat">
+      <a:schemeClr val="accent1"/>
+    </dgm:linClrLst>
+    <dgm:effectClrLst/>
+    <dgm:txLinClrLst/>
+    <dgm:txFillClrLst meth="repeat">
+      <a:schemeClr val="lt1"/>
+    </dgm:txFillClrLst>
+    <dgm:txEffectClrLst/>
+  </dgm:styleLbl>
+  <dgm:styleLbl name="parChTrans2D4">
+    <dgm:fillClrLst meth="repeat">
+      <a:schemeClr val="accent1"/>
+    </dgm:fillClrLst>
+    <dgm:linClrLst meth="repeat">
+      <a:schemeClr val="accent1"/>
+    </dgm:linClrLst>
+    <dgm:effectClrLst/>
+    <dgm:txLinClrLst/>
+    <dgm:txFillClrLst meth="repeat">
+      <a:schemeClr val="lt1"/>
+    </dgm:txFillClrLst>
+    <dgm:txEffectClrLst/>
+  </dgm:styleLbl>
+  <dgm:styleLbl name="parChTrans1D1">
+    <dgm:fillClrLst meth="repeat">
+      <a:schemeClr val="accent1"/>
+    </dgm:fillClrLst>
+    <dgm:linClrLst meth="repeat">
+      <a:schemeClr val="accent1">
+        <a:shade val="60000"/>
+      </a:schemeClr>
+    </dgm:linClrLst>
+    <dgm:effectClrLst/>
+    <dgm:txLinClrLst/>
+    <dgm:txFillClrLst meth="repeat">
+      <a:schemeClr val="tx1"/>
+    </dgm:txFillClrLst>
+    <dgm:txEffectClrLst/>
+  </dgm:styleLbl>
+  <dgm:styleLbl name="parChTrans1D2">
+    <dgm:fillClrLst meth="repeat">
+      <a:schemeClr val="accent1"/>
+    </dgm:fillClrLst>
+    <dgm:linClrLst meth="repeat">
+      <a:schemeClr val="accent1">
+        <a:shade val="60000"/>
+      </a:schemeClr>
+    </dgm:linClrLst>
+    <dgm:effectClrLst/>
+    <dgm:txLinClrLst/>
+    <dgm:txFillClrLst meth="repeat">
+      <a:schemeClr val="tx1"/>
+    </dgm:txFillClrLst>
+    <dgm:txEffectClrLst/>
+  </dgm:styleLbl>
+  <dgm:styleLbl name="parChTrans1D3">
+    <dgm:fillClrLst meth="repeat">
+      <a:schemeClr val="accent1"/>
+    </dgm:fillClrLst>
+    <dgm:linClrLst meth="repeat">
+      <a:schemeClr val="accent1">
+        <a:shade val="80000"/>
+      </a:schemeClr>
+    </dgm:linClrLst>
+    <dgm:effectClrLst/>
+    <dgm:txLinClrLst/>
+    <dgm:txFillClrLst meth="repeat">
+      <a:schemeClr val="tx1"/>
+    </dgm:txFillClrLst>
+    <dgm:txEffectClrLst/>
+  </dgm:styleLbl>
+  <dgm:styleLbl name="parChTrans1D4">
+    <dgm:fillClrLst meth="repeat">
+      <a:schemeClr val="accent1"/>
+    </dgm:fillClrLst>
+    <dgm:linClrLst meth="repeat">
+      <a:schemeClr val="accent1">
+        <a:shade val="80000"/>
+      </a:schemeClr>
+    </dgm:linClrLst>
+    <dgm:effectClrLst/>
+    <dgm:txLinClrLst/>
+    <dgm:txFillClrLst meth="repeat">
+      <a:schemeClr val="tx1"/>
+    </dgm:txFillClrLst>
+    <dgm:txEffectClrLst/>
+  </dgm:styleLbl>
+  <dgm:styleLbl name="fgAcc1">
+    <dgm:fillClrLst meth="repeat">
+      <a:schemeClr val="lt1">
+        <a:alpha val="90000"/>
+      </a:schemeClr>
+    </dgm:fillClrLst>
+    <dgm:linClrLst meth="repeat">
+      <a:schemeClr val="accent1"/>
+    </dgm:linClrLst>
+    <dgm:effectClrLst/>
+    <dgm:txLinClrLst/>
+    <dgm:txFillClrLst meth="repeat">
+      <a:schemeClr val="dk1"/>
+    </dgm:txFillClrLst>
+    <dgm:txEffectClrLst/>
+  </dgm:styleLbl>
+  <dgm:styleLbl name="conFgAcc1">
+    <dgm:fillClrLst meth="repeat">
+      <a:schemeClr val="lt1">
+        <a:alpha val="90000"/>
+      </a:schemeClr>
+    </dgm:fillClrLst>
+    <dgm:linClrLst meth="repeat">
+      <a:schemeClr val="accent1"/>
+    </dgm:linClrLst>
+    <dgm:effectClrLst/>
+    <dgm:txLinClrLst/>
+    <dgm:txFillClrLst meth="repeat">
+      <a:schemeClr val="dk1"/>
+    </dgm:txFillClrLst>
+    <dgm:txEffectClrLst/>
+  </dgm:styleLbl>
+  <dgm:styleLbl name="alignAcc1">
+    <dgm:fillClrLst meth="repeat">
+      <a:schemeClr val="lt1">
+        <a:alpha val="90000"/>
+      </a:schemeClr>
+    </dgm:fillClrLst>
+    <dgm:linClrLst meth="repeat">
+      <a:schemeClr val="accent1"/>
+    </dgm:linClrLst>
+    <dgm:effectClrLst/>
+    <dgm:txLinClrLst/>
+    <dgm:txFillClrLst meth="repeat">
+      <a:schemeClr val="dk1"/>
+    </dgm:txFillClrLst>
+    <dgm:txEffectClrLst/>
+  </dgm:styleLbl>
+  <dgm:styleLbl name="trAlignAcc1">
+    <dgm:fillClrLst meth="repeat">
+      <a:schemeClr val="lt1">
+        <a:alpha val="40000"/>
+      </a:schemeClr>
+    </dgm:fillClrLst>
+    <dgm:linClrLst meth="repeat">
+      <a:schemeClr val="accent1"/>
+    </dgm:linClrLst>
+    <dgm:effectClrLst/>
+    <dgm:txLinClrLst/>
+    <dgm:txFillClrLst meth="repeat">
+      <a:schemeClr val="dk1"/>
+    </dgm:txFillClrLst>
+    <dgm:txEffectClrLst/>
+  </dgm:styleLbl>
+  <dgm:styleLbl name="bgAcc1">
+    <dgm:fillClrLst meth="repeat">
+      <a:schemeClr val="lt1">
+        <a:alpha val="90000"/>
+      </a:schemeClr>
+    </dgm:fillClrLst>
+    <dgm:linClrLst meth="repeat">
+      <a:schemeClr val="accent1"/>
+    </dgm:linClrLst>
+    <dgm:effectClrLst/>
+    <dgm:txLinClrLst/>
+    <dgm:txFillClrLst meth="repeat">
+      <a:schemeClr val="dk1"/>
+    </dgm:txFillClrLst>
+    <dgm:txEffectClrLst/>
+  </dgm:styleLbl>
+  <dgm:styleLbl name="solidFgAcc1">
+    <dgm:fillClrLst meth="repeat">
+      <a:schemeClr val="lt1"/>
+    </dgm:fillClrLst>
+    <dgm:linClrLst meth="repeat">
+      <a:schemeClr val="accent1"/>
+    </dgm:linClrLst>
+    <dgm:effectClrLst/>
+    <dgm:txLinClrLst/>
+    <dgm:txFillClrLst meth="repeat">
+      <a:schemeClr val="dk1"/>
+    </dgm:txFillClrLst>
+    <dgm:txEffectClrLst/>
+  </dgm:styleLbl>
+  <dgm:styleLbl name="solidAlignAcc1">
+    <dgm:fillClrLst meth="repeat">
+      <a:schemeClr val="lt1"/>
+    </dgm:fillClrLst>
+    <dgm:linClrLst meth="repeat">
+      <a:schemeClr val="accent1"/>
+    </dgm:linClrLst>
+    <dgm:effectClrLst/>
+    <dgm:txLinClrLst/>
+    <dgm:txFillClrLst meth="repeat">
+      <a:schemeClr val="dk1"/>
+    </dgm:txFillClrLst>
+    <dgm:txEffectClrLst/>
+  </dgm:styleLbl>
+  <dgm:styleLbl name="solidBgAcc1">
+    <dgm:fillClrLst meth="repeat">
+      <a:schemeClr val="lt1"/>
+    </dgm:fillClrLst>
+    <dgm:linClrLst meth="repeat">
+      <a:schemeClr val="accent1"/>
+    </dgm:linClrLst>
+    <dgm:effectClrLst/>
+    <dgm:txLinClrLst/>
+    <dgm:txFillClrLst meth="repeat">
+      <a:schemeClr val="dk1"/>
+    </dgm:txFillClrLst>
+    <dgm:txEffectClrLst/>
+  </dgm:styleLbl>
+  <dgm:styleLbl name="fgAccFollowNode1">
+    <dgm:fillClrLst meth="repeat">
+      <a:schemeClr val="accent1">
+        <a:alpha val="90000"/>
+        <a:tint val="40000"/>
+      </a:schemeClr>
+    </dgm:fillClrLst>
+    <dgm:linClrLst meth="repeat">
+      <a:schemeClr val="accent1">
+        <a:alpha val="90000"/>
+        <a:tint val="40000"/>
+      </a:schemeClr>
+    </dgm:linClrLst>
+    <dgm:effectClrLst/>
+    <dgm:txLinClrLst/>
+    <dgm:txFillClrLst meth="repeat">
+      <a:schemeClr val="dk1"/>
+    </dgm:txFillClrLst>
+    <dgm:txEffectClrLst/>
+  </dgm:styleLbl>
+  <dgm:styleLbl name="alignAccFollowNode1">
+    <dgm:fillClrLst meth="repeat">
+      <a:schemeClr val="accent1">
+        <a:alpha val="90000"/>
+        <a:tint val="40000"/>
+      </a:schemeClr>
+    </dgm:fillClrLst>
+    <dgm:linClrLst meth="repeat">
+      <a:schemeClr val="accent1">
+        <a:alpha val="90000"/>
+        <a:tint val="40000"/>
+      </a:schemeClr>
+    </dgm:linClrLst>
+    <dgm:effectClrLst/>
+    <dgm:txLinClrLst/>
+    <dgm:txFillClrLst meth="repeat">
+      <a:schemeClr val="dk1"/>
+    </dgm:txFillClrLst>
+    <dgm:txEffectClrLst/>
+  </dgm:styleLbl>
+  <dgm:styleLbl name="bgAccFollowNode1">
+    <dgm:fillClrLst meth="repeat">
+      <a:schemeClr val="accent1">
+        <a:alpha val="90000"/>
+        <a:tint val="40000"/>
+      </a:schemeClr>
+    </dgm:fillClrLst>
+    <dgm:linClrLst meth="repeat">
+      <a:schemeClr val="accent1">
+        <a:alpha val="90000"/>
+        <a:tint val="40000"/>
+      </a:schemeClr>
+    </dgm:linClrLst>
+    <dgm:effectClrLst/>
+    <dgm:txLinClrLst/>
+    <dgm:txFillClrLst meth="repeat">
+      <a:schemeClr val="dk1"/>
+    </dgm:txFillClrLst>
+    <dgm:txEffectClrLst/>
+  </dgm:styleLbl>
+  <dgm:styleLbl name="fgAcc0">
+    <dgm:fillClrLst meth="repeat">
+      <a:schemeClr val="lt1">
+        <a:alpha val="90000"/>
+      </a:schemeClr>
+    </dgm:fillClrLst>
+    <dgm:linClrLst meth="repeat">
+      <a:schemeClr val="accent1"/>
+    </dgm:linClrLst>
+    <dgm:effectClrLst/>
+    <dgm:txLinClrLst/>
+    <dgm:txFillClrLst meth="repeat">
+      <a:schemeClr val="dk1"/>
+    </dgm:txFillClrLst>
+    <dgm:txEffectClrLst/>
+  </dgm:styleLbl>
+  <dgm:styleLbl name="fgAcc2">
+    <dgm:fillClrLst meth="repeat">
+      <a:schemeClr val="lt1">
+        <a:alpha val="90000"/>
+      </a:schemeClr>
+    </dgm:fillClrLst>
+    <dgm:linClrLst meth="repeat">
+      <a:schemeClr val="accent1"/>
+    </dgm:linClrLst>
+    <dgm:effectClrLst/>
+    <dgm:txLinClrLst/>
+    <dgm:txFillClrLst meth="repeat">
+      <a:schemeClr val="dk1"/>
+    </dgm:txFillClrLst>
+    <dgm:txEffectClrLst/>
+  </dgm:styleLbl>
+  <dgm:styleLbl name="fgAcc3">
+    <dgm:fillClrLst meth="repeat">
+      <a:schemeClr val="lt1">
+        <a:alpha val="90000"/>
+      </a:schemeClr>
+    </dgm:fillClrLst>
+    <dgm:linClrLst meth="repeat">
+      <a:schemeClr val="accent1"/>
+    </dgm:linClrLst>
+    <dgm:effectClrLst/>
+    <dgm:txLinClrLst/>
+    <dgm:txFillClrLst meth="repeat">
+      <a:schemeClr val="dk1"/>
+    </dgm:txFillClrLst>
+    <dgm:txEffectClrLst/>
+  </dgm:styleLbl>
+  <dgm:styleLbl name="fgAcc4">
+    <dgm:fillClrLst meth="repeat">
+      <a:schemeClr val="lt1">
+        <a:alpha val="90000"/>
+      </a:schemeClr>
+    </dgm:fillClrLst>
+    <dgm:linClrLst meth="repeat">
+      <a:schemeClr val="accent1"/>
+    </dgm:linClrLst>
+    <dgm:effectClrLst/>
+    <dgm:txLinClrLst/>
+    <dgm:txFillClrLst meth="repeat">
+      <a:schemeClr val="dk1"/>
+    </dgm:txFillClrLst>
+    <dgm:txEffectClrLst/>
+  </dgm:styleLbl>
+  <dgm:styleLbl name="bgShp">
+    <dgm:fillClrLst meth="repeat">
+      <a:schemeClr val="accent1">
+        <a:tint val="40000"/>
+      </a:schemeClr>
+    </dgm:fillClrLst>
+    <dgm:linClrLst meth="repeat">
+      <a:schemeClr val="accent1"/>
+    </dgm:linClrLst>
+    <dgm:effectClrLst/>
+    <dgm:txLinClrLst/>
+    <dgm:txFillClrLst meth="repeat">
+      <a:schemeClr val="dk1"/>
+    </dgm:txFillClrLst>
+    <dgm:txEffectClrLst/>
+  </dgm:styleLbl>
+  <dgm:styleLbl name="dkBgShp">
+    <dgm:fillClrLst meth="repeat">
+      <a:schemeClr val="accent1">
+        <a:shade val="80000"/>
+      </a:schemeClr>
+    </dgm:fillClrLst>
+    <dgm:linClrLst meth="repeat">
+      <a:schemeClr val="accent1"/>
+    </dgm:linClrLst>
+    <dgm:effectClrLst/>
+    <dgm:txLinClrLst/>
+    <dgm:txFillClrLst meth="repeat">
+      <a:schemeClr val="lt1"/>
+    </dgm:txFillClrLst>
+    <dgm:txEffectClrLst/>
+  </dgm:styleLbl>
+  <dgm:styleLbl name="trBgShp">
+    <dgm:fillClrLst meth="repeat">
+      <a:schemeClr val="accent1">
+        <a:tint val="50000"/>
+        <a:alpha val="40000"/>
+      </a:schemeClr>
+    </dgm:fillClrLst>
+    <dgm:linClrLst meth="repeat">
+      <a:schemeClr val="accent1"/>
+    </dgm:linClrLst>
+    <dgm:effectClrLst/>
+    <dgm:txLinClrLst/>
+    <dgm:txFillClrLst meth="repeat">
+      <a:schemeClr val="lt1"/>
+    </dgm:txFillClrLst>
+    <dgm:txEffectClrLst/>
+  </dgm:styleLbl>
+  <dgm:styleLbl name="fgShp">
+    <dgm:fillClrLst meth="repeat">
+      <a:schemeClr val="accent1">
+        <a:tint val="60000"/>
+      </a:schemeClr>
+    </dgm:fillClrLst>
+    <dgm:linClrLst meth="repeat">
+      <a:schemeClr val="lt1"/>
+    </dgm:linClrLst>
+    <dgm:effectClrLst/>
+    <dgm:txLinClrLst/>
+    <dgm:txFillClrLst meth="repeat">
+      <a:schemeClr val="dk1"/>
+    </dgm:txFillClrLst>
+    <dgm:txEffectClrLst/>
+  </dgm:styleLbl>
+  <dgm:styleLbl name="revTx">
+    <dgm:fillClrLst meth="repeat">
+      <a:schemeClr val="lt1">
+        <a:alpha val="0"/>
+      </a:schemeClr>
+    </dgm:fillClrLst>
+    <dgm:linClrLst meth="repeat">
+      <a:schemeClr val="dk1">
+        <a:alpha val="0"/>
+      </a:schemeClr>
+    </dgm:linClrLst>
+    <dgm:effectClrLst/>
+    <dgm:txLinClrLst/>
+    <dgm:txFillClrLst meth="repeat">
+      <a:schemeClr val="tx1"/>
+    </dgm:txFillClrLst>
+    <dgm:txEffectClrLst/>
+  </dgm:styleLbl>
+</dgm:colorsDef>
+</file>
+
+<file path=ppt/diagrams/colors5.xml><?xml version="1.0" encoding="utf-8"?>
 <dgm:colorsDef xmlns:dgm="http://schemas.openxmlformats.org/drawingml/2006/diagram" xmlns:a="http://schemas.openxmlformats.org/drawingml/2006/main" uniqueId="urn:microsoft.com/office/officeart/2005/8/colors/accent1_2">
   <dgm:title val=""/>
   <dgm:desc val=""/>
@@ -3902,6 +4650,833 @@
 <file path=ppt/diagrams/data2.xml><?xml version="1.0" encoding="utf-8"?>
 <dgm:dataModel xmlns:dgm="http://schemas.openxmlformats.org/drawingml/2006/diagram" xmlns:a="http://schemas.openxmlformats.org/drawingml/2006/main">
   <dgm:ptLst>
+    <dgm:pt modelId="{C879A5CC-BB34-4CAD-B55F-1F0D8A222995}" type="doc">
+      <dgm:prSet loTypeId="urn:microsoft.com/office/officeart/2009/3/layout/StepUpProcess" loCatId="process" qsTypeId="urn:microsoft.com/office/officeart/2005/8/quickstyle/simple1" qsCatId="simple" csTypeId="urn:microsoft.com/office/officeart/2005/8/colors/accent1_2" csCatId="accent1" phldr="1"/>
+      <dgm:spPr/>
+    </dgm:pt>
+    <dgm:pt modelId="{71265EC4-DC3C-4D13-9330-9F21C6BDB7D0}">
+      <dgm:prSet phldrT="[Text]"/>
+      <dgm:spPr/>
+      <dgm:t>
+        <a:bodyPr/>
+        <a:lstStyle/>
+        <a:p>
+          <a:r>
+            <a:rPr lang="en-US" dirty="0"/>
+            <a:t>2017</a:t>
+          </a:r>
+          <a:br>
+            <a:rPr lang="en-US" dirty="0"/>
+          </a:br>
+          <a:r>
+            <a:rPr lang="en-US" dirty="0"/>
+            <a:t>7.1</a:t>
+          </a:r>
+        </a:p>
+      </dgm:t>
+    </dgm:pt>
+    <dgm:pt modelId="{6075FA98-4C12-44D0-9B4A-4733EC51FDCD}" type="parTrans" cxnId="{CE1A1506-1737-46EF-B104-A055D4A035E3}">
+      <dgm:prSet/>
+      <dgm:spPr/>
+      <dgm:t>
+        <a:bodyPr/>
+        <a:lstStyle/>
+        <a:p>
+          <a:endParaRPr lang="en-US"/>
+        </a:p>
+      </dgm:t>
+    </dgm:pt>
+    <dgm:pt modelId="{527DDB4E-A919-4721-9D67-39D806F1E6E9}" type="sibTrans" cxnId="{CE1A1506-1737-46EF-B104-A055D4A035E3}">
+      <dgm:prSet/>
+      <dgm:spPr/>
+      <dgm:t>
+        <a:bodyPr/>
+        <a:lstStyle/>
+        <a:p>
+          <a:endParaRPr lang="en-US"/>
+        </a:p>
+      </dgm:t>
+    </dgm:pt>
+    <dgm:pt modelId="{53BB17D7-3B43-4790-8E05-45DDF05C9CC1}">
+      <dgm:prSet phldrT="[Text]"/>
+      <dgm:spPr/>
+      <dgm:t>
+        <a:bodyPr/>
+        <a:lstStyle/>
+        <a:p>
+          <a:r>
+            <a:rPr lang="en-US" dirty="0"/>
+            <a:t>2017</a:t>
+          </a:r>
+          <a:br>
+            <a:rPr lang="en-US" dirty="0"/>
+          </a:br>
+          <a:r>
+            <a:rPr lang="en-US" dirty="0"/>
+            <a:t>7.2</a:t>
+          </a:r>
+        </a:p>
+      </dgm:t>
+    </dgm:pt>
+    <dgm:pt modelId="{2A66FEF0-D9AB-4D54-B911-9516D03854EA}" type="parTrans" cxnId="{8B3E278E-1C53-446D-A9B0-42DE5A78A497}">
+      <dgm:prSet/>
+      <dgm:spPr/>
+      <dgm:t>
+        <a:bodyPr/>
+        <a:lstStyle/>
+        <a:p>
+          <a:endParaRPr lang="en-US"/>
+        </a:p>
+      </dgm:t>
+    </dgm:pt>
+    <dgm:pt modelId="{F5CBE59F-7232-4938-8851-1591A38EA73B}" type="sibTrans" cxnId="{8B3E278E-1C53-446D-A9B0-42DE5A78A497}">
+      <dgm:prSet/>
+      <dgm:spPr/>
+      <dgm:t>
+        <a:bodyPr/>
+        <a:lstStyle/>
+        <a:p>
+          <a:endParaRPr lang="en-US"/>
+        </a:p>
+      </dgm:t>
+    </dgm:pt>
+    <dgm:pt modelId="{3ADB125B-8451-4CA7-805B-4C83BBFF6B8F}">
+      <dgm:prSet phldrT="[Text]"/>
+      <dgm:spPr/>
+      <dgm:t>
+        <a:bodyPr/>
+        <a:lstStyle/>
+        <a:p>
+          <a:r>
+            <a:rPr lang="en-US" dirty="0"/>
+            <a:t>2018</a:t>
+          </a:r>
+          <a:br>
+            <a:rPr lang="en-US" dirty="0"/>
+          </a:br>
+          <a:r>
+            <a:rPr lang="en-US" dirty="0"/>
+            <a:t>7.3</a:t>
+          </a:r>
+        </a:p>
+      </dgm:t>
+    </dgm:pt>
+    <dgm:pt modelId="{CA480D27-167B-4A57-9E44-438E332A4882}" type="parTrans" cxnId="{6A3CCB81-FA76-481B-BAC3-9E523C7DDD4F}">
+      <dgm:prSet/>
+      <dgm:spPr/>
+      <dgm:t>
+        <a:bodyPr/>
+        <a:lstStyle/>
+        <a:p>
+          <a:endParaRPr lang="en-US"/>
+        </a:p>
+      </dgm:t>
+    </dgm:pt>
+    <dgm:pt modelId="{C35215D2-11D0-424C-B564-55EFD754023B}" type="sibTrans" cxnId="{6A3CCB81-FA76-481B-BAC3-9E523C7DDD4F}">
+      <dgm:prSet/>
+      <dgm:spPr/>
+      <dgm:t>
+        <a:bodyPr/>
+        <a:lstStyle/>
+        <a:p>
+          <a:endParaRPr lang="en-US"/>
+        </a:p>
+      </dgm:t>
+    </dgm:pt>
+    <dgm:pt modelId="{F169D04E-9EF5-4F46-8DB5-CAABC2B96B82}">
+      <dgm:prSet phldrT="[Text]"/>
+      <dgm:spPr/>
+      <dgm:t>
+        <a:bodyPr/>
+        <a:lstStyle/>
+        <a:p>
+          <a:r>
+            <a:rPr lang="en-US" dirty="0"/>
+            <a:t>2019</a:t>
+          </a:r>
+          <a:br>
+            <a:rPr lang="en-US" dirty="0"/>
+          </a:br>
+          <a:r>
+            <a:rPr lang="en-US" dirty="0"/>
+            <a:t>8</a:t>
+          </a:r>
+        </a:p>
+      </dgm:t>
+    </dgm:pt>
+    <dgm:pt modelId="{19382D0C-7957-422D-AC29-2805EA415F35}" type="parTrans" cxnId="{7EB94D6F-F336-43B3-8738-0C75C4A2120D}">
+      <dgm:prSet/>
+      <dgm:spPr/>
+      <dgm:t>
+        <a:bodyPr/>
+        <a:lstStyle/>
+        <a:p>
+          <a:endParaRPr lang="en-US"/>
+        </a:p>
+      </dgm:t>
+    </dgm:pt>
+    <dgm:pt modelId="{3FD62AAB-F0CA-4149-9F6E-A5299A5C1EEB}" type="sibTrans" cxnId="{7EB94D6F-F336-43B3-8738-0C75C4A2120D}">
+      <dgm:prSet/>
+      <dgm:spPr/>
+      <dgm:t>
+        <a:bodyPr/>
+        <a:lstStyle/>
+        <a:p>
+          <a:endParaRPr lang="en-US"/>
+        </a:p>
+      </dgm:t>
+    </dgm:pt>
+    <dgm:pt modelId="{C75C1007-26BE-48F9-8726-5D349F169C1B}">
+      <dgm:prSet phldrT="[Text]"/>
+      <dgm:spPr/>
+      <dgm:t>
+        <a:bodyPr/>
+        <a:lstStyle/>
+        <a:p>
+          <a:r>
+            <a:rPr lang="en-US" dirty="0"/>
+            <a:t>2020</a:t>
+          </a:r>
+          <a:br>
+            <a:rPr lang="en-US" dirty="0"/>
+          </a:br>
+          <a:r>
+            <a:rPr lang="en-US" dirty="0"/>
+            <a:t>9</a:t>
+          </a:r>
+        </a:p>
+      </dgm:t>
+    </dgm:pt>
+    <dgm:pt modelId="{55507492-A629-4ED1-A6A7-7B03E974E9C8}" type="parTrans" cxnId="{A749248A-23C1-45A6-B889-C761453EDEC8}">
+      <dgm:prSet/>
+      <dgm:spPr/>
+      <dgm:t>
+        <a:bodyPr/>
+        <a:lstStyle/>
+        <a:p>
+          <a:endParaRPr lang="en-US"/>
+        </a:p>
+      </dgm:t>
+    </dgm:pt>
+    <dgm:pt modelId="{C2BF626B-FCD2-4D81-8ED0-71FF1FD9B9F0}" type="sibTrans" cxnId="{A749248A-23C1-45A6-B889-C761453EDEC8}">
+      <dgm:prSet/>
+      <dgm:spPr/>
+      <dgm:t>
+        <a:bodyPr/>
+        <a:lstStyle/>
+        <a:p>
+          <a:endParaRPr lang="en-US"/>
+        </a:p>
+      </dgm:t>
+    </dgm:pt>
+    <dgm:pt modelId="{BDEF6AF4-CCA9-4646-80B5-7BB8262E6677}">
+      <dgm:prSet phldrT="[Text]"/>
+      <dgm:spPr/>
+      <dgm:t>
+        <a:bodyPr/>
+        <a:lstStyle/>
+        <a:p>
+          <a:r>
+            <a:rPr lang="en-US" dirty="0"/>
+            <a:t>2021</a:t>
+          </a:r>
+          <a:br>
+            <a:rPr lang="en-US" dirty="0"/>
+          </a:br>
+          <a:r>
+            <a:rPr lang="en-US" dirty="0"/>
+            <a:t>10</a:t>
+          </a:r>
+        </a:p>
+      </dgm:t>
+    </dgm:pt>
+    <dgm:pt modelId="{5FDDFFEF-B9C9-4B64-B21D-6C5ED13C20D7}" type="parTrans" cxnId="{6F44629B-BA8B-4927-8D31-1DE828CABF0C}">
+      <dgm:prSet/>
+      <dgm:spPr/>
+      <dgm:t>
+        <a:bodyPr/>
+        <a:lstStyle/>
+        <a:p>
+          <a:endParaRPr lang="en-US"/>
+        </a:p>
+      </dgm:t>
+    </dgm:pt>
+    <dgm:pt modelId="{59E74CAB-633C-4D3B-B25B-CCB42C74688F}" type="sibTrans" cxnId="{6F44629B-BA8B-4927-8D31-1DE828CABF0C}">
+      <dgm:prSet/>
+      <dgm:spPr/>
+      <dgm:t>
+        <a:bodyPr/>
+        <a:lstStyle/>
+        <a:p>
+          <a:endParaRPr lang="en-US"/>
+        </a:p>
+      </dgm:t>
+    </dgm:pt>
+    <dgm:pt modelId="{98AC32CA-B1A1-467A-837C-A6BCFE9E1C86}">
+      <dgm:prSet phldrT="[Text]"/>
+      <dgm:spPr/>
+      <dgm:t>
+        <a:bodyPr/>
+        <a:lstStyle/>
+        <a:p>
+          <a:r>
+            <a:rPr lang="en-US" dirty="0"/>
+            <a:t>2022</a:t>
+          </a:r>
+          <a:br>
+            <a:rPr lang="en-US" dirty="0"/>
+          </a:br>
+          <a:r>
+            <a:rPr lang="en-US" dirty="0"/>
+            <a:t>11</a:t>
+          </a:r>
+        </a:p>
+      </dgm:t>
+    </dgm:pt>
+    <dgm:pt modelId="{5CFE25C9-311E-40D5-A7C8-093576CAD3E3}" type="parTrans" cxnId="{AD95D4A9-D619-4E27-B80D-98C9F8C8F6E3}">
+      <dgm:prSet/>
+      <dgm:spPr/>
+      <dgm:t>
+        <a:bodyPr/>
+        <a:lstStyle/>
+        <a:p>
+          <a:endParaRPr lang="en-US"/>
+        </a:p>
+      </dgm:t>
+    </dgm:pt>
+    <dgm:pt modelId="{FB7360B5-8F55-453D-8E4E-A0C7C03631D7}" type="sibTrans" cxnId="{AD95D4A9-D619-4E27-B80D-98C9F8C8F6E3}">
+      <dgm:prSet/>
+      <dgm:spPr/>
+      <dgm:t>
+        <a:bodyPr/>
+        <a:lstStyle/>
+        <a:p>
+          <a:endParaRPr lang="en-US"/>
+        </a:p>
+      </dgm:t>
+    </dgm:pt>
+    <dgm:pt modelId="{7525FFB1-3242-4D7F-A4CE-D4224C607AA4}">
+      <dgm:prSet phldrT="[Text]"/>
+      <dgm:spPr/>
+      <dgm:t>
+        <a:bodyPr/>
+        <a:lstStyle/>
+        <a:p>
+          <a:r>
+            <a:rPr lang="en-US" dirty="0"/>
+            <a:t>2015</a:t>
+          </a:r>
+          <a:br>
+            <a:rPr lang="en-US" dirty="0"/>
+          </a:br>
+          <a:r>
+            <a:rPr lang="en-US" dirty="0"/>
+            <a:t>6</a:t>
+          </a:r>
+        </a:p>
+      </dgm:t>
+    </dgm:pt>
+    <dgm:pt modelId="{8AE9EAA8-A65C-405A-B367-3DF183C1EF8C}" type="parTrans" cxnId="{1CD1FBF8-B5DD-49C8-B52E-612DBAC42158}">
+      <dgm:prSet/>
+      <dgm:spPr/>
+      <dgm:t>
+        <a:bodyPr/>
+        <a:lstStyle/>
+        <a:p>
+          <a:endParaRPr lang="en-US"/>
+        </a:p>
+      </dgm:t>
+    </dgm:pt>
+    <dgm:pt modelId="{1299814D-F336-4BB7-B007-D63C4483753F}" type="sibTrans" cxnId="{1CD1FBF8-B5DD-49C8-B52E-612DBAC42158}">
+      <dgm:prSet/>
+      <dgm:spPr/>
+      <dgm:t>
+        <a:bodyPr/>
+        <a:lstStyle/>
+        <a:p>
+          <a:endParaRPr lang="en-US"/>
+        </a:p>
+      </dgm:t>
+    </dgm:pt>
+    <dgm:pt modelId="{3005041B-22D6-407E-ADE9-F5E3969CA006}">
+      <dgm:prSet phldrT="[Text]"/>
+      <dgm:spPr/>
+      <dgm:t>
+        <a:bodyPr/>
+        <a:lstStyle/>
+        <a:p>
+          <a:r>
+            <a:rPr lang="en-US" dirty="0"/>
+            <a:t>2016</a:t>
+          </a:r>
+          <a:br>
+            <a:rPr lang="en-US" dirty="0"/>
+          </a:br>
+          <a:r>
+            <a:rPr lang="en-US" dirty="0"/>
+            <a:t>7.0</a:t>
+          </a:r>
+        </a:p>
+      </dgm:t>
+    </dgm:pt>
+    <dgm:pt modelId="{ABA31C88-8750-4938-B2FA-1EF16B829A6E}" type="parTrans" cxnId="{94D6E7A8-25ED-4361-AC97-3F3792277C49}">
+      <dgm:prSet/>
+      <dgm:spPr/>
+      <dgm:t>
+        <a:bodyPr/>
+        <a:lstStyle/>
+        <a:p>
+          <a:endParaRPr lang="en-US"/>
+        </a:p>
+      </dgm:t>
+    </dgm:pt>
+    <dgm:pt modelId="{98AD33A1-2000-4ED7-9C0C-C247672A558D}" type="sibTrans" cxnId="{94D6E7A8-25ED-4361-AC97-3F3792277C49}">
+      <dgm:prSet/>
+      <dgm:spPr/>
+      <dgm:t>
+        <a:bodyPr/>
+        <a:lstStyle/>
+        <a:p>
+          <a:endParaRPr lang="en-US"/>
+        </a:p>
+      </dgm:t>
+    </dgm:pt>
+    <dgm:pt modelId="{BE00AC0A-A9B2-4912-8EDC-511EBF46C6A4}">
+      <dgm:prSet phldrT="[Text]"/>
+      <dgm:spPr/>
+      <dgm:t>
+        <a:bodyPr/>
+        <a:lstStyle/>
+        <a:p>
+          <a:r>
+            <a:rPr lang="en-US" dirty="0"/>
+            <a:t>2023</a:t>
+          </a:r>
+          <a:br>
+            <a:rPr lang="en-US" dirty="0"/>
+          </a:br>
+          <a:r>
+            <a:rPr lang="en-US" dirty="0"/>
+            <a:t>12</a:t>
+          </a:r>
+        </a:p>
+      </dgm:t>
+    </dgm:pt>
+    <dgm:pt modelId="{3ABB00CB-C88A-448B-85E8-853A3E0FB022}" type="parTrans" cxnId="{5BF634E8-96E7-47EE-8CE6-F34AE3D0811A}">
+      <dgm:prSet/>
+      <dgm:spPr/>
+      <dgm:t>
+        <a:bodyPr/>
+        <a:lstStyle/>
+        <a:p>
+          <a:endParaRPr lang="en-US"/>
+        </a:p>
+      </dgm:t>
+    </dgm:pt>
+    <dgm:pt modelId="{A5E93879-333D-4144-AED5-7965209BA8D8}" type="sibTrans" cxnId="{5BF634E8-96E7-47EE-8CE6-F34AE3D0811A}">
+      <dgm:prSet/>
+      <dgm:spPr/>
+      <dgm:t>
+        <a:bodyPr/>
+        <a:lstStyle/>
+        <a:p>
+          <a:endParaRPr lang="en-US"/>
+        </a:p>
+      </dgm:t>
+    </dgm:pt>
+    <dgm:pt modelId="{F00944D9-4DD3-47F4-9614-7F6DDEC39B17}" type="pres">
+      <dgm:prSet presAssocID="{C879A5CC-BB34-4CAD-B55F-1F0D8A222995}" presName="rootnode" presStyleCnt="0">
+        <dgm:presLayoutVars>
+          <dgm:chMax/>
+          <dgm:chPref/>
+          <dgm:dir/>
+          <dgm:animLvl val="lvl"/>
+        </dgm:presLayoutVars>
+      </dgm:prSet>
+      <dgm:spPr/>
+    </dgm:pt>
+    <dgm:pt modelId="{DE476914-D5DF-449C-9FB5-620A9DE4CAF4}" type="pres">
+      <dgm:prSet presAssocID="{7525FFB1-3242-4D7F-A4CE-D4224C607AA4}" presName="composite" presStyleCnt="0"/>
+      <dgm:spPr/>
+    </dgm:pt>
+    <dgm:pt modelId="{D5A62326-B028-487E-B70C-043E205301AC}" type="pres">
+      <dgm:prSet presAssocID="{7525FFB1-3242-4D7F-A4CE-D4224C607AA4}" presName="LShape" presStyleLbl="alignNode1" presStyleIdx="0" presStyleCnt="19"/>
+      <dgm:spPr/>
+    </dgm:pt>
+    <dgm:pt modelId="{2CDD05A5-962E-44D3-9F5D-FFA348FDF79C}" type="pres">
+      <dgm:prSet presAssocID="{7525FFB1-3242-4D7F-A4CE-D4224C607AA4}" presName="ParentText" presStyleLbl="revTx" presStyleIdx="0" presStyleCnt="10">
+        <dgm:presLayoutVars>
+          <dgm:chMax val="0"/>
+          <dgm:chPref val="0"/>
+          <dgm:bulletEnabled val="1"/>
+        </dgm:presLayoutVars>
+      </dgm:prSet>
+      <dgm:spPr/>
+    </dgm:pt>
+    <dgm:pt modelId="{2EF8C7D4-86AB-4A74-8A67-F63C119A0DBA}" type="pres">
+      <dgm:prSet presAssocID="{7525FFB1-3242-4D7F-A4CE-D4224C607AA4}" presName="Triangle" presStyleLbl="alignNode1" presStyleIdx="1" presStyleCnt="19"/>
+      <dgm:spPr/>
+    </dgm:pt>
+    <dgm:pt modelId="{88691B20-51DA-4793-9B92-B3A783C30121}" type="pres">
+      <dgm:prSet presAssocID="{1299814D-F336-4BB7-B007-D63C4483753F}" presName="sibTrans" presStyleCnt="0"/>
+      <dgm:spPr/>
+    </dgm:pt>
+    <dgm:pt modelId="{7E75AD59-B7F2-4F1C-913E-F80A5A683850}" type="pres">
+      <dgm:prSet presAssocID="{1299814D-F336-4BB7-B007-D63C4483753F}" presName="space" presStyleCnt="0"/>
+      <dgm:spPr/>
+    </dgm:pt>
+    <dgm:pt modelId="{1375C024-C37E-4572-BEFB-CF69530227C4}" type="pres">
+      <dgm:prSet presAssocID="{3005041B-22D6-407E-ADE9-F5E3969CA006}" presName="composite" presStyleCnt="0"/>
+      <dgm:spPr/>
+    </dgm:pt>
+    <dgm:pt modelId="{2CD93BF4-0E69-44D9-AF85-D9A48062E8A8}" type="pres">
+      <dgm:prSet presAssocID="{3005041B-22D6-407E-ADE9-F5E3969CA006}" presName="LShape" presStyleLbl="alignNode1" presStyleIdx="2" presStyleCnt="19"/>
+      <dgm:spPr/>
+    </dgm:pt>
+    <dgm:pt modelId="{6793849F-AD1C-4CEB-9D98-0EBFE23BCFAD}" type="pres">
+      <dgm:prSet presAssocID="{3005041B-22D6-407E-ADE9-F5E3969CA006}" presName="ParentText" presStyleLbl="revTx" presStyleIdx="1" presStyleCnt="10">
+        <dgm:presLayoutVars>
+          <dgm:chMax val="0"/>
+          <dgm:chPref val="0"/>
+          <dgm:bulletEnabled val="1"/>
+        </dgm:presLayoutVars>
+      </dgm:prSet>
+      <dgm:spPr/>
+    </dgm:pt>
+    <dgm:pt modelId="{04D7B3AA-0E36-436E-8EA6-E27859974A10}" type="pres">
+      <dgm:prSet presAssocID="{3005041B-22D6-407E-ADE9-F5E3969CA006}" presName="Triangle" presStyleLbl="alignNode1" presStyleIdx="3" presStyleCnt="19"/>
+      <dgm:spPr/>
+    </dgm:pt>
+    <dgm:pt modelId="{362FC25E-E764-4D15-BA67-E0198CDAF6ED}" type="pres">
+      <dgm:prSet presAssocID="{98AD33A1-2000-4ED7-9C0C-C247672A558D}" presName="sibTrans" presStyleCnt="0"/>
+      <dgm:spPr/>
+    </dgm:pt>
+    <dgm:pt modelId="{45CE665D-67D7-4774-B56A-80930ED0FF76}" type="pres">
+      <dgm:prSet presAssocID="{98AD33A1-2000-4ED7-9C0C-C247672A558D}" presName="space" presStyleCnt="0"/>
+      <dgm:spPr/>
+    </dgm:pt>
+    <dgm:pt modelId="{D0F6A871-3426-4C72-9297-EAB064328FEF}" type="pres">
+      <dgm:prSet presAssocID="{71265EC4-DC3C-4D13-9330-9F21C6BDB7D0}" presName="composite" presStyleCnt="0"/>
+      <dgm:spPr/>
+    </dgm:pt>
+    <dgm:pt modelId="{3AC2B345-0BC2-4826-BB3C-F1FA9642F413}" type="pres">
+      <dgm:prSet presAssocID="{71265EC4-DC3C-4D13-9330-9F21C6BDB7D0}" presName="LShape" presStyleLbl="alignNode1" presStyleIdx="4" presStyleCnt="19"/>
+      <dgm:spPr/>
+    </dgm:pt>
+    <dgm:pt modelId="{73A57D8B-5DB2-4C34-84EC-EFB42C80114F}" type="pres">
+      <dgm:prSet presAssocID="{71265EC4-DC3C-4D13-9330-9F21C6BDB7D0}" presName="ParentText" presStyleLbl="revTx" presStyleIdx="2" presStyleCnt="10">
+        <dgm:presLayoutVars>
+          <dgm:chMax val="0"/>
+          <dgm:chPref val="0"/>
+          <dgm:bulletEnabled val="1"/>
+        </dgm:presLayoutVars>
+      </dgm:prSet>
+      <dgm:spPr/>
+    </dgm:pt>
+    <dgm:pt modelId="{DF2A2465-8E8B-46FD-8807-C0D9B75A773F}" type="pres">
+      <dgm:prSet presAssocID="{71265EC4-DC3C-4D13-9330-9F21C6BDB7D0}" presName="Triangle" presStyleLbl="alignNode1" presStyleIdx="5" presStyleCnt="19"/>
+      <dgm:spPr/>
+    </dgm:pt>
+    <dgm:pt modelId="{3782A970-2959-408D-B7EC-C4A54DEFAA94}" type="pres">
+      <dgm:prSet presAssocID="{527DDB4E-A919-4721-9D67-39D806F1E6E9}" presName="sibTrans" presStyleCnt="0"/>
+      <dgm:spPr/>
+    </dgm:pt>
+    <dgm:pt modelId="{822ECEE1-AAEB-449E-9394-B4FD38B33083}" type="pres">
+      <dgm:prSet presAssocID="{527DDB4E-A919-4721-9D67-39D806F1E6E9}" presName="space" presStyleCnt="0"/>
+      <dgm:spPr/>
+    </dgm:pt>
+    <dgm:pt modelId="{6F86AD4A-CCC7-4C7E-8602-AC2EB701E7D6}" type="pres">
+      <dgm:prSet presAssocID="{53BB17D7-3B43-4790-8E05-45DDF05C9CC1}" presName="composite" presStyleCnt="0"/>
+      <dgm:spPr/>
+    </dgm:pt>
+    <dgm:pt modelId="{D635A8CF-7CCD-4B3C-9533-335AA55B0AE1}" type="pres">
+      <dgm:prSet presAssocID="{53BB17D7-3B43-4790-8E05-45DDF05C9CC1}" presName="LShape" presStyleLbl="alignNode1" presStyleIdx="6" presStyleCnt="19"/>
+      <dgm:spPr/>
+    </dgm:pt>
+    <dgm:pt modelId="{0FC3FD64-B83E-40CF-BC99-69EF866AE33C}" type="pres">
+      <dgm:prSet presAssocID="{53BB17D7-3B43-4790-8E05-45DDF05C9CC1}" presName="ParentText" presStyleLbl="revTx" presStyleIdx="3" presStyleCnt="10">
+        <dgm:presLayoutVars>
+          <dgm:chMax val="0"/>
+          <dgm:chPref val="0"/>
+          <dgm:bulletEnabled val="1"/>
+        </dgm:presLayoutVars>
+      </dgm:prSet>
+      <dgm:spPr/>
+    </dgm:pt>
+    <dgm:pt modelId="{0A432D32-2BC1-465D-825E-2738702FCD8E}" type="pres">
+      <dgm:prSet presAssocID="{53BB17D7-3B43-4790-8E05-45DDF05C9CC1}" presName="Triangle" presStyleLbl="alignNode1" presStyleIdx="7" presStyleCnt="19"/>
+      <dgm:spPr/>
+    </dgm:pt>
+    <dgm:pt modelId="{AF5B9600-53EE-418B-BAD5-CA803C789B4F}" type="pres">
+      <dgm:prSet presAssocID="{F5CBE59F-7232-4938-8851-1591A38EA73B}" presName="sibTrans" presStyleCnt="0"/>
+      <dgm:spPr/>
+    </dgm:pt>
+    <dgm:pt modelId="{977548CD-AA17-4F1E-9E4A-8DFD16D3D8BF}" type="pres">
+      <dgm:prSet presAssocID="{F5CBE59F-7232-4938-8851-1591A38EA73B}" presName="space" presStyleCnt="0"/>
+      <dgm:spPr/>
+    </dgm:pt>
+    <dgm:pt modelId="{7DF7C093-6660-4687-8F85-C065FB8336C0}" type="pres">
+      <dgm:prSet presAssocID="{3ADB125B-8451-4CA7-805B-4C83BBFF6B8F}" presName="composite" presStyleCnt="0"/>
+      <dgm:spPr/>
+    </dgm:pt>
+    <dgm:pt modelId="{D06E30F8-213B-4516-93DD-0C716D4909BD}" type="pres">
+      <dgm:prSet presAssocID="{3ADB125B-8451-4CA7-805B-4C83BBFF6B8F}" presName="LShape" presStyleLbl="alignNode1" presStyleIdx="8" presStyleCnt="19"/>
+      <dgm:spPr/>
+    </dgm:pt>
+    <dgm:pt modelId="{EFD9523E-4746-4979-8BF8-8E30A0E0B915}" type="pres">
+      <dgm:prSet presAssocID="{3ADB125B-8451-4CA7-805B-4C83BBFF6B8F}" presName="ParentText" presStyleLbl="revTx" presStyleIdx="4" presStyleCnt="10">
+        <dgm:presLayoutVars>
+          <dgm:chMax val="0"/>
+          <dgm:chPref val="0"/>
+          <dgm:bulletEnabled val="1"/>
+        </dgm:presLayoutVars>
+      </dgm:prSet>
+      <dgm:spPr/>
+    </dgm:pt>
+    <dgm:pt modelId="{86E972F2-0282-48BD-A237-2FC57D48283B}" type="pres">
+      <dgm:prSet presAssocID="{3ADB125B-8451-4CA7-805B-4C83BBFF6B8F}" presName="Triangle" presStyleLbl="alignNode1" presStyleIdx="9" presStyleCnt="19"/>
+      <dgm:spPr/>
+    </dgm:pt>
+    <dgm:pt modelId="{34C9F4B1-8CCC-4E4F-A8EC-361842B31B1C}" type="pres">
+      <dgm:prSet presAssocID="{C35215D2-11D0-424C-B564-55EFD754023B}" presName="sibTrans" presStyleCnt="0"/>
+      <dgm:spPr/>
+    </dgm:pt>
+    <dgm:pt modelId="{8751205A-E14D-4051-8ED4-93EA1C464D3C}" type="pres">
+      <dgm:prSet presAssocID="{C35215D2-11D0-424C-B564-55EFD754023B}" presName="space" presStyleCnt="0"/>
+      <dgm:spPr/>
+    </dgm:pt>
+    <dgm:pt modelId="{8451BB7A-E67D-4B06-B84C-99925511C20D}" type="pres">
+      <dgm:prSet presAssocID="{F169D04E-9EF5-4F46-8DB5-CAABC2B96B82}" presName="composite" presStyleCnt="0"/>
+      <dgm:spPr/>
+    </dgm:pt>
+    <dgm:pt modelId="{8F240FE0-286F-43FB-9354-DB4AE83DA4F2}" type="pres">
+      <dgm:prSet presAssocID="{F169D04E-9EF5-4F46-8DB5-CAABC2B96B82}" presName="LShape" presStyleLbl="alignNode1" presStyleIdx="10" presStyleCnt="19"/>
+      <dgm:spPr/>
+    </dgm:pt>
+    <dgm:pt modelId="{C20ED00B-E253-4D9D-A210-E9A0F84AC654}" type="pres">
+      <dgm:prSet presAssocID="{F169D04E-9EF5-4F46-8DB5-CAABC2B96B82}" presName="ParentText" presStyleLbl="revTx" presStyleIdx="5" presStyleCnt="10">
+        <dgm:presLayoutVars>
+          <dgm:chMax val="0"/>
+          <dgm:chPref val="0"/>
+          <dgm:bulletEnabled val="1"/>
+        </dgm:presLayoutVars>
+      </dgm:prSet>
+      <dgm:spPr/>
+    </dgm:pt>
+    <dgm:pt modelId="{82341C83-649D-40DD-B9E0-CFF2F485FB17}" type="pres">
+      <dgm:prSet presAssocID="{F169D04E-9EF5-4F46-8DB5-CAABC2B96B82}" presName="Triangle" presStyleLbl="alignNode1" presStyleIdx="11" presStyleCnt="19"/>
+      <dgm:spPr/>
+    </dgm:pt>
+    <dgm:pt modelId="{03B71CF9-078B-45AA-BAA5-B03615DDDEF1}" type="pres">
+      <dgm:prSet presAssocID="{3FD62AAB-F0CA-4149-9F6E-A5299A5C1EEB}" presName="sibTrans" presStyleCnt="0"/>
+      <dgm:spPr/>
+    </dgm:pt>
+    <dgm:pt modelId="{95180F3F-3412-4D4E-84B1-EC6B28788A7F}" type="pres">
+      <dgm:prSet presAssocID="{3FD62AAB-F0CA-4149-9F6E-A5299A5C1EEB}" presName="space" presStyleCnt="0"/>
+      <dgm:spPr/>
+    </dgm:pt>
+    <dgm:pt modelId="{B92E8A26-FCD6-4DFB-B378-EAEE280B815B}" type="pres">
+      <dgm:prSet presAssocID="{C75C1007-26BE-48F9-8726-5D349F169C1B}" presName="composite" presStyleCnt="0"/>
+      <dgm:spPr/>
+    </dgm:pt>
+    <dgm:pt modelId="{5932BF85-5FC1-4B88-B289-2B7F6DD23F1F}" type="pres">
+      <dgm:prSet presAssocID="{C75C1007-26BE-48F9-8726-5D349F169C1B}" presName="LShape" presStyleLbl="alignNode1" presStyleIdx="12" presStyleCnt="19"/>
+      <dgm:spPr/>
+    </dgm:pt>
+    <dgm:pt modelId="{BAFB9694-C2E1-4261-8A33-A246E47F5F4B}" type="pres">
+      <dgm:prSet presAssocID="{C75C1007-26BE-48F9-8726-5D349F169C1B}" presName="ParentText" presStyleLbl="revTx" presStyleIdx="6" presStyleCnt="10">
+        <dgm:presLayoutVars>
+          <dgm:chMax val="0"/>
+          <dgm:chPref val="0"/>
+          <dgm:bulletEnabled val="1"/>
+        </dgm:presLayoutVars>
+      </dgm:prSet>
+      <dgm:spPr/>
+    </dgm:pt>
+    <dgm:pt modelId="{C3BDA560-C3C6-4D33-B5F2-EC76FDAA68CF}" type="pres">
+      <dgm:prSet presAssocID="{C75C1007-26BE-48F9-8726-5D349F169C1B}" presName="Triangle" presStyleLbl="alignNode1" presStyleIdx="13" presStyleCnt="19"/>
+      <dgm:spPr/>
+    </dgm:pt>
+    <dgm:pt modelId="{A480CE5D-8A2F-4E6C-8771-2A49B4522D90}" type="pres">
+      <dgm:prSet presAssocID="{C2BF626B-FCD2-4D81-8ED0-71FF1FD9B9F0}" presName="sibTrans" presStyleCnt="0"/>
+      <dgm:spPr/>
+    </dgm:pt>
+    <dgm:pt modelId="{F47D42EB-BEE2-46E6-85CA-55FBCBA7C440}" type="pres">
+      <dgm:prSet presAssocID="{C2BF626B-FCD2-4D81-8ED0-71FF1FD9B9F0}" presName="space" presStyleCnt="0"/>
+      <dgm:spPr/>
+    </dgm:pt>
+    <dgm:pt modelId="{85817817-E50E-4A58-B706-FED7B65CF848}" type="pres">
+      <dgm:prSet presAssocID="{BDEF6AF4-CCA9-4646-80B5-7BB8262E6677}" presName="composite" presStyleCnt="0"/>
+      <dgm:spPr/>
+    </dgm:pt>
+    <dgm:pt modelId="{DBDDE612-82EF-4D92-B069-7E52B7863382}" type="pres">
+      <dgm:prSet presAssocID="{BDEF6AF4-CCA9-4646-80B5-7BB8262E6677}" presName="LShape" presStyleLbl="alignNode1" presStyleIdx="14" presStyleCnt="19"/>
+      <dgm:spPr/>
+    </dgm:pt>
+    <dgm:pt modelId="{D56BE265-6523-4A95-A1C2-953635A75C3A}" type="pres">
+      <dgm:prSet presAssocID="{BDEF6AF4-CCA9-4646-80B5-7BB8262E6677}" presName="ParentText" presStyleLbl="revTx" presStyleIdx="7" presStyleCnt="10">
+        <dgm:presLayoutVars>
+          <dgm:chMax val="0"/>
+          <dgm:chPref val="0"/>
+          <dgm:bulletEnabled val="1"/>
+        </dgm:presLayoutVars>
+      </dgm:prSet>
+      <dgm:spPr/>
+    </dgm:pt>
+    <dgm:pt modelId="{14E02FAC-A7E6-46CD-B071-295D36120743}" type="pres">
+      <dgm:prSet presAssocID="{BDEF6AF4-CCA9-4646-80B5-7BB8262E6677}" presName="Triangle" presStyleLbl="alignNode1" presStyleIdx="15" presStyleCnt="19"/>
+      <dgm:spPr/>
+    </dgm:pt>
+    <dgm:pt modelId="{FAAEFC2A-5652-4750-A784-EC75015339E1}" type="pres">
+      <dgm:prSet presAssocID="{59E74CAB-633C-4D3B-B25B-CCB42C74688F}" presName="sibTrans" presStyleCnt="0"/>
+      <dgm:spPr/>
+    </dgm:pt>
+    <dgm:pt modelId="{DE41D965-6966-436D-AD21-062FFA4C4245}" type="pres">
+      <dgm:prSet presAssocID="{59E74CAB-633C-4D3B-B25B-CCB42C74688F}" presName="space" presStyleCnt="0"/>
+      <dgm:spPr/>
+    </dgm:pt>
+    <dgm:pt modelId="{78071010-A3EF-4E74-8C2C-3EA015DAB46F}" type="pres">
+      <dgm:prSet presAssocID="{98AC32CA-B1A1-467A-837C-A6BCFE9E1C86}" presName="composite" presStyleCnt="0"/>
+      <dgm:spPr/>
+    </dgm:pt>
+    <dgm:pt modelId="{CD7B505C-F821-4926-91FC-E645F28CEB22}" type="pres">
+      <dgm:prSet presAssocID="{98AC32CA-B1A1-467A-837C-A6BCFE9E1C86}" presName="LShape" presStyleLbl="alignNode1" presStyleIdx="16" presStyleCnt="19"/>
+      <dgm:spPr/>
+    </dgm:pt>
+    <dgm:pt modelId="{DFA5BC27-E115-4A08-B82C-4C28F0F000A7}" type="pres">
+      <dgm:prSet presAssocID="{98AC32CA-B1A1-467A-837C-A6BCFE9E1C86}" presName="ParentText" presStyleLbl="revTx" presStyleIdx="8" presStyleCnt="10">
+        <dgm:presLayoutVars>
+          <dgm:chMax val="0"/>
+          <dgm:chPref val="0"/>
+          <dgm:bulletEnabled val="1"/>
+        </dgm:presLayoutVars>
+      </dgm:prSet>
+      <dgm:spPr/>
+    </dgm:pt>
+    <dgm:pt modelId="{8A0807BB-28CD-41A9-9B78-9D1FDEEBDDCB}" type="pres">
+      <dgm:prSet presAssocID="{98AC32CA-B1A1-467A-837C-A6BCFE9E1C86}" presName="Triangle" presStyleLbl="alignNode1" presStyleIdx="17" presStyleCnt="19"/>
+      <dgm:spPr/>
+    </dgm:pt>
+    <dgm:pt modelId="{6C35FD5B-AC34-4C5C-ABF8-BEB8F84DD94B}" type="pres">
+      <dgm:prSet presAssocID="{FB7360B5-8F55-453D-8E4E-A0C7C03631D7}" presName="sibTrans" presStyleCnt="0"/>
+      <dgm:spPr/>
+    </dgm:pt>
+    <dgm:pt modelId="{0BFC5634-271D-454A-AABD-72E6AE72D01C}" type="pres">
+      <dgm:prSet presAssocID="{FB7360B5-8F55-453D-8E4E-A0C7C03631D7}" presName="space" presStyleCnt="0"/>
+      <dgm:spPr/>
+    </dgm:pt>
+    <dgm:pt modelId="{BE2F86D0-2E56-41A1-8DA1-B1CAB941364E}" type="pres">
+      <dgm:prSet presAssocID="{BE00AC0A-A9B2-4912-8EDC-511EBF46C6A4}" presName="composite" presStyleCnt="0"/>
+      <dgm:spPr/>
+    </dgm:pt>
+    <dgm:pt modelId="{1840873A-714C-4BB5-B71E-86DE8D115E72}" type="pres">
+      <dgm:prSet presAssocID="{BE00AC0A-A9B2-4912-8EDC-511EBF46C6A4}" presName="LShape" presStyleLbl="alignNode1" presStyleIdx="18" presStyleCnt="19"/>
+      <dgm:spPr/>
+    </dgm:pt>
+    <dgm:pt modelId="{EAC81D57-A4AC-411E-9E1D-F130838ABD5E}" type="pres">
+      <dgm:prSet presAssocID="{BE00AC0A-A9B2-4912-8EDC-511EBF46C6A4}" presName="ParentText" presStyleLbl="revTx" presStyleIdx="9" presStyleCnt="10">
+        <dgm:presLayoutVars>
+          <dgm:chMax val="0"/>
+          <dgm:chPref val="0"/>
+          <dgm:bulletEnabled val="1"/>
+        </dgm:presLayoutVars>
+      </dgm:prSet>
+      <dgm:spPr/>
+    </dgm:pt>
+  </dgm:ptLst>
+  <dgm:cxnLst>
+    <dgm:cxn modelId="{E3508D01-A927-4E4D-ABFB-496D0E5E6696}" type="presOf" srcId="{BDEF6AF4-CCA9-4646-80B5-7BB8262E6677}" destId="{D56BE265-6523-4A95-A1C2-953635A75C3A}" srcOrd="0" destOrd="0" presId="urn:microsoft.com/office/officeart/2009/3/layout/StepUpProcess"/>
+    <dgm:cxn modelId="{CE1A1506-1737-46EF-B104-A055D4A035E3}" srcId="{C879A5CC-BB34-4CAD-B55F-1F0D8A222995}" destId="{71265EC4-DC3C-4D13-9330-9F21C6BDB7D0}" srcOrd="2" destOrd="0" parTransId="{6075FA98-4C12-44D0-9B4A-4733EC51FDCD}" sibTransId="{527DDB4E-A919-4721-9D67-39D806F1E6E9}"/>
+    <dgm:cxn modelId="{54C67E2F-5D19-4DC8-9E9B-9FB0501E21DF}" type="presOf" srcId="{F169D04E-9EF5-4F46-8DB5-CAABC2B96B82}" destId="{C20ED00B-E253-4D9D-A210-E9A0F84AC654}" srcOrd="0" destOrd="0" presId="urn:microsoft.com/office/officeart/2009/3/layout/StepUpProcess"/>
+    <dgm:cxn modelId="{A349455F-7AD6-417D-9DBD-A02862071991}" type="presOf" srcId="{3ADB125B-8451-4CA7-805B-4C83BBFF6B8F}" destId="{EFD9523E-4746-4979-8BF8-8E30A0E0B915}" srcOrd="0" destOrd="0" presId="urn:microsoft.com/office/officeart/2009/3/layout/StepUpProcess"/>
+    <dgm:cxn modelId="{77117B41-055F-4144-AF7F-4E7CCEA738CC}" type="presOf" srcId="{98AC32CA-B1A1-467A-837C-A6BCFE9E1C86}" destId="{DFA5BC27-E115-4A08-B82C-4C28F0F000A7}" srcOrd="0" destOrd="0" presId="urn:microsoft.com/office/officeart/2009/3/layout/StepUpProcess"/>
+    <dgm:cxn modelId="{12F27644-F758-44F1-A0A2-EBAC5FCE487C}" type="presOf" srcId="{C879A5CC-BB34-4CAD-B55F-1F0D8A222995}" destId="{F00944D9-4DD3-47F4-9614-7F6DDEC39B17}" srcOrd="0" destOrd="0" presId="urn:microsoft.com/office/officeart/2009/3/layout/StepUpProcess"/>
+    <dgm:cxn modelId="{7EB94D6F-F336-43B3-8738-0C75C4A2120D}" srcId="{C879A5CC-BB34-4CAD-B55F-1F0D8A222995}" destId="{F169D04E-9EF5-4F46-8DB5-CAABC2B96B82}" srcOrd="5" destOrd="0" parTransId="{19382D0C-7957-422D-AC29-2805EA415F35}" sibTransId="{3FD62AAB-F0CA-4149-9F6E-A5299A5C1EEB}"/>
+    <dgm:cxn modelId="{964D0A70-9E86-4436-AA86-94614F58910C}" type="presOf" srcId="{BE00AC0A-A9B2-4912-8EDC-511EBF46C6A4}" destId="{EAC81D57-A4AC-411E-9E1D-F130838ABD5E}" srcOrd="0" destOrd="0" presId="urn:microsoft.com/office/officeart/2009/3/layout/StepUpProcess"/>
+    <dgm:cxn modelId="{E790CE72-DECF-4C68-8D2A-DFDB11115ADE}" type="presOf" srcId="{3005041B-22D6-407E-ADE9-F5E3969CA006}" destId="{6793849F-AD1C-4CEB-9D98-0EBFE23BCFAD}" srcOrd="0" destOrd="0" presId="urn:microsoft.com/office/officeart/2009/3/layout/StepUpProcess"/>
+    <dgm:cxn modelId="{A110C680-D2C6-4128-AE60-D9DA5A4503D1}" type="presOf" srcId="{71265EC4-DC3C-4D13-9330-9F21C6BDB7D0}" destId="{73A57D8B-5DB2-4C34-84EC-EFB42C80114F}" srcOrd="0" destOrd="0" presId="urn:microsoft.com/office/officeart/2009/3/layout/StepUpProcess"/>
+    <dgm:cxn modelId="{6A3CCB81-FA76-481B-BAC3-9E523C7DDD4F}" srcId="{C879A5CC-BB34-4CAD-B55F-1F0D8A222995}" destId="{3ADB125B-8451-4CA7-805B-4C83BBFF6B8F}" srcOrd="4" destOrd="0" parTransId="{CA480D27-167B-4A57-9E44-438E332A4882}" sibTransId="{C35215D2-11D0-424C-B564-55EFD754023B}"/>
+    <dgm:cxn modelId="{A749248A-23C1-45A6-B889-C761453EDEC8}" srcId="{C879A5CC-BB34-4CAD-B55F-1F0D8A222995}" destId="{C75C1007-26BE-48F9-8726-5D349F169C1B}" srcOrd="6" destOrd="0" parTransId="{55507492-A629-4ED1-A6A7-7B03E974E9C8}" sibTransId="{C2BF626B-FCD2-4D81-8ED0-71FF1FD9B9F0}"/>
+    <dgm:cxn modelId="{8B3E278E-1C53-446D-A9B0-42DE5A78A497}" srcId="{C879A5CC-BB34-4CAD-B55F-1F0D8A222995}" destId="{53BB17D7-3B43-4790-8E05-45DDF05C9CC1}" srcOrd="3" destOrd="0" parTransId="{2A66FEF0-D9AB-4D54-B911-9516D03854EA}" sibTransId="{F5CBE59F-7232-4938-8851-1591A38EA73B}"/>
+    <dgm:cxn modelId="{6F44629B-BA8B-4927-8D31-1DE828CABF0C}" srcId="{C879A5CC-BB34-4CAD-B55F-1F0D8A222995}" destId="{BDEF6AF4-CCA9-4646-80B5-7BB8262E6677}" srcOrd="7" destOrd="0" parTransId="{5FDDFFEF-B9C9-4B64-B21D-6C5ED13C20D7}" sibTransId="{59E74CAB-633C-4D3B-B25B-CCB42C74688F}"/>
+    <dgm:cxn modelId="{F323AFA2-7BF3-41BC-B45A-D0C2B8A23684}" type="presOf" srcId="{53BB17D7-3B43-4790-8E05-45DDF05C9CC1}" destId="{0FC3FD64-B83E-40CF-BC99-69EF866AE33C}" srcOrd="0" destOrd="0" presId="urn:microsoft.com/office/officeart/2009/3/layout/StepUpProcess"/>
+    <dgm:cxn modelId="{94D6E7A8-25ED-4361-AC97-3F3792277C49}" srcId="{C879A5CC-BB34-4CAD-B55F-1F0D8A222995}" destId="{3005041B-22D6-407E-ADE9-F5E3969CA006}" srcOrd="1" destOrd="0" parTransId="{ABA31C88-8750-4938-B2FA-1EF16B829A6E}" sibTransId="{98AD33A1-2000-4ED7-9C0C-C247672A558D}"/>
+    <dgm:cxn modelId="{AD95D4A9-D619-4E27-B80D-98C9F8C8F6E3}" srcId="{C879A5CC-BB34-4CAD-B55F-1F0D8A222995}" destId="{98AC32CA-B1A1-467A-837C-A6BCFE9E1C86}" srcOrd="8" destOrd="0" parTransId="{5CFE25C9-311E-40D5-A7C8-093576CAD3E3}" sibTransId="{FB7360B5-8F55-453D-8E4E-A0C7C03631D7}"/>
+    <dgm:cxn modelId="{ED5ED4CB-FEDF-45E5-96D3-2F5846635EF2}" type="presOf" srcId="{C75C1007-26BE-48F9-8726-5D349F169C1B}" destId="{BAFB9694-C2E1-4261-8A33-A246E47F5F4B}" srcOrd="0" destOrd="0" presId="urn:microsoft.com/office/officeart/2009/3/layout/StepUpProcess"/>
+    <dgm:cxn modelId="{B07D21D2-B266-4DF6-81B0-BD319AD8F871}" type="presOf" srcId="{7525FFB1-3242-4D7F-A4CE-D4224C607AA4}" destId="{2CDD05A5-962E-44D3-9F5D-FFA348FDF79C}" srcOrd="0" destOrd="0" presId="urn:microsoft.com/office/officeart/2009/3/layout/StepUpProcess"/>
+    <dgm:cxn modelId="{5BF634E8-96E7-47EE-8CE6-F34AE3D0811A}" srcId="{C879A5CC-BB34-4CAD-B55F-1F0D8A222995}" destId="{BE00AC0A-A9B2-4912-8EDC-511EBF46C6A4}" srcOrd="9" destOrd="0" parTransId="{3ABB00CB-C88A-448B-85E8-853A3E0FB022}" sibTransId="{A5E93879-333D-4144-AED5-7965209BA8D8}"/>
+    <dgm:cxn modelId="{1CD1FBF8-B5DD-49C8-B52E-612DBAC42158}" srcId="{C879A5CC-BB34-4CAD-B55F-1F0D8A222995}" destId="{7525FFB1-3242-4D7F-A4CE-D4224C607AA4}" srcOrd="0" destOrd="0" parTransId="{8AE9EAA8-A65C-405A-B367-3DF183C1EF8C}" sibTransId="{1299814D-F336-4BB7-B007-D63C4483753F}"/>
+    <dgm:cxn modelId="{49405769-808B-45B0-891E-DC00581939B5}" type="presParOf" srcId="{F00944D9-4DD3-47F4-9614-7F6DDEC39B17}" destId="{DE476914-D5DF-449C-9FB5-620A9DE4CAF4}" srcOrd="0" destOrd="0" presId="urn:microsoft.com/office/officeart/2009/3/layout/StepUpProcess"/>
+    <dgm:cxn modelId="{598533C1-170C-46F8-8BA8-CB3D2D430FD1}" type="presParOf" srcId="{DE476914-D5DF-449C-9FB5-620A9DE4CAF4}" destId="{D5A62326-B028-487E-B70C-043E205301AC}" srcOrd="0" destOrd="0" presId="urn:microsoft.com/office/officeart/2009/3/layout/StepUpProcess"/>
+    <dgm:cxn modelId="{A1F1D3FC-CF1B-4117-A486-F175409CD77F}" type="presParOf" srcId="{DE476914-D5DF-449C-9FB5-620A9DE4CAF4}" destId="{2CDD05A5-962E-44D3-9F5D-FFA348FDF79C}" srcOrd="1" destOrd="0" presId="urn:microsoft.com/office/officeart/2009/3/layout/StepUpProcess"/>
+    <dgm:cxn modelId="{48AE4B1D-E5A4-4B50-9A75-05F9D214869D}" type="presParOf" srcId="{DE476914-D5DF-449C-9FB5-620A9DE4CAF4}" destId="{2EF8C7D4-86AB-4A74-8A67-F63C119A0DBA}" srcOrd="2" destOrd="0" presId="urn:microsoft.com/office/officeart/2009/3/layout/StepUpProcess"/>
+    <dgm:cxn modelId="{D9E379B3-E8C6-49FB-B314-4196CC6BC825}" type="presParOf" srcId="{F00944D9-4DD3-47F4-9614-7F6DDEC39B17}" destId="{88691B20-51DA-4793-9B92-B3A783C30121}" srcOrd="1" destOrd="0" presId="urn:microsoft.com/office/officeart/2009/3/layout/StepUpProcess"/>
+    <dgm:cxn modelId="{E9097CCA-9994-4FF6-A7F6-ABA6BC1EE3C0}" type="presParOf" srcId="{88691B20-51DA-4793-9B92-B3A783C30121}" destId="{7E75AD59-B7F2-4F1C-913E-F80A5A683850}" srcOrd="0" destOrd="0" presId="urn:microsoft.com/office/officeart/2009/3/layout/StepUpProcess"/>
+    <dgm:cxn modelId="{EAA72150-0D8A-426D-9C4E-D2A80F24AD13}" type="presParOf" srcId="{F00944D9-4DD3-47F4-9614-7F6DDEC39B17}" destId="{1375C024-C37E-4572-BEFB-CF69530227C4}" srcOrd="2" destOrd="0" presId="urn:microsoft.com/office/officeart/2009/3/layout/StepUpProcess"/>
+    <dgm:cxn modelId="{23DF0B90-43CF-4490-A875-D8B48BE77E40}" type="presParOf" srcId="{1375C024-C37E-4572-BEFB-CF69530227C4}" destId="{2CD93BF4-0E69-44D9-AF85-D9A48062E8A8}" srcOrd="0" destOrd="0" presId="urn:microsoft.com/office/officeart/2009/3/layout/StepUpProcess"/>
+    <dgm:cxn modelId="{BC564100-9EBE-4F3D-A56A-C534A7215CEC}" type="presParOf" srcId="{1375C024-C37E-4572-BEFB-CF69530227C4}" destId="{6793849F-AD1C-4CEB-9D98-0EBFE23BCFAD}" srcOrd="1" destOrd="0" presId="urn:microsoft.com/office/officeart/2009/3/layout/StepUpProcess"/>
+    <dgm:cxn modelId="{0DFCB52F-4904-4378-AE76-BE4445F0716E}" type="presParOf" srcId="{1375C024-C37E-4572-BEFB-CF69530227C4}" destId="{04D7B3AA-0E36-436E-8EA6-E27859974A10}" srcOrd="2" destOrd="0" presId="urn:microsoft.com/office/officeart/2009/3/layout/StepUpProcess"/>
+    <dgm:cxn modelId="{E9F68961-72A8-4EE3-A6AB-0AA9B8B119DE}" type="presParOf" srcId="{F00944D9-4DD3-47F4-9614-7F6DDEC39B17}" destId="{362FC25E-E764-4D15-BA67-E0198CDAF6ED}" srcOrd="3" destOrd="0" presId="urn:microsoft.com/office/officeart/2009/3/layout/StepUpProcess"/>
+    <dgm:cxn modelId="{22251C57-1B34-4F75-BC51-7A916F7272A6}" type="presParOf" srcId="{362FC25E-E764-4D15-BA67-E0198CDAF6ED}" destId="{45CE665D-67D7-4774-B56A-80930ED0FF76}" srcOrd="0" destOrd="0" presId="urn:microsoft.com/office/officeart/2009/3/layout/StepUpProcess"/>
+    <dgm:cxn modelId="{038829B9-B16C-439B-9C1F-1283AC56F16E}" type="presParOf" srcId="{F00944D9-4DD3-47F4-9614-7F6DDEC39B17}" destId="{D0F6A871-3426-4C72-9297-EAB064328FEF}" srcOrd="4" destOrd="0" presId="urn:microsoft.com/office/officeart/2009/3/layout/StepUpProcess"/>
+    <dgm:cxn modelId="{34BD5160-654F-4D8A-8485-DD111E9198F6}" type="presParOf" srcId="{D0F6A871-3426-4C72-9297-EAB064328FEF}" destId="{3AC2B345-0BC2-4826-BB3C-F1FA9642F413}" srcOrd="0" destOrd="0" presId="urn:microsoft.com/office/officeart/2009/3/layout/StepUpProcess"/>
+    <dgm:cxn modelId="{70A952BE-8D8F-4CD7-9D44-862C9CFFA1A9}" type="presParOf" srcId="{D0F6A871-3426-4C72-9297-EAB064328FEF}" destId="{73A57D8B-5DB2-4C34-84EC-EFB42C80114F}" srcOrd="1" destOrd="0" presId="urn:microsoft.com/office/officeart/2009/3/layout/StepUpProcess"/>
+    <dgm:cxn modelId="{5A30044F-D815-4404-92C4-0003738FF847}" type="presParOf" srcId="{D0F6A871-3426-4C72-9297-EAB064328FEF}" destId="{DF2A2465-8E8B-46FD-8807-C0D9B75A773F}" srcOrd="2" destOrd="0" presId="urn:microsoft.com/office/officeart/2009/3/layout/StepUpProcess"/>
+    <dgm:cxn modelId="{5F5E247C-3FA4-4256-BCE3-B223CEA2B5B9}" type="presParOf" srcId="{F00944D9-4DD3-47F4-9614-7F6DDEC39B17}" destId="{3782A970-2959-408D-B7EC-C4A54DEFAA94}" srcOrd="5" destOrd="0" presId="urn:microsoft.com/office/officeart/2009/3/layout/StepUpProcess"/>
+    <dgm:cxn modelId="{E44A7E7E-C71B-4DF9-851D-ECC66D9700A5}" type="presParOf" srcId="{3782A970-2959-408D-B7EC-C4A54DEFAA94}" destId="{822ECEE1-AAEB-449E-9394-B4FD38B33083}" srcOrd="0" destOrd="0" presId="urn:microsoft.com/office/officeart/2009/3/layout/StepUpProcess"/>
+    <dgm:cxn modelId="{78A16655-6757-474C-A2AE-4B17330E5294}" type="presParOf" srcId="{F00944D9-4DD3-47F4-9614-7F6DDEC39B17}" destId="{6F86AD4A-CCC7-4C7E-8602-AC2EB701E7D6}" srcOrd="6" destOrd="0" presId="urn:microsoft.com/office/officeart/2009/3/layout/StepUpProcess"/>
+    <dgm:cxn modelId="{74BCB36C-6784-46C6-A72C-2A35084DAD4A}" type="presParOf" srcId="{6F86AD4A-CCC7-4C7E-8602-AC2EB701E7D6}" destId="{D635A8CF-7CCD-4B3C-9533-335AA55B0AE1}" srcOrd="0" destOrd="0" presId="urn:microsoft.com/office/officeart/2009/3/layout/StepUpProcess"/>
+    <dgm:cxn modelId="{82850FA8-762C-46E0-9A8F-991EA11629B6}" type="presParOf" srcId="{6F86AD4A-CCC7-4C7E-8602-AC2EB701E7D6}" destId="{0FC3FD64-B83E-40CF-BC99-69EF866AE33C}" srcOrd="1" destOrd="0" presId="urn:microsoft.com/office/officeart/2009/3/layout/StepUpProcess"/>
+    <dgm:cxn modelId="{485F8E74-CCE1-4815-B900-F72D8E628455}" type="presParOf" srcId="{6F86AD4A-CCC7-4C7E-8602-AC2EB701E7D6}" destId="{0A432D32-2BC1-465D-825E-2738702FCD8E}" srcOrd="2" destOrd="0" presId="urn:microsoft.com/office/officeart/2009/3/layout/StepUpProcess"/>
+    <dgm:cxn modelId="{37CE70DE-40AC-4237-8A2A-EA18BEAD3E3D}" type="presParOf" srcId="{F00944D9-4DD3-47F4-9614-7F6DDEC39B17}" destId="{AF5B9600-53EE-418B-BAD5-CA803C789B4F}" srcOrd="7" destOrd="0" presId="urn:microsoft.com/office/officeart/2009/3/layout/StepUpProcess"/>
+    <dgm:cxn modelId="{0DFA660B-1393-495A-8C2D-887DD629E540}" type="presParOf" srcId="{AF5B9600-53EE-418B-BAD5-CA803C789B4F}" destId="{977548CD-AA17-4F1E-9E4A-8DFD16D3D8BF}" srcOrd="0" destOrd="0" presId="urn:microsoft.com/office/officeart/2009/3/layout/StepUpProcess"/>
+    <dgm:cxn modelId="{7EF38846-DCED-4797-B3B4-21FE58A79DAD}" type="presParOf" srcId="{F00944D9-4DD3-47F4-9614-7F6DDEC39B17}" destId="{7DF7C093-6660-4687-8F85-C065FB8336C0}" srcOrd="8" destOrd="0" presId="urn:microsoft.com/office/officeart/2009/3/layout/StepUpProcess"/>
+    <dgm:cxn modelId="{8990D75B-4D7A-4142-93AE-57C5731C43C3}" type="presParOf" srcId="{7DF7C093-6660-4687-8F85-C065FB8336C0}" destId="{D06E30F8-213B-4516-93DD-0C716D4909BD}" srcOrd="0" destOrd="0" presId="urn:microsoft.com/office/officeart/2009/3/layout/StepUpProcess"/>
+    <dgm:cxn modelId="{0389FF2D-69BB-48D0-A722-15FA62BE31A0}" type="presParOf" srcId="{7DF7C093-6660-4687-8F85-C065FB8336C0}" destId="{EFD9523E-4746-4979-8BF8-8E30A0E0B915}" srcOrd="1" destOrd="0" presId="urn:microsoft.com/office/officeart/2009/3/layout/StepUpProcess"/>
+    <dgm:cxn modelId="{56D24D30-A1EE-4A98-911C-5599A17A1503}" type="presParOf" srcId="{7DF7C093-6660-4687-8F85-C065FB8336C0}" destId="{86E972F2-0282-48BD-A237-2FC57D48283B}" srcOrd="2" destOrd="0" presId="urn:microsoft.com/office/officeart/2009/3/layout/StepUpProcess"/>
+    <dgm:cxn modelId="{F7EF8FCD-F859-4376-AC9D-F0D46C974790}" type="presParOf" srcId="{F00944D9-4DD3-47F4-9614-7F6DDEC39B17}" destId="{34C9F4B1-8CCC-4E4F-A8EC-361842B31B1C}" srcOrd="9" destOrd="0" presId="urn:microsoft.com/office/officeart/2009/3/layout/StepUpProcess"/>
+    <dgm:cxn modelId="{C17CD3F1-AF17-49D4-8131-7C9D8641BA3F}" type="presParOf" srcId="{34C9F4B1-8CCC-4E4F-A8EC-361842B31B1C}" destId="{8751205A-E14D-4051-8ED4-93EA1C464D3C}" srcOrd="0" destOrd="0" presId="urn:microsoft.com/office/officeart/2009/3/layout/StepUpProcess"/>
+    <dgm:cxn modelId="{64705080-60E4-4309-8ED7-523536A75634}" type="presParOf" srcId="{F00944D9-4DD3-47F4-9614-7F6DDEC39B17}" destId="{8451BB7A-E67D-4B06-B84C-99925511C20D}" srcOrd="10" destOrd="0" presId="urn:microsoft.com/office/officeart/2009/3/layout/StepUpProcess"/>
+    <dgm:cxn modelId="{75315D1C-FD70-45E7-B3BF-AFAB4B0A973A}" type="presParOf" srcId="{8451BB7A-E67D-4B06-B84C-99925511C20D}" destId="{8F240FE0-286F-43FB-9354-DB4AE83DA4F2}" srcOrd="0" destOrd="0" presId="urn:microsoft.com/office/officeart/2009/3/layout/StepUpProcess"/>
+    <dgm:cxn modelId="{3230B83E-F66E-44B3-9153-72A1A50851EC}" type="presParOf" srcId="{8451BB7A-E67D-4B06-B84C-99925511C20D}" destId="{C20ED00B-E253-4D9D-A210-E9A0F84AC654}" srcOrd="1" destOrd="0" presId="urn:microsoft.com/office/officeart/2009/3/layout/StepUpProcess"/>
+    <dgm:cxn modelId="{91371B50-1B20-4F5F-A15B-E9B8B769AD0E}" type="presParOf" srcId="{8451BB7A-E67D-4B06-B84C-99925511C20D}" destId="{82341C83-649D-40DD-B9E0-CFF2F485FB17}" srcOrd="2" destOrd="0" presId="urn:microsoft.com/office/officeart/2009/3/layout/StepUpProcess"/>
+    <dgm:cxn modelId="{D1423276-49E9-436C-8C3F-9A2904BAB4E9}" type="presParOf" srcId="{F00944D9-4DD3-47F4-9614-7F6DDEC39B17}" destId="{03B71CF9-078B-45AA-BAA5-B03615DDDEF1}" srcOrd="11" destOrd="0" presId="urn:microsoft.com/office/officeart/2009/3/layout/StepUpProcess"/>
+    <dgm:cxn modelId="{769181EB-3973-4A86-AA9D-69937A270E6E}" type="presParOf" srcId="{03B71CF9-078B-45AA-BAA5-B03615DDDEF1}" destId="{95180F3F-3412-4D4E-84B1-EC6B28788A7F}" srcOrd="0" destOrd="0" presId="urn:microsoft.com/office/officeart/2009/3/layout/StepUpProcess"/>
+    <dgm:cxn modelId="{BE10A3C3-378C-41AD-AFD7-9595F3AB83CD}" type="presParOf" srcId="{F00944D9-4DD3-47F4-9614-7F6DDEC39B17}" destId="{B92E8A26-FCD6-4DFB-B378-EAEE280B815B}" srcOrd="12" destOrd="0" presId="urn:microsoft.com/office/officeart/2009/3/layout/StepUpProcess"/>
+    <dgm:cxn modelId="{DCA22593-1214-4BBA-B986-8955F0BBC839}" type="presParOf" srcId="{B92E8A26-FCD6-4DFB-B378-EAEE280B815B}" destId="{5932BF85-5FC1-4B88-B289-2B7F6DD23F1F}" srcOrd="0" destOrd="0" presId="urn:microsoft.com/office/officeart/2009/3/layout/StepUpProcess"/>
+    <dgm:cxn modelId="{6FBCE6FD-228F-410D-B7A8-408D3FAA66EB}" type="presParOf" srcId="{B92E8A26-FCD6-4DFB-B378-EAEE280B815B}" destId="{BAFB9694-C2E1-4261-8A33-A246E47F5F4B}" srcOrd="1" destOrd="0" presId="urn:microsoft.com/office/officeart/2009/3/layout/StepUpProcess"/>
+    <dgm:cxn modelId="{C2A1DA2E-8C99-414A-B4BD-15B76797DF82}" type="presParOf" srcId="{B92E8A26-FCD6-4DFB-B378-EAEE280B815B}" destId="{C3BDA560-C3C6-4D33-B5F2-EC76FDAA68CF}" srcOrd="2" destOrd="0" presId="urn:microsoft.com/office/officeart/2009/3/layout/StepUpProcess"/>
+    <dgm:cxn modelId="{3C1B32FD-63E7-40E1-B0E8-515E76814D5D}" type="presParOf" srcId="{F00944D9-4DD3-47F4-9614-7F6DDEC39B17}" destId="{A480CE5D-8A2F-4E6C-8771-2A49B4522D90}" srcOrd="13" destOrd="0" presId="urn:microsoft.com/office/officeart/2009/3/layout/StepUpProcess"/>
+    <dgm:cxn modelId="{3F9FFDC1-1728-4960-8F64-96E1E28483D6}" type="presParOf" srcId="{A480CE5D-8A2F-4E6C-8771-2A49B4522D90}" destId="{F47D42EB-BEE2-46E6-85CA-55FBCBA7C440}" srcOrd="0" destOrd="0" presId="urn:microsoft.com/office/officeart/2009/3/layout/StepUpProcess"/>
+    <dgm:cxn modelId="{8D488CCA-6EC6-4C46-A207-B6133AAB9A1B}" type="presParOf" srcId="{F00944D9-4DD3-47F4-9614-7F6DDEC39B17}" destId="{85817817-E50E-4A58-B706-FED7B65CF848}" srcOrd="14" destOrd="0" presId="urn:microsoft.com/office/officeart/2009/3/layout/StepUpProcess"/>
+    <dgm:cxn modelId="{707EA819-A230-4A06-954D-E1B208ED399B}" type="presParOf" srcId="{85817817-E50E-4A58-B706-FED7B65CF848}" destId="{DBDDE612-82EF-4D92-B069-7E52B7863382}" srcOrd="0" destOrd="0" presId="urn:microsoft.com/office/officeart/2009/3/layout/StepUpProcess"/>
+    <dgm:cxn modelId="{6E29E645-3998-4926-A38D-79157464817D}" type="presParOf" srcId="{85817817-E50E-4A58-B706-FED7B65CF848}" destId="{D56BE265-6523-4A95-A1C2-953635A75C3A}" srcOrd="1" destOrd="0" presId="urn:microsoft.com/office/officeart/2009/3/layout/StepUpProcess"/>
+    <dgm:cxn modelId="{F519F3EE-9978-4975-8EE2-1E145F6C0667}" type="presParOf" srcId="{85817817-E50E-4A58-B706-FED7B65CF848}" destId="{14E02FAC-A7E6-46CD-B071-295D36120743}" srcOrd="2" destOrd="0" presId="urn:microsoft.com/office/officeart/2009/3/layout/StepUpProcess"/>
+    <dgm:cxn modelId="{AB4E20F2-82C9-43FB-B4E2-D552C9FB777A}" type="presParOf" srcId="{F00944D9-4DD3-47F4-9614-7F6DDEC39B17}" destId="{FAAEFC2A-5652-4750-A784-EC75015339E1}" srcOrd="15" destOrd="0" presId="urn:microsoft.com/office/officeart/2009/3/layout/StepUpProcess"/>
+    <dgm:cxn modelId="{5E3D6493-1BE6-418E-91DE-13EB953A2263}" type="presParOf" srcId="{FAAEFC2A-5652-4750-A784-EC75015339E1}" destId="{DE41D965-6966-436D-AD21-062FFA4C4245}" srcOrd="0" destOrd="0" presId="urn:microsoft.com/office/officeart/2009/3/layout/StepUpProcess"/>
+    <dgm:cxn modelId="{C3F33C64-727B-4C8E-8730-32AD93B6B01E}" type="presParOf" srcId="{F00944D9-4DD3-47F4-9614-7F6DDEC39B17}" destId="{78071010-A3EF-4E74-8C2C-3EA015DAB46F}" srcOrd="16" destOrd="0" presId="urn:microsoft.com/office/officeart/2009/3/layout/StepUpProcess"/>
+    <dgm:cxn modelId="{B3D28A34-3AE2-44E6-A1A7-28E36786ED85}" type="presParOf" srcId="{78071010-A3EF-4E74-8C2C-3EA015DAB46F}" destId="{CD7B505C-F821-4926-91FC-E645F28CEB22}" srcOrd="0" destOrd="0" presId="urn:microsoft.com/office/officeart/2009/3/layout/StepUpProcess"/>
+    <dgm:cxn modelId="{772B59A1-3713-4561-A296-569857D8980D}" type="presParOf" srcId="{78071010-A3EF-4E74-8C2C-3EA015DAB46F}" destId="{DFA5BC27-E115-4A08-B82C-4C28F0F000A7}" srcOrd="1" destOrd="0" presId="urn:microsoft.com/office/officeart/2009/3/layout/StepUpProcess"/>
+    <dgm:cxn modelId="{5994E19B-5252-47D6-ADF1-91921037C742}" type="presParOf" srcId="{78071010-A3EF-4E74-8C2C-3EA015DAB46F}" destId="{8A0807BB-28CD-41A9-9B78-9D1FDEEBDDCB}" srcOrd="2" destOrd="0" presId="urn:microsoft.com/office/officeart/2009/3/layout/StepUpProcess"/>
+    <dgm:cxn modelId="{F640BB01-FE2A-4E6A-9842-F56BDB0E3B8B}" type="presParOf" srcId="{F00944D9-4DD3-47F4-9614-7F6DDEC39B17}" destId="{6C35FD5B-AC34-4C5C-ABF8-BEB8F84DD94B}" srcOrd="17" destOrd="0" presId="urn:microsoft.com/office/officeart/2009/3/layout/StepUpProcess"/>
+    <dgm:cxn modelId="{EC96BB1D-3C11-4228-A702-45CACE0DE1A3}" type="presParOf" srcId="{6C35FD5B-AC34-4C5C-ABF8-BEB8F84DD94B}" destId="{0BFC5634-271D-454A-AABD-72E6AE72D01C}" srcOrd="0" destOrd="0" presId="urn:microsoft.com/office/officeart/2009/3/layout/StepUpProcess"/>
+    <dgm:cxn modelId="{D2AF602F-AD4A-4DA5-A3EF-F5E7DB852268}" type="presParOf" srcId="{F00944D9-4DD3-47F4-9614-7F6DDEC39B17}" destId="{BE2F86D0-2E56-41A1-8DA1-B1CAB941364E}" srcOrd="18" destOrd="0" presId="urn:microsoft.com/office/officeart/2009/3/layout/StepUpProcess"/>
+    <dgm:cxn modelId="{BB775894-80DD-43CA-ABF5-00E9DDB43514}" type="presParOf" srcId="{BE2F86D0-2E56-41A1-8DA1-B1CAB941364E}" destId="{1840873A-714C-4BB5-B71E-86DE8D115E72}" srcOrd="0" destOrd="0" presId="urn:microsoft.com/office/officeart/2009/3/layout/StepUpProcess"/>
+    <dgm:cxn modelId="{67E7E42D-90E4-4F92-82EB-08A157D37966}" type="presParOf" srcId="{BE2F86D0-2E56-41A1-8DA1-B1CAB941364E}" destId="{EAC81D57-A4AC-411E-9E1D-F130838ABD5E}" srcOrd="1" destOrd="0" presId="urn:microsoft.com/office/officeart/2009/3/layout/StepUpProcess"/>
+  </dgm:cxnLst>
+  <dgm:bg/>
+  <dgm:whole/>
+  <dgm:extLst>
+    <a:ext uri="http://schemas.microsoft.com/office/drawing/2008/diagram">
+      <dsp:dataModelExt xmlns:dsp="http://schemas.microsoft.com/office/drawing/2008/diagram" relId="rId6" minVer="http://schemas.openxmlformats.org/drawingml/2006/diagram"/>
+    </a:ext>
+  </dgm:extLst>
+</dgm:dataModel>
+</file>
+
+<file path=ppt/diagrams/data3.xml><?xml version="1.0" encoding="utf-8"?>
+<dgm:dataModel xmlns:dgm="http://schemas.openxmlformats.org/drawingml/2006/diagram" xmlns:a="http://schemas.openxmlformats.org/drawingml/2006/main">
+  <dgm:ptLst>
     <dgm:pt modelId="{EE40FFF8-103D-4F45-B85F-403984910D7F}" type="doc">
       <dgm:prSet loTypeId="urn:microsoft.com/office/officeart/2005/8/layout/chevron2" loCatId="process" qsTypeId="urn:microsoft.com/office/officeart/2005/8/quickstyle/simple1" qsCatId="simple" csTypeId="urn:microsoft.com/office/officeart/2005/8/colors/accent1_2" csCatId="accent1" phldr="1"/>
       <dgm:spPr/>
@@ -4575,7 +6150,7 @@
 </dgm:dataModel>
 </file>
 
-<file path=ppt/diagrams/data3.xml><?xml version="1.0" encoding="utf-8"?>
+<file path=ppt/diagrams/data4.xml><?xml version="1.0" encoding="utf-8"?>
 <dgm:dataModel xmlns:dgm="http://schemas.openxmlformats.org/drawingml/2006/diagram" xmlns:a="http://schemas.openxmlformats.org/drawingml/2006/main">
   <dgm:ptLst>
     <dgm:pt modelId="{EE40FFF8-103D-4F45-B85F-403984910D7F}" type="doc">
@@ -4995,7 +6570,7 @@
 </dgm:dataModel>
 </file>
 
-<file path=ppt/diagrams/data4.xml><?xml version="1.0" encoding="utf-8"?>
+<file path=ppt/diagrams/data5.xml><?xml version="1.0" encoding="utf-8"?>
 <dgm:dataModel xmlns:dgm="http://schemas.openxmlformats.org/drawingml/2006/diagram" xmlns:a="http://schemas.openxmlformats.org/drawingml/2006/main">
   <dgm:ptLst>
     <dgm:pt modelId="{EE40FFF8-103D-4F45-B85F-403984910D7F}" type="doc">
@@ -6529,6 +8104,1667 @@
       <dsp:cNvGrpSpPr/>
     </dsp:nvGrpSpPr>
     <dsp:grpSpPr/>
+    <dsp:sp modelId="{D5A62326-B028-487E-B70C-043E205301AC}">
+      <dsp:nvSpPr>
+        <dsp:cNvPr id="0" name=""/>
+        <dsp:cNvSpPr/>
+      </dsp:nvSpPr>
+      <dsp:spPr>
+        <a:xfrm rot="5400000">
+          <a:off x="208131" y="2848940"/>
+          <a:ext cx="601349" cy="1000632"/>
+        </a:xfrm>
+        <a:prstGeom prst="corner">
+          <a:avLst>
+            <a:gd name="adj1" fmla="val 16120"/>
+            <a:gd name="adj2" fmla="val 16110"/>
+          </a:avLst>
+        </a:prstGeom>
+        <a:solidFill>
+          <a:schemeClr val="accent1">
+            <a:hueOff val="0"/>
+            <a:satOff val="0"/>
+            <a:lumOff val="0"/>
+            <a:alphaOff val="0"/>
+          </a:schemeClr>
+        </a:solidFill>
+        <a:ln w="15875" cap="flat" cmpd="sng" algn="ctr">
+          <a:solidFill>
+            <a:schemeClr val="accent1">
+              <a:hueOff val="0"/>
+              <a:satOff val="0"/>
+              <a:lumOff val="0"/>
+              <a:alphaOff val="0"/>
+            </a:schemeClr>
+          </a:solidFill>
+          <a:prstDash val="solid"/>
+        </a:ln>
+        <a:effectLst/>
+      </dsp:spPr>
+      <dsp:style>
+        <a:lnRef idx="2">
+          <a:scrgbClr r="0" g="0" b="0"/>
+        </a:lnRef>
+        <a:fillRef idx="1">
+          <a:scrgbClr r="0" g="0" b="0"/>
+        </a:fillRef>
+        <a:effectRef idx="0">
+          <a:scrgbClr r="0" g="0" b="0"/>
+        </a:effectRef>
+        <a:fontRef idx="minor">
+          <a:schemeClr val="lt1"/>
+        </a:fontRef>
+      </dsp:style>
+    </dsp:sp>
+    <dsp:sp modelId="{2CDD05A5-962E-44D3-9F5D-FFA348FDF79C}">
+      <dsp:nvSpPr>
+        <dsp:cNvPr id="0" name=""/>
+        <dsp:cNvSpPr/>
+      </dsp:nvSpPr>
+      <dsp:spPr>
+        <a:xfrm>
+          <a:off x="107751" y="3147913"/>
+          <a:ext cx="903376" cy="791862"/>
+        </a:xfrm>
+        <a:prstGeom prst="rect">
+          <a:avLst/>
+        </a:prstGeom>
+        <a:noFill/>
+        <a:ln>
+          <a:noFill/>
+        </a:ln>
+        <a:effectLst/>
+      </dsp:spPr>
+      <dsp:style>
+        <a:lnRef idx="0">
+          <a:scrgbClr r="0" g="0" b="0"/>
+        </a:lnRef>
+        <a:fillRef idx="0">
+          <a:scrgbClr r="0" g="0" b="0"/>
+        </a:fillRef>
+        <a:effectRef idx="0">
+          <a:scrgbClr r="0" g="0" b="0"/>
+        </a:effectRef>
+        <a:fontRef idx="minor"/>
+      </dsp:style>
+      <dsp:txBody>
+        <a:bodyPr spcFirstLastPara="0" vert="horz" wrap="square" lIns="91440" tIns="91440" rIns="91440" bIns="91440" numCol="1" spcCol="1270" anchor="t" anchorCtr="0">
+          <a:noAutofit/>
+        </a:bodyPr>
+        <a:lstStyle/>
+        <a:p>
+          <a:pPr marL="0" lvl="0" indent="0" algn="l" defTabSz="1066800">
+            <a:lnSpc>
+              <a:spcPct val="90000"/>
+            </a:lnSpc>
+            <a:spcBef>
+              <a:spcPct val="0"/>
+            </a:spcBef>
+            <a:spcAft>
+              <a:spcPct val="35000"/>
+            </a:spcAft>
+            <a:buNone/>
+          </a:pPr>
+          <a:r>
+            <a:rPr lang="en-US" sz="2400" kern="1200" dirty="0"/>
+            <a:t>2015</a:t>
+          </a:r>
+          <a:br>
+            <a:rPr lang="en-US" sz="2400" kern="1200" dirty="0"/>
+          </a:br>
+          <a:r>
+            <a:rPr lang="en-US" sz="2400" kern="1200" dirty="0"/>
+            <a:t>6</a:t>
+          </a:r>
+        </a:p>
+      </dsp:txBody>
+      <dsp:txXfrm>
+        <a:off x="107751" y="3147913"/>
+        <a:ext cx="903376" cy="791862"/>
+      </dsp:txXfrm>
+    </dsp:sp>
+    <dsp:sp modelId="{2EF8C7D4-86AB-4A74-8A67-F63C119A0DBA}">
+      <dsp:nvSpPr>
+        <dsp:cNvPr id="0" name=""/>
+        <dsp:cNvSpPr/>
+      </dsp:nvSpPr>
+      <dsp:spPr>
+        <a:xfrm>
+          <a:off x="840679" y="2775272"/>
+          <a:ext cx="170448" cy="170448"/>
+        </a:xfrm>
+        <a:prstGeom prst="triangle">
+          <a:avLst>
+            <a:gd name="adj" fmla="val 100000"/>
+          </a:avLst>
+        </a:prstGeom>
+        <a:solidFill>
+          <a:schemeClr val="accent1">
+            <a:hueOff val="0"/>
+            <a:satOff val="0"/>
+            <a:lumOff val="0"/>
+            <a:alphaOff val="0"/>
+          </a:schemeClr>
+        </a:solidFill>
+        <a:ln w="15875" cap="flat" cmpd="sng" algn="ctr">
+          <a:solidFill>
+            <a:schemeClr val="accent1">
+              <a:hueOff val="0"/>
+              <a:satOff val="0"/>
+              <a:lumOff val="0"/>
+              <a:alphaOff val="0"/>
+            </a:schemeClr>
+          </a:solidFill>
+          <a:prstDash val="solid"/>
+        </a:ln>
+        <a:effectLst/>
+      </dsp:spPr>
+      <dsp:style>
+        <a:lnRef idx="2">
+          <a:scrgbClr r="0" g="0" b="0"/>
+        </a:lnRef>
+        <a:fillRef idx="1">
+          <a:scrgbClr r="0" g="0" b="0"/>
+        </a:fillRef>
+        <a:effectRef idx="0">
+          <a:scrgbClr r="0" g="0" b="0"/>
+        </a:effectRef>
+        <a:fontRef idx="minor">
+          <a:schemeClr val="lt1"/>
+        </a:fontRef>
+      </dsp:style>
+    </dsp:sp>
+    <dsp:sp modelId="{2CD93BF4-0E69-44D9-AF85-D9A48062E8A8}">
+      <dsp:nvSpPr>
+        <dsp:cNvPr id="0" name=""/>
+        <dsp:cNvSpPr/>
+      </dsp:nvSpPr>
+      <dsp:spPr>
+        <a:xfrm rot="5400000">
+          <a:off x="1314040" y="2575282"/>
+          <a:ext cx="601349" cy="1000632"/>
+        </a:xfrm>
+        <a:prstGeom prst="corner">
+          <a:avLst>
+            <a:gd name="adj1" fmla="val 16120"/>
+            <a:gd name="adj2" fmla="val 16110"/>
+          </a:avLst>
+        </a:prstGeom>
+        <a:solidFill>
+          <a:schemeClr val="accent1">
+            <a:hueOff val="0"/>
+            <a:satOff val="0"/>
+            <a:lumOff val="0"/>
+            <a:alphaOff val="0"/>
+          </a:schemeClr>
+        </a:solidFill>
+        <a:ln w="15875" cap="flat" cmpd="sng" algn="ctr">
+          <a:solidFill>
+            <a:schemeClr val="accent1">
+              <a:hueOff val="0"/>
+              <a:satOff val="0"/>
+              <a:lumOff val="0"/>
+              <a:alphaOff val="0"/>
+            </a:schemeClr>
+          </a:solidFill>
+          <a:prstDash val="solid"/>
+        </a:ln>
+        <a:effectLst/>
+      </dsp:spPr>
+      <dsp:style>
+        <a:lnRef idx="2">
+          <a:scrgbClr r="0" g="0" b="0"/>
+        </a:lnRef>
+        <a:fillRef idx="1">
+          <a:scrgbClr r="0" g="0" b="0"/>
+        </a:fillRef>
+        <a:effectRef idx="0">
+          <a:scrgbClr r="0" g="0" b="0"/>
+        </a:effectRef>
+        <a:fontRef idx="minor">
+          <a:schemeClr val="lt1"/>
+        </a:fontRef>
+      </dsp:style>
+    </dsp:sp>
+    <dsp:sp modelId="{6793849F-AD1C-4CEB-9D98-0EBFE23BCFAD}">
+      <dsp:nvSpPr>
+        <dsp:cNvPr id="0" name=""/>
+        <dsp:cNvSpPr/>
+      </dsp:nvSpPr>
+      <dsp:spPr>
+        <a:xfrm>
+          <a:off x="1213660" y="2874255"/>
+          <a:ext cx="903376" cy="791862"/>
+        </a:xfrm>
+        <a:prstGeom prst="rect">
+          <a:avLst/>
+        </a:prstGeom>
+        <a:noFill/>
+        <a:ln>
+          <a:noFill/>
+        </a:ln>
+        <a:effectLst/>
+      </dsp:spPr>
+      <dsp:style>
+        <a:lnRef idx="0">
+          <a:scrgbClr r="0" g="0" b="0"/>
+        </a:lnRef>
+        <a:fillRef idx="0">
+          <a:scrgbClr r="0" g="0" b="0"/>
+        </a:fillRef>
+        <a:effectRef idx="0">
+          <a:scrgbClr r="0" g="0" b="0"/>
+        </a:effectRef>
+        <a:fontRef idx="minor"/>
+      </dsp:style>
+      <dsp:txBody>
+        <a:bodyPr spcFirstLastPara="0" vert="horz" wrap="square" lIns="91440" tIns="91440" rIns="91440" bIns="91440" numCol="1" spcCol="1270" anchor="t" anchorCtr="0">
+          <a:noAutofit/>
+        </a:bodyPr>
+        <a:lstStyle/>
+        <a:p>
+          <a:pPr marL="0" lvl="0" indent="0" algn="l" defTabSz="1066800">
+            <a:lnSpc>
+              <a:spcPct val="90000"/>
+            </a:lnSpc>
+            <a:spcBef>
+              <a:spcPct val="0"/>
+            </a:spcBef>
+            <a:spcAft>
+              <a:spcPct val="35000"/>
+            </a:spcAft>
+            <a:buNone/>
+          </a:pPr>
+          <a:r>
+            <a:rPr lang="en-US" sz="2400" kern="1200" dirty="0"/>
+            <a:t>2016</a:t>
+          </a:r>
+          <a:br>
+            <a:rPr lang="en-US" sz="2400" kern="1200" dirty="0"/>
+          </a:br>
+          <a:r>
+            <a:rPr lang="en-US" sz="2400" kern="1200" dirty="0"/>
+            <a:t>7.0</a:t>
+          </a:r>
+        </a:p>
+      </dsp:txBody>
+      <dsp:txXfrm>
+        <a:off x="1213660" y="2874255"/>
+        <a:ext cx="903376" cy="791862"/>
+      </dsp:txXfrm>
+    </dsp:sp>
+    <dsp:sp modelId="{04D7B3AA-0E36-436E-8EA6-E27859974A10}">
+      <dsp:nvSpPr>
+        <dsp:cNvPr id="0" name=""/>
+        <dsp:cNvSpPr/>
+      </dsp:nvSpPr>
+      <dsp:spPr>
+        <a:xfrm>
+          <a:off x="1946588" y="2501614"/>
+          <a:ext cx="170448" cy="170448"/>
+        </a:xfrm>
+        <a:prstGeom prst="triangle">
+          <a:avLst>
+            <a:gd name="adj" fmla="val 100000"/>
+          </a:avLst>
+        </a:prstGeom>
+        <a:solidFill>
+          <a:schemeClr val="accent1">
+            <a:hueOff val="0"/>
+            <a:satOff val="0"/>
+            <a:lumOff val="0"/>
+            <a:alphaOff val="0"/>
+          </a:schemeClr>
+        </a:solidFill>
+        <a:ln w="15875" cap="flat" cmpd="sng" algn="ctr">
+          <a:solidFill>
+            <a:schemeClr val="accent1">
+              <a:hueOff val="0"/>
+              <a:satOff val="0"/>
+              <a:lumOff val="0"/>
+              <a:alphaOff val="0"/>
+            </a:schemeClr>
+          </a:solidFill>
+          <a:prstDash val="solid"/>
+        </a:ln>
+        <a:effectLst/>
+      </dsp:spPr>
+      <dsp:style>
+        <a:lnRef idx="2">
+          <a:scrgbClr r="0" g="0" b="0"/>
+        </a:lnRef>
+        <a:fillRef idx="1">
+          <a:scrgbClr r="0" g="0" b="0"/>
+        </a:fillRef>
+        <a:effectRef idx="0">
+          <a:scrgbClr r="0" g="0" b="0"/>
+        </a:effectRef>
+        <a:fontRef idx="minor">
+          <a:schemeClr val="lt1"/>
+        </a:fontRef>
+      </dsp:style>
+    </dsp:sp>
+    <dsp:sp modelId="{3AC2B345-0BC2-4826-BB3C-F1FA9642F413}">
+      <dsp:nvSpPr>
+        <dsp:cNvPr id="0" name=""/>
+        <dsp:cNvSpPr/>
+      </dsp:nvSpPr>
+      <dsp:spPr>
+        <a:xfrm rot="5400000">
+          <a:off x="2419949" y="2301623"/>
+          <a:ext cx="601349" cy="1000632"/>
+        </a:xfrm>
+        <a:prstGeom prst="corner">
+          <a:avLst>
+            <a:gd name="adj1" fmla="val 16120"/>
+            <a:gd name="adj2" fmla="val 16110"/>
+          </a:avLst>
+        </a:prstGeom>
+        <a:solidFill>
+          <a:schemeClr val="accent1">
+            <a:hueOff val="0"/>
+            <a:satOff val="0"/>
+            <a:lumOff val="0"/>
+            <a:alphaOff val="0"/>
+          </a:schemeClr>
+        </a:solidFill>
+        <a:ln w="15875" cap="flat" cmpd="sng" algn="ctr">
+          <a:solidFill>
+            <a:schemeClr val="accent1">
+              <a:hueOff val="0"/>
+              <a:satOff val="0"/>
+              <a:lumOff val="0"/>
+              <a:alphaOff val="0"/>
+            </a:schemeClr>
+          </a:solidFill>
+          <a:prstDash val="solid"/>
+        </a:ln>
+        <a:effectLst/>
+      </dsp:spPr>
+      <dsp:style>
+        <a:lnRef idx="2">
+          <a:scrgbClr r="0" g="0" b="0"/>
+        </a:lnRef>
+        <a:fillRef idx="1">
+          <a:scrgbClr r="0" g="0" b="0"/>
+        </a:fillRef>
+        <a:effectRef idx="0">
+          <a:scrgbClr r="0" g="0" b="0"/>
+        </a:effectRef>
+        <a:fontRef idx="minor">
+          <a:schemeClr val="lt1"/>
+        </a:fontRef>
+      </dsp:style>
+    </dsp:sp>
+    <dsp:sp modelId="{73A57D8B-5DB2-4C34-84EC-EFB42C80114F}">
+      <dsp:nvSpPr>
+        <dsp:cNvPr id="0" name=""/>
+        <dsp:cNvSpPr/>
+      </dsp:nvSpPr>
+      <dsp:spPr>
+        <a:xfrm>
+          <a:off x="2319569" y="2600597"/>
+          <a:ext cx="903376" cy="791862"/>
+        </a:xfrm>
+        <a:prstGeom prst="rect">
+          <a:avLst/>
+        </a:prstGeom>
+        <a:noFill/>
+        <a:ln>
+          <a:noFill/>
+        </a:ln>
+        <a:effectLst/>
+      </dsp:spPr>
+      <dsp:style>
+        <a:lnRef idx="0">
+          <a:scrgbClr r="0" g="0" b="0"/>
+        </a:lnRef>
+        <a:fillRef idx="0">
+          <a:scrgbClr r="0" g="0" b="0"/>
+        </a:fillRef>
+        <a:effectRef idx="0">
+          <a:scrgbClr r="0" g="0" b="0"/>
+        </a:effectRef>
+        <a:fontRef idx="minor"/>
+      </dsp:style>
+      <dsp:txBody>
+        <a:bodyPr spcFirstLastPara="0" vert="horz" wrap="square" lIns="91440" tIns="91440" rIns="91440" bIns="91440" numCol="1" spcCol="1270" anchor="t" anchorCtr="0">
+          <a:noAutofit/>
+        </a:bodyPr>
+        <a:lstStyle/>
+        <a:p>
+          <a:pPr marL="0" lvl="0" indent="0" algn="l" defTabSz="1066800">
+            <a:lnSpc>
+              <a:spcPct val="90000"/>
+            </a:lnSpc>
+            <a:spcBef>
+              <a:spcPct val="0"/>
+            </a:spcBef>
+            <a:spcAft>
+              <a:spcPct val="35000"/>
+            </a:spcAft>
+            <a:buNone/>
+          </a:pPr>
+          <a:r>
+            <a:rPr lang="en-US" sz="2400" kern="1200" dirty="0"/>
+            <a:t>2017</a:t>
+          </a:r>
+          <a:br>
+            <a:rPr lang="en-US" sz="2400" kern="1200" dirty="0"/>
+          </a:br>
+          <a:r>
+            <a:rPr lang="en-US" sz="2400" kern="1200" dirty="0"/>
+            <a:t>7.1</a:t>
+          </a:r>
+        </a:p>
+      </dsp:txBody>
+      <dsp:txXfrm>
+        <a:off x="2319569" y="2600597"/>
+        <a:ext cx="903376" cy="791862"/>
+      </dsp:txXfrm>
+    </dsp:sp>
+    <dsp:sp modelId="{DF2A2465-8E8B-46FD-8807-C0D9B75A773F}">
+      <dsp:nvSpPr>
+        <dsp:cNvPr id="0" name=""/>
+        <dsp:cNvSpPr/>
+      </dsp:nvSpPr>
+      <dsp:spPr>
+        <a:xfrm>
+          <a:off x="3052497" y="2227956"/>
+          <a:ext cx="170448" cy="170448"/>
+        </a:xfrm>
+        <a:prstGeom prst="triangle">
+          <a:avLst>
+            <a:gd name="adj" fmla="val 100000"/>
+          </a:avLst>
+        </a:prstGeom>
+        <a:solidFill>
+          <a:schemeClr val="accent1">
+            <a:hueOff val="0"/>
+            <a:satOff val="0"/>
+            <a:lumOff val="0"/>
+            <a:alphaOff val="0"/>
+          </a:schemeClr>
+        </a:solidFill>
+        <a:ln w="15875" cap="flat" cmpd="sng" algn="ctr">
+          <a:solidFill>
+            <a:schemeClr val="accent1">
+              <a:hueOff val="0"/>
+              <a:satOff val="0"/>
+              <a:lumOff val="0"/>
+              <a:alphaOff val="0"/>
+            </a:schemeClr>
+          </a:solidFill>
+          <a:prstDash val="solid"/>
+        </a:ln>
+        <a:effectLst/>
+      </dsp:spPr>
+      <dsp:style>
+        <a:lnRef idx="2">
+          <a:scrgbClr r="0" g="0" b="0"/>
+        </a:lnRef>
+        <a:fillRef idx="1">
+          <a:scrgbClr r="0" g="0" b="0"/>
+        </a:fillRef>
+        <a:effectRef idx="0">
+          <a:scrgbClr r="0" g="0" b="0"/>
+        </a:effectRef>
+        <a:fontRef idx="minor">
+          <a:schemeClr val="lt1"/>
+        </a:fontRef>
+      </dsp:style>
+    </dsp:sp>
+    <dsp:sp modelId="{D635A8CF-7CCD-4B3C-9533-335AA55B0AE1}">
+      <dsp:nvSpPr>
+        <dsp:cNvPr id="0" name=""/>
+        <dsp:cNvSpPr/>
+      </dsp:nvSpPr>
+      <dsp:spPr>
+        <a:xfrm rot="5400000">
+          <a:off x="3525858" y="2027965"/>
+          <a:ext cx="601349" cy="1000632"/>
+        </a:xfrm>
+        <a:prstGeom prst="corner">
+          <a:avLst>
+            <a:gd name="adj1" fmla="val 16120"/>
+            <a:gd name="adj2" fmla="val 16110"/>
+          </a:avLst>
+        </a:prstGeom>
+        <a:solidFill>
+          <a:schemeClr val="accent1">
+            <a:hueOff val="0"/>
+            <a:satOff val="0"/>
+            <a:lumOff val="0"/>
+            <a:alphaOff val="0"/>
+          </a:schemeClr>
+        </a:solidFill>
+        <a:ln w="15875" cap="flat" cmpd="sng" algn="ctr">
+          <a:solidFill>
+            <a:schemeClr val="accent1">
+              <a:hueOff val="0"/>
+              <a:satOff val="0"/>
+              <a:lumOff val="0"/>
+              <a:alphaOff val="0"/>
+            </a:schemeClr>
+          </a:solidFill>
+          <a:prstDash val="solid"/>
+        </a:ln>
+        <a:effectLst/>
+      </dsp:spPr>
+      <dsp:style>
+        <a:lnRef idx="2">
+          <a:scrgbClr r="0" g="0" b="0"/>
+        </a:lnRef>
+        <a:fillRef idx="1">
+          <a:scrgbClr r="0" g="0" b="0"/>
+        </a:fillRef>
+        <a:effectRef idx="0">
+          <a:scrgbClr r="0" g="0" b="0"/>
+        </a:effectRef>
+        <a:fontRef idx="minor">
+          <a:schemeClr val="lt1"/>
+        </a:fontRef>
+      </dsp:style>
+    </dsp:sp>
+    <dsp:sp modelId="{0FC3FD64-B83E-40CF-BC99-69EF866AE33C}">
+      <dsp:nvSpPr>
+        <dsp:cNvPr id="0" name=""/>
+        <dsp:cNvSpPr/>
+      </dsp:nvSpPr>
+      <dsp:spPr>
+        <a:xfrm>
+          <a:off x="3425478" y="2326938"/>
+          <a:ext cx="903376" cy="791862"/>
+        </a:xfrm>
+        <a:prstGeom prst="rect">
+          <a:avLst/>
+        </a:prstGeom>
+        <a:noFill/>
+        <a:ln>
+          <a:noFill/>
+        </a:ln>
+        <a:effectLst/>
+      </dsp:spPr>
+      <dsp:style>
+        <a:lnRef idx="0">
+          <a:scrgbClr r="0" g="0" b="0"/>
+        </a:lnRef>
+        <a:fillRef idx="0">
+          <a:scrgbClr r="0" g="0" b="0"/>
+        </a:fillRef>
+        <a:effectRef idx="0">
+          <a:scrgbClr r="0" g="0" b="0"/>
+        </a:effectRef>
+        <a:fontRef idx="minor"/>
+      </dsp:style>
+      <dsp:txBody>
+        <a:bodyPr spcFirstLastPara="0" vert="horz" wrap="square" lIns="91440" tIns="91440" rIns="91440" bIns="91440" numCol="1" spcCol="1270" anchor="t" anchorCtr="0">
+          <a:noAutofit/>
+        </a:bodyPr>
+        <a:lstStyle/>
+        <a:p>
+          <a:pPr marL="0" lvl="0" indent="0" algn="l" defTabSz="1066800">
+            <a:lnSpc>
+              <a:spcPct val="90000"/>
+            </a:lnSpc>
+            <a:spcBef>
+              <a:spcPct val="0"/>
+            </a:spcBef>
+            <a:spcAft>
+              <a:spcPct val="35000"/>
+            </a:spcAft>
+            <a:buNone/>
+          </a:pPr>
+          <a:r>
+            <a:rPr lang="en-US" sz="2400" kern="1200" dirty="0"/>
+            <a:t>2017</a:t>
+          </a:r>
+          <a:br>
+            <a:rPr lang="en-US" sz="2400" kern="1200" dirty="0"/>
+          </a:br>
+          <a:r>
+            <a:rPr lang="en-US" sz="2400" kern="1200" dirty="0"/>
+            <a:t>7.2</a:t>
+          </a:r>
+        </a:p>
+      </dsp:txBody>
+      <dsp:txXfrm>
+        <a:off x="3425478" y="2326938"/>
+        <a:ext cx="903376" cy="791862"/>
+      </dsp:txXfrm>
+    </dsp:sp>
+    <dsp:sp modelId="{0A432D32-2BC1-465D-825E-2738702FCD8E}">
+      <dsp:nvSpPr>
+        <dsp:cNvPr id="0" name=""/>
+        <dsp:cNvSpPr/>
+      </dsp:nvSpPr>
+      <dsp:spPr>
+        <a:xfrm>
+          <a:off x="4158406" y="1954297"/>
+          <a:ext cx="170448" cy="170448"/>
+        </a:xfrm>
+        <a:prstGeom prst="triangle">
+          <a:avLst>
+            <a:gd name="adj" fmla="val 100000"/>
+          </a:avLst>
+        </a:prstGeom>
+        <a:solidFill>
+          <a:schemeClr val="accent1">
+            <a:hueOff val="0"/>
+            <a:satOff val="0"/>
+            <a:lumOff val="0"/>
+            <a:alphaOff val="0"/>
+          </a:schemeClr>
+        </a:solidFill>
+        <a:ln w="15875" cap="flat" cmpd="sng" algn="ctr">
+          <a:solidFill>
+            <a:schemeClr val="accent1">
+              <a:hueOff val="0"/>
+              <a:satOff val="0"/>
+              <a:lumOff val="0"/>
+              <a:alphaOff val="0"/>
+            </a:schemeClr>
+          </a:solidFill>
+          <a:prstDash val="solid"/>
+        </a:ln>
+        <a:effectLst/>
+      </dsp:spPr>
+      <dsp:style>
+        <a:lnRef idx="2">
+          <a:scrgbClr r="0" g="0" b="0"/>
+        </a:lnRef>
+        <a:fillRef idx="1">
+          <a:scrgbClr r="0" g="0" b="0"/>
+        </a:fillRef>
+        <a:effectRef idx="0">
+          <a:scrgbClr r="0" g="0" b="0"/>
+        </a:effectRef>
+        <a:fontRef idx="minor">
+          <a:schemeClr val="lt1"/>
+        </a:fontRef>
+      </dsp:style>
+    </dsp:sp>
+    <dsp:sp modelId="{D06E30F8-213B-4516-93DD-0C716D4909BD}">
+      <dsp:nvSpPr>
+        <dsp:cNvPr id="0" name=""/>
+        <dsp:cNvSpPr/>
+      </dsp:nvSpPr>
+      <dsp:spPr>
+        <a:xfrm rot="5400000">
+          <a:off x="4631767" y="1754307"/>
+          <a:ext cx="601349" cy="1000632"/>
+        </a:xfrm>
+        <a:prstGeom prst="corner">
+          <a:avLst>
+            <a:gd name="adj1" fmla="val 16120"/>
+            <a:gd name="adj2" fmla="val 16110"/>
+          </a:avLst>
+        </a:prstGeom>
+        <a:solidFill>
+          <a:schemeClr val="accent1">
+            <a:hueOff val="0"/>
+            <a:satOff val="0"/>
+            <a:lumOff val="0"/>
+            <a:alphaOff val="0"/>
+          </a:schemeClr>
+        </a:solidFill>
+        <a:ln w="15875" cap="flat" cmpd="sng" algn="ctr">
+          <a:solidFill>
+            <a:schemeClr val="accent1">
+              <a:hueOff val="0"/>
+              <a:satOff val="0"/>
+              <a:lumOff val="0"/>
+              <a:alphaOff val="0"/>
+            </a:schemeClr>
+          </a:solidFill>
+          <a:prstDash val="solid"/>
+        </a:ln>
+        <a:effectLst/>
+      </dsp:spPr>
+      <dsp:style>
+        <a:lnRef idx="2">
+          <a:scrgbClr r="0" g="0" b="0"/>
+        </a:lnRef>
+        <a:fillRef idx="1">
+          <a:scrgbClr r="0" g="0" b="0"/>
+        </a:fillRef>
+        <a:effectRef idx="0">
+          <a:scrgbClr r="0" g="0" b="0"/>
+        </a:effectRef>
+        <a:fontRef idx="minor">
+          <a:schemeClr val="lt1"/>
+        </a:fontRef>
+      </dsp:style>
+    </dsp:sp>
+    <dsp:sp modelId="{EFD9523E-4746-4979-8BF8-8E30A0E0B915}">
+      <dsp:nvSpPr>
+        <dsp:cNvPr id="0" name=""/>
+        <dsp:cNvSpPr/>
+      </dsp:nvSpPr>
+      <dsp:spPr>
+        <a:xfrm>
+          <a:off x="4531387" y="2053280"/>
+          <a:ext cx="903376" cy="791862"/>
+        </a:xfrm>
+        <a:prstGeom prst="rect">
+          <a:avLst/>
+        </a:prstGeom>
+        <a:noFill/>
+        <a:ln>
+          <a:noFill/>
+        </a:ln>
+        <a:effectLst/>
+      </dsp:spPr>
+      <dsp:style>
+        <a:lnRef idx="0">
+          <a:scrgbClr r="0" g="0" b="0"/>
+        </a:lnRef>
+        <a:fillRef idx="0">
+          <a:scrgbClr r="0" g="0" b="0"/>
+        </a:fillRef>
+        <a:effectRef idx="0">
+          <a:scrgbClr r="0" g="0" b="0"/>
+        </a:effectRef>
+        <a:fontRef idx="minor"/>
+      </dsp:style>
+      <dsp:txBody>
+        <a:bodyPr spcFirstLastPara="0" vert="horz" wrap="square" lIns="91440" tIns="91440" rIns="91440" bIns="91440" numCol="1" spcCol="1270" anchor="t" anchorCtr="0">
+          <a:noAutofit/>
+        </a:bodyPr>
+        <a:lstStyle/>
+        <a:p>
+          <a:pPr marL="0" lvl="0" indent="0" algn="l" defTabSz="1066800">
+            <a:lnSpc>
+              <a:spcPct val="90000"/>
+            </a:lnSpc>
+            <a:spcBef>
+              <a:spcPct val="0"/>
+            </a:spcBef>
+            <a:spcAft>
+              <a:spcPct val="35000"/>
+            </a:spcAft>
+            <a:buNone/>
+          </a:pPr>
+          <a:r>
+            <a:rPr lang="en-US" sz="2400" kern="1200" dirty="0"/>
+            <a:t>2018</a:t>
+          </a:r>
+          <a:br>
+            <a:rPr lang="en-US" sz="2400" kern="1200" dirty="0"/>
+          </a:br>
+          <a:r>
+            <a:rPr lang="en-US" sz="2400" kern="1200" dirty="0"/>
+            <a:t>7.3</a:t>
+          </a:r>
+        </a:p>
+      </dsp:txBody>
+      <dsp:txXfrm>
+        <a:off x="4531387" y="2053280"/>
+        <a:ext cx="903376" cy="791862"/>
+      </dsp:txXfrm>
+    </dsp:sp>
+    <dsp:sp modelId="{86E972F2-0282-48BD-A237-2FC57D48283B}">
+      <dsp:nvSpPr>
+        <dsp:cNvPr id="0" name=""/>
+        <dsp:cNvSpPr/>
+      </dsp:nvSpPr>
+      <dsp:spPr>
+        <a:xfrm>
+          <a:off x="5264315" y="1680639"/>
+          <a:ext cx="170448" cy="170448"/>
+        </a:xfrm>
+        <a:prstGeom prst="triangle">
+          <a:avLst>
+            <a:gd name="adj" fmla="val 100000"/>
+          </a:avLst>
+        </a:prstGeom>
+        <a:solidFill>
+          <a:schemeClr val="accent1">
+            <a:hueOff val="0"/>
+            <a:satOff val="0"/>
+            <a:lumOff val="0"/>
+            <a:alphaOff val="0"/>
+          </a:schemeClr>
+        </a:solidFill>
+        <a:ln w="15875" cap="flat" cmpd="sng" algn="ctr">
+          <a:solidFill>
+            <a:schemeClr val="accent1">
+              <a:hueOff val="0"/>
+              <a:satOff val="0"/>
+              <a:lumOff val="0"/>
+              <a:alphaOff val="0"/>
+            </a:schemeClr>
+          </a:solidFill>
+          <a:prstDash val="solid"/>
+        </a:ln>
+        <a:effectLst/>
+      </dsp:spPr>
+      <dsp:style>
+        <a:lnRef idx="2">
+          <a:scrgbClr r="0" g="0" b="0"/>
+        </a:lnRef>
+        <a:fillRef idx="1">
+          <a:scrgbClr r="0" g="0" b="0"/>
+        </a:fillRef>
+        <a:effectRef idx="0">
+          <a:scrgbClr r="0" g="0" b="0"/>
+        </a:effectRef>
+        <a:fontRef idx="minor">
+          <a:schemeClr val="lt1"/>
+        </a:fontRef>
+      </dsp:style>
+    </dsp:sp>
+    <dsp:sp modelId="{8F240FE0-286F-43FB-9354-DB4AE83DA4F2}">
+      <dsp:nvSpPr>
+        <dsp:cNvPr id="0" name=""/>
+        <dsp:cNvSpPr/>
+      </dsp:nvSpPr>
+      <dsp:spPr>
+        <a:xfrm rot="5400000">
+          <a:off x="5737677" y="1480648"/>
+          <a:ext cx="601349" cy="1000632"/>
+        </a:xfrm>
+        <a:prstGeom prst="corner">
+          <a:avLst>
+            <a:gd name="adj1" fmla="val 16120"/>
+            <a:gd name="adj2" fmla="val 16110"/>
+          </a:avLst>
+        </a:prstGeom>
+        <a:solidFill>
+          <a:schemeClr val="accent1">
+            <a:hueOff val="0"/>
+            <a:satOff val="0"/>
+            <a:lumOff val="0"/>
+            <a:alphaOff val="0"/>
+          </a:schemeClr>
+        </a:solidFill>
+        <a:ln w="15875" cap="flat" cmpd="sng" algn="ctr">
+          <a:solidFill>
+            <a:schemeClr val="accent1">
+              <a:hueOff val="0"/>
+              <a:satOff val="0"/>
+              <a:lumOff val="0"/>
+              <a:alphaOff val="0"/>
+            </a:schemeClr>
+          </a:solidFill>
+          <a:prstDash val="solid"/>
+        </a:ln>
+        <a:effectLst/>
+      </dsp:spPr>
+      <dsp:style>
+        <a:lnRef idx="2">
+          <a:scrgbClr r="0" g="0" b="0"/>
+        </a:lnRef>
+        <a:fillRef idx="1">
+          <a:scrgbClr r="0" g="0" b="0"/>
+        </a:fillRef>
+        <a:effectRef idx="0">
+          <a:scrgbClr r="0" g="0" b="0"/>
+        </a:effectRef>
+        <a:fontRef idx="minor">
+          <a:schemeClr val="lt1"/>
+        </a:fontRef>
+      </dsp:style>
+    </dsp:sp>
+    <dsp:sp modelId="{C20ED00B-E253-4D9D-A210-E9A0F84AC654}">
+      <dsp:nvSpPr>
+        <dsp:cNvPr id="0" name=""/>
+        <dsp:cNvSpPr/>
+      </dsp:nvSpPr>
+      <dsp:spPr>
+        <a:xfrm>
+          <a:off x="5637296" y="1779622"/>
+          <a:ext cx="903376" cy="791862"/>
+        </a:xfrm>
+        <a:prstGeom prst="rect">
+          <a:avLst/>
+        </a:prstGeom>
+        <a:noFill/>
+        <a:ln>
+          <a:noFill/>
+        </a:ln>
+        <a:effectLst/>
+      </dsp:spPr>
+      <dsp:style>
+        <a:lnRef idx="0">
+          <a:scrgbClr r="0" g="0" b="0"/>
+        </a:lnRef>
+        <a:fillRef idx="0">
+          <a:scrgbClr r="0" g="0" b="0"/>
+        </a:fillRef>
+        <a:effectRef idx="0">
+          <a:scrgbClr r="0" g="0" b="0"/>
+        </a:effectRef>
+        <a:fontRef idx="minor"/>
+      </dsp:style>
+      <dsp:txBody>
+        <a:bodyPr spcFirstLastPara="0" vert="horz" wrap="square" lIns="91440" tIns="91440" rIns="91440" bIns="91440" numCol="1" spcCol="1270" anchor="t" anchorCtr="0">
+          <a:noAutofit/>
+        </a:bodyPr>
+        <a:lstStyle/>
+        <a:p>
+          <a:pPr marL="0" lvl="0" indent="0" algn="l" defTabSz="1066800">
+            <a:lnSpc>
+              <a:spcPct val="90000"/>
+            </a:lnSpc>
+            <a:spcBef>
+              <a:spcPct val="0"/>
+            </a:spcBef>
+            <a:spcAft>
+              <a:spcPct val="35000"/>
+            </a:spcAft>
+            <a:buNone/>
+          </a:pPr>
+          <a:r>
+            <a:rPr lang="en-US" sz="2400" kern="1200" dirty="0"/>
+            <a:t>2019</a:t>
+          </a:r>
+          <a:br>
+            <a:rPr lang="en-US" sz="2400" kern="1200" dirty="0"/>
+          </a:br>
+          <a:r>
+            <a:rPr lang="en-US" sz="2400" kern="1200" dirty="0"/>
+            <a:t>8</a:t>
+          </a:r>
+        </a:p>
+      </dsp:txBody>
+      <dsp:txXfrm>
+        <a:off x="5637296" y="1779622"/>
+        <a:ext cx="903376" cy="791862"/>
+      </dsp:txXfrm>
+    </dsp:sp>
+    <dsp:sp modelId="{82341C83-649D-40DD-B9E0-CFF2F485FB17}">
+      <dsp:nvSpPr>
+        <dsp:cNvPr id="0" name=""/>
+        <dsp:cNvSpPr/>
+      </dsp:nvSpPr>
+      <dsp:spPr>
+        <a:xfrm>
+          <a:off x="6370224" y="1406981"/>
+          <a:ext cx="170448" cy="170448"/>
+        </a:xfrm>
+        <a:prstGeom prst="triangle">
+          <a:avLst>
+            <a:gd name="adj" fmla="val 100000"/>
+          </a:avLst>
+        </a:prstGeom>
+        <a:solidFill>
+          <a:schemeClr val="accent1">
+            <a:hueOff val="0"/>
+            <a:satOff val="0"/>
+            <a:lumOff val="0"/>
+            <a:alphaOff val="0"/>
+          </a:schemeClr>
+        </a:solidFill>
+        <a:ln w="15875" cap="flat" cmpd="sng" algn="ctr">
+          <a:solidFill>
+            <a:schemeClr val="accent1">
+              <a:hueOff val="0"/>
+              <a:satOff val="0"/>
+              <a:lumOff val="0"/>
+              <a:alphaOff val="0"/>
+            </a:schemeClr>
+          </a:solidFill>
+          <a:prstDash val="solid"/>
+        </a:ln>
+        <a:effectLst/>
+      </dsp:spPr>
+      <dsp:style>
+        <a:lnRef idx="2">
+          <a:scrgbClr r="0" g="0" b="0"/>
+        </a:lnRef>
+        <a:fillRef idx="1">
+          <a:scrgbClr r="0" g="0" b="0"/>
+        </a:fillRef>
+        <a:effectRef idx="0">
+          <a:scrgbClr r="0" g="0" b="0"/>
+        </a:effectRef>
+        <a:fontRef idx="minor">
+          <a:schemeClr val="lt1"/>
+        </a:fontRef>
+      </dsp:style>
+    </dsp:sp>
+    <dsp:sp modelId="{5932BF85-5FC1-4B88-B289-2B7F6DD23F1F}">
+      <dsp:nvSpPr>
+        <dsp:cNvPr id="0" name=""/>
+        <dsp:cNvSpPr/>
+      </dsp:nvSpPr>
+      <dsp:spPr>
+        <a:xfrm rot="5400000">
+          <a:off x="6843586" y="1206990"/>
+          <a:ext cx="601349" cy="1000632"/>
+        </a:xfrm>
+        <a:prstGeom prst="corner">
+          <a:avLst>
+            <a:gd name="adj1" fmla="val 16120"/>
+            <a:gd name="adj2" fmla="val 16110"/>
+          </a:avLst>
+        </a:prstGeom>
+        <a:solidFill>
+          <a:schemeClr val="accent1">
+            <a:hueOff val="0"/>
+            <a:satOff val="0"/>
+            <a:lumOff val="0"/>
+            <a:alphaOff val="0"/>
+          </a:schemeClr>
+        </a:solidFill>
+        <a:ln w="15875" cap="flat" cmpd="sng" algn="ctr">
+          <a:solidFill>
+            <a:schemeClr val="accent1">
+              <a:hueOff val="0"/>
+              <a:satOff val="0"/>
+              <a:lumOff val="0"/>
+              <a:alphaOff val="0"/>
+            </a:schemeClr>
+          </a:solidFill>
+          <a:prstDash val="solid"/>
+        </a:ln>
+        <a:effectLst/>
+      </dsp:spPr>
+      <dsp:style>
+        <a:lnRef idx="2">
+          <a:scrgbClr r="0" g="0" b="0"/>
+        </a:lnRef>
+        <a:fillRef idx="1">
+          <a:scrgbClr r="0" g="0" b="0"/>
+        </a:fillRef>
+        <a:effectRef idx="0">
+          <a:scrgbClr r="0" g="0" b="0"/>
+        </a:effectRef>
+        <a:fontRef idx="minor">
+          <a:schemeClr val="lt1"/>
+        </a:fontRef>
+      </dsp:style>
+    </dsp:sp>
+    <dsp:sp modelId="{BAFB9694-C2E1-4261-8A33-A246E47F5F4B}">
+      <dsp:nvSpPr>
+        <dsp:cNvPr id="0" name=""/>
+        <dsp:cNvSpPr/>
+      </dsp:nvSpPr>
+      <dsp:spPr>
+        <a:xfrm>
+          <a:off x="6743206" y="1505963"/>
+          <a:ext cx="903376" cy="791862"/>
+        </a:xfrm>
+        <a:prstGeom prst="rect">
+          <a:avLst/>
+        </a:prstGeom>
+        <a:noFill/>
+        <a:ln>
+          <a:noFill/>
+        </a:ln>
+        <a:effectLst/>
+      </dsp:spPr>
+      <dsp:style>
+        <a:lnRef idx="0">
+          <a:scrgbClr r="0" g="0" b="0"/>
+        </a:lnRef>
+        <a:fillRef idx="0">
+          <a:scrgbClr r="0" g="0" b="0"/>
+        </a:fillRef>
+        <a:effectRef idx="0">
+          <a:scrgbClr r="0" g="0" b="0"/>
+        </a:effectRef>
+        <a:fontRef idx="minor"/>
+      </dsp:style>
+      <dsp:txBody>
+        <a:bodyPr spcFirstLastPara="0" vert="horz" wrap="square" lIns="91440" tIns="91440" rIns="91440" bIns="91440" numCol="1" spcCol="1270" anchor="t" anchorCtr="0">
+          <a:noAutofit/>
+        </a:bodyPr>
+        <a:lstStyle/>
+        <a:p>
+          <a:pPr marL="0" lvl="0" indent="0" algn="l" defTabSz="1066800">
+            <a:lnSpc>
+              <a:spcPct val="90000"/>
+            </a:lnSpc>
+            <a:spcBef>
+              <a:spcPct val="0"/>
+            </a:spcBef>
+            <a:spcAft>
+              <a:spcPct val="35000"/>
+            </a:spcAft>
+            <a:buNone/>
+          </a:pPr>
+          <a:r>
+            <a:rPr lang="en-US" sz="2400" kern="1200" dirty="0"/>
+            <a:t>2020</a:t>
+          </a:r>
+          <a:br>
+            <a:rPr lang="en-US" sz="2400" kern="1200" dirty="0"/>
+          </a:br>
+          <a:r>
+            <a:rPr lang="en-US" sz="2400" kern="1200" dirty="0"/>
+            <a:t>9</a:t>
+          </a:r>
+        </a:p>
+      </dsp:txBody>
+      <dsp:txXfrm>
+        <a:off x="6743206" y="1505963"/>
+        <a:ext cx="903376" cy="791862"/>
+      </dsp:txXfrm>
+    </dsp:sp>
+    <dsp:sp modelId="{C3BDA560-C3C6-4D33-B5F2-EC76FDAA68CF}">
+      <dsp:nvSpPr>
+        <dsp:cNvPr id="0" name=""/>
+        <dsp:cNvSpPr/>
+      </dsp:nvSpPr>
+      <dsp:spPr>
+        <a:xfrm>
+          <a:off x="7476134" y="1133322"/>
+          <a:ext cx="170448" cy="170448"/>
+        </a:xfrm>
+        <a:prstGeom prst="triangle">
+          <a:avLst>
+            <a:gd name="adj" fmla="val 100000"/>
+          </a:avLst>
+        </a:prstGeom>
+        <a:solidFill>
+          <a:schemeClr val="accent1">
+            <a:hueOff val="0"/>
+            <a:satOff val="0"/>
+            <a:lumOff val="0"/>
+            <a:alphaOff val="0"/>
+          </a:schemeClr>
+        </a:solidFill>
+        <a:ln w="15875" cap="flat" cmpd="sng" algn="ctr">
+          <a:solidFill>
+            <a:schemeClr val="accent1">
+              <a:hueOff val="0"/>
+              <a:satOff val="0"/>
+              <a:lumOff val="0"/>
+              <a:alphaOff val="0"/>
+            </a:schemeClr>
+          </a:solidFill>
+          <a:prstDash val="solid"/>
+        </a:ln>
+        <a:effectLst/>
+      </dsp:spPr>
+      <dsp:style>
+        <a:lnRef idx="2">
+          <a:scrgbClr r="0" g="0" b="0"/>
+        </a:lnRef>
+        <a:fillRef idx="1">
+          <a:scrgbClr r="0" g="0" b="0"/>
+        </a:fillRef>
+        <a:effectRef idx="0">
+          <a:scrgbClr r="0" g="0" b="0"/>
+        </a:effectRef>
+        <a:fontRef idx="minor">
+          <a:schemeClr val="lt1"/>
+        </a:fontRef>
+      </dsp:style>
+    </dsp:sp>
+    <dsp:sp modelId="{DBDDE612-82EF-4D92-B069-7E52B7863382}">
+      <dsp:nvSpPr>
+        <dsp:cNvPr id="0" name=""/>
+        <dsp:cNvSpPr/>
+      </dsp:nvSpPr>
+      <dsp:spPr>
+        <a:xfrm rot="5400000">
+          <a:off x="7949495" y="933332"/>
+          <a:ext cx="601349" cy="1000632"/>
+        </a:xfrm>
+        <a:prstGeom prst="corner">
+          <a:avLst>
+            <a:gd name="adj1" fmla="val 16120"/>
+            <a:gd name="adj2" fmla="val 16110"/>
+          </a:avLst>
+        </a:prstGeom>
+        <a:solidFill>
+          <a:schemeClr val="accent1">
+            <a:hueOff val="0"/>
+            <a:satOff val="0"/>
+            <a:lumOff val="0"/>
+            <a:alphaOff val="0"/>
+          </a:schemeClr>
+        </a:solidFill>
+        <a:ln w="15875" cap="flat" cmpd="sng" algn="ctr">
+          <a:solidFill>
+            <a:schemeClr val="accent1">
+              <a:hueOff val="0"/>
+              <a:satOff val="0"/>
+              <a:lumOff val="0"/>
+              <a:alphaOff val="0"/>
+            </a:schemeClr>
+          </a:solidFill>
+          <a:prstDash val="solid"/>
+        </a:ln>
+        <a:effectLst/>
+      </dsp:spPr>
+      <dsp:style>
+        <a:lnRef idx="2">
+          <a:scrgbClr r="0" g="0" b="0"/>
+        </a:lnRef>
+        <a:fillRef idx="1">
+          <a:scrgbClr r="0" g="0" b="0"/>
+        </a:fillRef>
+        <a:effectRef idx="0">
+          <a:scrgbClr r="0" g="0" b="0"/>
+        </a:effectRef>
+        <a:fontRef idx="minor">
+          <a:schemeClr val="lt1"/>
+        </a:fontRef>
+      </dsp:style>
+    </dsp:sp>
+    <dsp:sp modelId="{D56BE265-6523-4A95-A1C2-953635A75C3A}">
+      <dsp:nvSpPr>
+        <dsp:cNvPr id="0" name=""/>
+        <dsp:cNvSpPr/>
+      </dsp:nvSpPr>
+      <dsp:spPr>
+        <a:xfrm>
+          <a:off x="7849115" y="1232305"/>
+          <a:ext cx="903376" cy="791862"/>
+        </a:xfrm>
+        <a:prstGeom prst="rect">
+          <a:avLst/>
+        </a:prstGeom>
+        <a:noFill/>
+        <a:ln>
+          <a:noFill/>
+        </a:ln>
+        <a:effectLst/>
+      </dsp:spPr>
+      <dsp:style>
+        <a:lnRef idx="0">
+          <a:scrgbClr r="0" g="0" b="0"/>
+        </a:lnRef>
+        <a:fillRef idx="0">
+          <a:scrgbClr r="0" g="0" b="0"/>
+        </a:fillRef>
+        <a:effectRef idx="0">
+          <a:scrgbClr r="0" g="0" b="0"/>
+        </a:effectRef>
+        <a:fontRef idx="minor"/>
+      </dsp:style>
+      <dsp:txBody>
+        <a:bodyPr spcFirstLastPara="0" vert="horz" wrap="square" lIns="91440" tIns="91440" rIns="91440" bIns="91440" numCol="1" spcCol="1270" anchor="t" anchorCtr="0">
+          <a:noAutofit/>
+        </a:bodyPr>
+        <a:lstStyle/>
+        <a:p>
+          <a:pPr marL="0" lvl="0" indent="0" algn="l" defTabSz="1066800">
+            <a:lnSpc>
+              <a:spcPct val="90000"/>
+            </a:lnSpc>
+            <a:spcBef>
+              <a:spcPct val="0"/>
+            </a:spcBef>
+            <a:spcAft>
+              <a:spcPct val="35000"/>
+            </a:spcAft>
+            <a:buNone/>
+          </a:pPr>
+          <a:r>
+            <a:rPr lang="en-US" sz="2400" kern="1200" dirty="0"/>
+            <a:t>2021</a:t>
+          </a:r>
+          <a:br>
+            <a:rPr lang="en-US" sz="2400" kern="1200" dirty="0"/>
+          </a:br>
+          <a:r>
+            <a:rPr lang="en-US" sz="2400" kern="1200" dirty="0"/>
+            <a:t>10</a:t>
+          </a:r>
+        </a:p>
+      </dsp:txBody>
+      <dsp:txXfrm>
+        <a:off x="7849115" y="1232305"/>
+        <a:ext cx="903376" cy="791862"/>
+      </dsp:txXfrm>
+    </dsp:sp>
+    <dsp:sp modelId="{14E02FAC-A7E6-46CD-B071-295D36120743}">
+      <dsp:nvSpPr>
+        <dsp:cNvPr id="0" name=""/>
+        <dsp:cNvSpPr/>
+      </dsp:nvSpPr>
+      <dsp:spPr>
+        <a:xfrm>
+          <a:off x="8582043" y="859664"/>
+          <a:ext cx="170448" cy="170448"/>
+        </a:xfrm>
+        <a:prstGeom prst="triangle">
+          <a:avLst>
+            <a:gd name="adj" fmla="val 100000"/>
+          </a:avLst>
+        </a:prstGeom>
+        <a:solidFill>
+          <a:schemeClr val="accent1">
+            <a:hueOff val="0"/>
+            <a:satOff val="0"/>
+            <a:lumOff val="0"/>
+            <a:alphaOff val="0"/>
+          </a:schemeClr>
+        </a:solidFill>
+        <a:ln w="15875" cap="flat" cmpd="sng" algn="ctr">
+          <a:solidFill>
+            <a:schemeClr val="accent1">
+              <a:hueOff val="0"/>
+              <a:satOff val="0"/>
+              <a:lumOff val="0"/>
+              <a:alphaOff val="0"/>
+            </a:schemeClr>
+          </a:solidFill>
+          <a:prstDash val="solid"/>
+        </a:ln>
+        <a:effectLst/>
+      </dsp:spPr>
+      <dsp:style>
+        <a:lnRef idx="2">
+          <a:scrgbClr r="0" g="0" b="0"/>
+        </a:lnRef>
+        <a:fillRef idx="1">
+          <a:scrgbClr r="0" g="0" b="0"/>
+        </a:fillRef>
+        <a:effectRef idx="0">
+          <a:scrgbClr r="0" g="0" b="0"/>
+        </a:effectRef>
+        <a:fontRef idx="minor">
+          <a:schemeClr val="lt1"/>
+        </a:fontRef>
+      </dsp:style>
+    </dsp:sp>
+    <dsp:sp modelId="{CD7B505C-F821-4926-91FC-E645F28CEB22}">
+      <dsp:nvSpPr>
+        <dsp:cNvPr id="0" name=""/>
+        <dsp:cNvSpPr/>
+      </dsp:nvSpPr>
+      <dsp:spPr>
+        <a:xfrm rot="5400000">
+          <a:off x="9055404" y="659673"/>
+          <a:ext cx="601349" cy="1000632"/>
+        </a:xfrm>
+        <a:prstGeom prst="corner">
+          <a:avLst>
+            <a:gd name="adj1" fmla="val 16120"/>
+            <a:gd name="adj2" fmla="val 16110"/>
+          </a:avLst>
+        </a:prstGeom>
+        <a:solidFill>
+          <a:schemeClr val="accent1">
+            <a:hueOff val="0"/>
+            <a:satOff val="0"/>
+            <a:lumOff val="0"/>
+            <a:alphaOff val="0"/>
+          </a:schemeClr>
+        </a:solidFill>
+        <a:ln w="15875" cap="flat" cmpd="sng" algn="ctr">
+          <a:solidFill>
+            <a:schemeClr val="accent1">
+              <a:hueOff val="0"/>
+              <a:satOff val="0"/>
+              <a:lumOff val="0"/>
+              <a:alphaOff val="0"/>
+            </a:schemeClr>
+          </a:solidFill>
+          <a:prstDash val="solid"/>
+        </a:ln>
+        <a:effectLst/>
+      </dsp:spPr>
+      <dsp:style>
+        <a:lnRef idx="2">
+          <a:scrgbClr r="0" g="0" b="0"/>
+        </a:lnRef>
+        <a:fillRef idx="1">
+          <a:scrgbClr r="0" g="0" b="0"/>
+        </a:fillRef>
+        <a:effectRef idx="0">
+          <a:scrgbClr r="0" g="0" b="0"/>
+        </a:effectRef>
+        <a:fontRef idx="minor">
+          <a:schemeClr val="lt1"/>
+        </a:fontRef>
+      </dsp:style>
+    </dsp:sp>
+    <dsp:sp modelId="{DFA5BC27-E115-4A08-B82C-4C28F0F000A7}">
+      <dsp:nvSpPr>
+        <dsp:cNvPr id="0" name=""/>
+        <dsp:cNvSpPr/>
+      </dsp:nvSpPr>
+      <dsp:spPr>
+        <a:xfrm>
+          <a:off x="8955024" y="958647"/>
+          <a:ext cx="903376" cy="791862"/>
+        </a:xfrm>
+        <a:prstGeom prst="rect">
+          <a:avLst/>
+        </a:prstGeom>
+        <a:noFill/>
+        <a:ln>
+          <a:noFill/>
+        </a:ln>
+        <a:effectLst/>
+      </dsp:spPr>
+      <dsp:style>
+        <a:lnRef idx="0">
+          <a:scrgbClr r="0" g="0" b="0"/>
+        </a:lnRef>
+        <a:fillRef idx="0">
+          <a:scrgbClr r="0" g="0" b="0"/>
+        </a:fillRef>
+        <a:effectRef idx="0">
+          <a:scrgbClr r="0" g="0" b="0"/>
+        </a:effectRef>
+        <a:fontRef idx="minor"/>
+      </dsp:style>
+      <dsp:txBody>
+        <a:bodyPr spcFirstLastPara="0" vert="horz" wrap="square" lIns="91440" tIns="91440" rIns="91440" bIns="91440" numCol="1" spcCol="1270" anchor="t" anchorCtr="0">
+          <a:noAutofit/>
+        </a:bodyPr>
+        <a:lstStyle/>
+        <a:p>
+          <a:pPr marL="0" lvl="0" indent="0" algn="l" defTabSz="1066800">
+            <a:lnSpc>
+              <a:spcPct val="90000"/>
+            </a:lnSpc>
+            <a:spcBef>
+              <a:spcPct val="0"/>
+            </a:spcBef>
+            <a:spcAft>
+              <a:spcPct val="35000"/>
+            </a:spcAft>
+            <a:buNone/>
+          </a:pPr>
+          <a:r>
+            <a:rPr lang="en-US" sz="2400" kern="1200" dirty="0"/>
+            <a:t>2022</a:t>
+          </a:r>
+          <a:br>
+            <a:rPr lang="en-US" sz="2400" kern="1200" dirty="0"/>
+          </a:br>
+          <a:r>
+            <a:rPr lang="en-US" sz="2400" kern="1200" dirty="0"/>
+            <a:t>11</a:t>
+          </a:r>
+        </a:p>
+      </dsp:txBody>
+      <dsp:txXfrm>
+        <a:off x="8955024" y="958647"/>
+        <a:ext cx="903376" cy="791862"/>
+      </dsp:txXfrm>
+    </dsp:sp>
+    <dsp:sp modelId="{8A0807BB-28CD-41A9-9B78-9D1FDEEBDDCB}">
+      <dsp:nvSpPr>
+        <dsp:cNvPr id="0" name=""/>
+        <dsp:cNvSpPr/>
+      </dsp:nvSpPr>
+      <dsp:spPr>
+        <a:xfrm>
+          <a:off x="9687952" y="586006"/>
+          <a:ext cx="170448" cy="170448"/>
+        </a:xfrm>
+        <a:prstGeom prst="triangle">
+          <a:avLst>
+            <a:gd name="adj" fmla="val 100000"/>
+          </a:avLst>
+        </a:prstGeom>
+        <a:solidFill>
+          <a:schemeClr val="accent1">
+            <a:hueOff val="0"/>
+            <a:satOff val="0"/>
+            <a:lumOff val="0"/>
+            <a:alphaOff val="0"/>
+          </a:schemeClr>
+        </a:solidFill>
+        <a:ln w="15875" cap="flat" cmpd="sng" algn="ctr">
+          <a:solidFill>
+            <a:schemeClr val="accent1">
+              <a:hueOff val="0"/>
+              <a:satOff val="0"/>
+              <a:lumOff val="0"/>
+              <a:alphaOff val="0"/>
+            </a:schemeClr>
+          </a:solidFill>
+          <a:prstDash val="solid"/>
+        </a:ln>
+        <a:effectLst/>
+      </dsp:spPr>
+      <dsp:style>
+        <a:lnRef idx="2">
+          <a:scrgbClr r="0" g="0" b="0"/>
+        </a:lnRef>
+        <a:fillRef idx="1">
+          <a:scrgbClr r="0" g="0" b="0"/>
+        </a:fillRef>
+        <a:effectRef idx="0">
+          <a:scrgbClr r="0" g="0" b="0"/>
+        </a:effectRef>
+        <a:fontRef idx="minor">
+          <a:schemeClr val="lt1"/>
+        </a:fontRef>
+      </dsp:style>
+    </dsp:sp>
+    <dsp:sp modelId="{1840873A-714C-4BB5-B71E-86DE8D115E72}">
+      <dsp:nvSpPr>
+        <dsp:cNvPr id="0" name=""/>
+        <dsp:cNvSpPr/>
+      </dsp:nvSpPr>
+      <dsp:spPr>
+        <a:xfrm rot="5400000">
+          <a:off x="10161313" y="386015"/>
+          <a:ext cx="601349" cy="1000632"/>
+        </a:xfrm>
+        <a:prstGeom prst="corner">
+          <a:avLst>
+            <a:gd name="adj1" fmla="val 16120"/>
+            <a:gd name="adj2" fmla="val 16110"/>
+          </a:avLst>
+        </a:prstGeom>
+        <a:solidFill>
+          <a:schemeClr val="accent1">
+            <a:hueOff val="0"/>
+            <a:satOff val="0"/>
+            <a:lumOff val="0"/>
+            <a:alphaOff val="0"/>
+          </a:schemeClr>
+        </a:solidFill>
+        <a:ln w="15875" cap="flat" cmpd="sng" algn="ctr">
+          <a:solidFill>
+            <a:schemeClr val="accent1">
+              <a:hueOff val="0"/>
+              <a:satOff val="0"/>
+              <a:lumOff val="0"/>
+              <a:alphaOff val="0"/>
+            </a:schemeClr>
+          </a:solidFill>
+          <a:prstDash val="solid"/>
+        </a:ln>
+        <a:effectLst/>
+      </dsp:spPr>
+      <dsp:style>
+        <a:lnRef idx="2">
+          <a:scrgbClr r="0" g="0" b="0"/>
+        </a:lnRef>
+        <a:fillRef idx="1">
+          <a:scrgbClr r="0" g="0" b="0"/>
+        </a:fillRef>
+        <a:effectRef idx="0">
+          <a:scrgbClr r="0" g="0" b="0"/>
+        </a:effectRef>
+        <a:fontRef idx="minor">
+          <a:schemeClr val="lt1"/>
+        </a:fontRef>
+      </dsp:style>
+    </dsp:sp>
+    <dsp:sp modelId="{EAC81D57-A4AC-411E-9E1D-F130838ABD5E}">
+      <dsp:nvSpPr>
+        <dsp:cNvPr id="0" name=""/>
+        <dsp:cNvSpPr/>
+      </dsp:nvSpPr>
+      <dsp:spPr>
+        <a:xfrm>
+          <a:off x="10060933" y="684988"/>
+          <a:ext cx="903376" cy="791862"/>
+        </a:xfrm>
+        <a:prstGeom prst="rect">
+          <a:avLst/>
+        </a:prstGeom>
+        <a:noFill/>
+        <a:ln>
+          <a:noFill/>
+        </a:ln>
+        <a:effectLst/>
+      </dsp:spPr>
+      <dsp:style>
+        <a:lnRef idx="0">
+          <a:scrgbClr r="0" g="0" b="0"/>
+        </a:lnRef>
+        <a:fillRef idx="0">
+          <a:scrgbClr r="0" g="0" b="0"/>
+        </a:fillRef>
+        <a:effectRef idx="0">
+          <a:scrgbClr r="0" g="0" b="0"/>
+        </a:effectRef>
+        <a:fontRef idx="minor"/>
+      </dsp:style>
+      <dsp:txBody>
+        <a:bodyPr spcFirstLastPara="0" vert="horz" wrap="square" lIns="91440" tIns="91440" rIns="91440" bIns="91440" numCol="1" spcCol="1270" anchor="t" anchorCtr="0">
+          <a:noAutofit/>
+        </a:bodyPr>
+        <a:lstStyle/>
+        <a:p>
+          <a:pPr marL="0" lvl="0" indent="0" algn="l" defTabSz="1066800">
+            <a:lnSpc>
+              <a:spcPct val="90000"/>
+            </a:lnSpc>
+            <a:spcBef>
+              <a:spcPct val="0"/>
+            </a:spcBef>
+            <a:spcAft>
+              <a:spcPct val="35000"/>
+            </a:spcAft>
+            <a:buNone/>
+          </a:pPr>
+          <a:r>
+            <a:rPr lang="en-US" sz="2400" kern="1200" dirty="0"/>
+            <a:t>2023</a:t>
+          </a:r>
+          <a:br>
+            <a:rPr lang="en-US" sz="2400" kern="1200" dirty="0"/>
+          </a:br>
+          <a:r>
+            <a:rPr lang="en-US" sz="2400" kern="1200" dirty="0"/>
+            <a:t>12</a:t>
+          </a:r>
+        </a:p>
+      </dsp:txBody>
+      <dsp:txXfrm>
+        <a:off x="10060933" y="684988"/>
+        <a:ext cx="903376" cy="791862"/>
+      </dsp:txXfrm>
+    </dsp:sp>
+  </dsp:spTree>
+</dsp:drawing>
+</file>
+
+<file path=ppt/diagrams/drawing3.xml><?xml version="1.0" encoding="utf-8"?>
+<dsp:drawing xmlns:dgm="http://schemas.openxmlformats.org/drawingml/2006/diagram" xmlns:dsp="http://schemas.microsoft.com/office/drawing/2008/diagram" xmlns:a="http://schemas.openxmlformats.org/drawingml/2006/main">
+  <dsp:spTree>
+    <dsp:nvGrpSpPr>
+      <dsp:cNvPr id="0" name=""/>
+      <dsp:cNvGrpSpPr/>
+    </dsp:nvGrpSpPr>
+    <dsp:grpSpPr/>
     <dsp:sp modelId="{FF38E5F5-B2ED-46F9-98AC-B8A051288B43}">
       <dsp:nvSpPr>
         <dsp:cNvPr id="0" name=""/>
@@ -7464,7 +10700,7 @@
 </dsp:drawing>
 </file>
 
-<file path=ppt/diagrams/drawing3.xml><?xml version="1.0" encoding="utf-8"?>
+<file path=ppt/diagrams/drawing4.xml><?xml version="1.0" encoding="utf-8"?>
 <dsp:drawing xmlns:dgm="http://schemas.openxmlformats.org/drawingml/2006/diagram" xmlns:dsp="http://schemas.microsoft.com/office/drawing/2008/diagram" xmlns:a="http://schemas.openxmlformats.org/drawingml/2006/main">
   <dsp:spTree>
     <dsp:nvGrpSpPr>
@@ -7768,7 +11004,7 @@
 </dsp:drawing>
 </file>
 
-<file path=ppt/diagrams/drawing4.xml><?xml version="1.0" encoding="utf-8"?>
+<file path=ppt/diagrams/drawing5.xml><?xml version="1.0" encoding="utf-8"?>
 <dsp:drawing xmlns:dgm="http://schemas.openxmlformats.org/drawingml/2006/diagram" xmlns:dsp="http://schemas.microsoft.com/office/drawing/2008/diagram" xmlns:a="http://schemas.openxmlformats.org/drawingml/2006/main">
   <dsp:spTree>
     <dsp:nvGrpSpPr>
@@ -8347,56 +11583,30 @@
 </file>
 
 <file path=ppt/diagrams/layout2.xml><?xml version="1.0" encoding="utf-8"?>
-<dgm:layoutDef xmlns:dgm="http://schemas.openxmlformats.org/drawingml/2006/diagram" xmlns:a="http://schemas.openxmlformats.org/drawingml/2006/main" uniqueId="urn:microsoft.com/office/officeart/2005/8/layout/chevron2">
+<dgm:layoutDef xmlns:dgm="http://schemas.openxmlformats.org/drawingml/2006/diagram" xmlns:a="http://schemas.openxmlformats.org/drawingml/2006/main" uniqueId="urn:microsoft.com/office/officeart/2009/3/layout/StepUpProcess">
   <dgm:title val=""/>
   <dgm:desc val=""/>
   <dgm:catLst>
-    <dgm:cat type="process" pri="12000"/>
-    <dgm:cat type="list" pri="16000"/>
-    <dgm:cat type="convert" pri="11000"/>
+    <dgm:cat type="process" pri="1300"/>
   </dgm:catLst>
   <dgm:sampData>
     <dgm:dataModel>
       <dgm:ptLst>
         <dgm:pt modelId="0" type="doc"/>
-        <dgm:pt modelId="1">
+        <dgm:pt modelId="10">
           <dgm:prSet phldr="1"/>
         </dgm:pt>
-        <dgm:pt modelId="11">
+        <dgm:pt modelId="20">
           <dgm:prSet phldr="1"/>
         </dgm:pt>
-        <dgm:pt modelId="12">
-          <dgm:prSet phldr="1"/>
-        </dgm:pt>
-        <dgm:pt modelId="2">
-          <dgm:prSet phldr="1"/>
-        </dgm:pt>
-        <dgm:pt modelId="21">
-          <dgm:prSet phldr="1"/>
-        </dgm:pt>
-        <dgm:pt modelId="22">
-          <dgm:prSet phldr="1"/>
-        </dgm:pt>
-        <dgm:pt modelId="3">
-          <dgm:prSet phldr="1"/>
-        </dgm:pt>
-        <dgm:pt modelId="31">
-          <dgm:prSet phldr="1"/>
-        </dgm:pt>
-        <dgm:pt modelId="32">
+        <dgm:pt modelId="30">
           <dgm:prSet phldr="1"/>
         </dgm:pt>
       </dgm:ptLst>
       <dgm:cxnLst>
-        <dgm:cxn modelId="4" srcId="0" destId="1" srcOrd="0" destOrd="0"/>
-        <dgm:cxn modelId="5" srcId="0" destId="2" srcOrd="1" destOrd="0"/>
-        <dgm:cxn modelId="6" srcId="0" destId="3" srcOrd="2" destOrd="0"/>
-        <dgm:cxn modelId="13" srcId="1" destId="11" srcOrd="0" destOrd="0"/>
-        <dgm:cxn modelId="14" srcId="1" destId="12" srcOrd="1" destOrd="0"/>
-        <dgm:cxn modelId="23" srcId="2" destId="21" srcOrd="0" destOrd="0"/>
-        <dgm:cxn modelId="24" srcId="2" destId="22" srcOrd="1" destOrd="0"/>
-        <dgm:cxn modelId="33" srcId="3" destId="31" srcOrd="0" destOrd="0"/>
-        <dgm:cxn modelId="34" srcId="3" destId="32" srcOrd="1" destOrd="0"/>
+        <dgm:cxn modelId="60" srcId="0" destId="10" srcOrd="0" destOrd="0"/>
+        <dgm:cxn modelId="70" srcId="0" destId="20" srcOrd="1" destOrd="0"/>
+        <dgm:cxn modelId="80" srcId="0" destId="30" srcOrd="2" destOrd="0"/>
       </dgm:cxnLst>
       <dgm:bg/>
       <dgm:whole/>
@@ -8406,10 +11616,16 @@
     <dgm:dataModel>
       <dgm:ptLst>
         <dgm:pt modelId="0" type="doc"/>
-        <dgm:pt modelId="1"/>
+        <dgm:pt modelId="10">
+          <dgm:prSet phldr="1"/>
+        </dgm:pt>
+        <dgm:pt modelId="20">
+          <dgm:prSet phldr="1"/>
+        </dgm:pt>
       </dgm:ptLst>
       <dgm:cxnLst>
-        <dgm:cxn modelId="4" srcId="0" destId="1" srcOrd="0" destOrd="0"/>
+        <dgm:cxn modelId="60" srcId="0" destId="10" srcOrd="0" destOrd="0"/>
+        <dgm:cxn modelId="70" srcId="0" destId="20" srcOrd="1" destOrd="0"/>
       </dgm:cxnLst>
       <dgm:bg/>
       <dgm:whole/>
@@ -8419,182 +11635,198 @@
     <dgm:dataModel>
       <dgm:ptLst>
         <dgm:pt modelId="0" type="doc"/>
-        <dgm:pt modelId="1"/>
-        <dgm:pt modelId="11"/>
-        <dgm:pt modelId="2"/>
-        <dgm:pt modelId="21"/>
-        <dgm:pt modelId="3"/>
-        <dgm:pt modelId="31"/>
-        <dgm:pt modelId="4"/>
-        <dgm:pt modelId="41"/>
+        <dgm:pt modelId="10">
+          <dgm:prSet phldr="1"/>
+        </dgm:pt>
+        <dgm:pt modelId="20">
+          <dgm:prSet phldr="1"/>
+        </dgm:pt>
+        <dgm:pt modelId="30">
+          <dgm:prSet phldr="1"/>
+        </dgm:pt>
+        <dgm:pt modelId="40">
+          <dgm:prSet phldr="1"/>
+        </dgm:pt>
       </dgm:ptLst>
       <dgm:cxnLst>
-        <dgm:cxn modelId="5" srcId="0" destId="1" srcOrd="0" destOrd="0"/>
-        <dgm:cxn modelId="6" srcId="0" destId="2" srcOrd="1" destOrd="0"/>
-        <dgm:cxn modelId="7" srcId="0" destId="3" srcOrd="2" destOrd="0"/>
-        <dgm:cxn modelId="8" srcId="0" destId="4" srcOrd="3" destOrd="0"/>
-        <dgm:cxn modelId="13" srcId="1" destId="11" srcOrd="0" destOrd="0"/>
-        <dgm:cxn modelId="23" srcId="2" destId="21" srcOrd="0" destOrd="0"/>
-        <dgm:cxn modelId="33" srcId="3" destId="31" srcOrd="0" destOrd="0"/>
-        <dgm:cxn modelId="43" srcId="4" destId="41" srcOrd="0" destOrd="0"/>
+        <dgm:cxn modelId="60" srcId="0" destId="10" srcOrd="0" destOrd="0"/>
+        <dgm:cxn modelId="70" srcId="0" destId="20" srcOrd="1" destOrd="0"/>
+        <dgm:cxn modelId="80" srcId="0" destId="30" srcOrd="2" destOrd="0"/>
+        <dgm:cxn modelId="90" srcId="0" destId="40" srcOrd="3" destOrd="0"/>
       </dgm:cxnLst>
       <dgm:bg/>
       <dgm:whole/>
     </dgm:dataModel>
   </dgm:clrData>
-  <dgm:layoutNode name="linearFlow">
+  <dgm:layoutNode name="rootnode">
     <dgm:varLst>
+      <dgm:chMax/>
+      <dgm:chPref/>
       <dgm:dir/>
       <dgm:animLvl val="lvl"/>
-      <dgm:resizeHandles val="exact"/>
     </dgm:varLst>
-    <dgm:alg type="lin">
-      <dgm:param type="linDir" val="fromT"/>
-      <dgm:param type="nodeHorzAlign" val="l"/>
-    </dgm:alg>
+    <dgm:choose name="Name0">
+      <dgm:if name="Name1" func="var" arg="dir" op="equ" val="norm">
+        <dgm:alg type="snake">
+          <dgm:param type="grDir" val="bL"/>
+          <dgm:param type="flowDir" val="row"/>
+          <dgm:param type="off" val="off"/>
+          <dgm:param type="bkpt" val="fixed"/>
+          <dgm:param type="bkPtFixedVal" val="1"/>
+        </dgm:alg>
+      </dgm:if>
+      <dgm:else name="Name2">
+        <dgm:alg type="snake">
+          <dgm:param type="grDir" val="bR"/>
+          <dgm:param type="flowDir" val="row"/>
+          <dgm:param type="off" val="off"/>
+          <dgm:param type="bkpt" val="fixed"/>
+          <dgm:param type="bkPtFixedVal" val="1"/>
+        </dgm:alg>
+      </dgm:else>
+    </dgm:choose>
     <dgm:shape xmlns:r="http://schemas.openxmlformats.org/officeDocument/2006/relationships" r:blip="">
       <dgm:adjLst/>
     </dgm:shape>
-    <dgm:presOf/>
     <dgm:constrLst>
+      <dgm:constr type="alignOff" forName="rootnode" val="1"/>
+      <dgm:constr type="primFontSz" for="des" ptType="node" op="equ" val="65"/>
+      <dgm:constr type="w" for="ch" forName="composite" refType="w"/>
       <dgm:constr type="h" for="ch" forName="composite" refType="h"/>
-      <dgm:constr type="w" for="ch" forName="composite" refType="w"/>
-      <dgm:constr type="h" for="des" forName="parentText" op="equ"/>
-      <dgm:constr type="h" for="ch" forName="sp" val="-14.88"/>
-      <dgm:constr type="h" for="ch" forName="sp" refType="w" refFor="des" refForName="parentText" op="gte" fact="-0.3"/>
-      <dgm:constr type="primFontSz" for="des" forName="parentText" op="equ" val="65"/>
-      <dgm:constr type="primFontSz" for="des" forName="descendantText" op="equ" val="65"/>
+      <dgm:constr type="sp" refType="h" refFor="ch" refForName="composite" op="equ" fact="-0.765"/>
+      <dgm:constr type="w" for="ch" forName="sibTrans" refType="w" fact="0.103"/>
+      <dgm:constr type="h" for="ch" forName="sibTrans" refType="h" fact="0.103"/>
     </dgm:constrLst>
-    <dgm:ruleLst/>
-    <dgm:forEach name="Name0" axis="ch" ptType="node">
+    <dgm:forEach name="nodesForEach" axis="ch" ptType="node">
       <dgm:layoutNode name="composite">
-        <dgm:alg type="composite"/>
+        <dgm:alg type="composite">
+          <dgm:param type="ar" val="0.861"/>
+        </dgm:alg>
         <dgm:shape xmlns:r="http://schemas.openxmlformats.org/officeDocument/2006/relationships" r:blip="">
           <dgm:adjLst/>
         </dgm:shape>
-        <dgm:presOf/>
-        <dgm:choose name="Name1">
-          <dgm:if name="Name2" func="var" arg="dir" op="equ" val="norm">
+        <dgm:choose name="Name3">
+          <dgm:if name="Name4" func="var" arg="dir" op="equ" val="norm">
             <dgm:constrLst>
-              <dgm:constr type="t" for="ch" forName="parentText"/>
-              <dgm:constr type="l" for="ch" forName="parentText"/>
-              <dgm:constr type="w" for="ch" forName="parentText" refType="w" fact="0.4"/>
-              <dgm:constr type="h" for="ch" forName="parentText" refType="h"/>
-              <dgm:constr type="w" for="ch" forName="parentText" refType="w" op="lte" fact="0.5"/>
-              <dgm:constr type="w" for="ch" forName="parentText" refType="h" refFor="ch" refForName="parentText" op="lte" fact="0.7"/>
-              <dgm:constr type="h" for="ch" forName="parentText" refType="w" refFor="ch" refForName="parentText" op="lte" fact="3"/>
-              <dgm:constr type="l" for="ch" forName="descendantText" refType="w" refFor="ch" refForName="parentText"/>
-              <dgm:constr type="w" for="ch" forName="descendantText" refType="w"/>
-              <dgm:constr type="wOff" for="ch" forName="descendantText" refType="w" refFor="ch" refForName="parentText" fact="-1"/>
-              <dgm:constr type="t" for="ch" forName="descendantText"/>
-              <dgm:constr type="b" for="ch" forName="descendantText" refType="h" refFor="ch" refForName="parentText"/>
-              <dgm:constr type="bOff" for="ch" forName="descendantText" refType="w" refFor="ch" refForName="parentText" fact="-0.5"/>
+              <dgm:constr type="l" for="ch" forName="LShape" refType="w" fact="0"/>
+              <dgm:constr type="t" for="ch" forName="LShape" refType="h" fact="0.2347"/>
+              <dgm:constr type="w" for="ch" forName="LShape" refType="w" fact="0.998"/>
+              <dgm:constr type="h" for="ch" forName="LShape" refType="h" fact="0.5164"/>
+              <dgm:constr type="r" for="ch" forName="ParentText" refType="w"/>
+              <dgm:constr type="t" for="ch" forName="ParentText" refType="h" fact="0.32"/>
+              <dgm:constr type="w" for="ch" forName="ParentText" refType="w" fact="0.901"/>
+              <dgm:constr type="h" for="ch" forName="ParentText" refType="h" fact="0.68"/>
+              <dgm:constr type="l" for="ch" forName="Triangle" refType="w" fact="0.83"/>
+              <dgm:constr type="t" for="ch" forName="Triangle" refType="h" fact="0"/>
+              <dgm:constr type="w" for="ch" forName="Triangle" refType="w" fact="0.17"/>
+              <dgm:constr type="h" for="ch" forName="Triangle" refType="w" refFor="ch" refForName="Triangle"/>
             </dgm:constrLst>
           </dgm:if>
-          <dgm:else name="Name3">
+          <dgm:else name="Name5">
             <dgm:constrLst>
-              <dgm:constr type="t" for="ch" forName="parentText"/>
-              <dgm:constr type="r" for="ch" forName="parentText" refType="w"/>
-              <dgm:constr type="w" for="ch" forName="parentText" refType="w" fact="0.4"/>
-              <dgm:constr type="h" for="ch" forName="parentText" refType="h"/>
-              <dgm:constr type="w" for="ch" forName="parentText" refType="w" op="lte" fact="0.5"/>
-              <dgm:constr type="w" for="ch" forName="parentText" refType="h" refFor="ch" refForName="parentText" op="lte" fact="0.7"/>
-              <dgm:constr type="h" for="ch" forName="parentText" refType="w" refFor="ch" refForName="parentText" op="lte" fact="3"/>
-              <dgm:constr type="l" for="ch" forName="descendantText"/>
-              <dgm:constr type="w" for="ch" forName="descendantText" refType="w"/>
-              <dgm:constr type="wOff" for="ch" forName="descendantText" refType="w" refFor="ch" refForName="parentText" fact="-1"/>
-              <dgm:constr type="t" for="ch" forName="descendantText"/>
-              <dgm:constr type="b" for="ch" forName="descendantText" refType="h" refFor="ch" refForName="parentText"/>
-              <dgm:constr type="bOff" for="ch" forName="descendantText" refType="w" refFor="ch" refForName="parentText" fact="-0.5"/>
+              <dgm:constr type="l" for="ch" forName="LShape" refType="w" fact="0.002"/>
+              <dgm:constr type="t" for="ch" forName="LShape" refType="h" fact="0.2347"/>
+              <dgm:constr type="w" for="ch" forName="LShape" refType="w"/>
+              <dgm:constr type="h" for="ch" forName="LShape" refType="h" fact="0.5164"/>
+              <dgm:constr type="l" for="ch" forName="ParentText" refType="w" fact="0"/>
+              <dgm:constr type="t" for="ch" forName="ParentText" refType="h" fact="0.32"/>
+              <dgm:constr type="w" for="ch" forName="ParentText" refType="w" fact="0.902"/>
+              <dgm:constr type="h" for="ch" forName="ParentText" refType="h" fact="0.68"/>
+              <dgm:constr type="l" for="ch" forName="Triangle" refType="w" fact="0"/>
+              <dgm:constr type="t" for="ch" forName="Triangle" refType="h" fact="0"/>
+              <dgm:constr type="w" for="ch" forName="Triangle" refType="w" fact="0.17"/>
+              <dgm:constr type="h" for="ch" forName="Triangle" refType="w" refFor="ch" refForName="Triangle"/>
             </dgm:constrLst>
           </dgm:else>
         </dgm:choose>
-        <dgm:ruleLst/>
-        <dgm:layoutNode name="parentText" styleLbl="alignNode1">
-          <dgm:varLst>
-            <dgm:chMax val="1"/>
-            <dgm:bulletEnabled val="1"/>
-          </dgm:varLst>
-          <dgm:alg type="tx"/>
-          <dgm:shape xmlns:r="http://schemas.openxmlformats.org/officeDocument/2006/relationships" rot="90" type="chevron" r:blip="">
-            <dgm:adjLst/>
-          </dgm:shape>
-          <dgm:presOf axis="self" ptType="node"/>
-          <dgm:constrLst>
-            <dgm:constr type="lMarg" refType="primFontSz" fact="0.05"/>
-            <dgm:constr type="rMarg" refType="primFontSz" fact="0.05"/>
-            <dgm:constr type="tMarg" refType="primFontSz" fact="0.05"/>
-            <dgm:constr type="bMarg" refType="primFontSz" fact="0.05"/>
-          </dgm:constrLst>
-          <dgm:ruleLst>
-            <dgm:rule type="h" val="100" fact="NaN" max="NaN"/>
-            <dgm:rule type="primFontSz" val="24" fact="NaN" max="NaN"/>
-            <dgm:rule type="h" val="110" fact="NaN" max="NaN"/>
-            <dgm:rule type="primFontSz" val="18" fact="NaN" max="NaN"/>
-            <dgm:rule type="h" val="INF" fact="NaN" max="NaN"/>
-            <dgm:rule type="primFontSz" val="5" fact="NaN" max="NaN"/>
-          </dgm:ruleLst>
-        </dgm:layoutNode>
-        <dgm:layoutNode name="descendantText" styleLbl="alignAcc1">
-          <dgm:varLst>
-            <dgm:bulletEnabled val="1"/>
-          </dgm:varLst>
-          <dgm:choose name="Name4">
-            <dgm:if name="Name5" func="var" arg="dir" op="equ" val="norm">
-              <dgm:alg type="tx">
-                <dgm:param type="stBulletLvl" val="1"/>
-                <dgm:param type="txAnchorVertCh" val="mid"/>
-              </dgm:alg>
-              <dgm:shape xmlns:r="http://schemas.openxmlformats.org/officeDocument/2006/relationships" rot="90" type="round2SameRect" r:blip="">
-                <dgm:adjLst/>
+        <dgm:layoutNode name="LShape" styleLbl="alignNode1">
+          <dgm:alg type="sp"/>
+          <dgm:choose name="Name6">
+            <dgm:if name="Name7" func="var" arg="dir" op="equ" val="norm">
+              <dgm:shape xmlns:r="http://schemas.openxmlformats.org/officeDocument/2006/relationships" rot="90" type="corner" r:blip="">
+                <dgm:adjLst>
+                  <dgm:adj idx="1" val="0.1612"/>
+                  <dgm:adj idx="2" val="0.1611"/>
+                </dgm:adjLst>
               </dgm:shape>
             </dgm:if>
-            <dgm:else name="Name6">
-              <dgm:alg type="tx">
-                <dgm:param type="stBulletLvl" val="1"/>
-                <dgm:param type="txAnchorVertCh" val="mid"/>
-              </dgm:alg>
-              <dgm:shape xmlns:r="http://schemas.openxmlformats.org/officeDocument/2006/relationships" rot="-90" type="round2SameRect" r:blip="">
-                <dgm:adjLst/>
+            <dgm:else name="Name8">
+              <dgm:shape xmlns:r="http://schemas.openxmlformats.org/officeDocument/2006/relationships" rot="180" type="corner" r:blip="">
+                <dgm:adjLst>
+                  <dgm:adj idx="1" val="0.1612"/>
+                  <dgm:adj idx="2" val="0.1611"/>
+                </dgm:adjLst>
               </dgm:shape>
             </dgm:else>
           </dgm:choose>
-          <dgm:presOf axis="des" ptType="node"/>
-          <dgm:choose name="Name7">
-            <dgm:if name="Name8" func="var" arg="dir" op="equ" val="norm">
-              <dgm:constrLst>
-                <dgm:constr type="secFontSz" refType="primFontSz"/>
-                <dgm:constr type="tMarg" refType="primFontSz" fact="0.05"/>
-                <dgm:constr type="bMarg" refType="primFontSz" fact="0.05"/>
-                <dgm:constr type="rMarg" refType="primFontSz" fact="0.05"/>
-              </dgm:constrLst>
-            </dgm:if>
-            <dgm:else name="Name9">
-              <dgm:constrLst>
-                <dgm:constr type="secFontSz" refType="primFontSz"/>
-                <dgm:constr type="tMarg" refType="primFontSz" fact="0.05"/>
-                <dgm:constr type="bMarg" refType="primFontSz" fact="0.05"/>
-                <dgm:constr type="lMarg" refType="primFontSz" fact="0.05"/>
-              </dgm:constrLst>
-            </dgm:else>
-          </dgm:choose>
+          <dgm:presOf/>
+        </dgm:layoutNode>
+        <dgm:layoutNode name="ParentText" styleLbl="revTx">
+          <dgm:varLst>
+            <dgm:chMax val="0"/>
+            <dgm:chPref val="0"/>
+            <dgm:bulletEnabled val="1"/>
+          </dgm:varLst>
+          <dgm:alg type="tx">
+            <dgm:param type="parTxLTRAlign" val="l"/>
+            <dgm:param type="txAnchorVert" val="t"/>
+          </dgm:alg>
+          <dgm:shape xmlns:r="http://schemas.openxmlformats.org/officeDocument/2006/relationships" type="rect" r:blip="">
+            <dgm:adjLst/>
+          </dgm:shape>
+          <dgm:presOf axis="desOrSelf" ptType="node"/>
+          <dgm:constrLst>
+            <dgm:constr type="lMarg" refType="primFontSz" fact="0.3"/>
+            <dgm:constr type="rMarg" refType="primFontSz" fact="0.3"/>
+            <dgm:constr type="tMarg" refType="primFontSz" fact="0.3"/>
+            <dgm:constr type="bMarg" refType="primFontSz" fact="0.3"/>
+          </dgm:constrLst>
           <dgm:ruleLst>
             <dgm:rule type="primFontSz" val="5" fact="NaN" max="NaN"/>
           </dgm:ruleLst>
         </dgm:layoutNode>
+        <dgm:choose name="Name9">
+          <dgm:if name="Name10" axis="followSib" ptType="node" func="cnt" op="gte" val="1">
+            <dgm:layoutNode name="Triangle" styleLbl="alignNode1">
+              <dgm:alg type="sp"/>
+              <dgm:choose name="Name11">
+                <dgm:if name="Name12" func="var" arg="dir" op="equ" val="norm">
+                  <dgm:shape xmlns:r="http://schemas.openxmlformats.org/officeDocument/2006/relationships" type="triangle" r:blip="">
+                    <dgm:adjLst>
+                      <dgm:adj idx="1" val="1"/>
+                    </dgm:adjLst>
+                  </dgm:shape>
+                </dgm:if>
+                <dgm:else name="Name13">
+                  <dgm:shape xmlns:r="http://schemas.openxmlformats.org/officeDocument/2006/relationships" rot="90" type="triangle" r:blip="">
+                    <dgm:adjLst>
+                      <dgm:adj idx="1" val="1"/>
+                    </dgm:adjLst>
+                  </dgm:shape>
+                </dgm:else>
+              </dgm:choose>
+              <dgm:presOf/>
+            </dgm:layoutNode>
+          </dgm:if>
+          <dgm:else name="Name14"/>
+        </dgm:choose>
       </dgm:layoutNode>
-      <dgm:forEach name="Name10" axis="followSib" ptType="sibTrans" cnt="1">
-        <dgm:layoutNode name="sp">
-          <dgm:alg type="sp"/>
-          <dgm:shape xmlns:r="http://schemas.openxmlformats.org/officeDocument/2006/relationships" r:blip="">
-            <dgm:adjLst/>
-          </dgm:shape>
-          <dgm:presOf axis="self"/>
+      <dgm:forEach name="sibTransForEach" axis="followSib" ptType="sibTrans" cnt="1">
+        <dgm:layoutNode name="sibTrans">
+          <dgm:alg type="composite">
+            <dgm:param type="ar" val="0.861"/>
+          </dgm:alg>
           <dgm:constrLst>
-            <dgm:constr type="w" val="1"/>
-            <dgm:constr type="h" val="37.5"/>
+            <dgm:constr type="w" for="ch" forName="space" refType="w"/>
+            <dgm:constr type="h" for="ch" forName="space" refType="w"/>
           </dgm:constrLst>
-          <dgm:ruleLst/>
+          <dgm:layoutNode name="space" styleLbl="alignNode1">
+            <dgm:alg type="sp"/>
+            <dgm:shape xmlns:r="http://schemas.openxmlformats.org/officeDocument/2006/relationships" r:blip="">
+              <dgm:adjLst/>
+            </dgm:shape>
+            <dgm:presOf/>
+          </dgm:layoutNode>
         </dgm:layoutNode>
       </dgm:forEach>
     </dgm:forEach>
@@ -9114,6 +12346,262 @@
 </dgm:layoutDef>
 </file>
 
+<file path=ppt/diagrams/layout5.xml><?xml version="1.0" encoding="utf-8"?>
+<dgm:layoutDef xmlns:dgm="http://schemas.openxmlformats.org/drawingml/2006/diagram" xmlns:a="http://schemas.openxmlformats.org/drawingml/2006/main" uniqueId="urn:microsoft.com/office/officeart/2005/8/layout/chevron2">
+  <dgm:title val=""/>
+  <dgm:desc val=""/>
+  <dgm:catLst>
+    <dgm:cat type="process" pri="12000"/>
+    <dgm:cat type="list" pri="16000"/>
+    <dgm:cat type="convert" pri="11000"/>
+  </dgm:catLst>
+  <dgm:sampData>
+    <dgm:dataModel>
+      <dgm:ptLst>
+        <dgm:pt modelId="0" type="doc"/>
+        <dgm:pt modelId="1">
+          <dgm:prSet phldr="1"/>
+        </dgm:pt>
+        <dgm:pt modelId="11">
+          <dgm:prSet phldr="1"/>
+        </dgm:pt>
+        <dgm:pt modelId="12">
+          <dgm:prSet phldr="1"/>
+        </dgm:pt>
+        <dgm:pt modelId="2">
+          <dgm:prSet phldr="1"/>
+        </dgm:pt>
+        <dgm:pt modelId="21">
+          <dgm:prSet phldr="1"/>
+        </dgm:pt>
+        <dgm:pt modelId="22">
+          <dgm:prSet phldr="1"/>
+        </dgm:pt>
+        <dgm:pt modelId="3">
+          <dgm:prSet phldr="1"/>
+        </dgm:pt>
+        <dgm:pt modelId="31">
+          <dgm:prSet phldr="1"/>
+        </dgm:pt>
+        <dgm:pt modelId="32">
+          <dgm:prSet phldr="1"/>
+        </dgm:pt>
+      </dgm:ptLst>
+      <dgm:cxnLst>
+        <dgm:cxn modelId="4" srcId="0" destId="1" srcOrd="0" destOrd="0"/>
+        <dgm:cxn modelId="5" srcId="0" destId="2" srcOrd="1" destOrd="0"/>
+        <dgm:cxn modelId="6" srcId="0" destId="3" srcOrd="2" destOrd="0"/>
+        <dgm:cxn modelId="13" srcId="1" destId="11" srcOrd="0" destOrd="0"/>
+        <dgm:cxn modelId="14" srcId="1" destId="12" srcOrd="1" destOrd="0"/>
+        <dgm:cxn modelId="23" srcId="2" destId="21" srcOrd="0" destOrd="0"/>
+        <dgm:cxn modelId="24" srcId="2" destId="22" srcOrd="1" destOrd="0"/>
+        <dgm:cxn modelId="33" srcId="3" destId="31" srcOrd="0" destOrd="0"/>
+        <dgm:cxn modelId="34" srcId="3" destId="32" srcOrd="1" destOrd="0"/>
+      </dgm:cxnLst>
+      <dgm:bg/>
+      <dgm:whole/>
+    </dgm:dataModel>
+  </dgm:sampData>
+  <dgm:styleData>
+    <dgm:dataModel>
+      <dgm:ptLst>
+        <dgm:pt modelId="0" type="doc"/>
+        <dgm:pt modelId="1"/>
+      </dgm:ptLst>
+      <dgm:cxnLst>
+        <dgm:cxn modelId="4" srcId="0" destId="1" srcOrd="0" destOrd="0"/>
+      </dgm:cxnLst>
+      <dgm:bg/>
+      <dgm:whole/>
+    </dgm:dataModel>
+  </dgm:styleData>
+  <dgm:clrData>
+    <dgm:dataModel>
+      <dgm:ptLst>
+        <dgm:pt modelId="0" type="doc"/>
+        <dgm:pt modelId="1"/>
+        <dgm:pt modelId="11"/>
+        <dgm:pt modelId="2"/>
+        <dgm:pt modelId="21"/>
+        <dgm:pt modelId="3"/>
+        <dgm:pt modelId="31"/>
+        <dgm:pt modelId="4"/>
+        <dgm:pt modelId="41"/>
+      </dgm:ptLst>
+      <dgm:cxnLst>
+        <dgm:cxn modelId="5" srcId="0" destId="1" srcOrd="0" destOrd="0"/>
+        <dgm:cxn modelId="6" srcId="0" destId="2" srcOrd="1" destOrd="0"/>
+        <dgm:cxn modelId="7" srcId="0" destId="3" srcOrd="2" destOrd="0"/>
+        <dgm:cxn modelId="8" srcId="0" destId="4" srcOrd="3" destOrd="0"/>
+        <dgm:cxn modelId="13" srcId="1" destId="11" srcOrd="0" destOrd="0"/>
+        <dgm:cxn modelId="23" srcId="2" destId="21" srcOrd="0" destOrd="0"/>
+        <dgm:cxn modelId="33" srcId="3" destId="31" srcOrd="0" destOrd="0"/>
+        <dgm:cxn modelId="43" srcId="4" destId="41" srcOrd="0" destOrd="0"/>
+      </dgm:cxnLst>
+      <dgm:bg/>
+      <dgm:whole/>
+    </dgm:dataModel>
+  </dgm:clrData>
+  <dgm:layoutNode name="linearFlow">
+    <dgm:varLst>
+      <dgm:dir/>
+      <dgm:animLvl val="lvl"/>
+      <dgm:resizeHandles val="exact"/>
+    </dgm:varLst>
+    <dgm:alg type="lin">
+      <dgm:param type="linDir" val="fromT"/>
+      <dgm:param type="nodeHorzAlign" val="l"/>
+    </dgm:alg>
+    <dgm:shape xmlns:r="http://schemas.openxmlformats.org/officeDocument/2006/relationships" r:blip="">
+      <dgm:adjLst/>
+    </dgm:shape>
+    <dgm:presOf/>
+    <dgm:constrLst>
+      <dgm:constr type="h" for="ch" forName="composite" refType="h"/>
+      <dgm:constr type="w" for="ch" forName="composite" refType="w"/>
+      <dgm:constr type="h" for="des" forName="parentText" op="equ"/>
+      <dgm:constr type="h" for="ch" forName="sp" val="-14.88"/>
+      <dgm:constr type="h" for="ch" forName="sp" refType="w" refFor="des" refForName="parentText" op="gte" fact="-0.3"/>
+      <dgm:constr type="primFontSz" for="des" forName="parentText" op="equ" val="65"/>
+      <dgm:constr type="primFontSz" for="des" forName="descendantText" op="equ" val="65"/>
+    </dgm:constrLst>
+    <dgm:ruleLst/>
+    <dgm:forEach name="Name0" axis="ch" ptType="node">
+      <dgm:layoutNode name="composite">
+        <dgm:alg type="composite"/>
+        <dgm:shape xmlns:r="http://schemas.openxmlformats.org/officeDocument/2006/relationships" r:blip="">
+          <dgm:adjLst/>
+        </dgm:shape>
+        <dgm:presOf/>
+        <dgm:choose name="Name1">
+          <dgm:if name="Name2" func="var" arg="dir" op="equ" val="norm">
+            <dgm:constrLst>
+              <dgm:constr type="t" for="ch" forName="parentText"/>
+              <dgm:constr type="l" for="ch" forName="parentText"/>
+              <dgm:constr type="w" for="ch" forName="parentText" refType="w" fact="0.4"/>
+              <dgm:constr type="h" for="ch" forName="parentText" refType="h"/>
+              <dgm:constr type="w" for="ch" forName="parentText" refType="w" op="lte" fact="0.5"/>
+              <dgm:constr type="w" for="ch" forName="parentText" refType="h" refFor="ch" refForName="parentText" op="lte" fact="0.7"/>
+              <dgm:constr type="h" for="ch" forName="parentText" refType="w" refFor="ch" refForName="parentText" op="lte" fact="3"/>
+              <dgm:constr type="l" for="ch" forName="descendantText" refType="w" refFor="ch" refForName="parentText"/>
+              <dgm:constr type="w" for="ch" forName="descendantText" refType="w"/>
+              <dgm:constr type="wOff" for="ch" forName="descendantText" refType="w" refFor="ch" refForName="parentText" fact="-1"/>
+              <dgm:constr type="t" for="ch" forName="descendantText"/>
+              <dgm:constr type="b" for="ch" forName="descendantText" refType="h" refFor="ch" refForName="parentText"/>
+              <dgm:constr type="bOff" for="ch" forName="descendantText" refType="w" refFor="ch" refForName="parentText" fact="-0.5"/>
+            </dgm:constrLst>
+          </dgm:if>
+          <dgm:else name="Name3">
+            <dgm:constrLst>
+              <dgm:constr type="t" for="ch" forName="parentText"/>
+              <dgm:constr type="r" for="ch" forName="parentText" refType="w"/>
+              <dgm:constr type="w" for="ch" forName="parentText" refType="w" fact="0.4"/>
+              <dgm:constr type="h" for="ch" forName="parentText" refType="h"/>
+              <dgm:constr type="w" for="ch" forName="parentText" refType="w" op="lte" fact="0.5"/>
+              <dgm:constr type="w" for="ch" forName="parentText" refType="h" refFor="ch" refForName="parentText" op="lte" fact="0.7"/>
+              <dgm:constr type="h" for="ch" forName="parentText" refType="w" refFor="ch" refForName="parentText" op="lte" fact="3"/>
+              <dgm:constr type="l" for="ch" forName="descendantText"/>
+              <dgm:constr type="w" for="ch" forName="descendantText" refType="w"/>
+              <dgm:constr type="wOff" for="ch" forName="descendantText" refType="w" refFor="ch" refForName="parentText" fact="-1"/>
+              <dgm:constr type="t" for="ch" forName="descendantText"/>
+              <dgm:constr type="b" for="ch" forName="descendantText" refType="h" refFor="ch" refForName="parentText"/>
+              <dgm:constr type="bOff" for="ch" forName="descendantText" refType="w" refFor="ch" refForName="parentText" fact="-0.5"/>
+            </dgm:constrLst>
+          </dgm:else>
+        </dgm:choose>
+        <dgm:ruleLst/>
+        <dgm:layoutNode name="parentText" styleLbl="alignNode1">
+          <dgm:varLst>
+            <dgm:chMax val="1"/>
+            <dgm:bulletEnabled val="1"/>
+          </dgm:varLst>
+          <dgm:alg type="tx"/>
+          <dgm:shape xmlns:r="http://schemas.openxmlformats.org/officeDocument/2006/relationships" rot="90" type="chevron" r:blip="">
+            <dgm:adjLst/>
+          </dgm:shape>
+          <dgm:presOf axis="self" ptType="node"/>
+          <dgm:constrLst>
+            <dgm:constr type="lMarg" refType="primFontSz" fact="0.05"/>
+            <dgm:constr type="rMarg" refType="primFontSz" fact="0.05"/>
+            <dgm:constr type="tMarg" refType="primFontSz" fact="0.05"/>
+            <dgm:constr type="bMarg" refType="primFontSz" fact="0.05"/>
+          </dgm:constrLst>
+          <dgm:ruleLst>
+            <dgm:rule type="h" val="100" fact="NaN" max="NaN"/>
+            <dgm:rule type="primFontSz" val="24" fact="NaN" max="NaN"/>
+            <dgm:rule type="h" val="110" fact="NaN" max="NaN"/>
+            <dgm:rule type="primFontSz" val="18" fact="NaN" max="NaN"/>
+            <dgm:rule type="h" val="INF" fact="NaN" max="NaN"/>
+            <dgm:rule type="primFontSz" val="5" fact="NaN" max="NaN"/>
+          </dgm:ruleLst>
+        </dgm:layoutNode>
+        <dgm:layoutNode name="descendantText" styleLbl="alignAcc1">
+          <dgm:varLst>
+            <dgm:bulletEnabled val="1"/>
+          </dgm:varLst>
+          <dgm:choose name="Name4">
+            <dgm:if name="Name5" func="var" arg="dir" op="equ" val="norm">
+              <dgm:alg type="tx">
+                <dgm:param type="stBulletLvl" val="1"/>
+                <dgm:param type="txAnchorVertCh" val="mid"/>
+              </dgm:alg>
+              <dgm:shape xmlns:r="http://schemas.openxmlformats.org/officeDocument/2006/relationships" rot="90" type="round2SameRect" r:blip="">
+                <dgm:adjLst/>
+              </dgm:shape>
+            </dgm:if>
+            <dgm:else name="Name6">
+              <dgm:alg type="tx">
+                <dgm:param type="stBulletLvl" val="1"/>
+                <dgm:param type="txAnchorVertCh" val="mid"/>
+              </dgm:alg>
+              <dgm:shape xmlns:r="http://schemas.openxmlformats.org/officeDocument/2006/relationships" rot="-90" type="round2SameRect" r:blip="">
+                <dgm:adjLst/>
+              </dgm:shape>
+            </dgm:else>
+          </dgm:choose>
+          <dgm:presOf axis="des" ptType="node"/>
+          <dgm:choose name="Name7">
+            <dgm:if name="Name8" func="var" arg="dir" op="equ" val="norm">
+              <dgm:constrLst>
+                <dgm:constr type="secFontSz" refType="primFontSz"/>
+                <dgm:constr type="tMarg" refType="primFontSz" fact="0.05"/>
+                <dgm:constr type="bMarg" refType="primFontSz" fact="0.05"/>
+                <dgm:constr type="rMarg" refType="primFontSz" fact="0.05"/>
+              </dgm:constrLst>
+            </dgm:if>
+            <dgm:else name="Name9">
+              <dgm:constrLst>
+                <dgm:constr type="secFontSz" refType="primFontSz"/>
+                <dgm:constr type="tMarg" refType="primFontSz" fact="0.05"/>
+                <dgm:constr type="bMarg" refType="primFontSz" fact="0.05"/>
+                <dgm:constr type="lMarg" refType="primFontSz" fact="0.05"/>
+              </dgm:constrLst>
+            </dgm:else>
+          </dgm:choose>
+          <dgm:ruleLst>
+            <dgm:rule type="primFontSz" val="5" fact="NaN" max="NaN"/>
+          </dgm:ruleLst>
+        </dgm:layoutNode>
+      </dgm:layoutNode>
+      <dgm:forEach name="Name10" axis="followSib" ptType="sibTrans" cnt="1">
+        <dgm:layoutNode name="sp">
+          <dgm:alg type="sp"/>
+          <dgm:shape xmlns:r="http://schemas.openxmlformats.org/officeDocument/2006/relationships" r:blip="">
+            <dgm:adjLst/>
+          </dgm:shape>
+          <dgm:presOf axis="self"/>
+          <dgm:constrLst>
+            <dgm:constr type="w" val="1"/>
+            <dgm:constr type="h" val="37.5"/>
+          </dgm:constrLst>
+          <dgm:ruleLst/>
+        </dgm:layoutNode>
+      </dgm:forEach>
+    </dgm:forEach>
+  </dgm:layoutNode>
+</dgm:layoutDef>
+</file>
+
 <file path=ppt/diagrams/quickStyle1.xml><?xml version="1.0" encoding="utf-8"?>
 <dgm:styleDef xmlns:dgm="http://schemas.openxmlformats.org/drawingml/2006/diagram" xmlns:a="http://schemas.openxmlformats.org/drawingml/2006/main" uniqueId="urn:microsoft.com/office/officeart/2005/8/quickstyle/simple1">
   <dgm:title val=""/>
@@ -12217,6 +15705,1040 @@
 </file>
 
 <file path=ppt/diagrams/quickStyle4.xml><?xml version="1.0" encoding="utf-8"?>
+<dgm:styleDef xmlns:dgm="http://schemas.openxmlformats.org/drawingml/2006/diagram" xmlns:a="http://schemas.openxmlformats.org/drawingml/2006/main" uniqueId="urn:microsoft.com/office/officeart/2005/8/quickstyle/simple1">
+  <dgm:title val=""/>
+  <dgm:desc val=""/>
+  <dgm:catLst>
+    <dgm:cat type="simple" pri="10100"/>
+  </dgm:catLst>
+  <dgm:scene3d>
+    <a:camera prst="orthographicFront"/>
+    <a:lightRig rig="threePt" dir="t"/>
+  </dgm:scene3d>
+  <dgm:styleLbl name="node0">
+    <dgm:scene3d>
+      <a:camera prst="orthographicFront"/>
+      <a:lightRig rig="threePt" dir="t"/>
+    </dgm:scene3d>
+    <dgm:sp3d/>
+    <dgm:txPr/>
+    <dgm:style>
+      <a:lnRef idx="2">
+        <a:scrgbClr r="0" g="0" b="0"/>
+      </a:lnRef>
+      <a:fillRef idx="1">
+        <a:scrgbClr r="0" g="0" b="0"/>
+      </a:fillRef>
+      <a:effectRef idx="0">
+        <a:scrgbClr r="0" g="0" b="0"/>
+      </a:effectRef>
+      <a:fontRef idx="minor">
+        <a:schemeClr val="lt1"/>
+      </a:fontRef>
+    </dgm:style>
+  </dgm:styleLbl>
+  <dgm:styleLbl name="lnNode1">
+    <dgm:scene3d>
+      <a:camera prst="orthographicFront"/>
+      <a:lightRig rig="threePt" dir="t"/>
+    </dgm:scene3d>
+    <dgm:sp3d/>
+    <dgm:txPr/>
+    <dgm:style>
+      <a:lnRef idx="2">
+        <a:scrgbClr r="0" g="0" b="0"/>
+      </a:lnRef>
+      <a:fillRef idx="1">
+        <a:scrgbClr r="0" g="0" b="0"/>
+      </a:fillRef>
+      <a:effectRef idx="0">
+        <a:scrgbClr r="0" g="0" b="0"/>
+      </a:effectRef>
+      <a:fontRef idx="minor">
+        <a:schemeClr val="lt1"/>
+      </a:fontRef>
+    </dgm:style>
+  </dgm:styleLbl>
+  <dgm:styleLbl name="vennNode1">
+    <dgm:scene3d>
+      <a:camera prst="orthographicFront"/>
+      <a:lightRig rig="threePt" dir="t"/>
+    </dgm:scene3d>
+    <dgm:sp3d/>
+    <dgm:txPr/>
+    <dgm:style>
+      <a:lnRef idx="2">
+        <a:scrgbClr r="0" g="0" b="0"/>
+      </a:lnRef>
+      <a:fillRef idx="1">
+        <a:scrgbClr r="0" g="0" b="0"/>
+      </a:fillRef>
+      <a:effectRef idx="0">
+        <a:scrgbClr r="0" g="0" b="0"/>
+      </a:effectRef>
+      <a:fontRef idx="minor">
+        <a:schemeClr val="tx1"/>
+      </a:fontRef>
+    </dgm:style>
+  </dgm:styleLbl>
+  <dgm:styleLbl name="alignNode1">
+    <dgm:scene3d>
+      <a:camera prst="orthographicFront"/>
+      <a:lightRig rig="threePt" dir="t"/>
+    </dgm:scene3d>
+    <dgm:sp3d/>
+    <dgm:txPr/>
+    <dgm:style>
+      <a:lnRef idx="2">
+        <a:scrgbClr r="0" g="0" b="0"/>
+      </a:lnRef>
+      <a:fillRef idx="1">
+        <a:scrgbClr r="0" g="0" b="0"/>
+      </a:fillRef>
+      <a:effectRef idx="0">
+        <a:scrgbClr r="0" g="0" b="0"/>
+      </a:effectRef>
+      <a:fontRef idx="minor">
+        <a:schemeClr val="lt1"/>
+      </a:fontRef>
+    </dgm:style>
+  </dgm:styleLbl>
+  <dgm:styleLbl name="node1">
+    <dgm:scene3d>
+      <a:camera prst="orthographicFront"/>
+      <a:lightRig rig="threePt" dir="t"/>
+    </dgm:scene3d>
+    <dgm:sp3d/>
+    <dgm:txPr/>
+    <dgm:style>
+      <a:lnRef idx="2">
+        <a:scrgbClr r="0" g="0" b="0"/>
+      </a:lnRef>
+      <a:fillRef idx="1">
+        <a:scrgbClr r="0" g="0" b="0"/>
+      </a:fillRef>
+      <a:effectRef idx="0">
+        <a:scrgbClr r="0" g="0" b="0"/>
+      </a:effectRef>
+      <a:fontRef idx="minor">
+        <a:schemeClr val="lt1"/>
+      </a:fontRef>
+    </dgm:style>
+  </dgm:styleLbl>
+  <dgm:styleLbl name="node2">
+    <dgm:scene3d>
+      <a:camera prst="orthographicFront"/>
+      <a:lightRig rig="threePt" dir="t"/>
+    </dgm:scene3d>
+    <dgm:sp3d/>
+    <dgm:txPr/>
+    <dgm:style>
+      <a:lnRef idx="2">
+        <a:scrgbClr r="0" g="0" b="0"/>
+      </a:lnRef>
+      <a:fillRef idx="1">
+        <a:scrgbClr r="0" g="0" b="0"/>
+      </a:fillRef>
+      <a:effectRef idx="0">
+        <a:scrgbClr r="0" g="0" b="0"/>
+      </a:effectRef>
+      <a:fontRef idx="minor">
+        <a:schemeClr val="lt1"/>
+      </a:fontRef>
+    </dgm:style>
+  </dgm:styleLbl>
+  <dgm:styleLbl name="node3">
+    <dgm:scene3d>
+      <a:camera prst="orthographicFront"/>
+      <a:lightRig rig="threePt" dir="t"/>
+    </dgm:scene3d>
+    <dgm:sp3d/>
+    <dgm:txPr/>
+    <dgm:style>
+      <a:lnRef idx="2">
+        <a:scrgbClr r="0" g="0" b="0"/>
+      </a:lnRef>
+      <a:fillRef idx="1">
+        <a:scrgbClr r="0" g="0" b="0"/>
+      </a:fillRef>
+      <a:effectRef idx="0">
+        <a:scrgbClr r="0" g="0" b="0"/>
+      </a:effectRef>
+      <a:fontRef idx="minor">
+        <a:schemeClr val="lt1"/>
+      </a:fontRef>
+    </dgm:style>
+  </dgm:styleLbl>
+  <dgm:styleLbl name="node4">
+    <dgm:scene3d>
+      <a:camera prst="orthographicFront"/>
+      <a:lightRig rig="threePt" dir="t"/>
+    </dgm:scene3d>
+    <dgm:sp3d/>
+    <dgm:txPr/>
+    <dgm:style>
+      <a:lnRef idx="2">
+        <a:scrgbClr r="0" g="0" b="0"/>
+      </a:lnRef>
+      <a:fillRef idx="1">
+        <a:scrgbClr r="0" g="0" b="0"/>
+      </a:fillRef>
+      <a:effectRef idx="0">
+        <a:scrgbClr r="0" g="0" b="0"/>
+      </a:effectRef>
+      <a:fontRef idx="minor">
+        <a:schemeClr val="lt1"/>
+      </a:fontRef>
+    </dgm:style>
+  </dgm:styleLbl>
+  <dgm:styleLbl name="fgImgPlace1">
+    <dgm:scene3d>
+      <a:camera prst="orthographicFront"/>
+      <a:lightRig rig="threePt" dir="t"/>
+    </dgm:scene3d>
+    <dgm:sp3d/>
+    <dgm:txPr/>
+    <dgm:style>
+      <a:lnRef idx="2">
+        <a:scrgbClr r="0" g="0" b="0"/>
+      </a:lnRef>
+      <a:fillRef idx="1">
+        <a:scrgbClr r="0" g="0" b="0"/>
+      </a:fillRef>
+      <a:effectRef idx="0">
+        <a:scrgbClr r="0" g="0" b="0"/>
+      </a:effectRef>
+      <a:fontRef idx="minor"/>
+    </dgm:style>
+  </dgm:styleLbl>
+  <dgm:styleLbl name="alignImgPlace1">
+    <dgm:scene3d>
+      <a:camera prst="orthographicFront"/>
+      <a:lightRig rig="threePt" dir="t"/>
+    </dgm:scene3d>
+    <dgm:sp3d/>
+    <dgm:txPr/>
+    <dgm:style>
+      <a:lnRef idx="2">
+        <a:scrgbClr r="0" g="0" b="0"/>
+      </a:lnRef>
+      <a:fillRef idx="1">
+        <a:scrgbClr r="0" g="0" b="0"/>
+      </a:fillRef>
+      <a:effectRef idx="0">
+        <a:scrgbClr r="0" g="0" b="0"/>
+      </a:effectRef>
+      <a:fontRef idx="minor"/>
+    </dgm:style>
+  </dgm:styleLbl>
+  <dgm:styleLbl name="bgImgPlace1">
+    <dgm:scene3d>
+      <a:camera prst="orthographicFront"/>
+      <a:lightRig rig="threePt" dir="t"/>
+    </dgm:scene3d>
+    <dgm:sp3d/>
+    <dgm:txPr/>
+    <dgm:style>
+      <a:lnRef idx="2">
+        <a:scrgbClr r="0" g="0" b="0"/>
+      </a:lnRef>
+      <a:fillRef idx="1">
+        <a:scrgbClr r="0" g="0" b="0"/>
+      </a:fillRef>
+      <a:effectRef idx="0">
+        <a:scrgbClr r="0" g="0" b="0"/>
+      </a:effectRef>
+      <a:fontRef idx="minor"/>
+    </dgm:style>
+  </dgm:styleLbl>
+  <dgm:styleLbl name="sibTrans2D1">
+    <dgm:scene3d>
+      <a:camera prst="orthographicFront"/>
+      <a:lightRig rig="threePt" dir="t"/>
+    </dgm:scene3d>
+    <dgm:sp3d/>
+    <dgm:txPr/>
+    <dgm:style>
+      <a:lnRef idx="0">
+        <a:scrgbClr r="0" g="0" b="0"/>
+      </a:lnRef>
+      <a:fillRef idx="1">
+        <a:scrgbClr r="0" g="0" b="0"/>
+      </a:fillRef>
+      <a:effectRef idx="0">
+        <a:scrgbClr r="0" g="0" b="0"/>
+      </a:effectRef>
+      <a:fontRef idx="minor">
+        <a:schemeClr val="lt1"/>
+      </a:fontRef>
+    </dgm:style>
+  </dgm:styleLbl>
+  <dgm:styleLbl name="fgSibTrans2D1">
+    <dgm:scene3d>
+      <a:camera prst="orthographicFront"/>
+      <a:lightRig rig="threePt" dir="t"/>
+    </dgm:scene3d>
+    <dgm:sp3d/>
+    <dgm:txPr/>
+    <dgm:style>
+      <a:lnRef idx="0">
+        <a:scrgbClr r="0" g="0" b="0"/>
+      </a:lnRef>
+      <a:fillRef idx="1">
+        <a:scrgbClr r="0" g="0" b="0"/>
+      </a:fillRef>
+      <a:effectRef idx="0">
+        <a:scrgbClr r="0" g="0" b="0"/>
+      </a:effectRef>
+      <a:fontRef idx="minor">
+        <a:schemeClr val="lt1"/>
+      </a:fontRef>
+    </dgm:style>
+  </dgm:styleLbl>
+  <dgm:styleLbl name="bgSibTrans2D1">
+    <dgm:scene3d>
+      <a:camera prst="orthographicFront"/>
+      <a:lightRig rig="threePt" dir="t"/>
+    </dgm:scene3d>
+    <dgm:sp3d/>
+    <dgm:txPr/>
+    <dgm:style>
+      <a:lnRef idx="0">
+        <a:scrgbClr r="0" g="0" b="0"/>
+      </a:lnRef>
+      <a:fillRef idx="1">
+        <a:scrgbClr r="0" g="0" b="0"/>
+      </a:fillRef>
+      <a:effectRef idx="0">
+        <a:scrgbClr r="0" g="0" b="0"/>
+      </a:effectRef>
+      <a:fontRef idx="minor">
+        <a:schemeClr val="lt1"/>
+      </a:fontRef>
+    </dgm:style>
+  </dgm:styleLbl>
+  <dgm:styleLbl name="sibTrans1D1">
+    <dgm:scene3d>
+      <a:camera prst="orthographicFront"/>
+      <a:lightRig rig="threePt" dir="t"/>
+    </dgm:scene3d>
+    <dgm:sp3d/>
+    <dgm:txPr/>
+    <dgm:style>
+      <a:lnRef idx="1">
+        <a:scrgbClr r="0" g="0" b="0"/>
+      </a:lnRef>
+      <a:fillRef idx="0">
+        <a:scrgbClr r="0" g="0" b="0"/>
+      </a:fillRef>
+      <a:effectRef idx="0">
+        <a:scrgbClr r="0" g="0" b="0"/>
+      </a:effectRef>
+      <a:fontRef idx="minor"/>
+    </dgm:style>
+  </dgm:styleLbl>
+  <dgm:styleLbl name="callout">
+    <dgm:scene3d>
+      <a:camera prst="orthographicFront"/>
+      <a:lightRig rig="threePt" dir="t"/>
+    </dgm:scene3d>
+    <dgm:sp3d/>
+    <dgm:txPr/>
+    <dgm:style>
+      <a:lnRef idx="2">
+        <a:scrgbClr r="0" g="0" b="0"/>
+      </a:lnRef>
+      <a:fillRef idx="1">
+        <a:scrgbClr r="0" g="0" b="0"/>
+      </a:fillRef>
+      <a:effectRef idx="0">
+        <a:scrgbClr r="0" g="0" b="0"/>
+      </a:effectRef>
+      <a:fontRef idx="minor"/>
+    </dgm:style>
+  </dgm:styleLbl>
+  <dgm:styleLbl name="asst0">
+    <dgm:scene3d>
+      <a:camera prst="orthographicFront"/>
+      <a:lightRig rig="threePt" dir="t"/>
+    </dgm:scene3d>
+    <dgm:sp3d/>
+    <dgm:txPr/>
+    <dgm:style>
+      <a:lnRef idx="2">
+        <a:scrgbClr r="0" g="0" b="0"/>
+      </a:lnRef>
+      <a:fillRef idx="1">
+        <a:scrgbClr r="0" g="0" b="0"/>
+      </a:fillRef>
+      <a:effectRef idx="0">
+        <a:scrgbClr r="0" g="0" b="0"/>
+      </a:effectRef>
+      <a:fontRef idx="minor">
+        <a:schemeClr val="lt1"/>
+      </a:fontRef>
+    </dgm:style>
+  </dgm:styleLbl>
+  <dgm:styleLbl name="asst1">
+    <dgm:scene3d>
+      <a:camera prst="orthographicFront"/>
+      <a:lightRig rig="threePt" dir="t"/>
+    </dgm:scene3d>
+    <dgm:sp3d/>
+    <dgm:txPr/>
+    <dgm:style>
+      <a:lnRef idx="2">
+        <a:scrgbClr r="0" g="0" b="0"/>
+      </a:lnRef>
+      <a:fillRef idx="1">
+        <a:scrgbClr r="0" g="0" b="0"/>
+      </a:fillRef>
+      <a:effectRef idx="0">
+        <a:scrgbClr r="0" g="0" b="0"/>
+      </a:effectRef>
+      <a:fontRef idx="minor">
+        <a:schemeClr val="lt1"/>
+      </a:fontRef>
+    </dgm:style>
+  </dgm:styleLbl>
+  <dgm:styleLbl name="asst2">
+    <dgm:scene3d>
+      <a:camera prst="orthographicFront"/>
+      <a:lightRig rig="threePt" dir="t"/>
+    </dgm:scene3d>
+    <dgm:sp3d/>
+    <dgm:txPr/>
+    <dgm:style>
+      <a:lnRef idx="2">
+        <a:scrgbClr r="0" g="0" b="0"/>
+      </a:lnRef>
+      <a:fillRef idx="1">
+        <a:scrgbClr r="0" g="0" b="0"/>
+      </a:fillRef>
+      <a:effectRef idx="0">
+        <a:scrgbClr r="0" g="0" b="0"/>
+      </a:effectRef>
+      <a:fontRef idx="minor">
+        <a:schemeClr val="lt1"/>
+      </a:fontRef>
+    </dgm:style>
+  </dgm:styleLbl>
+  <dgm:styleLbl name="asst3">
+    <dgm:scene3d>
+      <a:camera prst="orthographicFront"/>
+      <a:lightRig rig="threePt" dir="t"/>
+    </dgm:scene3d>
+    <dgm:sp3d/>
+    <dgm:txPr/>
+    <dgm:style>
+      <a:lnRef idx="2">
+        <a:scrgbClr r="0" g="0" b="0"/>
+      </a:lnRef>
+      <a:fillRef idx="1">
+        <a:scrgbClr r="0" g="0" b="0"/>
+      </a:fillRef>
+      <a:effectRef idx="0">
+        <a:scrgbClr r="0" g="0" b="0"/>
+      </a:effectRef>
+      <a:fontRef idx="minor">
+        <a:schemeClr val="lt1"/>
+      </a:fontRef>
+    </dgm:style>
+  </dgm:styleLbl>
+  <dgm:styleLbl name="asst4">
+    <dgm:scene3d>
+      <a:camera prst="orthographicFront"/>
+      <a:lightRig rig="threePt" dir="t"/>
+    </dgm:scene3d>
+    <dgm:sp3d/>
+    <dgm:txPr/>
+    <dgm:style>
+      <a:lnRef idx="2">
+        <a:scrgbClr r="0" g="0" b="0"/>
+      </a:lnRef>
+      <a:fillRef idx="1">
+        <a:scrgbClr r="0" g="0" b="0"/>
+      </a:fillRef>
+      <a:effectRef idx="0">
+        <a:scrgbClr r="0" g="0" b="0"/>
+      </a:effectRef>
+      <a:fontRef idx="minor">
+        <a:schemeClr val="lt1"/>
+      </a:fontRef>
+    </dgm:style>
+  </dgm:styleLbl>
+  <dgm:styleLbl name="parChTrans2D1">
+    <dgm:scene3d>
+      <a:camera prst="orthographicFront"/>
+      <a:lightRig rig="threePt" dir="t"/>
+    </dgm:scene3d>
+    <dgm:sp3d/>
+    <dgm:txPr/>
+    <dgm:style>
+      <a:lnRef idx="2">
+        <a:scrgbClr r="0" g="0" b="0"/>
+      </a:lnRef>
+      <a:fillRef idx="1">
+        <a:scrgbClr r="0" g="0" b="0"/>
+      </a:fillRef>
+      <a:effectRef idx="0">
+        <a:scrgbClr r="0" g="0" b="0"/>
+      </a:effectRef>
+      <a:fontRef idx="minor">
+        <a:schemeClr val="lt1"/>
+      </a:fontRef>
+    </dgm:style>
+  </dgm:styleLbl>
+  <dgm:styleLbl name="parChTrans2D2">
+    <dgm:scene3d>
+      <a:camera prst="orthographicFront"/>
+      <a:lightRig rig="threePt" dir="t"/>
+    </dgm:scene3d>
+    <dgm:sp3d/>
+    <dgm:txPr/>
+    <dgm:style>
+      <a:lnRef idx="2">
+        <a:scrgbClr r="0" g="0" b="0"/>
+      </a:lnRef>
+      <a:fillRef idx="1">
+        <a:scrgbClr r="0" g="0" b="0"/>
+      </a:fillRef>
+      <a:effectRef idx="0">
+        <a:scrgbClr r="0" g="0" b="0"/>
+      </a:effectRef>
+      <a:fontRef idx="minor">
+        <a:schemeClr val="lt1"/>
+      </a:fontRef>
+    </dgm:style>
+  </dgm:styleLbl>
+  <dgm:styleLbl name="parChTrans2D3">
+    <dgm:scene3d>
+      <a:camera prst="orthographicFront"/>
+      <a:lightRig rig="threePt" dir="t"/>
+    </dgm:scene3d>
+    <dgm:sp3d/>
+    <dgm:txPr/>
+    <dgm:style>
+      <a:lnRef idx="2">
+        <a:scrgbClr r="0" g="0" b="0"/>
+      </a:lnRef>
+      <a:fillRef idx="1">
+        <a:scrgbClr r="0" g="0" b="0"/>
+      </a:fillRef>
+      <a:effectRef idx="0">
+        <a:scrgbClr r="0" g="0" b="0"/>
+      </a:effectRef>
+      <a:fontRef idx="minor">
+        <a:schemeClr val="lt1"/>
+      </a:fontRef>
+    </dgm:style>
+  </dgm:styleLbl>
+  <dgm:styleLbl name="parChTrans2D4">
+    <dgm:scene3d>
+      <a:camera prst="orthographicFront"/>
+      <a:lightRig rig="threePt" dir="t"/>
+    </dgm:scene3d>
+    <dgm:sp3d/>
+    <dgm:txPr/>
+    <dgm:style>
+      <a:lnRef idx="2">
+        <a:scrgbClr r="0" g="0" b="0"/>
+      </a:lnRef>
+      <a:fillRef idx="1">
+        <a:scrgbClr r="0" g="0" b="0"/>
+      </a:fillRef>
+      <a:effectRef idx="0">
+        <a:scrgbClr r="0" g="0" b="0"/>
+      </a:effectRef>
+      <a:fontRef idx="minor">
+        <a:schemeClr val="lt1"/>
+      </a:fontRef>
+    </dgm:style>
+  </dgm:styleLbl>
+  <dgm:styleLbl name="parChTrans1D1">
+    <dgm:scene3d>
+      <a:camera prst="orthographicFront"/>
+      <a:lightRig rig="threePt" dir="t"/>
+    </dgm:scene3d>
+    <dgm:sp3d/>
+    <dgm:txPr/>
+    <dgm:style>
+      <a:lnRef idx="2">
+        <a:scrgbClr r="0" g="0" b="0"/>
+      </a:lnRef>
+      <a:fillRef idx="0">
+        <a:scrgbClr r="0" g="0" b="0"/>
+      </a:fillRef>
+      <a:effectRef idx="0">
+        <a:scrgbClr r="0" g="0" b="0"/>
+      </a:effectRef>
+      <a:fontRef idx="minor"/>
+    </dgm:style>
+  </dgm:styleLbl>
+  <dgm:styleLbl name="parChTrans1D2">
+    <dgm:scene3d>
+      <a:camera prst="orthographicFront"/>
+      <a:lightRig rig="threePt" dir="t"/>
+    </dgm:scene3d>
+    <dgm:sp3d/>
+    <dgm:txPr/>
+    <dgm:style>
+      <a:lnRef idx="2">
+        <a:scrgbClr r="0" g="0" b="0"/>
+      </a:lnRef>
+      <a:fillRef idx="0">
+        <a:scrgbClr r="0" g="0" b="0"/>
+      </a:fillRef>
+      <a:effectRef idx="0">
+        <a:scrgbClr r="0" g="0" b="0"/>
+      </a:effectRef>
+      <a:fontRef idx="minor"/>
+    </dgm:style>
+  </dgm:styleLbl>
+  <dgm:styleLbl name="parChTrans1D3">
+    <dgm:scene3d>
+      <a:camera prst="orthographicFront"/>
+      <a:lightRig rig="threePt" dir="t"/>
+    </dgm:scene3d>
+    <dgm:sp3d/>
+    <dgm:txPr/>
+    <dgm:style>
+      <a:lnRef idx="2">
+        <a:scrgbClr r="0" g="0" b="0"/>
+      </a:lnRef>
+      <a:fillRef idx="0">
+        <a:scrgbClr r="0" g="0" b="0"/>
+      </a:fillRef>
+      <a:effectRef idx="0">
+        <a:scrgbClr r="0" g="0" b="0"/>
+      </a:effectRef>
+      <a:fontRef idx="minor"/>
+    </dgm:style>
+  </dgm:styleLbl>
+  <dgm:styleLbl name="parChTrans1D4">
+    <dgm:scene3d>
+      <a:camera prst="orthographicFront"/>
+      <a:lightRig rig="threePt" dir="t"/>
+    </dgm:scene3d>
+    <dgm:sp3d/>
+    <dgm:txPr/>
+    <dgm:style>
+      <a:lnRef idx="2">
+        <a:scrgbClr r="0" g="0" b="0"/>
+      </a:lnRef>
+      <a:fillRef idx="0">
+        <a:scrgbClr r="0" g="0" b="0"/>
+      </a:fillRef>
+      <a:effectRef idx="0">
+        <a:scrgbClr r="0" g="0" b="0"/>
+      </a:effectRef>
+      <a:fontRef idx="minor"/>
+    </dgm:style>
+  </dgm:styleLbl>
+  <dgm:styleLbl name="fgAcc1">
+    <dgm:scene3d>
+      <a:camera prst="orthographicFront"/>
+      <a:lightRig rig="threePt" dir="t"/>
+    </dgm:scene3d>
+    <dgm:sp3d/>
+    <dgm:txPr/>
+    <dgm:style>
+      <a:lnRef idx="2">
+        <a:scrgbClr r="0" g="0" b="0"/>
+      </a:lnRef>
+      <a:fillRef idx="1">
+        <a:scrgbClr r="0" g="0" b="0"/>
+      </a:fillRef>
+      <a:effectRef idx="0">
+        <a:scrgbClr r="0" g="0" b="0"/>
+      </a:effectRef>
+      <a:fontRef idx="minor"/>
+    </dgm:style>
+  </dgm:styleLbl>
+  <dgm:styleLbl name="conFgAcc1">
+    <dgm:scene3d>
+      <a:camera prst="orthographicFront"/>
+      <a:lightRig rig="threePt" dir="t"/>
+    </dgm:scene3d>
+    <dgm:sp3d/>
+    <dgm:txPr/>
+    <dgm:style>
+      <a:lnRef idx="2">
+        <a:scrgbClr r="0" g="0" b="0"/>
+      </a:lnRef>
+      <a:fillRef idx="1">
+        <a:scrgbClr r="0" g="0" b="0"/>
+      </a:fillRef>
+      <a:effectRef idx="0">
+        <a:scrgbClr r="0" g="0" b="0"/>
+      </a:effectRef>
+      <a:fontRef idx="minor"/>
+    </dgm:style>
+  </dgm:styleLbl>
+  <dgm:styleLbl name="alignAcc1">
+    <dgm:scene3d>
+      <a:camera prst="orthographicFront"/>
+      <a:lightRig rig="threePt" dir="t"/>
+    </dgm:scene3d>
+    <dgm:sp3d/>
+    <dgm:txPr/>
+    <dgm:style>
+      <a:lnRef idx="2">
+        <a:scrgbClr r="0" g="0" b="0"/>
+      </a:lnRef>
+      <a:fillRef idx="1">
+        <a:scrgbClr r="0" g="0" b="0"/>
+      </a:fillRef>
+      <a:effectRef idx="0">
+        <a:scrgbClr r="0" g="0" b="0"/>
+      </a:effectRef>
+      <a:fontRef idx="minor"/>
+    </dgm:style>
+  </dgm:styleLbl>
+  <dgm:styleLbl name="trAlignAcc1">
+    <dgm:scene3d>
+      <a:camera prst="orthographicFront"/>
+      <a:lightRig rig="threePt" dir="t"/>
+    </dgm:scene3d>
+    <dgm:sp3d/>
+    <dgm:txPr/>
+    <dgm:style>
+      <a:lnRef idx="1">
+        <a:scrgbClr r="0" g="0" b="0"/>
+      </a:lnRef>
+      <a:fillRef idx="1">
+        <a:scrgbClr r="0" g="0" b="0"/>
+      </a:fillRef>
+      <a:effectRef idx="0">
+        <a:scrgbClr r="0" g="0" b="0"/>
+      </a:effectRef>
+      <a:fontRef idx="minor"/>
+    </dgm:style>
+  </dgm:styleLbl>
+  <dgm:styleLbl name="bgAcc1">
+    <dgm:scene3d>
+      <a:camera prst="orthographicFront"/>
+      <a:lightRig rig="threePt" dir="t"/>
+    </dgm:scene3d>
+    <dgm:sp3d/>
+    <dgm:txPr/>
+    <dgm:style>
+      <a:lnRef idx="2">
+        <a:scrgbClr r="0" g="0" b="0"/>
+      </a:lnRef>
+      <a:fillRef idx="1">
+        <a:scrgbClr r="0" g="0" b="0"/>
+      </a:fillRef>
+      <a:effectRef idx="0">
+        <a:scrgbClr r="0" g="0" b="0"/>
+      </a:effectRef>
+      <a:fontRef idx="minor"/>
+    </dgm:style>
+  </dgm:styleLbl>
+  <dgm:styleLbl name="solidFgAcc1">
+    <dgm:scene3d>
+      <a:camera prst="orthographicFront"/>
+      <a:lightRig rig="threePt" dir="t"/>
+    </dgm:scene3d>
+    <dgm:sp3d/>
+    <dgm:txPr/>
+    <dgm:style>
+      <a:lnRef idx="2">
+        <a:scrgbClr r="0" g="0" b="0"/>
+      </a:lnRef>
+      <a:fillRef idx="1">
+        <a:scrgbClr r="0" g="0" b="0"/>
+      </a:fillRef>
+      <a:effectRef idx="0">
+        <a:scrgbClr r="0" g="0" b="0"/>
+      </a:effectRef>
+      <a:fontRef idx="minor"/>
+    </dgm:style>
+  </dgm:styleLbl>
+  <dgm:styleLbl name="solidAlignAcc1">
+    <dgm:scene3d>
+      <a:camera prst="orthographicFront"/>
+      <a:lightRig rig="threePt" dir="t"/>
+    </dgm:scene3d>
+    <dgm:sp3d/>
+    <dgm:txPr/>
+    <dgm:style>
+      <a:lnRef idx="2">
+        <a:scrgbClr r="0" g="0" b="0"/>
+      </a:lnRef>
+      <a:fillRef idx="1">
+        <a:scrgbClr r="0" g="0" b="0"/>
+      </a:fillRef>
+      <a:effectRef idx="0">
+        <a:scrgbClr r="0" g="0" b="0"/>
+      </a:effectRef>
+      <a:fontRef idx="minor"/>
+    </dgm:style>
+  </dgm:styleLbl>
+  <dgm:styleLbl name="solidBgAcc1">
+    <dgm:scene3d>
+      <a:camera prst="orthographicFront"/>
+      <a:lightRig rig="threePt" dir="t"/>
+    </dgm:scene3d>
+    <dgm:sp3d/>
+    <dgm:txPr/>
+    <dgm:style>
+      <a:lnRef idx="2">
+        <a:scrgbClr r="0" g="0" b="0"/>
+      </a:lnRef>
+      <a:fillRef idx="1">
+        <a:scrgbClr r="0" g="0" b="0"/>
+      </a:fillRef>
+      <a:effectRef idx="0">
+        <a:scrgbClr r="0" g="0" b="0"/>
+      </a:effectRef>
+      <a:fontRef idx="minor"/>
+    </dgm:style>
+  </dgm:styleLbl>
+  <dgm:styleLbl name="fgAccFollowNode1">
+    <dgm:scene3d>
+      <a:camera prst="orthographicFront"/>
+      <a:lightRig rig="threePt" dir="t"/>
+    </dgm:scene3d>
+    <dgm:sp3d/>
+    <dgm:txPr/>
+    <dgm:style>
+      <a:lnRef idx="2">
+        <a:scrgbClr r="0" g="0" b="0"/>
+      </a:lnRef>
+      <a:fillRef idx="1">
+        <a:scrgbClr r="0" g="0" b="0"/>
+      </a:fillRef>
+      <a:effectRef idx="0">
+        <a:scrgbClr r="0" g="0" b="0"/>
+      </a:effectRef>
+      <a:fontRef idx="minor"/>
+    </dgm:style>
+  </dgm:styleLbl>
+  <dgm:styleLbl name="alignAccFollowNode1">
+    <dgm:scene3d>
+      <a:camera prst="orthographicFront"/>
+      <a:lightRig rig="threePt" dir="t"/>
+    </dgm:scene3d>
+    <dgm:sp3d/>
+    <dgm:txPr/>
+    <dgm:style>
+      <a:lnRef idx="2">
+        <a:scrgbClr r="0" g="0" b="0"/>
+      </a:lnRef>
+      <a:fillRef idx="1">
+        <a:scrgbClr r="0" g="0" b="0"/>
+      </a:fillRef>
+      <a:effectRef idx="0">
+        <a:scrgbClr r="0" g="0" b="0"/>
+      </a:effectRef>
+      <a:fontRef idx="minor"/>
+    </dgm:style>
+  </dgm:styleLbl>
+  <dgm:styleLbl name="bgAccFollowNode1">
+    <dgm:scene3d>
+      <a:camera prst="orthographicFront"/>
+      <a:lightRig rig="threePt" dir="t"/>
+    </dgm:scene3d>
+    <dgm:sp3d/>
+    <dgm:txPr/>
+    <dgm:style>
+      <a:lnRef idx="2">
+        <a:scrgbClr r="0" g="0" b="0"/>
+      </a:lnRef>
+      <a:fillRef idx="1">
+        <a:scrgbClr r="0" g="0" b="0"/>
+      </a:fillRef>
+      <a:effectRef idx="0">
+        <a:scrgbClr r="0" g="0" b="0"/>
+      </a:effectRef>
+      <a:fontRef idx="minor"/>
+    </dgm:style>
+  </dgm:styleLbl>
+  <dgm:styleLbl name="fgAcc0">
+    <dgm:scene3d>
+      <a:camera prst="orthographicFront"/>
+      <a:lightRig rig="threePt" dir="t"/>
+    </dgm:scene3d>
+    <dgm:sp3d/>
+    <dgm:txPr/>
+    <dgm:style>
+      <a:lnRef idx="2">
+        <a:scrgbClr r="0" g="0" b="0"/>
+      </a:lnRef>
+      <a:fillRef idx="1">
+        <a:scrgbClr r="0" g="0" b="0"/>
+      </a:fillRef>
+      <a:effectRef idx="0">
+        <a:scrgbClr r="0" g="0" b="0"/>
+      </a:effectRef>
+      <a:fontRef idx="minor"/>
+    </dgm:style>
+  </dgm:styleLbl>
+  <dgm:styleLbl name="fgAcc2">
+    <dgm:scene3d>
+      <a:camera prst="orthographicFront"/>
+      <a:lightRig rig="threePt" dir="t"/>
+    </dgm:scene3d>
+    <dgm:sp3d/>
+    <dgm:txPr/>
+    <dgm:style>
+      <a:lnRef idx="2">
+        <a:scrgbClr r="0" g="0" b="0"/>
+      </a:lnRef>
+      <a:fillRef idx="1">
+        <a:scrgbClr r="0" g="0" b="0"/>
+      </a:fillRef>
+      <a:effectRef idx="0">
+        <a:scrgbClr r="0" g="0" b="0"/>
+      </a:effectRef>
+      <a:fontRef idx="minor"/>
+    </dgm:style>
+  </dgm:styleLbl>
+  <dgm:styleLbl name="fgAcc3">
+    <dgm:scene3d>
+      <a:camera prst="orthographicFront"/>
+      <a:lightRig rig="threePt" dir="t"/>
+    </dgm:scene3d>
+    <dgm:sp3d/>
+    <dgm:txPr/>
+    <dgm:style>
+      <a:lnRef idx="2">
+        <a:scrgbClr r="0" g="0" b="0"/>
+      </a:lnRef>
+      <a:fillRef idx="1">
+        <a:scrgbClr r="0" g="0" b="0"/>
+      </a:fillRef>
+      <a:effectRef idx="0">
+        <a:scrgbClr r="0" g="0" b="0"/>
+      </a:effectRef>
+      <a:fontRef idx="minor"/>
+    </dgm:style>
+  </dgm:styleLbl>
+  <dgm:styleLbl name="fgAcc4">
+    <dgm:scene3d>
+      <a:camera prst="orthographicFront"/>
+      <a:lightRig rig="threePt" dir="t"/>
+    </dgm:scene3d>
+    <dgm:sp3d/>
+    <dgm:txPr/>
+    <dgm:style>
+      <a:lnRef idx="2">
+        <a:scrgbClr r="0" g="0" b="0"/>
+      </a:lnRef>
+      <a:fillRef idx="1">
+        <a:scrgbClr r="0" g="0" b="0"/>
+      </a:fillRef>
+      <a:effectRef idx="0">
+        <a:scrgbClr r="0" g="0" b="0"/>
+      </a:effectRef>
+      <a:fontRef idx="minor"/>
+    </dgm:style>
+  </dgm:styleLbl>
+  <dgm:styleLbl name="bgShp">
+    <dgm:scene3d>
+      <a:camera prst="orthographicFront"/>
+      <a:lightRig rig="threePt" dir="t"/>
+    </dgm:scene3d>
+    <dgm:sp3d/>
+    <dgm:txPr/>
+    <dgm:style>
+      <a:lnRef idx="0">
+        <a:scrgbClr r="0" g="0" b="0"/>
+      </a:lnRef>
+      <a:fillRef idx="1">
+        <a:scrgbClr r="0" g="0" b="0"/>
+      </a:fillRef>
+      <a:effectRef idx="0">
+        <a:scrgbClr r="0" g="0" b="0"/>
+      </a:effectRef>
+      <a:fontRef idx="minor"/>
+    </dgm:style>
+  </dgm:styleLbl>
+  <dgm:styleLbl name="dkBgShp">
+    <dgm:scene3d>
+      <a:camera prst="orthographicFront"/>
+      <a:lightRig rig="threePt" dir="t"/>
+    </dgm:scene3d>
+    <dgm:sp3d/>
+    <dgm:txPr/>
+    <dgm:style>
+      <a:lnRef idx="0">
+        <a:scrgbClr r="0" g="0" b="0"/>
+      </a:lnRef>
+      <a:fillRef idx="1">
+        <a:scrgbClr r="0" g="0" b="0"/>
+      </a:fillRef>
+      <a:effectRef idx="0">
+        <a:scrgbClr r="0" g="0" b="0"/>
+      </a:effectRef>
+      <a:fontRef idx="minor"/>
+    </dgm:style>
+  </dgm:styleLbl>
+  <dgm:styleLbl name="trBgShp">
+    <dgm:scene3d>
+      <a:camera prst="orthographicFront"/>
+      <a:lightRig rig="threePt" dir="t"/>
+    </dgm:scene3d>
+    <dgm:sp3d/>
+    <dgm:txPr/>
+    <dgm:style>
+      <a:lnRef idx="0">
+        <a:scrgbClr r="0" g="0" b="0"/>
+      </a:lnRef>
+      <a:fillRef idx="1">
+        <a:scrgbClr r="0" g="0" b="0"/>
+      </a:fillRef>
+      <a:effectRef idx="0">
+        <a:scrgbClr r="0" g="0" b="0"/>
+      </a:effectRef>
+      <a:fontRef idx="minor"/>
+    </dgm:style>
+  </dgm:styleLbl>
+  <dgm:styleLbl name="fgShp">
+    <dgm:scene3d>
+      <a:camera prst="orthographicFront"/>
+      <a:lightRig rig="threePt" dir="t"/>
+    </dgm:scene3d>
+    <dgm:sp3d/>
+    <dgm:txPr/>
+    <dgm:style>
+      <a:lnRef idx="2">
+        <a:scrgbClr r="0" g="0" b="0"/>
+      </a:lnRef>
+      <a:fillRef idx="1">
+        <a:scrgbClr r="0" g="0" b="0"/>
+      </a:fillRef>
+      <a:effectRef idx="0">
+        <a:scrgbClr r="0" g="0" b="0"/>
+      </a:effectRef>
+      <a:fontRef idx="minor"/>
+    </dgm:style>
+  </dgm:styleLbl>
+  <dgm:styleLbl name="revTx">
+    <dgm:scene3d>
+      <a:camera prst="orthographicFront"/>
+      <a:lightRig rig="threePt" dir="t"/>
+    </dgm:scene3d>
+    <dgm:sp3d/>
+    <dgm:txPr/>
+    <dgm:style>
+      <a:lnRef idx="0">
+        <a:scrgbClr r="0" g="0" b="0"/>
+      </a:lnRef>
+      <a:fillRef idx="0">
+        <a:scrgbClr r="0" g="0" b="0"/>
+      </a:fillRef>
+      <a:effectRef idx="0">
+        <a:scrgbClr r="0" g="0" b="0"/>
+      </a:effectRef>
+      <a:fontRef idx="minor"/>
+    </dgm:style>
+  </dgm:styleLbl>
+</dgm:styleDef>
+</file>
+
+<file path=ppt/diagrams/quickStyle5.xml><?xml version="1.0" encoding="utf-8"?>
 <dgm:styleDef xmlns:dgm="http://schemas.openxmlformats.org/drawingml/2006/diagram" xmlns:a="http://schemas.openxmlformats.org/drawingml/2006/main" uniqueId="urn:microsoft.com/office/officeart/2005/8/quickstyle/simple1">
   <dgm:title val=""/>
   <dgm:desc val=""/>
@@ -13332,7 +17854,7 @@
           <a:p>
             <a:fld id="{FC81B089-160E-404A-8C73-8674F1782EA4}" type="datetimeFigureOut">
               <a:rPr lang="en-US" smtClean="0"/>
-              <a:t>9/17/2021</a:t>
+              <a:t>8/28/2023</a:t>
             </a:fld>
             <a:endParaRPr lang="en-US"/>
           </a:p>
@@ -16400,7 +20922,7 @@
           <a:p>
             <a:fld id="{D2B62928-2648-4210-B25C-2BD7B5FE2C7B}" type="datetimeFigureOut">
               <a:rPr lang="en-US" smtClean="0"/>
-              <a:t>9/17/2021</a:t>
+              <a:t>8/28/2023</a:t>
             </a:fld>
             <a:endParaRPr lang="en-US"/>
           </a:p>
@@ -16911,7 +21433,7 @@
           <a:p>
             <a:fld id="{D2B62928-2648-4210-B25C-2BD7B5FE2C7B}" type="datetimeFigureOut">
               <a:rPr lang="en-US" smtClean="0"/>
-              <a:t>9/17/2021</a:t>
+              <a:t>8/28/2023</a:t>
             </a:fld>
             <a:endParaRPr lang="en-US"/>
           </a:p>
@@ -17084,7 +21606,7 @@
           <a:p>
             <a:fld id="{D2B62928-2648-4210-B25C-2BD7B5FE2C7B}" type="datetimeFigureOut">
               <a:rPr lang="en-US" smtClean="0"/>
-              <a:t>9/17/2021</a:t>
+              <a:t>8/28/2023</a:t>
             </a:fld>
             <a:endParaRPr lang="en-US"/>
           </a:p>
@@ -17248,7 +21770,7 @@
           <a:p>
             <a:fld id="{D2B62928-2648-4210-B25C-2BD7B5FE2C7B}" type="datetimeFigureOut">
               <a:rPr lang="en-US" smtClean="0"/>
-              <a:t>9/17/2021</a:t>
+              <a:t>8/28/2023</a:t>
             </a:fld>
             <a:endParaRPr lang="en-US"/>
           </a:p>
@@ -20371,7 +24893,7 @@
           <a:p>
             <a:fld id="{D2B62928-2648-4210-B25C-2BD7B5FE2C7B}" type="datetimeFigureOut">
               <a:rPr lang="en-US" smtClean="0"/>
-              <a:t>9/17/2021</a:t>
+              <a:t>8/28/2023</a:t>
             </a:fld>
             <a:endParaRPr lang="en-US"/>
           </a:p>
@@ -20651,7 +25173,7 @@
           <a:p>
             <a:fld id="{D2B62928-2648-4210-B25C-2BD7B5FE2C7B}" type="datetimeFigureOut">
               <a:rPr lang="en-US" smtClean="0"/>
-              <a:t>9/17/2021</a:t>
+              <a:t>8/28/2023</a:t>
             </a:fld>
             <a:endParaRPr lang="en-US"/>
           </a:p>
@@ -21065,7 +25587,7 @@
           <a:p>
             <a:fld id="{D2B62928-2648-4210-B25C-2BD7B5FE2C7B}" type="datetimeFigureOut">
               <a:rPr lang="en-US" smtClean="0"/>
-              <a:t>9/17/2021</a:t>
+              <a:t>8/28/2023</a:t>
             </a:fld>
             <a:endParaRPr lang="en-US"/>
           </a:p>
@@ -21177,7 +25699,7 @@
           <a:p>
             <a:fld id="{D2B62928-2648-4210-B25C-2BD7B5FE2C7B}" type="datetimeFigureOut">
               <a:rPr lang="en-US" smtClean="0"/>
-              <a:t>9/17/2021</a:t>
+              <a:t>8/28/2023</a:t>
             </a:fld>
             <a:endParaRPr lang="en-US"/>
           </a:p>
@@ -21267,7 +25789,7 @@
           <a:p>
             <a:fld id="{D2B62928-2648-4210-B25C-2BD7B5FE2C7B}" type="datetimeFigureOut">
               <a:rPr lang="en-US" smtClean="0"/>
-              <a:t>9/17/2021</a:t>
+              <a:t>8/28/2023</a:t>
             </a:fld>
             <a:endParaRPr lang="en-US"/>
           </a:p>
@@ -21442,7 +25964,7 @@
           <a:p>
             <a:fld id="{D2B62928-2648-4210-B25C-2BD7B5FE2C7B}" type="datetimeFigureOut">
               <a:rPr lang="en-US" smtClean="0"/>
-              <a:t>9/17/2021</a:t>
+              <a:t>8/28/2023</a:t>
             </a:fld>
             <a:endParaRPr lang="en-US"/>
           </a:p>
@@ -21927,7 +26449,7 @@
           <a:p>
             <a:fld id="{D2B62928-2648-4210-B25C-2BD7B5FE2C7B}" type="datetimeFigureOut">
               <a:rPr lang="en-US" smtClean="0"/>
-              <a:t>9/17/2021</a:t>
+              <a:t>8/28/2023</a:t>
             </a:fld>
             <a:endParaRPr lang="en-US"/>
           </a:p>
@@ -22479,7 +27001,7 @@
           <a:p>
             <a:fld id="{D2B62928-2648-4210-B25C-2BD7B5FE2C7B}" type="datetimeFigureOut">
               <a:rPr lang="en-US" smtClean="0"/>
-              <a:t>9/17/2021</a:t>
+              <a:t>8/28/2023</a:t>
             </a:fld>
             <a:endParaRPr lang="en-US"/>
           </a:p>
@@ -22892,36 +27414,6 @@
           <a:chExt cx="0" cy="0"/>
         </a:xfrm>
       </p:grpSpPr>
-      <p:pic>
-        <p:nvPicPr>
-          <p:cNvPr id="4" name="Picture 3"/>
-          <p:cNvPicPr>
-            <a:picLocks noChangeAspect="1"/>
-          </p:cNvPicPr>
-          <p:nvPr/>
-        </p:nvPicPr>
-        <p:blipFill>
-          <a:blip r:embed="rId2">
-            <a:extLst>
-              <a:ext uri="{28A0092B-C50C-407E-A947-70E740481C1C}">
-                <a14:useLocalDpi xmlns:a14="http://schemas.microsoft.com/office/drawing/2010/main" val="0"/>
-              </a:ext>
-            </a:extLst>
-          </a:blip>
-          <a:stretch>
-            <a:fillRect/>
-          </a:stretch>
-        </p:blipFill>
-        <p:spPr>
-          <a:xfrm>
-            <a:off x="0" y="0"/>
-            <a:ext cx="12192000" cy="6858000"/>
-          </a:xfrm>
-          <a:prstGeom prst="rect">
-            <a:avLst/>
-          </a:prstGeom>
-        </p:spPr>
-      </p:pic>
       <p:sp>
         <p:nvSpPr>
           <p:cNvPr id="2" name="Title 1"/>
@@ -23018,7 +27510,7 @@
           <p:nvPr/>
         </p:nvPicPr>
         <p:blipFill>
-          <a:blip r:embed="rId3" cstate="print">
+          <a:blip r:embed="rId2" cstate="print">
             <a:extLst>
               <a:ext uri="{28A0092B-C50C-407E-A947-70E740481C1C}">
                 <a14:useLocalDpi xmlns:a14="http://schemas.microsoft.com/office/drawing/2010/main" val="0"/>
@@ -23059,7 +27551,7 @@
           <p:nvPr/>
         </p:nvPicPr>
         <p:blipFill>
-          <a:blip r:embed="rId4">
+          <a:blip r:embed="rId3">
             <a:extLst>
               <a:ext uri="{28A0092B-C50C-407E-A947-70E740481C1C}">
                 <a14:useLocalDpi xmlns:a14="http://schemas.microsoft.com/office/drawing/2010/main" val="0"/>
@@ -23355,7 +27847,7 @@
           <p:nvPr/>
         </p:nvPicPr>
         <p:blipFill>
-          <a:blip r:embed="rId5"/>
+          <a:blip r:embed="rId4"/>
           <a:stretch>
             <a:fillRect/>
           </a:stretch>
@@ -23374,6 +27866,521 @@
     <p:extLst>
       <p:ext uri="{BB962C8B-B14F-4D97-AF65-F5344CB8AC3E}">
         <p14:creationId xmlns:p14="http://schemas.microsoft.com/office/powerpoint/2010/main" val="1869880119"/>
+      </p:ext>
+    </p:extLst>
+  </p:cSld>
+  <p:clrMapOvr>
+    <a:masterClrMapping/>
+  </p:clrMapOvr>
+</p:sld>
+</file>
+
+<file path=ppt/slides/slide10.xml><?xml version="1.0" encoding="utf-8"?>
+<p:sld xmlns:a="http://schemas.openxmlformats.org/drawingml/2006/main" xmlns:r="http://schemas.openxmlformats.org/officeDocument/2006/relationships" xmlns:p="http://schemas.openxmlformats.org/presentationml/2006/main">
+  <p:cSld>
+    <p:spTree>
+      <p:nvGrpSpPr>
+        <p:cNvPr id="1" name=""/>
+        <p:cNvGrpSpPr/>
+        <p:nvPr/>
+      </p:nvGrpSpPr>
+      <p:grpSpPr>
+        <a:xfrm>
+          <a:off x="0" y="0"/>
+          <a:ext cx="0" cy="0"/>
+          <a:chOff x="0" y="0"/>
+          <a:chExt cx="0" cy="0"/>
+        </a:xfrm>
+      </p:grpSpPr>
+      <p:pic>
+        <p:nvPicPr>
+          <p:cNvPr id="5" name="Picture 2" descr="\\WOOLEYHOMESVR\Photos\MVP_Logo_Kit\MVP Logo Kit\MVP_FullColor_ForScreen.png"/>
+          <p:cNvPicPr>
+            <a:picLocks noChangeAspect="1" noChangeArrowheads="1"/>
+          </p:cNvPicPr>
+          <p:nvPr/>
+        </p:nvPicPr>
+        <p:blipFill>
+          <a:blip r:embed="rId2" cstate="print">
+            <a:extLst>
+              <a:ext uri="{28A0092B-C50C-407E-A947-70E740481C1C}">
+                <a14:useLocalDpi xmlns:a14="http://schemas.microsoft.com/office/drawing/2010/main" val="0"/>
+              </a:ext>
+            </a:extLst>
+          </a:blip>
+          <a:srcRect/>
+          <a:stretch>
+            <a:fillRect/>
+          </a:stretch>
+        </p:blipFill>
+        <p:spPr bwMode="auto">
+          <a:xfrm>
+            <a:off x="10961040" y="12555"/>
+            <a:ext cx="1230960" cy="1931970"/>
+          </a:xfrm>
+          <a:prstGeom prst="rect">
+            <a:avLst/>
+          </a:prstGeom>
+          <a:noFill/>
+          <a:extLst>
+            <a:ext uri="{909E8E84-426E-40DD-AFC4-6F175D3DCCD1}">
+              <a14:hiddenFill xmlns:a14="http://schemas.microsoft.com/office/drawing/2010/main">
+                <a:solidFill>
+                  <a:srgbClr val="FFFFFF"/>
+                </a:solidFill>
+              </a14:hiddenFill>
+            </a:ext>
+          </a:extLst>
+        </p:spPr>
+      </p:pic>
+      <p:pic>
+        <p:nvPicPr>
+          <p:cNvPr id="6" name="Picture 3" descr="\\WOOLEYHOMESVR\Photos\Misc Jims Pictures\LinqInActionCover.jpg"/>
+          <p:cNvPicPr>
+            <a:picLocks noChangeAspect="1" noChangeArrowheads="1"/>
+          </p:cNvPicPr>
+          <p:nvPr/>
+        </p:nvPicPr>
+        <p:blipFill>
+          <a:blip r:embed="rId3">
+            <a:extLst>
+              <a:ext uri="{28A0092B-C50C-407E-A947-70E740481C1C}">
+                <a14:useLocalDpi xmlns:a14="http://schemas.microsoft.com/office/drawing/2010/main" val="0"/>
+              </a:ext>
+            </a:extLst>
+          </a:blip>
+          <a:srcRect/>
+          <a:stretch>
+            <a:fillRect/>
+          </a:stretch>
+        </p:blipFill>
+        <p:spPr bwMode="auto">
+          <a:xfrm>
+            <a:off x="9360840" y="12555"/>
+            <a:ext cx="1600200" cy="2005584"/>
+          </a:xfrm>
+          <a:prstGeom prst="rect">
+            <a:avLst/>
+          </a:prstGeom>
+          <a:noFill/>
+          <a:extLst>
+            <a:ext uri="{909E8E84-426E-40DD-AFC4-6F175D3DCCD1}">
+              <a14:hiddenFill xmlns:a14="http://schemas.microsoft.com/office/drawing/2010/main">
+                <a:solidFill>
+                  <a:srgbClr val="FFFFFF"/>
+                </a:solidFill>
+              </a14:hiddenFill>
+            </a:ext>
+          </a:extLst>
+        </p:spPr>
+      </p:pic>
+      <p:sp>
+        <p:nvSpPr>
+          <p:cNvPr id="7" name="Subtitle 2"/>
+          <p:cNvSpPr txBox="1">
+            <a:spLocks/>
+          </p:cNvSpPr>
+          <p:nvPr/>
+        </p:nvSpPr>
+        <p:spPr>
+          <a:xfrm>
+            <a:off x="76200" y="5410642"/>
+            <a:ext cx="2895600" cy="1368798"/>
+          </a:xfrm>
+          <a:prstGeom prst="rect">
+            <a:avLst/>
+          </a:prstGeom>
+        </p:spPr>
+        <p:style>
+          <a:lnRef idx="0">
+            <a:schemeClr val="dk1"/>
+          </a:lnRef>
+          <a:fillRef idx="3">
+            <a:schemeClr val="dk1"/>
+          </a:fillRef>
+          <a:effectRef idx="3">
+            <a:schemeClr val="dk1"/>
+          </a:effectRef>
+          <a:fontRef idx="minor">
+            <a:schemeClr val="lt1"/>
+          </a:fontRef>
+        </p:style>
+        <p:txBody>
+          <a:bodyPr vert="horz" lIns="91440" tIns="45720" rIns="91440" bIns="45720" rtlCol="0">
+            <a:normAutofit/>
+          </a:bodyPr>
+          <a:lstStyle>
+            <a:lvl1pPr marL="0" indent="0" algn="l" defTabSz="914400" rtl="0" eaLnBrk="1" latinLnBrk="0" hangingPunct="1">
+              <a:spcBef>
+                <a:spcPct val="20000"/>
+              </a:spcBef>
+              <a:buClr>
+                <a:schemeClr val="accent1">
+                  <a:lumMod val="60000"/>
+                  <a:lumOff val="40000"/>
+                </a:schemeClr>
+              </a:buClr>
+              <a:buFont typeface="Arial" pitchFamily="34" charset="0"/>
+              <a:buNone/>
+              <a:defRPr sz="2200" kern="1200">
+                <a:solidFill>
+                  <a:srgbClr val="FFFFFF"/>
+                </a:solidFill>
+                <a:latin typeface="+mn-lt"/>
+                <a:ea typeface="+mn-ea"/>
+                <a:cs typeface="+mn-cs"/>
+              </a:defRPr>
+            </a:lvl1pPr>
+            <a:lvl2pPr marL="457200" indent="0" algn="ctr" defTabSz="914400" rtl="0" eaLnBrk="1" latinLnBrk="0" hangingPunct="1">
+              <a:spcBef>
+                <a:spcPct val="20000"/>
+              </a:spcBef>
+              <a:buClr>
+                <a:schemeClr val="accent1">
+                  <a:lumMod val="60000"/>
+                  <a:lumOff val="40000"/>
+                </a:schemeClr>
+              </a:buClr>
+              <a:buFont typeface="Arial" pitchFamily="34" charset="0"/>
+              <a:buNone/>
+              <a:defRPr sz="2000" kern="1200">
+                <a:solidFill>
+                  <a:schemeClr val="tx1">
+                    <a:tint val="75000"/>
+                  </a:schemeClr>
+                </a:solidFill>
+                <a:latin typeface="+mn-lt"/>
+                <a:ea typeface="+mn-ea"/>
+                <a:cs typeface="+mn-cs"/>
+              </a:defRPr>
+            </a:lvl2pPr>
+            <a:lvl3pPr marL="914400" indent="0" algn="ctr" defTabSz="914400" rtl="0" eaLnBrk="1" latinLnBrk="0" hangingPunct="1">
+              <a:spcBef>
+                <a:spcPct val="20000"/>
+              </a:spcBef>
+              <a:buClr>
+                <a:schemeClr val="accent2"/>
+              </a:buClr>
+              <a:buFont typeface="Arial" pitchFamily="34" charset="0"/>
+              <a:buNone/>
+              <a:defRPr sz="2000" kern="1200">
+                <a:solidFill>
+                  <a:schemeClr val="tx1">
+                    <a:tint val="75000"/>
+                  </a:schemeClr>
+                </a:solidFill>
+                <a:latin typeface="+mn-lt"/>
+                <a:ea typeface="+mn-ea"/>
+                <a:cs typeface="+mn-cs"/>
+              </a:defRPr>
+            </a:lvl3pPr>
+            <a:lvl4pPr marL="1371600" indent="0" algn="ctr" defTabSz="914400" rtl="0" eaLnBrk="1" latinLnBrk="0" hangingPunct="1">
+              <a:spcBef>
+                <a:spcPct val="20000"/>
+              </a:spcBef>
+              <a:buClr>
+                <a:schemeClr val="accent3"/>
+              </a:buClr>
+              <a:buFont typeface="Arial" pitchFamily="34" charset="0"/>
+              <a:buNone/>
+              <a:defRPr sz="1800" kern="1200">
+                <a:solidFill>
+                  <a:schemeClr val="tx1">
+                    <a:tint val="75000"/>
+                  </a:schemeClr>
+                </a:solidFill>
+                <a:latin typeface="+mn-lt"/>
+                <a:ea typeface="+mn-ea"/>
+                <a:cs typeface="+mn-cs"/>
+              </a:defRPr>
+            </a:lvl4pPr>
+            <a:lvl5pPr marL="1828800" indent="0" algn="ctr" defTabSz="914400" rtl="0" eaLnBrk="1" latinLnBrk="0" hangingPunct="1">
+              <a:spcBef>
+                <a:spcPct val="20000"/>
+              </a:spcBef>
+              <a:buClr>
+                <a:schemeClr val="accent4"/>
+              </a:buClr>
+              <a:buFont typeface="Arial" pitchFamily="34" charset="0"/>
+              <a:buNone/>
+              <a:defRPr sz="1600" kern="1200" baseline="0">
+                <a:solidFill>
+                  <a:schemeClr val="tx1">
+                    <a:tint val="75000"/>
+                  </a:schemeClr>
+                </a:solidFill>
+                <a:latin typeface="+mn-lt"/>
+                <a:ea typeface="+mn-ea"/>
+                <a:cs typeface="+mn-cs"/>
+              </a:defRPr>
+            </a:lvl5pPr>
+            <a:lvl6pPr marL="2286000" indent="0" algn="ctr" defTabSz="914400" rtl="0" eaLnBrk="1" latinLnBrk="0" hangingPunct="1">
+              <a:spcBef>
+                <a:spcPct val="20000"/>
+              </a:spcBef>
+              <a:buClr>
+                <a:schemeClr val="accent5"/>
+              </a:buClr>
+              <a:buFont typeface="Arial" pitchFamily="34" charset="0"/>
+              <a:buNone/>
+              <a:defRPr sz="1600" kern="1200">
+                <a:solidFill>
+                  <a:schemeClr val="tx1">
+                    <a:tint val="75000"/>
+                  </a:schemeClr>
+                </a:solidFill>
+                <a:latin typeface="+mn-lt"/>
+                <a:ea typeface="+mn-ea"/>
+                <a:cs typeface="+mn-cs"/>
+              </a:defRPr>
+            </a:lvl6pPr>
+            <a:lvl7pPr marL="2743200" indent="0" algn="ctr" defTabSz="914400" rtl="0" eaLnBrk="1" latinLnBrk="0" hangingPunct="1">
+              <a:spcBef>
+                <a:spcPct val="20000"/>
+              </a:spcBef>
+              <a:buClr>
+                <a:schemeClr val="accent6"/>
+              </a:buClr>
+              <a:buFont typeface="Arial" pitchFamily="34" charset="0"/>
+              <a:buNone/>
+              <a:defRPr sz="1600" kern="1200">
+                <a:solidFill>
+                  <a:schemeClr val="tx1">
+                    <a:tint val="75000"/>
+                  </a:schemeClr>
+                </a:solidFill>
+                <a:latin typeface="+mn-lt"/>
+                <a:ea typeface="+mn-ea"/>
+                <a:cs typeface="+mn-cs"/>
+              </a:defRPr>
+            </a:lvl7pPr>
+            <a:lvl8pPr marL="3200400" indent="0" algn="ctr" defTabSz="914400" rtl="0" eaLnBrk="1" latinLnBrk="0" hangingPunct="1">
+              <a:spcBef>
+                <a:spcPct val="20000"/>
+              </a:spcBef>
+              <a:buClr>
+                <a:schemeClr val="accent3"/>
+              </a:buClr>
+              <a:buFont typeface="Arial" pitchFamily="34" charset="0"/>
+              <a:buNone/>
+              <a:defRPr sz="1600" kern="1200">
+                <a:solidFill>
+                  <a:schemeClr val="tx1">
+                    <a:tint val="75000"/>
+                  </a:schemeClr>
+                </a:solidFill>
+                <a:latin typeface="+mn-lt"/>
+                <a:ea typeface="+mn-ea"/>
+                <a:cs typeface="+mn-cs"/>
+              </a:defRPr>
+            </a:lvl8pPr>
+            <a:lvl9pPr marL="3657600" indent="0" algn="ctr" defTabSz="914400" rtl="0" eaLnBrk="1" latinLnBrk="0" hangingPunct="1">
+              <a:spcBef>
+                <a:spcPct val="20000"/>
+              </a:spcBef>
+              <a:buClr>
+                <a:schemeClr val="accent6"/>
+              </a:buClr>
+              <a:buFont typeface="Arial" pitchFamily="34" charset="0"/>
+              <a:buNone/>
+              <a:defRPr sz="1600" kern="1200">
+                <a:solidFill>
+                  <a:schemeClr val="tx1">
+                    <a:tint val="75000"/>
+                  </a:schemeClr>
+                </a:solidFill>
+                <a:latin typeface="+mn-lt"/>
+                <a:ea typeface="+mn-ea"/>
+                <a:cs typeface="+mn-cs"/>
+              </a:defRPr>
+            </a:lvl9pPr>
+          </a:lstStyle>
+          <a:p>
+            <a:pPr algn="r"/>
+            <a:r>
+              <a:rPr lang="en-US" dirty="0"/>
+              <a:t>Jim Wooley</a:t>
+            </a:r>
+          </a:p>
+          <a:p>
+            <a:pPr algn="r"/>
+            <a:r>
+              <a:rPr lang="en-US" dirty="0">
+                <a:hlinkClick r:id="rId4"/>
+              </a:rPr>
+              <a:t>www.ThinqLinq.com</a:t>
+            </a:r>
+            <a:endParaRPr lang="en-US" dirty="0"/>
+          </a:p>
+          <a:p>
+            <a:pPr algn="r"/>
+            <a:r>
+              <a:rPr lang="en-US" dirty="0"/>
+              <a:t>Twitter: @</a:t>
+            </a:r>
+            <a:r>
+              <a:rPr lang="en-US" dirty="0" err="1"/>
+              <a:t>JimWooley</a:t>
+            </a:r>
+            <a:endParaRPr lang="en-US" dirty="0"/>
+          </a:p>
+        </p:txBody>
+      </p:sp>
+      <p:sp>
+        <p:nvSpPr>
+          <p:cNvPr id="11" name="Title 1"/>
+          <p:cNvSpPr>
+            <a:spLocks noGrp="1"/>
+          </p:cNvSpPr>
+          <p:nvPr>
+            <p:ph type="ctrTitle"/>
+          </p:nvPr>
+        </p:nvSpPr>
+        <p:spPr>
+          <a:xfrm>
+            <a:off x="2590800" y="2133600"/>
+            <a:ext cx="7848600" cy="2362200"/>
+          </a:xfrm>
+          <a:solidFill>
+            <a:srgbClr val="000000">
+              <a:alpha val="69804"/>
+            </a:srgbClr>
+          </a:solidFill>
+          <a:effectLst>
+            <a:softEdge rad="63500"/>
+          </a:effectLst>
+        </p:spPr>
+        <p:style>
+          <a:lnRef idx="1">
+            <a:schemeClr val="accent1"/>
+          </a:lnRef>
+          <a:fillRef idx="2">
+            <a:schemeClr val="accent1"/>
+          </a:fillRef>
+          <a:effectRef idx="1">
+            <a:schemeClr val="accent1"/>
+          </a:effectRef>
+          <a:fontRef idx="minor">
+            <a:schemeClr val="dk1"/>
+          </a:fontRef>
+        </p:style>
+        <p:txBody>
+          <a:bodyPr anchor="ctr">
+            <a:normAutofit fontScale="90000"/>
+          </a:bodyPr>
+          <a:lstStyle/>
+          <a:p>
+            <a:pPr algn="ctr"/>
+            <a:r>
+              <a:rPr lang="en-US" cap="small" dirty="0" err="1">
+                <a:solidFill>
+                  <a:schemeClr val="tx1"/>
+                </a:solidFill>
+              </a:rPr>
+              <a:t>.Net</a:t>
+            </a:r>
+            <a:r>
+              <a:rPr lang="en-US" cap="small" dirty="0">
+                <a:solidFill>
+                  <a:schemeClr val="tx1"/>
+                </a:solidFill>
+              </a:rPr>
+              <a:t> Compiler Platform</a:t>
+            </a:r>
+            <a:br>
+              <a:rPr lang="en-US" cap="small" dirty="0">
+                <a:solidFill>
+                  <a:schemeClr val="tx1"/>
+                </a:solidFill>
+              </a:rPr>
+            </a:br>
+            <a:r>
+              <a:rPr lang="en-US" cap="small" dirty="0">
+                <a:solidFill>
+                  <a:schemeClr val="tx1"/>
+                </a:solidFill>
+              </a:rPr>
+              <a:t>(Roslyn)</a:t>
+            </a:r>
+            <a:br>
+              <a:rPr lang="en-US" cap="small" dirty="0">
+                <a:solidFill>
+                  <a:schemeClr val="tx1"/>
+                </a:solidFill>
+              </a:rPr>
+            </a:br>
+            <a:r>
+              <a:rPr lang="en-US" cap="small" dirty="0">
+                <a:solidFill>
+                  <a:schemeClr val="tx1"/>
+                </a:solidFill>
+              </a:rPr>
+              <a:t>And You</a:t>
+            </a:r>
+            <a:br>
+              <a:rPr lang="en-US" cap="small" dirty="0">
+                <a:solidFill>
+                  <a:schemeClr val="tx1"/>
+                </a:solidFill>
+              </a:rPr>
+            </a:br>
+            <a:r>
+              <a:rPr lang="en-US" sz="2200" dirty="0">
+                <a:solidFill>
+                  <a:schemeClr val="tx1"/>
+                </a:solidFill>
+                <a:latin typeface="Segoe UI" panose="020B0502040204020203" pitchFamily="34" charset="0"/>
+                <a:hlinkClick r:id="rId5"/>
+              </a:rPr>
+              <a:t>https://github.com/jwooley/CSVersions</a:t>
+            </a:r>
+            <a:r>
+              <a:rPr lang="en-US" sz="2200" dirty="0">
+                <a:solidFill>
+                  <a:schemeClr val="tx1"/>
+                </a:solidFill>
+                <a:latin typeface="Segoe UI" panose="020B0502040204020203" pitchFamily="34" charset="0"/>
+              </a:rPr>
+              <a:t> </a:t>
+            </a:r>
+            <a:br>
+              <a:rPr lang="en-US" sz="2200" dirty="0">
+                <a:solidFill>
+                  <a:schemeClr val="tx1"/>
+                </a:solidFill>
+                <a:latin typeface="Segoe UI" panose="020B0502040204020203" pitchFamily="34" charset="0"/>
+              </a:rPr>
+            </a:br>
+            <a:r>
+              <a:rPr lang="en-US" sz="2400" dirty="0">
+                <a:solidFill>
+                  <a:schemeClr val="tx1"/>
+                </a:solidFill>
+                <a:hlinkClick r:id="rId6"/>
+              </a:rPr>
+              <a:t>https://jwooley.github.io</a:t>
+            </a:r>
+            <a:r>
+              <a:rPr lang="en-US" sz="2400" cap="small" dirty="0">
+                <a:solidFill>
+                  <a:schemeClr val="tx1"/>
+                </a:solidFill>
+                <a:hlinkClick r:id="rId6"/>
+              </a:rPr>
+              <a:t>/</a:t>
+            </a:r>
+            <a:endParaRPr lang="en-US" sz="2200" cap="small" dirty="0">
+              <a:solidFill>
+                <a:schemeClr val="tx1"/>
+              </a:solidFill>
+            </a:endParaRPr>
+          </a:p>
+        </p:txBody>
+      </p:sp>
+    </p:spTree>
+    <p:extLst>
+      <p:ext uri="{BB962C8B-B14F-4D97-AF65-F5344CB8AC3E}">
+        <p14:creationId xmlns:p14="http://schemas.microsoft.com/office/powerpoint/2010/main" val="2613547704"/>
       </p:ext>
     </p:extLst>
   </p:cSld>
@@ -29489,6 +34496,95 @@
       </p:grpSpPr>
       <p:sp>
         <p:nvSpPr>
+          <p:cNvPr id="2" name="Title 1">
+            <a:extLst>
+              <a:ext uri="{FF2B5EF4-FFF2-40B4-BE49-F238E27FC236}">
+                <a16:creationId xmlns:a16="http://schemas.microsoft.com/office/drawing/2014/main" id="{95E26DAC-9564-E40B-B1BC-3593E43602E7}"/>
+              </a:ext>
+            </a:extLst>
+          </p:cNvPr>
+          <p:cNvSpPr>
+            <a:spLocks noGrp="1"/>
+          </p:cNvSpPr>
+          <p:nvPr>
+            <p:ph type="title"/>
+          </p:nvPr>
+        </p:nvSpPr>
+        <p:spPr/>
+        <p:txBody>
+          <a:bodyPr/>
+          <a:lstStyle/>
+          <a:p>
+            <a:r>
+              <a:rPr lang="en-US" dirty="0"/>
+              <a:t>C# Post Roslyn</a:t>
+            </a:r>
+          </a:p>
+        </p:txBody>
+      </p:sp>
+      <p:graphicFrame>
+        <p:nvGraphicFramePr>
+          <p:cNvPr id="4" name="Content Placeholder 3">
+            <a:extLst>
+              <a:ext uri="{FF2B5EF4-FFF2-40B4-BE49-F238E27FC236}">
+                <a16:creationId xmlns:a16="http://schemas.microsoft.com/office/drawing/2014/main" id="{0A7ACA34-C349-3548-7926-5F0CFC3CAF74}"/>
+              </a:ext>
+            </a:extLst>
+          </p:cNvPr>
+          <p:cNvGraphicFramePr>
+            <a:graphicFrameLocks noGrp="1"/>
+          </p:cNvGraphicFramePr>
+          <p:nvPr>
+            <p:ph idx="1"/>
+            <p:extLst>
+              <p:ext uri="{D42A27DB-BD31-4B8C-83A1-F6EECF244321}">
+                <p14:modId xmlns:p14="http://schemas.microsoft.com/office/powerpoint/2010/main" val="92799694"/>
+              </p:ext>
+            </p:extLst>
+          </p:nvPr>
+        </p:nvGraphicFramePr>
+        <p:xfrm>
+          <a:off x="609600" y="1600201"/>
+          <a:ext cx="10972800" cy="4525433"/>
+        </p:xfrm>
+        <a:graphic>
+          <a:graphicData uri="http://schemas.openxmlformats.org/drawingml/2006/diagram">
+            <dgm:relIds xmlns:dgm="http://schemas.openxmlformats.org/drawingml/2006/diagram" xmlns:r="http://schemas.openxmlformats.org/officeDocument/2006/relationships" r:dm="rId2" r:lo="rId3" r:qs="rId4" r:cs="rId5"/>
+          </a:graphicData>
+        </a:graphic>
+      </p:graphicFrame>
+    </p:spTree>
+    <p:extLst>
+      <p:ext uri="{BB962C8B-B14F-4D97-AF65-F5344CB8AC3E}">
+        <p14:creationId xmlns:p14="http://schemas.microsoft.com/office/powerpoint/2010/main" val="947505347"/>
+      </p:ext>
+    </p:extLst>
+  </p:cSld>
+  <p:clrMapOvr>
+    <a:masterClrMapping/>
+  </p:clrMapOvr>
+</p:sld>
+</file>
+
+<file path=ppt/slides/slide5.xml><?xml version="1.0" encoding="utf-8"?>
+<p:sld xmlns:a="http://schemas.openxmlformats.org/drawingml/2006/main" xmlns:r="http://schemas.openxmlformats.org/officeDocument/2006/relationships" xmlns:p="http://schemas.openxmlformats.org/presentationml/2006/main">
+  <p:cSld>
+    <p:spTree>
+      <p:nvGrpSpPr>
+        <p:cNvPr id="1" name=""/>
+        <p:cNvGrpSpPr/>
+        <p:nvPr/>
+      </p:nvGrpSpPr>
+      <p:grpSpPr>
+        <a:xfrm>
+          <a:off x="0" y="0"/>
+          <a:ext cx="0" cy="0"/>
+          <a:chOff x="0" y="0"/>
+          <a:chExt cx="0" cy="0"/>
+        </a:xfrm>
+      </p:grpSpPr>
+      <p:sp>
+        <p:nvSpPr>
           <p:cNvPr id="2" name="Title 1"/>
           <p:cNvSpPr>
             <a:spLocks noGrp="1"/>
@@ -30890,7 +35986,7 @@
 </p:sld>
 </file>
 
-<file path=ppt/slides/slide5.xml><?xml version="1.0" encoding="utf-8"?>
+<file path=ppt/slides/slide6.xml><?xml version="1.0" encoding="utf-8"?>
 <p:sld xmlns:a="http://schemas.openxmlformats.org/drawingml/2006/main" xmlns:r="http://schemas.openxmlformats.org/officeDocument/2006/relationships" xmlns:p="http://schemas.openxmlformats.org/presentationml/2006/main">
   <p:cSld>
     <p:spTree>
@@ -31220,7 +36316,7 @@
 </p:sld>
 </file>
 
-<file path=ppt/slides/slide6.xml><?xml version="1.0" encoding="utf-8"?>
+<file path=ppt/slides/slide7.xml><?xml version="1.0" encoding="utf-8"?>
 <p:sld xmlns:a="http://schemas.openxmlformats.org/drawingml/2006/main" xmlns:r="http://schemas.openxmlformats.org/officeDocument/2006/relationships" xmlns:p="http://schemas.openxmlformats.org/presentationml/2006/main">
   <p:cSld>
     <p:spTree>
@@ -31367,7 +36463,7 @@
 </p:sld>
 </file>
 
-<file path=ppt/slides/slide7.xml><?xml version="1.0" encoding="utf-8"?>
+<file path=ppt/slides/slide8.xml><?xml version="1.0" encoding="utf-8"?>
 <p:sld xmlns:a="http://schemas.openxmlformats.org/drawingml/2006/main" xmlns:r="http://schemas.openxmlformats.org/officeDocument/2006/relationships" xmlns:p="http://schemas.openxmlformats.org/presentationml/2006/main">
   <p:cSld>
     <p:spTree>
@@ -31528,7 +36624,7 @@
 </p:sld>
 </file>
 
-<file path=ppt/slides/slide8.xml><?xml version="1.0" encoding="utf-8"?>
+<file path=ppt/slides/slide9.xml><?xml version="1.0" encoding="utf-8"?>
 <p:sld xmlns:a="http://schemas.openxmlformats.org/drawingml/2006/main" xmlns:r="http://schemas.openxmlformats.org/officeDocument/2006/relationships" xmlns:p="http://schemas.openxmlformats.org/presentationml/2006/main">
   <p:cSld>
     <p:spTree>
@@ -31923,551 +37019,6 @@
     <p:extLst>
       <p:ext uri="{BB962C8B-B14F-4D97-AF65-F5344CB8AC3E}">
         <p14:creationId xmlns:p14="http://schemas.microsoft.com/office/powerpoint/2010/main" val="2537536581"/>
-      </p:ext>
-    </p:extLst>
-  </p:cSld>
-  <p:clrMapOvr>
-    <a:masterClrMapping/>
-  </p:clrMapOvr>
-</p:sld>
-</file>
-
-<file path=ppt/slides/slide9.xml><?xml version="1.0" encoding="utf-8"?>
-<p:sld xmlns:a="http://schemas.openxmlformats.org/drawingml/2006/main" xmlns:r="http://schemas.openxmlformats.org/officeDocument/2006/relationships" xmlns:p="http://schemas.openxmlformats.org/presentationml/2006/main">
-  <p:cSld>
-    <p:spTree>
-      <p:nvGrpSpPr>
-        <p:cNvPr id="1" name=""/>
-        <p:cNvGrpSpPr/>
-        <p:nvPr/>
-      </p:nvGrpSpPr>
-      <p:grpSpPr>
-        <a:xfrm>
-          <a:off x="0" y="0"/>
-          <a:ext cx="0" cy="0"/>
-          <a:chOff x="0" y="0"/>
-          <a:chExt cx="0" cy="0"/>
-        </a:xfrm>
-      </p:grpSpPr>
-      <p:pic>
-        <p:nvPicPr>
-          <p:cNvPr id="4" name="Picture 3"/>
-          <p:cNvPicPr>
-            <a:picLocks noChangeAspect="1"/>
-          </p:cNvPicPr>
-          <p:nvPr/>
-        </p:nvPicPr>
-        <p:blipFill>
-          <a:blip r:embed="rId2">
-            <a:extLst>
-              <a:ext uri="{28A0092B-C50C-407E-A947-70E740481C1C}">
-                <a14:useLocalDpi xmlns:a14="http://schemas.microsoft.com/office/drawing/2010/main" val="0"/>
-              </a:ext>
-            </a:extLst>
-          </a:blip>
-          <a:stretch>
-            <a:fillRect/>
-          </a:stretch>
-        </p:blipFill>
-        <p:spPr>
-          <a:xfrm>
-            <a:off x="0" y="0"/>
-            <a:ext cx="12192000" cy="6858000"/>
-          </a:xfrm>
-          <a:prstGeom prst="rect">
-            <a:avLst/>
-          </a:prstGeom>
-        </p:spPr>
-      </p:pic>
-      <p:pic>
-        <p:nvPicPr>
-          <p:cNvPr id="5" name="Picture 2" descr="\\WOOLEYHOMESVR\Photos\MVP_Logo_Kit\MVP Logo Kit\MVP_FullColor_ForScreen.png"/>
-          <p:cNvPicPr>
-            <a:picLocks noChangeAspect="1" noChangeArrowheads="1"/>
-          </p:cNvPicPr>
-          <p:nvPr/>
-        </p:nvPicPr>
-        <p:blipFill>
-          <a:blip r:embed="rId3" cstate="print">
-            <a:extLst>
-              <a:ext uri="{28A0092B-C50C-407E-A947-70E740481C1C}">
-                <a14:useLocalDpi xmlns:a14="http://schemas.microsoft.com/office/drawing/2010/main" val="0"/>
-              </a:ext>
-            </a:extLst>
-          </a:blip>
-          <a:srcRect/>
-          <a:stretch>
-            <a:fillRect/>
-          </a:stretch>
-        </p:blipFill>
-        <p:spPr bwMode="auto">
-          <a:xfrm>
-            <a:off x="10961040" y="12555"/>
-            <a:ext cx="1230960" cy="1931970"/>
-          </a:xfrm>
-          <a:prstGeom prst="rect">
-            <a:avLst/>
-          </a:prstGeom>
-          <a:noFill/>
-          <a:extLst>
-            <a:ext uri="{909E8E84-426E-40DD-AFC4-6F175D3DCCD1}">
-              <a14:hiddenFill xmlns:a14="http://schemas.microsoft.com/office/drawing/2010/main">
-                <a:solidFill>
-                  <a:srgbClr val="FFFFFF"/>
-                </a:solidFill>
-              </a14:hiddenFill>
-            </a:ext>
-          </a:extLst>
-        </p:spPr>
-      </p:pic>
-      <p:pic>
-        <p:nvPicPr>
-          <p:cNvPr id="6" name="Picture 3" descr="\\WOOLEYHOMESVR\Photos\Misc Jims Pictures\LinqInActionCover.jpg"/>
-          <p:cNvPicPr>
-            <a:picLocks noChangeAspect="1" noChangeArrowheads="1"/>
-          </p:cNvPicPr>
-          <p:nvPr/>
-        </p:nvPicPr>
-        <p:blipFill>
-          <a:blip r:embed="rId4">
-            <a:extLst>
-              <a:ext uri="{28A0092B-C50C-407E-A947-70E740481C1C}">
-                <a14:useLocalDpi xmlns:a14="http://schemas.microsoft.com/office/drawing/2010/main" val="0"/>
-              </a:ext>
-            </a:extLst>
-          </a:blip>
-          <a:srcRect/>
-          <a:stretch>
-            <a:fillRect/>
-          </a:stretch>
-        </p:blipFill>
-        <p:spPr bwMode="auto">
-          <a:xfrm>
-            <a:off x="9360840" y="12555"/>
-            <a:ext cx="1600200" cy="2005584"/>
-          </a:xfrm>
-          <a:prstGeom prst="rect">
-            <a:avLst/>
-          </a:prstGeom>
-          <a:noFill/>
-          <a:extLst>
-            <a:ext uri="{909E8E84-426E-40DD-AFC4-6F175D3DCCD1}">
-              <a14:hiddenFill xmlns:a14="http://schemas.microsoft.com/office/drawing/2010/main">
-                <a:solidFill>
-                  <a:srgbClr val="FFFFFF"/>
-                </a:solidFill>
-              </a14:hiddenFill>
-            </a:ext>
-          </a:extLst>
-        </p:spPr>
-      </p:pic>
-      <p:sp>
-        <p:nvSpPr>
-          <p:cNvPr id="7" name="Subtitle 2"/>
-          <p:cNvSpPr txBox="1">
-            <a:spLocks/>
-          </p:cNvSpPr>
-          <p:nvPr/>
-        </p:nvSpPr>
-        <p:spPr>
-          <a:xfrm>
-            <a:off x="76200" y="5410642"/>
-            <a:ext cx="2895600" cy="1368798"/>
-          </a:xfrm>
-          <a:prstGeom prst="rect">
-            <a:avLst/>
-          </a:prstGeom>
-        </p:spPr>
-        <p:style>
-          <a:lnRef idx="0">
-            <a:schemeClr val="dk1"/>
-          </a:lnRef>
-          <a:fillRef idx="3">
-            <a:schemeClr val="dk1"/>
-          </a:fillRef>
-          <a:effectRef idx="3">
-            <a:schemeClr val="dk1"/>
-          </a:effectRef>
-          <a:fontRef idx="minor">
-            <a:schemeClr val="lt1"/>
-          </a:fontRef>
-        </p:style>
-        <p:txBody>
-          <a:bodyPr vert="horz" lIns="91440" tIns="45720" rIns="91440" bIns="45720" rtlCol="0">
-            <a:normAutofit/>
-          </a:bodyPr>
-          <a:lstStyle>
-            <a:lvl1pPr marL="0" indent="0" algn="l" defTabSz="914400" rtl="0" eaLnBrk="1" latinLnBrk="0" hangingPunct="1">
-              <a:spcBef>
-                <a:spcPct val="20000"/>
-              </a:spcBef>
-              <a:buClr>
-                <a:schemeClr val="accent1">
-                  <a:lumMod val="60000"/>
-                  <a:lumOff val="40000"/>
-                </a:schemeClr>
-              </a:buClr>
-              <a:buFont typeface="Arial" pitchFamily="34" charset="0"/>
-              <a:buNone/>
-              <a:defRPr sz="2200" kern="1200">
-                <a:solidFill>
-                  <a:srgbClr val="FFFFFF"/>
-                </a:solidFill>
-                <a:latin typeface="+mn-lt"/>
-                <a:ea typeface="+mn-ea"/>
-                <a:cs typeface="+mn-cs"/>
-              </a:defRPr>
-            </a:lvl1pPr>
-            <a:lvl2pPr marL="457200" indent="0" algn="ctr" defTabSz="914400" rtl="0" eaLnBrk="1" latinLnBrk="0" hangingPunct="1">
-              <a:spcBef>
-                <a:spcPct val="20000"/>
-              </a:spcBef>
-              <a:buClr>
-                <a:schemeClr val="accent1">
-                  <a:lumMod val="60000"/>
-                  <a:lumOff val="40000"/>
-                </a:schemeClr>
-              </a:buClr>
-              <a:buFont typeface="Arial" pitchFamily="34" charset="0"/>
-              <a:buNone/>
-              <a:defRPr sz="2000" kern="1200">
-                <a:solidFill>
-                  <a:schemeClr val="tx1">
-                    <a:tint val="75000"/>
-                  </a:schemeClr>
-                </a:solidFill>
-                <a:latin typeface="+mn-lt"/>
-                <a:ea typeface="+mn-ea"/>
-                <a:cs typeface="+mn-cs"/>
-              </a:defRPr>
-            </a:lvl2pPr>
-            <a:lvl3pPr marL="914400" indent="0" algn="ctr" defTabSz="914400" rtl="0" eaLnBrk="1" latinLnBrk="0" hangingPunct="1">
-              <a:spcBef>
-                <a:spcPct val="20000"/>
-              </a:spcBef>
-              <a:buClr>
-                <a:schemeClr val="accent2"/>
-              </a:buClr>
-              <a:buFont typeface="Arial" pitchFamily="34" charset="0"/>
-              <a:buNone/>
-              <a:defRPr sz="2000" kern="1200">
-                <a:solidFill>
-                  <a:schemeClr val="tx1">
-                    <a:tint val="75000"/>
-                  </a:schemeClr>
-                </a:solidFill>
-                <a:latin typeface="+mn-lt"/>
-                <a:ea typeface="+mn-ea"/>
-                <a:cs typeface="+mn-cs"/>
-              </a:defRPr>
-            </a:lvl3pPr>
-            <a:lvl4pPr marL="1371600" indent="0" algn="ctr" defTabSz="914400" rtl="0" eaLnBrk="1" latinLnBrk="0" hangingPunct="1">
-              <a:spcBef>
-                <a:spcPct val="20000"/>
-              </a:spcBef>
-              <a:buClr>
-                <a:schemeClr val="accent3"/>
-              </a:buClr>
-              <a:buFont typeface="Arial" pitchFamily="34" charset="0"/>
-              <a:buNone/>
-              <a:defRPr sz="1800" kern="1200">
-                <a:solidFill>
-                  <a:schemeClr val="tx1">
-                    <a:tint val="75000"/>
-                  </a:schemeClr>
-                </a:solidFill>
-                <a:latin typeface="+mn-lt"/>
-                <a:ea typeface="+mn-ea"/>
-                <a:cs typeface="+mn-cs"/>
-              </a:defRPr>
-            </a:lvl4pPr>
-            <a:lvl5pPr marL="1828800" indent="0" algn="ctr" defTabSz="914400" rtl="0" eaLnBrk="1" latinLnBrk="0" hangingPunct="1">
-              <a:spcBef>
-                <a:spcPct val="20000"/>
-              </a:spcBef>
-              <a:buClr>
-                <a:schemeClr val="accent4"/>
-              </a:buClr>
-              <a:buFont typeface="Arial" pitchFamily="34" charset="0"/>
-              <a:buNone/>
-              <a:defRPr sz="1600" kern="1200" baseline="0">
-                <a:solidFill>
-                  <a:schemeClr val="tx1">
-                    <a:tint val="75000"/>
-                  </a:schemeClr>
-                </a:solidFill>
-                <a:latin typeface="+mn-lt"/>
-                <a:ea typeface="+mn-ea"/>
-                <a:cs typeface="+mn-cs"/>
-              </a:defRPr>
-            </a:lvl5pPr>
-            <a:lvl6pPr marL="2286000" indent="0" algn="ctr" defTabSz="914400" rtl="0" eaLnBrk="1" latinLnBrk="0" hangingPunct="1">
-              <a:spcBef>
-                <a:spcPct val="20000"/>
-              </a:spcBef>
-              <a:buClr>
-                <a:schemeClr val="accent5"/>
-              </a:buClr>
-              <a:buFont typeface="Arial" pitchFamily="34" charset="0"/>
-              <a:buNone/>
-              <a:defRPr sz="1600" kern="1200">
-                <a:solidFill>
-                  <a:schemeClr val="tx1">
-                    <a:tint val="75000"/>
-                  </a:schemeClr>
-                </a:solidFill>
-                <a:latin typeface="+mn-lt"/>
-                <a:ea typeface="+mn-ea"/>
-                <a:cs typeface="+mn-cs"/>
-              </a:defRPr>
-            </a:lvl6pPr>
-            <a:lvl7pPr marL="2743200" indent="0" algn="ctr" defTabSz="914400" rtl="0" eaLnBrk="1" latinLnBrk="0" hangingPunct="1">
-              <a:spcBef>
-                <a:spcPct val="20000"/>
-              </a:spcBef>
-              <a:buClr>
-                <a:schemeClr val="accent6"/>
-              </a:buClr>
-              <a:buFont typeface="Arial" pitchFamily="34" charset="0"/>
-              <a:buNone/>
-              <a:defRPr sz="1600" kern="1200">
-                <a:solidFill>
-                  <a:schemeClr val="tx1">
-                    <a:tint val="75000"/>
-                  </a:schemeClr>
-                </a:solidFill>
-                <a:latin typeface="+mn-lt"/>
-                <a:ea typeface="+mn-ea"/>
-                <a:cs typeface="+mn-cs"/>
-              </a:defRPr>
-            </a:lvl7pPr>
-            <a:lvl8pPr marL="3200400" indent="0" algn="ctr" defTabSz="914400" rtl="0" eaLnBrk="1" latinLnBrk="0" hangingPunct="1">
-              <a:spcBef>
-                <a:spcPct val="20000"/>
-              </a:spcBef>
-              <a:buClr>
-                <a:schemeClr val="accent3"/>
-              </a:buClr>
-              <a:buFont typeface="Arial" pitchFamily="34" charset="0"/>
-              <a:buNone/>
-              <a:defRPr sz="1600" kern="1200">
-                <a:solidFill>
-                  <a:schemeClr val="tx1">
-                    <a:tint val="75000"/>
-                  </a:schemeClr>
-                </a:solidFill>
-                <a:latin typeface="+mn-lt"/>
-                <a:ea typeface="+mn-ea"/>
-                <a:cs typeface="+mn-cs"/>
-              </a:defRPr>
-            </a:lvl8pPr>
-            <a:lvl9pPr marL="3657600" indent="0" algn="ctr" defTabSz="914400" rtl="0" eaLnBrk="1" latinLnBrk="0" hangingPunct="1">
-              <a:spcBef>
-                <a:spcPct val="20000"/>
-              </a:spcBef>
-              <a:buClr>
-                <a:schemeClr val="accent6"/>
-              </a:buClr>
-              <a:buFont typeface="Arial" pitchFamily="34" charset="0"/>
-              <a:buNone/>
-              <a:defRPr sz="1600" kern="1200">
-                <a:solidFill>
-                  <a:schemeClr val="tx1">
-                    <a:tint val="75000"/>
-                  </a:schemeClr>
-                </a:solidFill>
-                <a:latin typeface="+mn-lt"/>
-                <a:ea typeface="+mn-ea"/>
-                <a:cs typeface="+mn-cs"/>
-              </a:defRPr>
-            </a:lvl9pPr>
-          </a:lstStyle>
-          <a:p>
-            <a:pPr algn="r"/>
-            <a:r>
-              <a:rPr lang="en-US" dirty="0"/>
-              <a:t>Jim Wooley</a:t>
-            </a:r>
-          </a:p>
-          <a:p>
-            <a:pPr algn="r"/>
-            <a:r>
-              <a:rPr lang="en-US" dirty="0">
-                <a:hlinkClick r:id="rId5"/>
-              </a:rPr>
-              <a:t>www.ThinqLinq.com</a:t>
-            </a:r>
-            <a:endParaRPr lang="en-US" dirty="0"/>
-          </a:p>
-          <a:p>
-            <a:pPr algn="r"/>
-            <a:r>
-              <a:rPr lang="en-US" dirty="0"/>
-              <a:t>Twitter: @</a:t>
-            </a:r>
-            <a:r>
-              <a:rPr lang="en-US" dirty="0" err="1"/>
-              <a:t>JimWooley</a:t>
-            </a:r>
-            <a:endParaRPr lang="en-US" dirty="0"/>
-          </a:p>
-        </p:txBody>
-      </p:sp>
-      <p:sp>
-        <p:nvSpPr>
-          <p:cNvPr id="11" name="Title 1"/>
-          <p:cNvSpPr>
-            <a:spLocks noGrp="1"/>
-          </p:cNvSpPr>
-          <p:nvPr>
-            <p:ph type="ctrTitle"/>
-          </p:nvPr>
-        </p:nvSpPr>
-        <p:spPr>
-          <a:xfrm>
-            <a:off x="2590800" y="2133600"/>
-            <a:ext cx="7848600" cy="2362200"/>
-          </a:xfrm>
-          <a:solidFill>
-            <a:srgbClr val="000000">
-              <a:alpha val="69804"/>
-            </a:srgbClr>
-          </a:solidFill>
-          <a:effectLst>
-            <a:softEdge rad="63500"/>
-          </a:effectLst>
-        </p:spPr>
-        <p:style>
-          <a:lnRef idx="1">
-            <a:schemeClr val="accent1"/>
-          </a:lnRef>
-          <a:fillRef idx="2">
-            <a:schemeClr val="accent1"/>
-          </a:fillRef>
-          <a:effectRef idx="1">
-            <a:schemeClr val="accent1"/>
-          </a:effectRef>
-          <a:fontRef idx="minor">
-            <a:schemeClr val="dk1"/>
-          </a:fontRef>
-        </p:style>
-        <p:txBody>
-          <a:bodyPr anchor="ctr">
-            <a:normAutofit fontScale="90000"/>
-          </a:bodyPr>
-          <a:lstStyle/>
-          <a:p>
-            <a:pPr algn="ctr"/>
-            <a:r>
-              <a:rPr lang="en-US" cap="small" dirty="0" err="1">
-                <a:solidFill>
-                  <a:schemeClr val="tx1"/>
-                </a:solidFill>
-              </a:rPr>
-              <a:t>.Net</a:t>
-            </a:r>
-            <a:r>
-              <a:rPr lang="en-US" cap="small" dirty="0">
-                <a:solidFill>
-                  <a:schemeClr val="tx1"/>
-                </a:solidFill>
-              </a:rPr>
-              <a:t> Compiler Platform</a:t>
-            </a:r>
-            <a:br>
-              <a:rPr lang="en-US" cap="small" dirty="0">
-                <a:solidFill>
-                  <a:schemeClr val="tx1"/>
-                </a:solidFill>
-              </a:rPr>
-            </a:br>
-            <a:r>
-              <a:rPr lang="en-US" cap="small" dirty="0">
-                <a:solidFill>
-                  <a:schemeClr val="tx1"/>
-                </a:solidFill>
-              </a:rPr>
-              <a:t>(Roslyn)</a:t>
-            </a:r>
-            <a:br>
-              <a:rPr lang="en-US" cap="small" dirty="0">
-                <a:solidFill>
-                  <a:schemeClr val="tx1"/>
-                </a:solidFill>
-              </a:rPr>
-            </a:br>
-            <a:r>
-              <a:rPr lang="en-US" cap="small" dirty="0">
-                <a:solidFill>
-                  <a:schemeClr val="tx1"/>
-                </a:solidFill>
-              </a:rPr>
-              <a:t>And You</a:t>
-            </a:r>
-            <a:br>
-              <a:rPr lang="en-US" cap="small" dirty="0">
-                <a:solidFill>
-                  <a:schemeClr val="tx1"/>
-                </a:solidFill>
-              </a:rPr>
-            </a:br>
-            <a:r>
-              <a:rPr lang="en-US" sz="2200" dirty="0">
-                <a:solidFill>
-                  <a:schemeClr val="tx1"/>
-                </a:solidFill>
-                <a:latin typeface="Segoe UI" panose="020B0502040204020203" pitchFamily="34" charset="0"/>
-                <a:hlinkClick r:id="rId6"/>
-              </a:rPr>
-              <a:t>https://github.com/jwooley/CSVersions</a:t>
-            </a:r>
-            <a:r>
-              <a:rPr lang="en-US" sz="2200" dirty="0">
-                <a:solidFill>
-                  <a:schemeClr val="tx1"/>
-                </a:solidFill>
-                <a:latin typeface="Segoe UI" panose="020B0502040204020203" pitchFamily="34" charset="0"/>
-              </a:rPr>
-              <a:t> </a:t>
-            </a:r>
-            <a:br>
-              <a:rPr lang="en-US" sz="2200" dirty="0">
-                <a:solidFill>
-                  <a:schemeClr val="tx1"/>
-                </a:solidFill>
-                <a:latin typeface="Segoe UI" panose="020B0502040204020203" pitchFamily="34" charset="0"/>
-              </a:rPr>
-            </a:br>
-            <a:r>
-              <a:rPr lang="en-US" sz="2400" dirty="0">
-                <a:solidFill>
-                  <a:schemeClr val="tx1"/>
-                </a:solidFill>
-                <a:hlinkClick r:id="rId7"/>
-              </a:rPr>
-              <a:t>https://jwooley.github.io</a:t>
-            </a:r>
-            <a:r>
-              <a:rPr lang="en-US" sz="2400" cap="small" dirty="0">
-                <a:solidFill>
-                  <a:schemeClr val="tx1"/>
-                </a:solidFill>
-                <a:hlinkClick r:id="rId7"/>
-              </a:rPr>
-              <a:t>/</a:t>
-            </a:r>
-            <a:endParaRPr lang="en-US" sz="2200" cap="small" dirty="0">
-              <a:solidFill>
-                <a:schemeClr val="tx1"/>
-              </a:solidFill>
-            </a:endParaRPr>
-          </a:p>
-        </p:txBody>
-      </p:sp>
-    </p:spTree>
-    <p:extLst>
-      <p:ext uri="{BB962C8B-B14F-4D97-AF65-F5344CB8AC3E}">
-        <p14:creationId xmlns:p14="http://schemas.microsoft.com/office/powerpoint/2010/main" val="2613547704"/>
       </p:ext>
     </p:extLst>
   </p:cSld>

--- a/CSPastPresentFuture.pptx
+++ b/CSPastPresentFuture.pptx
@@ -17,7 +17,7 @@
     <p:sldId id="318" r:id="rId8"/>
     <p:sldId id="319" r:id="rId9"/>
     <p:sldId id="263" r:id="rId10"/>
-    <p:sldId id="287" r:id="rId11"/>
+    <p:sldId id="325" r:id="rId11"/>
   </p:sldIdLst>
   <p:sldSz cx="12192000" cy="6858000"/>
   <p:notesSz cx="6858000" cy="9144000"/>
@@ -17854,7 +17854,7 @@
           <a:p>
             <a:fld id="{FC81B089-160E-404A-8C73-8674F1782EA4}" type="datetimeFigureOut">
               <a:rPr lang="en-US" smtClean="0"/>
-              <a:t>8/28/2023</a:t>
+              <a:t>10/10/2023</a:t>
             </a:fld>
             <a:endParaRPr lang="en-US"/>
           </a:p>
@@ -20922,7 +20922,7 @@
           <a:p>
             <a:fld id="{D2B62928-2648-4210-B25C-2BD7B5FE2C7B}" type="datetimeFigureOut">
               <a:rPr lang="en-US" smtClean="0"/>
-              <a:t>8/28/2023</a:t>
+              <a:t>10/10/2023</a:t>
             </a:fld>
             <a:endParaRPr lang="en-US"/>
           </a:p>
@@ -21433,7 +21433,7 @@
           <a:p>
             <a:fld id="{D2B62928-2648-4210-B25C-2BD7B5FE2C7B}" type="datetimeFigureOut">
               <a:rPr lang="en-US" smtClean="0"/>
-              <a:t>8/28/2023</a:t>
+              <a:t>10/10/2023</a:t>
             </a:fld>
             <a:endParaRPr lang="en-US"/>
           </a:p>
@@ -21606,7 +21606,7 @@
           <a:p>
             <a:fld id="{D2B62928-2648-4210-B25C-2BD7B5FE2C7B}" type="datetimeFigureOut">
               <a:rPr lang="en-US" smtClean="0"/>
-              <a:t>8/28/2023</a:t>
+              <a:t>10/10/2023</a:t>
             </a:fld>
             <a:endParaRPr lang="en-US"/>
           </a:p>
@@ -21770,7 +21770,7 @@
           <a:p>
             <a:fld id="{D2B62928-2648-4210-B25C-2BD7B5FE2C7B}" type="datetimeFigureOut">
               <a:rPr lang="en-US" smtClean="0"/>
-              <a:t>8/28/2023</a:t>
+              <a:t>10/10/2023</a:t>
             </a:fld>
             <a:endParaRPr lang="en-US"/>
           </a:p>
@@ -24893,7 +24893,7 @@
           <a:p>
             <a:fld id="{D2B62928-2648-4210-B25C-2BD7B5FE2C7B}" type="datetimeFigureOut">
               <a:rPr lang="en-US" smtClean="0"/>
-              <a:t>8/28/2023</a:t>
+              <a:t>10/10/2023</a:t>
             </a:fld>
             <a:endParaRPr lang="en-US"/>
           </a:p>
@@ -25173,7 +25173,7 @@
           <a:p>
             <a:fld id="{D2B62928-2648-4210-B25C-2BD7B5FE2C7B}" type="datetimeFigureOut">
               <a:rPr lang="en-US" smtClean="0"/>
-              <a:t>8/28/2023</a:t>
+              <a:t>10/10/2023</a:t>
             </a:fld>
             <a:endParaRPr lang="en-US"/>
           </a:p>
@@ -25587,7 +25587,7 @@
           <a:p>
             <a:fld id="{D2B62928-2648-4210-B25C-2BD7B5FE2C7B}" type="datetimeFigureOut">
               <a:rPr lang="en-US" smtClean="0"/>
-              <a:t>8/28/2023</a:t>
+              <a:t>10/10/2023</a:t>
             </a:fld>
             <a:endParaRPr lang="en-US"/>
           </a:p>
@@ -25699,7 +25699,7 @@
           <a:p>
             <a:fld id="{D2B62928-2648-4210-B25C-2BD7B5FE2C7B}" type="datetimeFigureOut">
               <a:rPr lang="en-US" smtClean="0"/>
-              <a:t>8/28/2023</a:t>
+              <a:t>10/10/2023</a:t>
             </a:fld>
             <a:endParaRPr lang="en-US"/>
           </a:p>
@@ -25789,7 +25789,7 @@
           <a:p>
             <a:fld id="{D2B62928-2648-4210-B25C-2BD7B5FE2C7B}" type="datetimeFigureOut">
               <a:rPr lang="en-US" smtClean="0"/>
-              <a:t>8/28/2023</a:t>
+              <a:t>10/10/2023</a:t>
             </a:fld>
             <a:endParaRPr lang="en-US"/>
           </a:p>
@@ -25964,7 +25964,7 @@
           <a:p>
             <a:fld id="{D2B62928-2648-4210-B25C-2BD7B5FE2C7B}" type="datetimeFigureOut">
               <a:rPr lang="en-US" smtClean="0"/>
-              <a:t>8/28/2023</a:t>
+              <a:t>10/10/2023</a:t>
             </a:fld>
             <a:endParaRPr lang="en-US"/>
           </a:p>
@@ -26449,7 +26449,7 @@
           <a:p>
             <a:fld id="{D2B62928-2648-4210-B25C-2BD7B5FE2C7B}" type="datetimeFigureOut">
               <a:rPr lang="en-US" smtClean="0"/>
-              <a:t>8/28/2023</a:t>
+              <a:t>10/10/2023</a:t>
             </a:fld>
             <a:endParaRPr lang="en-US"/>
           </a:p>
@@ -27001,7 +27001,7 @@
           <a:p>
             <a:fld id="{D2B62928-2648-4210-B25C-2BD7B5FE2C7B}" type="datetimeFigureOut">
               <a:rPr lang="en-US" smtClean="0"/>
-              <a:t>8/28/2023</a:t>
+              <a:t>10/10/2023</a:t>
             </a:fld>
             <a:endParaRPr lang="en-US"/>
           </a:p>
@@ -27421,13 +27421,13 @@
             <a:spLocks noGrp="1"/>
           </p:cNvSpPr>
           <p:nvPr>
-            <p:ph type="ctrTitle"/>
+            <p:ph type="ctrTitle" idx="4294967295"/>
           </p:nvPr>
         </p:nvSpPr>
         <p:spPr>
           <a:xfrm>
-            <a:off x="1828800" y="2133600"/>
-            <a:ext cx="8153400" cy="2090065"/>
+            <a:off x="2133600" y="2383631"/>
+            <a:ext cx="8153400" cy="2090738"/>
           </a:xfrm>
           <a:solidFill>
             <a:srgbClr val="000000">
@@ -27465,7 +27465,7 @@
                   <a:schemeClr val="tx1"/>
                 </a:solidFill>
               </a:rPr>
-              <a:t>C# Past Present and beyond</a:t>
+              <a:t>C#, Past, Present and Future</a:t>
             </a:r>
             <a:br>
               <a:rPr lang="en-US" cap="small" dirty="0">
@@ -27892,6 +27892,101 @@
           <a:chExt cx="0" cy="0"/>
         </a:xfrm>
       </p:grpSpPr>
+      <p:sp>
+        <p:nvSpPr>
+          <p:cNvPr id="2" name="Title 1"/>
+          <p:cNvSpPr>
+            <a:spLocks noGrp="1"/>
+          </p:cNvSpPr>
+          <p:nvPr>
+            <p:ph type="ctrTitle" idx="4294967295"/>
+          </p:nvPr>
+        </p:nvSpPr>
+        <p:spPr>
+          <a:xfrm>
+            <a:off x="2133600" y="2383631"/>
+            <a:ext cx="8153400" cy="2090738"/>
+          </a:xfrm>
+          <a:solidFill>
+            <a:srgbClr val="000000">
+              <a:alpha val="69804"/>
+            </a:srgbClr>
+          </a:solidFill>
+          <a:effectLst>
+            <a:softEdge rad="63500"/>
+          </a:effectLst>
+        </p:spPr>
+        <p:style>
+          <a:lnRef idx="1">
+            <a:schemeClr val="accent1"/>
+          </a:lnRef>
+          <a:fillRef idx="2">
+            <a:schemeClr val="accent1"/>
+          </a:fillRef>
+          <a:effectRef idx="1">
+            <a:schemeClr val="accent1"/>
+          </a:effectRef>
+          <a:fontRef idx="minor">
+            <a:schemeClr val="dk1"/>
+          </a:fontRef>
+        </p:style>
+        <p:txBody>
+          <a:bodyPr anchor="ctr">
+            <a:normAutofit fontScale="90000"/>
+          </a:bodyPr>
+          <a:lstStyle/>
+          <a:p>
+            <a:pPr algn="ctr"/>
+            <a:r>
+              <a:rPr lang="en-US" cap="small" dirty="0">
+                <a:solidFill>
+                  <a:schemeClr val="tx1"/>
+                </a:solidFill>
+              </a:rPr>
+              <a:t>C#, Past, Present </a:t>
+            </a:r>
+            <a:r>
+              <a:rPr lang="en-US" cap="small">
+                <a:solidFill>
+                  <a:schemeClr val="tx1"/>
+                </a:solidFill>
+              </a:rPr>
+              <a:t>and Future</a:t>
+            </a:r>
+            <a:br>
+              <a:rPr lang="en-US" cap="small" dirty="0">
+                <a:solidFill>
+                  <a:schemeClr val="tx1"/>
+                </a:solidFill>
+              </a:rPr>
+            </a:br>
+            <a:r>
+              <a:rPr lang="en-US" sz="3600" dirty="0">
+                <a:solidFill>
+                  <a:schemeClr val="tx1"/>
+                </a:solidFill>
+                <a:latin typeface="Segoe UI" panose="020B0502040204020203" pitchFamily="34" charset="0"/>
+              </a:rPr>
+              <a:t>https://github.com/jwooley/CSVersions</a:t>
+            </a:r>
+            <a:br>
+              <a:rPr lang="en-US" dirty="0">
+                <a:solidFill>
+                  <a:schemeClr val="tx1"/>
+                </a:solidFill>
+              </a:rPr>
+            </a:br>
+            <a:r>
+              <a:rPr lang="en-US" dirty="0">
+                <a:solidFill>
+                  <a:schemeClr val="tx1"/>
+                </a:solidFill>
+              </a:rPr>
+              <a:t>https://jwooley.github.io/ </a:t>
+            </a:r>
+          </a:p>
+        </p:txBody>
+      </p:sp>
       <p:pic>
         <p:nvPicPr>
           <p:cNvPr id="5" name="Picture 2" descr="\\WOOLEYHOMESVR\Photos\MVP_Logo_Kit\MVP Logo Kit\MVP_FullColor_ForScreen.png"/>
@@ -27915,7 +28010,7 @@
         </p:blipFill>
         <p:spPr bwMode="auto">
           <a:xfrm>
-            <a:off x="10961040" y="12555"/>
+            <a:off x="10954414" y="16565"/>
             <a:ext cx="1230960" cy="1931970"/>
           </a:xfrm>
           <a:prstGeom prst="rect">
@@ -27956,7 +28051,7 @@
         </p:blipFill>
         <p:spPr bwMode="auto">
           <a:xfrm>
-            <a:off x="9360840" y="12555"/>
+            <a:off x="9347588" y="16565"/>
             <a:ext cx="1600200" cy="2005584"/>
           </a:xfrm>
           <a:prstGeom prst="rect">
@@ -27984,7 +28079,7 @@
         </p:nvSpPr>
         <p:spPr>
           <a:xfrm>
-            <a:off x="76200" y="5410642"/>
+            <a:off x="0" y="5462187"/>
             <a:ext cx="2895600" cy="1368798"/>
           </a:xfrm>
           <a:prstGeom prst="rect">
@@ -28205,12 +28300,9 @@
           <a:p>
             <a:pPr algn="r"/>
             <a:r>
-              <a:rPr lang="en-US" dirty="0">
-                <a:hlinkClick r:id="rId4"/>
-              </a:rPr>
+              <a:rPr lang="en-US" dirty="0"/>
               <a:t>www.ThinqLinq.com</a:t>
             </a:r>
-            <a:endParaRPr lang="en-US" dirty="0"/>
           </a:p>
           <a:p>
             <a:pPr algn="r"/>
@@ -28226,161 +28318,40 @@
           </a:p>
         </p:txBody>
       </p:sp>
-      <p:sp>
-        <p:nvSpPr>
-          <p:cNvPr id="11" name="Title 1"/>
-          <p:cNvSpPr>
-            <a:spLocks noGrp="1"/>
-          </p:cNvSpPr>
-          <p:nvPr>
-            <p:ph type="ctrTitle"/>
-          </p:nvPr>
-        </p:nvSpPr>
+      <p:pic>
+        <p:nvPicPr>
+          <p:cNvPr id="10" name="Picture 9">
+            <a:extLst>
+              <a:ext uri="{FF2B5EF4-FFF2-40B4-BE49-F238E27FC236}">
+                <a16:creationId xmlns:a16="http://schemas.microsoft.com/office/drawing/2014/main" id="{3CB934DF-A375-4CF4-9006-A23354D7231E}"/>
+              </a:ext>
+            </a:extLst>
+          </p:cNvPr>
+          <p:cNvPicPr>
+            <a:picLocks noChangeAspect="1"/>
+          </p:cNvPicPr>
+          <p:nvPr/>
+        </p:nvPicPr>
+        <p:blipFill>
+          <a:blip r:embed="rId4"/>
+          <a:stretch>
+            <a:fillRect/>
+          </a:stretch>
+        </p:blipFill>
         <p:spPr>
           <a:xfrm>
-            <a:off x="2590800" y="2133600"/>
-            <a:ext cx="7848600" cy="2362200"/>
+            <a:off x="228600" y="272532"/>
+            <a:ext cx="1447925" cy="1493649"/>
           </a:xfrm>
-          <a:solidFill>
-            <a:srgbClr val="000000">
-              <a:alpha val="69804"/>
-            </a:srgbClr>
-          </a:solidFill>
-          <a:effectLst>
-            <a:softEdge rad="63500"/>
-          </a:effectLst>
+          <a:prstGeom prst="rect">
+            <a:avLst/>
+          </a:prstGeom>
         </p:spPr>
-        <p:style>
-          <a:lnRef idx="1">
-            <a:schemeClr val="accent1"/>
-          </a:lnRef>
-          <a:fillRef idx="2">
-            <a:schemeClr val="accent1"/>
-          </a:fillRef>
-          <a:effectRef idx="1">
-            <a:schemeClr val="accent1"/>
-          </a:effectRef>
-          <a:fontRef idx="minor">
-            <a:schemeClr val="dk1"/>
-          </a:fontRef>
-        </p:style>
-        <p:txBody>
-          <a:bodyPr anchor="ctr">
-            <a:normAutofit fontScale="90000"/>
-          </a:bodyPr>
-          <a:lstStyle/>
-          <a:p>
-            <a:pPr algn="ctr"/>
-            <a:r>
-              <a:rPr lang="en-US" cap="small" dirty="0" err="1">
-                <a:solidFill>
-                  <a:schemeClr val="tx1"/>
-                </a:solidFill>
-              </a:rPr>
-              <a:t>.Net</a:t>
-            </a:r>
-            <a:r>
-              <a:rPr lang="en-US" cap="small" dirty="0">
-                <a:solidFill>
-                  <a:schemeClr val="tx1"/>
-                </a:solidFill>
-              </a:rPr>
-              <a:t> Compiler Platform</a:t>
-            </a:r>
-            <a:br>
-              <a:rPr lang="en-US" cap="small" dirty="0">
-                <a:solidFill>
-                  <a:schemeClr val="tx1"/>
-                </a:solidFill>
-              </a:rPr>
-            </a:br>
-            <a:r>
-              <a:rPr lang="en-US" cap="small" dirty="0">
-                <a:solidFill>
-                  <a:schemeClr val="tx1"/>
-                </a:solidFill>
-              </a:rPr>
-              <a:t>(Roslyn)</a:t>
-            </a:r>
-            <a:br>
-              <a:rPr lang="en-US" cap="small" dirty="0">
-                <a:solidFill>
-                  <a:schemeClr val="tx1"/>
-                </a:solidFill>
-              </a:rPr>
-            </a:br>
-            <a:r>
-              <a:rPr lang="en-US" cap="small" dirty="0">
-                <a:solidFill>
-                  <a:schemeClr val="tx1"/>
-                </a:solidFill>
-              </a:rPr>
-              <a:t>And You</a:t>
-            </a:r>
-            <a:br>
-              <a:rPr lang="en-US" cap="small" dirty="0">
-                <a:solidFill>
-                  <a:schemeClr val="tx1"/>
-                </a:solidFill>
-              </a:rPr>
-            </a:br>
-            <a:r>
-              <a:rPr lang="en-US" sz="2200" dirty="0">
-                <a:solidFill>
-                  <a:schemeClr val="tx1"/>
-                </a:solidFill>
-                <a:latin typeface="Segoe UI" panose="020B0502040204020203" pitchFamily="34" charset="0"/>
-                <a:hlinkClick r:id="rId5"/>
-              </a:rPr>
-              <a:t>https://github.com/jwooley/CSVersions</a:t>
-            </a:r>
-            <a:r>
-              <a:rPr lang="en-US" sz="2200" dirty="0">
-                <a:solidFill>
-                  <a:schemeClr val="tx1"/>
-                </a:solidFill>
-                <a:latin typeface="Segoe UI" panose="020B0502040204020203" pitchFamily="34" charset="0"/>
-              </a:rPr>
-              <a:t> </a:t>
-            </a:r>
-            <a:br>
-              <a:rPr lang="en-US" sz="2200" dirty="0">
-                <a:solidFill>
-                  <a:schemeClr val="tx1"/>
-                </a:solidFill>
-                <a:latin typeface="Segoe UI" panose="020B0502040204020203" pitchFamily="34" charset="0"/>
-              </a:rPr>
-            </a:br>
-            <a:r>
-              <a:rPr lang="en-US" sz="2400" dirty="0">
-                <a:solidFill>
-                  <a:schemeClr val="tx1"/>
-                </a:solidFill>
-                <a:hlinkClick r:id="rId6"/>
-              </a:rPr>
-              <a:t>https://jwooley.github.io</a:t>
-            </a:r>
-            <a:r>
-              <a:rPr lang="en-US" sz="2400" cap="small" dirty="0">
-                <a:solidFill>
-                  <a:schemeClr val="tx1"/>
-                </a:solidFill>
-                <a:hlinkClick r:id="rId6"/>
-              </a:rPr>
-              <a:t>/</a:t>
-            </a:r>
-            <a:endParaRPr lang="en-US" sz="2200" cap="small" dirty="0">
-              <a:solidFill>
-                <a:schemeClr val="tx1"/>
-              </a:solidFill>
-            </a:endParaRPr>
-          </a:p>
-        </p:txBody>
-      </p:sp>
+      </p:pic>
     </p:spTree>
     <p:extLst>
       <p:ext uri="{BB962C8B-B14F-4D97-AF65-F5344CB8AC3E}">
-        <p14:creationId xmlns:p14="http://schemas.microsoft.com/office/powerpoint/2010/main" val="2613547704"/>
+        <p14:creationId xmlns:p14="http://schemas.microsoft.com/office/powerpoint/2010/main" val="1529520529"/>
       </p:ext>
     </p:extLst>
   </p:cSld>
